--- a/docs/SAGA_implementation.pptx
+++ b/docs/SAGA_implementation.pptx
@@ -7,6 +7,7 @@
   <p:sldIdLst>
     <p:sldId id="141168490" r:id="rId2"/>
     <p:sldId id="141168493" r:id="rId3"/>
+    <p:sldId id="141168494" r:id="rId4"/>
   </p:sldIdLst>
   <p:sldSz cx="12192000" cy="6858000"/>
   <p:notesSz cx="6858000" cy="9144000"/>
@@ -18308,6 +18309,7176 @@
 </p:sld>
 </file>
 
+<file path=ppt/slides/slide3.xml><?xml version="1.0" encoding="utf-8"?>
+<p:sld xmlns:a="http://schemas.openxmlformats.org/drawingml/2006/main" xmlns:r="http://schemas.openxmlformats.org/officeDocument/2006/relationships" xmlns:p="http://schemas.openxmlformats.org/presentationml/2006/main">
+  <p:cSld>
+    <p:spTree>
+      <p:nvGrpSpPr>
+        <p:cNvPr id="1" name=""/>
+        <p:cNvGrpSpPr/>
+        <p:nvPr/>
+      </p:nvGrpSpPr>
+      <p:grpSpPr>
+        <a:xfrm>
+          <a:off x="0" y="0"/>
+          <a:ext cx="0" cy="0"/>
+          <a:chOff x="0" y="0"/>
+          <a:chExt cx="0" cy="0"/>
+        </a:xfrm>
+      </p:grpSpPr>
+      <p:sp>
+        <p:nvSpPr>
+          <p:cNvPr id="2" name="Title 1">
+            <a:extLst>
+              <a:ext uri="{FF2B5EF4-FFF2-40B4-BE49-F238E27FC236}">
+                <a16:creationId xmlns:a16="http://schemas.microsoft.com/office/drawing/2014/main" id="{C2DC263B-64E3-534F-883E-DA4B2E433FAC}"/>
+              </a:ext>
+            </a:extLst>
+          </p:cNvPr>
+          <p:cNvSpPr>
+            <a:spLocks noGrp="1"/>
+          </p:cNvSpPr>
+          <p:nvPr>
+            <p:ph type="title"/>
+          </p:nvPr>
+        </p:nvSpPr>
+        <p:spPr>
+          <a:xfrm>
+            <a:off x="390788" y="60120"/>
+            <a:ext cx="10886813" cy="479167"/>
+          </a:xfrm>
+        </p:spPr>
+        <p:txBody>
+          <a:bodyPr anchor="ctr">
+            <a:noAutofit/>
+          </a:bodyPr>
+          <a:lstStyle/>
+          <a:p>
+            <a:r>
+              <a:rPr lang="en-US" sz="3600" dirty="0"/>
+              <a:t>SAGA Pattern </a:t>
+            </a:r>
+            <a:r>
+              <a:rPr lang="en-US" sz="2800" dirty="0"/>
+              <a:t>(Choreography)</a:t>
+            </a:r>
+            <a:r>
+              <a:rPr lang="en-US" sz="3600" dirty="0"/>
+              <a:t> - </a:t>
+            </a:r>
+            <a:r>
+              <a:rPr lang="en-US" sz="2400" dirty="0"/>
+              <a:t>Sequence Diagram </a:t>
+            </a:r>
+            <a:r>
+              <a:rPr lang="en-US" sz="2000" dirty="0"/>
+              <a:t>– Create Order</a:t>
+            </a:r>
+          </a:p>
+        </p:txBody>
+      </p:sp>
+      <p:sp>
+        <p:nvSpPr>
+          <p:cNvPr id="5" name="Rounded Rectangle 4">
+            <a:extLst>
+              <a:ext uri="{FF2B5EF4-FFF2-40B4-BE49-F238E27FC236}">
+                <a16:creationId xmlns:a16="http://schemas.microsoft.com/office/drawing/2014/main" id="{6376851D-EB30-EC40-9684-727591A0F50B}"/>
+              </a:ext>
+            </a:extLst>
+          </p:cNvPr>
+          <p:cNvSpPr/>
+          <p:nvPr/>
+        </p:nvSpPr>
+        <p:spPr>
+          <a:xfrm>
+            <a:off x="675598" y="685132"/>
+            <a:ext cx="1239127" cy="619013"/>
+          </a:xfrm>
+          <a:custGeom>
+            <a:avLst/>
+            <a:gdLst>
+              <a:gd name="connsiteX0" fmla="*/ 0 w 1239127"/>
+              <a:gd name="connsiteY0" fmla="*/ 103171 h 619013"/>
+              <a:gd name="connsiteX1" fmla="*/ 103171 w 1239127"/>
+              <a:gd name="connsiteY1" fmla="*/ 0 h 619013"/>
+              <a:gd name="connsiteX2" fmla="*/ 619564 w 1239127"/>
+              <a:gd name="connsiteY2" fmla="*/ 0 h 619013"/>
+              <a:gd name="connsiteX3" fmla="*/ 1135956 w 1239127"/>
+              <a:gd name="connsiteY3" fmla="*/ 0 h 619013"/>
+              <a:gd name="connsiteX4" fmla="*/ 1239127 w 1239127"/>
+              <a:gd name="connsiteY4" fmla="*/ 103171 h 619013"/>
+              <a:gd name="connsiteX5" fmla="*/ 1239127 w 1239127"/>
+              <a:gd name="connsiteY5" fmla="*/ 515842 h 619013"/>
+              <a:gd name="connsiteX6" fmla="*/ 1135956 w 1239127"/>
+              <a:gd name="connsiteY6" fmla="*/ 619013 h 619013"/>
+              <a:gd name="connsiteX7" fmla="*/ 629891 w 1239127"/>
+              <a:gd name="connsiteY7" fmla="*/ 619013 h 619013"/>
+              <a:gd name="connsiteX8" fmla="*/ 103171 w 1239127"/>
+              <a:gd name="connsiteY8" fmla="*/ 619013 h 619013"/>
+              <a:gd name="connsiteX9" fmla="*/ 0 w 1239127"/>
+              <a:gd name="connsiteY9" fmla="*/ 515842 h 619013"/>
+              <a:gd name="connsiteX10" fmla="*/ 0 w 1239127"/>
+              <a:gd name="connsiteY10" fmla="*/ 103171 h 619013"/>
+            </a:gdLst>
+            <a:ahLst/>
+            <a:cxnLst>
+              <a:cxn ang="0">
+                <a:pos x="connsiteX0" y="connsiteY0"/>
+              </a:cxn>
+              <a:cxn ang="0">
+                <a:pos x="connsiteX1" y="connsiteY1"/>
+              </a:cxn>
+              <a:cxn ang="0">
+                <a:pos x="connsiteX2" y="connsiteY2"/>
+              </a:cxn>
+              <a:cxn ang="0">
+                <a:pos x="connsiteX3" y="connsiteY3"/>
+              </a:cxn>
+              <a:cxn ang="0">
+                <a:pos x="connsiteX4" y="connsiteY4"/>
+              </a:cxn>
+              <a:cxn ang="0">
+                <a:pos x="connsiteX5" y="connsiteY5"/>
+              </a:cxn>
+              <a:cxn ang="0">
+                <a:pos x="connsiteX6" y="connsiteY6"/>
+              </a:cxn>
+              <a:cxn ang="0">
+                <a:pos x="connsiteX7" y="connsiteY7"/>
+              </a:cxn>
+              <a:cxn ang="0">
+                <a:pos x="connsiteX8" y="connsiteY8"/>
+              </a:cxn>
+              <a:cxn ang="0">
+                <a:pos x="connsiteX9" y="connsiteY9"/>
+              </a:cxn>
+              <a:cxn ang="0">
+                <a:pos x="connsiteX10" y="connsiteY10"/>
+              </a:cxn>
+            </a:cxnLst>
+            <a:rect l="l" t="t" r="r" b="b"/>
+            <a:pathLst>
+              <a:path w="1239127" h="619013" fill="none" extrusionOk="0">
+                <a:moveTo>
+                  <a:pt x="0" y="103171"/>
+                </a:moveTo>
+                <a:cubicBezTo>
+                  <a:pt x="-7869" y="57701"/>
+                  <a:pt x="40555" y="2904"/>
+                  <a:pt x="103171" y="0"/>
+                </a:cubicBezTo>
+                <a:cubicBezTo>
+                  <a:pt x="301278" y="-14775"/>
+                  <a:pt x="379035" y="-24866"/>
+                  <a:pt x="619564" y="0"/>
+                </a:cubicBezTo>
+                <a:cubicBezTo>
+                  <a:pt x="860093" y="24866"/>
+                  <a:pt x="913571" y="-16996"/>
+                  <a:pt x="1135956" y="0"/>
+                </a:cubicBezTo>
+                <a:cubicBezTo>
+                  <a:pt x="1198358" y="-486"/>
+                  <a:pt x="1227045" y="43466"/>
+                  <a:pt x="1239127" y="103171"/>
+                </a:cubicBezTo>
+                <a:cubicBezTo>
+                  <a:pt x="1225883" y="228207"/>
+                  <a:pt x="1256978" y="403834"/>
+                  <a:pt x="1239127" y="515842"/>
+                </a:cubicBezTo>
+                <a:cubicBezTo>
+                  <a:pt x="1229173" y="568953"/>
+                  <a:pt x="1185845" y="613150"/>
+                  <a:pt x="1135956" y="619013"/>
+                </a:cubicBezTo>
+                <a:cubicBezTo>
+                  <a:pt x="1008193" y="632931"/>
+                  <a:pt x="849913" y="635011"/>
+                  <a:pt x="629891" y="619013"/>
+                </a:cubicBezTo>
+                <a:cubicBezTo>
+                  <a:pt x="409869" y="603015"/>
+                  <a:pt x="335213" y="637627"/>
+                  <a:pt x="103171" y="619013"/>
+                </a:cubicBezTo>
+                <a:cubicBezTo>
+                  <a:pt x="51523" y="626263"/>
+                  <a:pt x="-1605" y="568942"/>
+                  <a:pt x="0" y="515842"/>
+                </a:cubicBezTo>
+                <a:cubicBezTo>
+                  <a:pt x="15649" y="377955"/>
+                  <a:pt x="-7182" y="255517"/>
+                  <a:pt x="0" y="103171"/>
+                </a:cubicBezTo>
+                <a:close/>
+              </a:path>
+              <a:path w="1239127" h="619013" stroke="0" extrusionOk="0">
+                <a:moveTo>
+                  <a:pt x="0" y="103171"/>
+                </a:moveTo>
+                <a:cubicBezTo>
+                  <a:pt x="7652" y="57713"/>
+                  <a:pt x="42289" y="4536"/>
+                  <a:pt x="103171" y="0"/>
+                </a:cubicBezTo>
+                <a:cubicBezTo>
+                  <a:pt x="294044" y="-20405"/>
+                  <a:pt x="476447" y="-667"/>
+                  <a:pt x="588580" y="0"/>
+                </a:cubicBezTo>
+                <a:cubicBezTo>
+                  <a:pt x="700713" y="667"/>
+                  <a:pt x="988965" y="16419"/>
+                  <a:pt x="1135956" y="0"/>
+                </a:cubicBezTo>
+                <a:cubicBezTo>
+                  <a:pt x="1183826" y="6749"/>
+                  <a:pt x="1241430" y="49230"/>
+                  <a:pt x="1239127" y="103171"/>
+                </a:cubicBezTo>
+                <a:cubicBezTo>
+                  <a:pt x="1244750" y="228564"/>
+                  <a:pt x="1245504" y="425420"/>
+                  <a:pt x="1239127" y="515842"/>
+                </a:cubicBezTo>
+                <a:cubicBezTo>
+                  <a:pt x="1233474" y="577397"/>
+                  <a:pt x="1190876" y="618104"/>
+                  <a:pt x="1135956" y="619013"/>
+                </a:cubicBezTo>
+                <a:cubicBezTo>
+                  <a:pt x="946083" y="636733"/>
+                  <a:pt x="751162" y="603804"/>
+                  <a:pt x="650547" y="619013"/>
+                </a:cubicBezTo>
+                <a:cubicBezTo>
+                  <a:pt x="549932" y="634222"/>
+                  <a:pt x="340416" y="596691"/>
+                  <a:pt x="103171" y="619013"/>
+                </a:cubicBezTo>
+                <a:cubicBezTo>
+                  <a:pt x="42883" y="617377"/>
+                  <a:pt x="-4154" y="573536"/>
+                  <a:pt x="0" y="515842"/>
+                </a:cubicBezTo>
+                <a:cubicBezTo>
+                  <a:pt x="5926" y="326621"/>
+                  <a:pt x="7851" y="288737"/>
+                  <a:pt x="0" y="103171"/>
+                </a:cubicBezTo>
+                <a:close/>
+              </a:path>
+            </a:pathLst>
+          </a:custGeom>
+          <a:solidFill>
+            <a:srgbClr val="CD8E7F"/>
+          </a:solidFill>
+          <a:ln>
+            <a:solidFill>
+              <a:schemeClr val="accent2">
+                <a:lumMod val="50000"/>
+              </a:schemeClr>
+            </a:solidFill>
+            <a:extLst>
+              <a:ext uri="{C807C97D-BFC1-408E-A445-0C87EB9F89A2}">
+                <ask:lineSketchStyleProps xmlns:ask="http://schemas.microsoft.com/office/drawing/2018/sketchyshapes" sd="3247364810">
+                  <a:prstGeom prst="roundRect">
+                    <a:avLst/>
+                  </a:prstGeom>
+                  <ask:type>
+                    <ask:lineSketchFreehand/>
+                  </ask:type>
+                </ask:lineSketchStyleProps>
+              </a:ext>
+            </a:extLst>
+          </a:ln>
+        </p:spPr>
+        <p:style>
+          <a:lnRef idx="2">
+            <a:schemeClr val="accent1">
+              <a:shade val="50000"/>
+            </a:schemeClr>
+          </a:lnRef>
+          <a:fillRef idx="1">
+            <a:schemeClr val="accent1"/>
+          </a:fillRef>
+          <a:effectRef idx="0">
+            <a:schemeClr val="accent1"/>
+          </a:effectRef>
+          <a:fontRef idx="minor">
+            <a:schemeClr val="lt1"/>
+          </a:fontRef>
+        </p:style>
+        <p:txBody>
+          <a:bodyPr rtlCol="0" anchor="ctr"/>
+          <a:lstStyle/>
+          <a:p>
+            <a:pPr algn="ctr"/>
+            <a:r>
+              <a:rPr lang="en-US" sz="1200" dirty="0"/>
+              <a:t>USER</a:t>
+            </a:r>
+          </a:p>
+        </p:txBody>
+      </p:sp>
+      <p:sp>
+        <p:nvSpPr>
+          <p:cNvPr id="6" name="Rounded Rectangle 5">
+            <a:extLst>
+              <a:ext uri="{FF2B5EF4-FFF2-40B4-BE49-F238E27FC236}">
+                <a16:creationId xmlns:a16="http://schemas.microsoft.com/office/drawing/2014/main" id="{B480FF3B-BB08-FB48-9A87-5E412FDDE3D2}"/>
+              </a:ext>
+            </a:extLst>
+          </p:cNvPr>
+          <p:cNvSpPr/>
+          <p:nvPr/>
+        </p:nvSpPr>
+        <p:spPr>
+          <a:xfrm>
+            <a:off x="10679640" y="656721"/>
+            <a:ext cx="1135385" cy="695993"/>
+          </a:xfrm>
+          <a:custGeom>
+            <a:avLst/>
+            <a:gdLst>
+              <a:gd name="connsiteX0" fmla="*/ 0 w 1135385"/>
+              <a:gd name="connsiteY0" fmla="*/ 116001 h 695993"/>
+              <a:gd name="connsiteX1" fmla="*/ 116001 w 1135385"/>
+              <a:gd name="connsiteY1" fmla="*/ 0 h 695993"/>
+              <a:gd name="connsiteX2" fmla="*/ 558659 w 1135385"/>
+              <a:gd name="connsiteY2" fmla="*/ 0 h 695993"/>
+              <a:gd name="connsiteX3" fmla="*/ 1019384 w 1135385"/>
+              <a:gd name="connsiteY3" fmla="*/ 0 h 695993"/>
+              <a:gd name="connsiteX4" fmla="*/ 1135385 w 1135385"/>
+              <a:gd name="connsiteY4" fmla="*/ 116001 h 695993"/>
+              <a:gd name="connsiteX5" fmla="*/ 1135385 w 1135385"/>
+              <a:gd name="connsiteY5" fmla="*/ 579992 h 695993"/>
+              <a:gd name="connsiteX6" fmla="*/ 1019384 w 1135385"/>
+              <a:gd name="connsiteY6" fmla="*/ 695993 h 695993"/>
+              <a:gd name="connsiteX7" fmla="*/ 594794 w 1135385"/>
+              <a:gd name="connsiteY7" fmla="*/ 695993 h 695993"/>
+              <a:gd name="connsiteX8" fmla="*/ 116001 w 1135385"/>
+              <a:gd name="connsiteY8" fmla="*/ 695993 h 695993"/>
+              <a:gd name="connsiteX9" fmla="*/ 0 w 1135385"/>
+              <a:gd name="connsiteY9" fmla="*/ 579992 h 695993"/>
+              <a:gd name="connsiteX10" fmla="*/ 0 w 1135385"/>
+              <a:gd name="connsiteY10" fmla="*/ 116001 h 695993"/>
+            </a:gdLst>
+            <a:ahLst/>
+            <a:cxnLst>
+              <a:cxn ang="0">
+                <a:pos x="connsiteX0" y="connsiteY0"/>
+              </a:cxn>
+              <a:cxn ang="0">
+                <a:pos x="connsiteX1" y="connsiteY1"/>
+              </a:cxn>
+              <a:cxn ang="0">
+                <a:pos x="connsiteX2" y="connsiteY2"/>
+              </a:cxn>
+              <a:cxn ang="0">
+                <a:pos x="connsiteX3" y="connsiteY3"/>
+              </a:cxn>
+              <a:cxn ang="0">
+                <a:pos x="connsiteX4" y="connsiteY4"/>
+              </a:cxn>
+              <a:cxn ang="0">
+                <a:pos x="connsiteX5" y="connsiteY5"/>
+              </a:cxn>
+              <a:cxn ang="0">
+                <a:pos x="connsiteX6" y="connsiteY6"/>
+              </a:cxn>
+              <a:cxn ang="0">
+                <a:pos x="connsiteX7" y="connsiteY7"/>
+              </a:cxn>
+              <a:cxn ang="0">
+                <a:pos x="connsiteX8" y="connsiteY8"/>
+              </a:cxn>
+              <a:cxn ang="0">
+                <a:pos x="connsiteX9" y="connsiteY9"/>
+              </a:cxn>
+              <a:cxn ang="0">
+                <a:pos x="connsiteX10" y="connsiteY10"/>
+              </a:cxn>
+            </a:cxnLst>
+            <a:rect l="l" t="t" r="r" b="b"/>
+            <a:pathLst>
+              <a:path w="1135385" h="695993" fill="none" extrusionOk="0">
+                <a:moveTo>
+                  <a:pt x="0" y="116001"/>
+                </a:moveTo>
+                <a:cubicBezTo>
+                  <a:pt x="9241" y="60581"/>
+                  <a:pt x="61600" y="1753"/>
+                  <a:pt x="116001" y="0"/>
+                </a:cubicBezTo>
+                <a:cubicBezTo>
+                  <a:pt x="333286" y="-1060"/>
+                  <a:pt x="426631" y="1383"/>
+                  <a:pt x="558659" y="0"/>
+                </a:cubicBezTo>
+                <a:cubicBezTo>
+                  <a:pt x="690687" y="-1383"/>
+                  <a:pt x="838337" y="20497"/>
+                  <a:pt x="1019384" y="0"/>
+                </a:cubicBezTo>
+                <a:cubicBezTo>
+                  <a:pt x="1090963" y="2080"/>
+                  <a:pt x="1134359" y="50902"/>
+                  <a:pt x="1135385" y="116001"/>
+                </a:cubicBezTo>
+                <a:cubicBezTo>
+                  <a:pt x="1158313" y="282074"/>
+                  <a:pt x="1152103" y="387127"/>
+                  <a:pt x="1135385" y="579992"/>
+                </a:cubicBezTo>
+                <a:cubicBezTo>
+                  <a:pt x="1134552" y="659810"/>
+                  <a:pt x="1073588" y="702961"/>
+                  <a:pt x="1019384" y="695993"/>
+                </a:cubicBezTo>
+                <a:cubicBezTo>
+                  <a:pt x="897713" y="694403"/>
+                  <a:pt x="685433" y="702996"/>
+                  <a:pt x="594794" y="695993"/>
+                </a:cubicBezTo>
+                <a:cubicBezTo>
+                  <a:pt x="504155" y="688991"/>
+                  <a:pt x="287160" y="688507"/>
+                  <a:pt x="116001" y="695993"/>
+                </a:cubicBezTo>
+                <a:cubicBezTo>
+                  <a:pt x="53000" y="688972"/>
+                  <a:pt x="-10947" y="633094"/>
+                  <a:pt x="0" y="579992"/>
+                </a:cubicBezTo>
+                <a:cubicBezTo>
+                  <a:pt x="2899" y="354067"/>
+                  <a:pt x="9514" y="250874"/>
+                  <a:pt x="0" y="116001"/>
+                </a:cubicBezTo>
+                <a:close/>
+              </a:path>
+              <a:path w="1135385" h="695993" stroke="0" extrusionOk="0">
+                <a:moveTo>
+                  <a:pt x="0" y="116001"/>
+                </a:moveTo>
+                <a:cubicBezTo>
+                  <a:pt x="6087" y="56351"/>
+                  <a:pt x="46550" y="-6240"/>
+                  <a:pt x="116001" y="0"/>
+                </a:cubicBezTo>
+                <a:cubicBezTo>
+                  <a:pt x="217302" y="-13079"/>
+                  <a:pt x="436032" y="12653"/>
+                  <a:pt x="540591" y="0"/>
+                </a:cubicBezTo>
+                <a:cubicBezTo>
+                  <a:pt x="645150" y="-12653"/>
+                  <a:pt x="813098" y="21687"/>
+                  <a:pt x="1019384" y="0"/>
+                </a:cubicBezTo>
+                <a:cubicBezTo>
+                  <a:pt x="1099082" y="464"/>
+                  <a:pt x="1135660" y="42642"/>
+                  <a:pt x="1135385" y="116001"/>
+                </a:cubicBezTo>
+                <a:cubicBezTo>
+                  <a:pt x="1152158" y="241439"/>
+                  <a:pt x="1157128" y="368731"/>
+                  <a:pt x="1135385" y="579992"/>
+                </a:cubicBezTo>
+                <a:cubicBezTo>
+                  <a:pt x="1124562" y="641727"/>
+                  <a:pt x="1085743" y="708994"/>
+                  <a:pt x="1019384" y="695993"/>
+                </a:cubicBezTo>
+                <a:cubicBezTo>
+                  <a:pt x="894758" y="706397"/>
+                  <a:pt x="795547" y="707605"/>
+                  <a:pt x="576726" y="695993"/>
+                </a:cubicBezTo>
+                <a:cubicBezTo>
+                  <a:pt x="357905" y="684381"/>
+                  <a:pt x="208930" y="686499"/>
+                  <a:pt x="116001" y="695993"/>
+                </a:cubicBezTo>
+                <a:cubicBezTo>
+                  <a:pt x="48315" y="693816"/>
+                  <a:pt x="-12481" y="648946"/>
+                  <a:pt x="0" y="579992"/>
+                </a:cubicBezTo>
+                <a:cubicBezTo>
+                  <a:pt x="13660" y="454214"/>
+                  <a:pt x="-22131" y="300494"/>
+                  <a:pt x="0" y="116001"/>
+                </a:cubicBezTo>
+                <a:close/>
+              </a:path>
+            </a:pathLst>
+          </a:custGeom>
+          <a:solidFill>
+            <a:srgbClr val="CD8E7F"/>
+          </a:solidFill>
+          <a:ln>
+            <a:solidFill>
+              <a:schemeClr val="accent2">
+                <a:lumMod val="50000"/>
+              </a:schemeClr>
+            </a:solidFill>
+            <a:extLst>
+              <a:ext uri="{C807C97D-BFC1-408E-A445-0C87EB9F89A2}">
+                <ask:lineSketchStyleProps xmlns:ask="http://schemas.microsoft.com/office/drawing/2018/sketchyshapes" sd="1424681163">
+                  <a:prstGeom prst="roundRect">
+                    <a:avLst/>
+                  </a:prstGeom>
+                  <ask:type>
+                    <ask:lineSketchFreehand/>
+                  </ask:type>
+                </ask:lineSketchStyleProps>
+              </a:ext>
+            </a:extLst>
+          </a:ln>
+        </p:spPr>
+        <p:style>
+          <a:lnRef idx="2">
+            <a:schemeClr val="accent1">
+              <a:shade val="50000"/>
+            </a:schemeClr>
+          </a:lnRef>
+          <a:fillRef idx="1">
+            <a:schemeClr val="accent1"/>
+          </a:fillRef>
+          <a:effectRef idx="0">
+            <a:schemeClr val="accent1"/>
+          </a:effectRef>
+          <a:fontRef idx="minor">
+            <a:schemeClr val="lt1"/>
+          </a:fontRef>
+        </p:style>
+        <p:txBody>
+          <a:bodyPr rtlCol="0" anchor="ctr"/>
+          <a:lstStyle/>
+          <a:p>
+            <a:pPr algn="ctr"/>
+            <a:r>
+              <a:rPr lang="en-US" sz="1200" dirty="0"/>
+              <a:t>Voyages </a:t>
+            </a:r>
+            <a:r>
+              <a:rPr lang="en-US" sz="1200" dirty="0" err="1"/>
+              <a:t>Mgr</a:t>
+            </a:r>
+            <a:endParaRPr lang="en-US" sz="1200" dirty="0"/>
+          </a:p>
+        </p:txBody>
+      </p:sp>
+      <p:cxnSp>
+        <p:nvCxnSpPr>
+          <p:cNvPr id="13" name="Straight Connector 12">
+            <a:extLst>
+              <a:ext uri="{FF2B5EF4-FFF2-40B4-BE49-F238E27FC236}">
+                <a16:creationId xmlns:a16="http://schemas.microsoft.com/office/drawing/2014/main" id="{1BA52A56-9158-F348-ABC2-85CD52367453}"/>
+              </a:ext>
+            </a:extLst>
+          </p:cNvPr>
+          <p:cNvCxnSpPr>
+            <a:cxnSpLocks/>
+          </p:cNvCxnSpPr>
+          <p:nvPr/>
+        </p:nvCxnSpPr>
+        <p:spPr>
+          <a:xfrm>
+            <a:off x="1280097" y="1297580"/>
+            <a:ext cx="0" cy="5400000"/>
+          </a:xfrm>
+          <a:prstGeom prst="line">
+            <a:avLst/>
+          </a:prstGeom>
+          <a:ln>
+            <a:solidFill>
+              <a:schemeClr val="accent1"/>
+            </a:solidFill>
+          </a:ln>
+          <a:effectLst/>
+        </p:spPr>
+        <p:style>
+          <a:lnRef idx="2">
+            <a:schemeClr val="accent1"/>
+          </a:lnRef>
+          <a:fillRef idx="0">
+            <a:schemeClr val="accent1"/>
+          </a:fillRef>
+          <a:effectRef idx="1">
+            <a:schemeClr val="accent1"/>
+          </a:effectRef>
+          <a:fontRef idx="minor">
+            <a:schemeClr val="tx1"/>
+          </a:fontRef>
+        </p:style>
+      </p:cxnSp>
+      <p:grpSp>
+        <p:nvGrpSpPr>
+          <p:cNvPr id="3" name="Group 2">
+            <a:extLst>
+              <a:ext uri="{FF2B5EF4-FFF2-40B4-BE49-F238E27FC236}">
+                <a16:creationId xmlns:a16="http://schemas.microsoft.com/office/drawing/2014/main" id="{5678EE10-3436-A74C-B1D7-1748C2828578}"/>
+              </a:ext>
+            </a:extLst>
+          </p:cNvPr>
+          <p:cNvGrpSpPr/>
+          <p:nvPr/>
+        </p:nvGrpSpPr>
+        <p:grpSpPr>
+          <a:xfrm>
+            <a:off x="3519061" y="734840"/>
+            <a:ext cx="566309" cy="651507"/>
+            <a:chOff x="2818985" y="1424735"/>
+            <a:chExt cx="566309" cy="647549"/>
+          </a:xfrm>
+        </p:grpSpPr>
+        <p:sp>
+          <p:nvSpPr>
+            <p:cNvPr id="23" name="Rounded Rectangle 22">
+              <a:extLst>
+                <a:ext uri="{FF2B5EF4-FFF2-40B4-BE49-F238E27FC236}">
+                  <a16:creationId xmlns:a16="http://schemas.microsoft.com/office/drawing/2014/main" id="{3C0FBF09-2F78-3445-AACC-A4B17348D220}"/>
+                </a:ext>
+              </a:extLst>
+            </p:cNvPr>
+            <p:cNvSpPr/>
+            <p:nvPr/>
+          </p:nvSpPr>
+          <p:spPr bwMode="auto">
+            <a:xfrm>
+              <a:off x="2940343" y="1731449"/>
+              <a:ext cx="146861" cy="340835"/>
+            </a:xfrm>
+            <a:prstGeom prst="roundRect">
+              <a:avLst/>
+            </a:prstGeom>
+            <a:solidFill>
+              <a:schemeClr val="bg2"/>
+            </a:solidFill>
+            <a:ln>
+              <a:solidFill>
+                <a:schemeClr val="bg1"/>
+              </a:solidFill>
+              <a:prstDash val="solid"/>
+              <a:headEnd type="none" w="med" len="med"/>
+              <a:tailEnd type="none" w="med" len="med"/>
+            </a:ln>
+            <a:effectLst/>
+          </p:spPr>
+          <p:style>
+            <a:lnRef idx="1">
+              <a:schemeClr val="accent5"/>
+            </a:lnRef>
+            <a:fillRef idx="3">
+              <a:schemeClr val="accent5"/>
+            </a:fillRef>
+            <a:effectRef idx="2">
+              <a:schemeClr val="accent5"/>
+            </a:effectRef>
+            <a:fontRef idx="minor">
+              <a:schemeClr val="lt1"/>
+            </a:fontRef>
+          </p:style>
+          <p:txBody>
+            <a:bodyPr vert="horz" wrap="square" lIns="0" tIns="0" rIns="0" bIns="0" numCol="1" rtlCol="0" anchor="ctr" anchorCtr="0" compatLnSpc="1">
+              <a:prstTxWarp prst="textNoShape">
+                <a:avLst/>
+              </a:prstTxWarp>
+              <a:noAutofit/>
+            </a:bodyPr>
+            <a:lstStyle/>
+            <a:p>
+              <a:pPr algn="ctr" defTabSz="1219170" fontAlgn="base">
+                <a:lnSpc>
+                  <a:spcPct val="90000"/>
+                </a:lnSpc>
+                <a:spcBef>
+                  <a:spcPct val="0"/>
+                </a:spcBef>
+                <a:spcAft>
+                  <a:spcPct val="0"/>
+                </a:spcAft>
+              </a:pPr>
+              <a:r>
+                <a:rPr lang="en-US" sz="1200" dirty="0">
+                  <a:solidFill>
+                    <a:schemeClr val="bg1"/>
+                  </a:solidFill>
+                </a:rPr>
+                <a:t>0</a:t>
+              </a:r>
+              <a:endParaRPr lang="en-US" sz="667" dirty="0">
+                <a:solidFill>
+                  <a:schemeClr val="bg1"/>
+                </a:solidFill>
+              </a:endParaRPr>
+            </a:p>
+          </p:txBody>
+        </p:sp>
+        <p:sp>
+          <p:nvSpPr>
+            <p:cNvPr id="24" name="Rounded Rectangle 23">
+              <a:extLst>
+                <a:ext uri="{FF2B5EF4-FFF2-40B4-BE49-F238E27FC236}">
+                  <a16:creationId xmlns:a16="http://schemas.microsoft.com/office/drawing/2014/main" id="{EE64C7C1-2730-EF4C-B593-863E261A2DAC}"/>
+                </a:ext>
+              </a:extLst>
+            </p:cNvPr>
+            <p:cNvSpPr/>
+            <p:nvPr/>
+          </p:nvSpPr>
+          <p:spPr bwMode="auto">
+            <a:xfrm>
+              <a:off x="3095280" y="1731449"/>
+              <a:ext cx="148586" cy="340835"/>
+            </a:xfrm>
+            <a:prstGeom prst="roundRect">
+              <a:avLst/>
+            </a:prstGeom>
+            <a:solidFill>
+              <a:schemeClr val="bg2"/>
+            </a:solidFill>
+            <a:ln>
+              <a:solidFill>
+                <a:schemeClr val="bg1"/>
+              </a:solidFill>
+              <a:prstDash val="solid"/>
+              <a:headEnd type="none" w="med" len="med"/>
+              <a:tailEnd type="none" w="med" len="med"/>
+            </a:ln>
+            <a:effectLst/>
+          </p:spPr>
+          <p:style>
+            <a:lnRef idx="1">
+              <a:schemeClr val="accent5"/>
+            </a:lnRef>
+            <a:fillRef idx="3">
+              <a:schemeClr val="accent5"/>
+            </a:fillRef>
+            <a:effectRef idx="2">
+              <a:schemeClr val="accent5"/>
+            </a:effectRef>
+            <a:fontRef idx="minor">
+              <a:schemeClr val="lt1"/>
+            </a:fontRef>
+          </p:style>
+          <p:txBody>
+            <a:bodyPr vert="horz" wrap="square" lIns="0" tIns="0" rIns="0" bIns="0" numCol="1" rtlCol="0" anchor="ctr" anchorCtr="0" compatLnSpc="1">
+              <a:prstTxWarp prst="textNoShape">
+                <a:avLst/>
+              </a:prstTxWarp>
+              <a:noAutofit/>
+            </a:bodyPr>
+            <a:lstStyle/>
+            <a:p>
+              <a:pPr algn="ctr" defTabSz="1219170" fontAlgn="base">
+                <a:lnSpc>
+                  <a:spcPct val="90000"/>
+                </a:lnSpc>
+                <a:spcBef>
+                  <a:spcPct val="0"/>
+                </a:spcBef>
+                <a:spcAft>
+                  <a:spcPct val="0"/>
+                </a:spcAft>
+              </a:pPr>
+              <a:r>
+                <a:rPr lang="en-US" sz="1200" dirty="0">
+                  <a:solidFill>
+                    <a:schemeClr val="bg1"/>
+                  </a:solidFill>
+                </a:rPr>
+                <a:t>1</a:t>
+              </a:r>
+              <a:endParaRPr lang="en-US" sz="667" dirty="0">
+                <a:solidFill>
+                  <a:schemeClr val="bg1"/>
+                </a:solidFill>
+              </a:endParaRPr>
+            </a:p>
+          </p:txBody>
+        </p:sp>
+        <p:sp>
+          <p:nvSpPr>
+            <p:cNvPr id="25" name="Rounded Rectangle 24">
+              <a:extLst>
+                <a:ext uri="{FF2B5EF4-FFF2-40B4-BE49-F238E27FC236}">
+                  <a16:creationId xmlns:a16="http://schemas.microsoft.com/office/drawing/2014/main" id="{54D4C2F0-EAAD-3D44-A79B-E17107A7A12B}"/>
+                </a:ext>
+              </a:extLst>
+            </p:cNvPr>
+            <p:cNvSpPr/>
+            <p:nvPr/>
+          </p:nvSpPr>
+          <p:spPr bwMode="auto">
+            <a:xfrm>
+              <a:off x="3236708" y="1731449"/>
+              <a:ext cx="148586" cy="340835"/>
+            </a:xfrm>
+            <a:prstGeom prst="roundRect">
+              <a:avLst/>
+            </a:prstGeom>
+            <a:solidFill>
+              <a:schemeClr val="bg2"/>
+            </a:solidFill>
+            <a:ln>
+              <a:solidFill>
+                <a:schemeClr val="bg1"/>
+              </a:solidFill>
+              <a:prstDash val="solid"/>
+              <a:headEnd type="none" w="med" len="med"/>
+              <a:tailEnd type="none" w="med" len="med"/>
+            </a:ln>
+            <a:effectLst/>
+          </p:spPr>
+          <p:style>
+            <a:lnRef idx="1">
+              <a:schemeClr val="accent5"/>
+            </a:lnRef>
+            <a:fillRef idx="3">
+              <a:schemeClr val="accent5"/>
+            </a:fillRef>
+            <a:effectRef idx="2">
+              <a:schemeClr val="accent5"/>
+            </a:effectRef>
+            <a:fontRef idx="minor">
+              <a:schemeClr val="lt1"/>
+            </a:fontRef>
+          </p:style>
+          <p:txBody>
+            <a:bodyPr vert="horz" wrap="square" lIns="0" tIns="0" rIns="0" bIns="0" numCol="1" rtlCol="0" anchor="ctr" anchorCtr="0" compatLnSpc="1">
+              <a:prstTxWarp prst="textNoShape">
+                <a:avLst/>
+              </a:prstTxWarp>
+              <a:noAutofit/>
+            </a:bodyPr>
+            <a:lstStyle/>
+            <a:p>
+              <a:pPr algn="ctr" defTabSz="1219170" fontAlgn="base">
+                <a:lnSpc>
+                  <a:spcPct val="90000"/>
+                </a:lnSpc>
+                <a:spcBef>
+                  <a:spcPct val="0"/>
+                </a:spcBef>
+                <a:spcAft>
+                  <a:spcPct val="0"/>
+                </a:spcAft>
+              </a:pPr>
+              <a:r>
+                <a:rPr lang="en-US" sz="1200" dirty="0">
+                  <a:solidFill>
+                    <a:schemeClr val="bg1"/>
+                  </a:solidFill>
+                </a:rPr>
+                <a:t>2</a:t>
+              </a:r>
+              <a:endParaRPr lang="en-US" sz="667" dirty="0">
+                <a:solidFill>
+                  <a:schemeClr val="bg1"/>
+                </a:solidFill>
+              </a:endParaRPr>
+            </a:p>
+          </p:txBody>
+        </p:sp>
+        <p:sp>
+          <p:nvSpPr>
+            <p:cNvPr id="26" name="TextBox 25">
+              <a:extLst>
+                <a:ext uri="{FF2B5EF4-FFF2-40B4-BE49-F238E27FC236}">
+                  <a16:creationId xmlns:a16="http://schemas.microsoft.com/office/drawing/2014/main" id="{5F769FB6-E5B1-6C4C-A619-64ED4A003362}"/>
+                </a:ext>
+              </a:extLst>
+            </p:cNvPr>
+            <p:cNvSpPr txBox="1"/>
+            <p:nvPr/>
+          </p:nvSpPr>
+          <p:spPr>
+            <a:xfrm>
+              <a:off x="2818985" y="1424735"/>
+              <a:ext cx="554960" cy="244725"/>
+            </a:xfrm>
+            <a:prstGeom prst="rect">
+              <a:avLst/>
+            </a:prstGeom>
+            <a:noFill/>
+          </p:spPr>
+          <p:txBody>
+            <a:bodyPr wrap="none" rtlCol="0">
+              <a:spAutoFit/>
+            </a:bodyPr>
+            <a:lstStyle/>
+            <a:p>
+              <a:r>
+                <a:rPr lang="en-US" sz="1000" dirty="0">
+                  <a:solidFill>
+                    <a:schemeClr val="accent1">
+                      <a:lumMod val="25000"/>
+                    </a:schemeClr>
+                  </a:solidFill>
+                </a:rPr>
+                <a:t>reefers</a:t>
+              </a:r>
+            </a:p>
+          </p:txBody>
+        </p:sp>
+      </p:grpSp>
+      <p:sp>
+        <p:nvSpPr>
+          <p:cNvPr id="27" name="AutoShape 4">
+            <a:extLst>
+              <a:ext uri="{FF2B5EF4-FFF2-40B4-BE49-F238E27FC236}">
+                <a16:creationId xmlns:a16="http://schemas.microsoft.com/office/drawing/2014/main" id="{6AF712C3-5319-A14C-871E-ED55D5BC2AFE}"/>
+              </a:ext>
+            </a:extLst>
+          </p:cNvPr>
+          <p:cNvSpPr>
+            <a:spLocks noChangeArrowheads="1"/>
+          </p:cNvSpPr>
+          <p:nvPr/>
+        </p:nvSpPr>
+        <p:spPr bwMode="auto">
+          <a:xfrm>
+            <a:off x="2246382" y="628690"/>
+            <a:ext cx="4377775" cy="899574"/>
+          </a:xfrm>
+          <a:custGeom>
+            <a:avLst/>
+            <a:gdLst>
+              <a:gd name="connsiteX0" fmla="*/ 0 w 4377775"/>
+              <a:gd name="connsiteY0" fmla="*/ 64023 h 899574"/>
+              <a:gd name="connsiteX1" fmla="*/ 64023 w 4377775"/>
+              <a:gd name="connsiteY1" fmla="*/ 0 h 899574"/>
+              <a:gd name="connsiteX2" fmla="*/ 756122 w 4377775"/>
+              <a:gd name="connsiteY2" fmla="*/ 0 h 899574"/>
+              <a:gd name="connsiteX3" fmla="*/ 1405723 w 4377775"/>
+              <a:gd name="connsiteY3" fmla="*/ 0 h 899574"/>
+              <a:gd name="connsiteX4" fmla="*/ 2097822 w 4377775"/>
+              <a:gd name="connsiteY4" fmla="*/ 0 h 899574"/>
+              <a:gd name="connsiteX5" fmla="*/ 2577434 w 4377775"/>
+              <a:gd name="connsiteY5" fmla="*/ 0 h 899574"/>
+              <a:gd name="connsiteX6" fmla="*/ 3227036 w 4377775"/>
+              <a:gd name="connsiteY6" fmla="*/ 0 h 899574"/>
+              <a:gd name="connsiteX7" fmla="*/ 3706648 w 4377775"/>
+              <a:gd name="connsiteY7" fmla="*/ 0 h 899574"/>
+              <a:gd name="connsiteX8" fmla="*/ 4313752 w 4377775"/>
+              <a:gd name="connsiteY8" fmla="*/ 0 h 899574"/>
+              <a:gd name="connsiteX9" fmla="*/ 4377775 w 4377775"/>
+              <a:gd name="connsiteY9" fmla="*/ 64023 h 899574"/>
+              <a:gd name="connsiteX10" fmla="*/ 4377775 w 4377775"/>
+              <a:gd name="connsiteY10" fmla="*/ 465218 h 899574"/>
+              <a:gd name="connsiteX11" fmla="*/ 4377775 w 4377775"/>
+              <a:gd name="connsiteY11" fmla="*/ 835551 h 899574"/>
+              <a:gd name="connsiteX12" fmla="*/ 4313752 w 4377775"/>
+              <a:gd name="connsiteY12" fmla="*/ 899574 h 899574"/>
+              <a:gd name="connsiteX13" fmla="*/ 3664151 w 4377775"/>
+              <a:gd name="connsiteY13" fmla="*/ 899574 h 899574"/>
+              <a:gd name="connsiteX14" fmla="*/ 3057046 w 4377775"/>
+              <a:gd name="connsiteY14" fmla="*/ 899574 h 899574"/>
+              <a:gd name="connsiteX15" fmla="*/ 2577434 w 4377775"/>
+              <a:gd name="connsiteY15" fmla="*/ 899574 h 899574"/>
+              <a:gd name="connsiteX16" fmla="*/ 2055325 w 4377775"/>
+              <a:gd name="connsiteY16" fmla="*/ 899574 h 899574"/>
+              <a:gd name="connsiteX17" fmla="*/ 1490718 w 4377775"/>
+              <a:gd name="connsiteY17" fmla="*/ 899574 h 899574"/>
+              <a:gd name="connsiteX18" fmla="*/ 883614 w 4377775"/>
+              <a:gd name="connsiteY18" fmla="*/ 899574 h 899574"/>
+              <a:gd name="connsiteX19" fmla="*/ 64023 w 4377775"/>
+              <a:gd name="connsiteY19" fmla="*/ 899574 h 899574"/>
+              <a:gd name="connsiteX20" fmla="*/ 0 w 4377775"/>
+              <a:gd name="connsiteY20" fmla="*/ 835551 h 899574"/>
+              <a:gd name="connsiteX21" fmla="*/ 0 w 4377775"/>
+              <a:gd name="connsiteY21" fmla="*/ 457502 h 899574"/>
+              <a:gd name="connsiteX22" fmla="*/ 0 w 4377775"/>
+              <a:gd name="connsiteY22" fmla="*/ 64023 h 899574"/>
+            </a:gdLst>
+            <a:ahLst/>
+            <a:cxnLst>
+              <a:cxn ang="0">
+                <a:pos x="connsiteX0" y="connsiteY0"/>
+              </a:cxn>
+              <a:cxn ang="0">
+                <a:pos x="connsiteX1" y="connsiteY1"/>
+              </a:cxn>
+              <a:cxn ang="0">
+                <a:pos x="connsiteX2" y="connsiteY2"/>
+              </a:cxn>
+              <a:cxn ang="0">
+                <a:pos x="connsiteX3" y="connsiteY3"/>
+              </a:cxn>
+              <a:cxn ang="0">
+                <a:pos x="connsiteX4" y="connsiteY4"/>
+              </a:cxn>
+              <a:cxn ang="0">
+                <a:pos x="connsiteX5" y="connsiteY5"/>
+              </a:cxn>
+              <a:cxn ang="0">
+                <a:pos x="connsiteX6" y="connsiteY6"/>
+              </a:cxn>
+              <a:cxn ang="0">
+                <a:pos x="connsiteX7" y="connsiteY7"/>
+              </a:cxn>
+              <a:cxn ang="0">
+                <a:pos x="connsiteX8" y="connsiteY8"/>
+              </a:cxn>
+              <a:cxn ang="0">
+                <a:pos x="connsiteX9" y="connsiteY9"/>
+              </a:cxn>
+              <a:cxn ang="0">
+                <a:pos x="connsiteX10" y="connsiteY10"/>
+              </a:cxn>
+              <a:cxn ang="0">
+                <a:pos x="connsiteX11" y="connsiteY11"/>
+              </a:cxn>
+              <a:cxn ang="0">
+                <a:pos x="connsiteX12" y="connsiteY12"/>
+              </a:cxn>
+              <a:cxn ang="0">
+                <a:pos x="connsiteX13" y="connsiteY13"/>
+              </a:cxn>
+              <a:cxn ang="0">
+                <a:pos x="connsiteX14" y="connsiteY14"/>
+              </a:cxn>
+              <a:cxn ang="0">
+                <a:pos x="connsiteX15" y="connsiteY15"/>
+              </a:cxn>
+              <a:cxn ang="0">
+                <a:pos x="connsiteX16" y="connsiteY16"/>
+              </a:cxn>
+              <a:cxn ang="0">
+                <a:pos x="connsiteX17" y="connsiteY17"/>
+              </a:cxn>
+              <a:cxn ang="0">
+                <a:pos x="connsiteX18" y="connsiteY18"/>
+              </a:cxn>
+              <a:cxn ang="0">
+                <a:pos x="connsiteX19" y="connsiteY19"/>
+              </a:cxn>
+              <a:cxn ang="0">
+                <a:pos x="connsiteX20" y="connsiteY20"/>
+              </a:cxn>
+              <a:cxn ang="0">
+                <a:pos x="connsiteX21" y="connsiteY21"/>
+              </a:cxn>
+              <a:cxn ang="0">
+                <a:pos x="connsiteX22" y="connsiteY22"/>
+              </a:cxn>
+            </a:cxnLst>
+            <a:rect l="l" t="t" r="r" b="b"/>
+            <a:pathLst>
+              <a:path w="4377775" h="899574" extrusionOk="0">
+                <a:moveTo>
+                  <a:pt x="0" y="64023"/>
+                </a:moveTo>
+                <a:cubicBezTo>
+                  <a:pt x="-3697" y="26532"/>
+                  <a:pt x="29819" y="-2668"/>
+                  <a:pt x="64023" y="0"/>
+                </a:cubicBezTo>
+                <a:cubicBezTo>
+                  <a:pt x="320919" y="4517"/>
+                  <a:pt x="582030" y="-7869"/>
+                  <a:pt x="756122" y="0"/>
+                </a:cubicBezTo>
+                <a:cubicBezTo>
+                  <a:pt x="930214" y="7869"/>
+                  <a:pt x="1258377" y="5936"/>
+                  <a:pt x="1405723" y="0"/>
+                </a:cubicBezTo>
+                <a:cubicBezTo>
+                  <a:pt x="1553069" y="-5936"/>
+                  <a:pt x="1900979" y="31536"/>
+                  <a:pt x="2097822" y="0"/>
+                </a:cubicBezTo>
+                <a:cubicBezTo>
+                  <a:pt x="2294665" y="-31536"/>
+                  <a:pt x="2372943" y="-21145"/>
+                  <a:pt x="2577434" y="0"/>
+                </a:cubicBezTo>
+                <a:cubicBezTo>
+                  <a:pt x="2781925" y="21145"/>
+                  <a:pt x="3049666" y="1962"/>
+                  <a:pt x="3227036" y="0"/>
+                </a:cubicBezTo>
+                <a:cubicBezTo>
+                  <a:pt x="3404406" y="-1962"/>
+                  <a:pt x="3506028" y="4530"/>
+                  <a:pt x="3706648" y="0"/>
+                </a:cubicBezTo>
+                <a:cubicBezTo>
+                  <a:pt x="3907268" y="-4530"/>
+                  <a:pt x="4071783" y="-11846"/>
+                  <a:pt x="4313752" y="0"/>
+                </a:cubicBezTo>
+                <a:cubicBezTo>
+                  <a:pt x="4352702" y="-2864"/>
+                  <a:pt x="4385836" y="29752"/>
+                  <a:pt x="4377775" y="64023"/>
+                </a:cubicBezTo>
+                <a:cubicBezTo>
+                  <a:pt x="4373763" y="232118"/>
+                  <a:pt x="4378941" y="378278"/>
+                  <a:pt x="4377775" y="465218"/>
+                </a:cubicBezTo>
+                <a:cubicBezTo>
+                  <a:pt x="4376609" y="552158"/>
+                  <a:pt x="4389157" y="687513"/>
+                  <a:pt x="4377775" y="835551"/>
+                </a:cubicBezTo>
+                <a:cubicBezTo>
+                  <a:pt x="4379547" y="873319"/>
+                  <a:pt x="4352133" y="897152"/>
+                  <a:pt x="4313752" y="899574"/>
+                </a:cubicBezTo>
+                <a:cubicBezTo>
+                  <a:pt x="4016180" y="904517"/>
+                  <a:pt x="3875888" y="869956"/>
+                  <a:pt x="3664151" y="899574"/>
+                </a:cubicBezTo>
+                <a:cubicBezTo>
+                  <a:pt x="3452414" y="929192"/>
+                  <a:pt x="3255799" y="876361"/>
+                  <a:pt x="3057046" y="899574"/>
+                </a:cubicBezTo>
+                <a:cubicBezTo>
+                  <a:pt x="2858293" y="922787"/>
+                  <a:pt x="2785195" y="887263"/>
+                  <a:pt x="2577434" y="899574"/>
+                </a:cubicBezTo>
+                <a:cubicBezTo>
+                  <a:pt x="2369673" y="911885"/>
+                  <a:pt x="2183296" y="897169"/>
+                  <a:pt x="2055325" y="899574"/>
+                </a:cubicBezTo>
+                <a:cubicBezTo>
+                  <a:pt x="1927354" y="901979"/>
+                  <a:pt x="1743137" y="919667"/>
+                  <a:pt x="1490718" y="899574"/>
+                </a:cubicBezTo>
+                <a:cubicBezTo>
+                  <a:pt x="1238299" y="879481"/>
+                  <a:pt x="1005626" y="893841"/>
+                  <a:pt x="883614" y="899574"/>
+                </a:cubicBezTo>
+                <a:cubicBezTo>
+                  <a:pt x="761602" y="905307"/>
+                  <a:pt x="250478" y="880857"/>
+                  <a:pt x="64023" y="899574"/>
+                </a:cubicBezTo>
+                <a:cubicBezTo>
+                  <a:pt x="23358" y="904934"/>
+                  <a:pt x="-2986" y="864064"/>
+                  <a:pt x="0" y="835551"/>
+                </a:cubicBezTo>
+                <a:cubicBezTo>
+                  <a:pt x="1120" y="715756"/>
+                  <a:pt x="-18803" y="557594"/>
+                  <a:pt x="0" y="457502"/>
+                </a:cubicBezTo>
+                <a:cubicBezTo>
+                  <a:pt x="18803" y="357410"/>
+                  <a:pt x="-2855" y="234968"/>
+                  <a:pt x="0" y="64023"/>
+                </a:cubicBezTo>
+                <a:close/>
+              </a:path>
+            </a:pathLst>
+          </a:custGeom>
+          <a:noFill/>
+          <a:ln w="12700">
+            <a:solidFill>
+              <a:schemeClr val="tx1"/>
+            </a:solidFill>
+            <a:prstDash val="dash"/>
+            <a:round/>
+            <a:headEnd/>
+            <a:tailEnd/>
+            <a:extLst>
+              <a:ext uri="{C807C97D-BFC1-408E-A445-0C87EB9F89A2}">
+                <ask:lineSketchStyleProps xmlns:ask="http://schemas.microsoft.com/office/drawing/2018/sketchyshapes" sd="2805954614">
+                  <a:prstGeom prst="roundRect">
+                    <a:avLst>
+                      <a:gd name="adj" fmla="val 7117"/>
+                    </a:avLst>
+                  </a:prstGeom>
+                  <ask:type>
+                    <ask:lineSketchFreehand/>
+                  </ask:type>
+                </ask:lineSketchStyleProps>
+              </a:ext>
+            </a:extLst>
+          </a:ln>
+        </p:spPr>
+        <p:txBody>
+          <a:bodyPr lIns="0" tIns="0" rIns="0" bIns="0" anchor="b" anchorCtr="1"/>
+          <a:lstStyle/>
+          <a:p>
+            <a:pPr algn="ctr" defTabSz="1219170" eaLnBrk="1" fontAlgn="auto" hangingPunct="1">
+              <a:spcBef>
+                <a:spcPts val="0"/>
+              </a:spcBef>
+              <a:spcAft>
+                <a:spcPts val="0"/>
+              </a:spcAft>
+              <a:defRPr/>
+            </a:pPr>
+            <a:endParaRPr lang="en-US" sz="1333" kern="0" dirty="0">
+              <a:solidFill>
+                <a:srgbClr val="6D7777"/>
+              </a:solidFill>
+            </a:endParaRPr>
+          </a:p>
+        </p:txBody>
+      </p:sp>
+      <p:pic>
+        <p:nvPicPr>
+          <p:cNvPr id="28" name="Picture 27">
+            <a:extLst>
+              <a:ext uri="{FF2B5EF4-FFF2-40B4-BE49-F238E27FC236}">
+                <a16:creationId xmlns:a16="http://schemas.microsoft.com/office/drawing/2014/main" id="{38AF52D8-AD34-D041-AD87-90558DC31D05}"/>
+              </a:ext>
+            </a:extLst>
+          </p:cNvPr>
+          <p:cNvPicPr>
+            <a:picLocks noChangeAspect="1"/>
+          </p:cNvPicPr>
+          <p:nvPr/>
+        </p:nvPicPr>
+        <p:blipFill>
+          <a:blip r:embed="rId2">
+            <a:biLevel thresh="75000"/>
+            <a:extLst>
+              <a:ext uri="{BEBA8EAE-BF5A-486C-A8C5-ECC9F3942E4B}">
+                <a14:imgProps xmlns:a14="http://schemas.microsoft.com/office/drawing/2010/main">
+                  <a14:imgLayer r:embed="rId3">
+                    <a14:imgEffect>
+                      <a14:artisticPhotocopy/>
+                    </a14:imgEffect>
+                  </a14:imgLayer>
+                </a14:imgProps>
+              </a:ext>
+              <a:ext uri="{28A0092B-C50C-407E-A947-70E740481C1C}">
+                <a14:useLocalDpi xmlns:a14="http://schemas.microsoft.com/office/drawing/2010/main" val="0"/>
+              </a:ext>
+            </a:extLst>
+          </a:blip>
+          <a:stretch>
+            <a:fillRect/>
+          </a:stretch>
+        </p:blipFill>
+        <p:spPr>
+          <a:xfrm>
+            <a:off x="2484268" y="826887"/>
+            <a:ext cx="959343" cy="504271"/>
+          </a:xfrm>
+          <a:prstGeom prst="rect">
+            <a:avLst/>
+          </a:prstGeom>
+        </p:spPr>
+      </p:pic>
+      <p:sp>
+        <p:nvSpPr>
+          <p:cNvPr id="29" name="Rounded Rectangle 28">
+            <a:extLst>
+              <a:ext uri="{FF2B5EF4-FFF2-40B4-BE49-F238E27FC236}">
+                <a16:creationId xmlns:a16="http://schemas.microsoft.com/office/drawing/2014/main" id="{523FB07B-7599-2D42-B589-69A302AEBE37}"/>
+              </a:ext>
+            </a:extLst>
+          </p:cNvPr>
+          <p:cNvSpPr/>
+          <p:nvPr/>
+        </p:nvSpPr>
+        <p:spPr>
+          <a:xfrm>
+            <a:off x="6927378" y="656200"/>
+            <a:ext cx="1159906" cy="688366"/>
+          </a:xfrm>
+          <a:custGeom>
+            <a:avLst/>
+            <a:gdLst>
+              <a:gd name="connsiteX0" fmla="*/ 0 w 1159906"/>
+              <a:gd name="connsiteY0" fmla="*/ 114730 h 688366"/>
+              <a:gd name="connsiteX1" fmla="*/ 114730 w 1159906"/>
+              <a:gd name="connsiteY1" fmla="*/ 0 h 688366"/>
+              <a:gd name="connsiteX2" fmla="*/ 598562 w 1159906"/>
+              <a:gd name="connsiteY2" fmla="*/ 0 h 688366"/>
+              <a:gd name="connsiteX3" fmla="*/ 1045176 w 1159906"/>
+              <a:gd name="connsiteY3" fmla="*/ 0 h 688366"/>
+              <a:gd name="connsiteX4" fmla="*/ 1159906 w 1159906"/>
+              <a:gd name="connsiteY4" fmla="*/ 114730 h 688366"/>
+              <a:gd name="connsiteX5" fmla="*/ 1159906 w 1159906"/>
+              <a:gd name="connsiteY5" fmla="*/ 573636 h 688366"/>
+              <a:gd name="connsiteX6" fmla="*/ 1045176 w 1159906"/>
+              <a:gd name="connsiteY6" fmla="*/ 688366 h 688366"/>
+              <a:gd name="connsiteX7" fmla="*/ 589257 w 1159906"/>
+              <a:gd name="connsiteY7" fmla="*/ 688366 h 688366"/>
+              <a:gd name="connsiteX8" fmla="*/ 114730 w 1159906"/>
+              <a:gd name="connsiteY8" fmla="*/ 688366 h 688366"/>
+              <a:gd name="connsiteX9" fmla="*/ 0 w 1159906"/>
+              <a:gd name="connsiteY9" fmla="*/ 573636 h 688366"/>
+              <a:gd name="connsiteX10" fmla="*/ 0 w 1159906"/>
+              <a:gd name="connsiteY10" fmla="*/ 114730 h 688366"/>
+            </a:gdLst>
+            <a:ahLst/>
+            <a:cxnLst>
+              <a:cxn ang="0">
+                <a:pos x="connsiteX0" y="connsiteY0"/>
+              </a:cxn>
+              <a:cxn ang="0">
+                <a:pos x="connsiteX1" y="connsiteY1"/>
+              </a:cxn>
+              <a:cxn ang="0">
+                <a:pos x="connsiteX2" y="connsiteY2"/>
+              </a:cxn>
+              <a:cxn ang="0">
+                <a:pos x="connsiteX3" y="connsiteY3"/>
+              </a:cxn>
+              <a:cxn ang="0">
+                <a:pos x="connsiteX4" y="connsiteY4"/>
+              </a:cxn>
+              <a:cxn ang="0">
+                <a:pos x="connsiteX5" y="connsiteY5"/>
+              </a:cxn>
+              <a:cxn ang="0">
+                <a:pos x="connsiteX6" y="connsiteY6"/>
+              </a:cxn>
+              <a:cxn ang="0">
+                <a:pos x="connsiteX7" y="connsiteY7"/>
+              </a:cxn>
+              <a:cxn ang="0">
+                <a:pos x="connsiteX8" y="connsiteY8"/>
+              </a:cxn>
+              <a:cxn ang="0">
+                <a:pos x="connsiteX9" y="connsiteY9"/>
+              </a:cxn>
+              <a:cxn ang="0">
+                <a:pos x="connsiteX10" y="connsiteY10"/>
+              </a:cxn>
+            </a:cxnLst>
+            <a:rect l="l" t="t" r="r" b="b"/>
+            <a:pathLst>
+              <a:path w="1159906" h="688366" fill="none" extrusionOk="0">
+                <a:moveTo>
+                  <a:pt x="0" y="114730"/>
+                </a:moveTo>
+                <a:cubicBezTo>
+                  <a:pt x="-3175" y="51379"/>
+                  <a:pt x="49221" y="-106"/>
+                  <a:pt x="114730" y="0"/>
+                </a:cubicBezTo>
+                <a:cubicBezTo>
+                  <a:pt x="335718" y="-11690"/>
+                  <a:pt x="382761" y="-3544"/>
+                  <a:pt x="598562" y="0"/>
+                </a:cubicBezTo>
+                <a:cubicBezTo>
+                  <a:pt x="814363" y="3544"/>
+                  <a:pt x="886450" y="-2224"/>
+                  <a:pt x="1045176" y="0"/>
+                </a:cubicBezTo>
+                <a:cubicBezTo>
+                  <a:pt x="1103076" y="2466"/>
+                  <a:pt x="1171569" y="49721"/>
+                  <a:pt x="1159906" y="114730"/>
+                </a:cubicBezTo>
+                <a:cubicBezTo>
+                  <a:pt x="1164633" y="344121"/>
+                  <a:pt x="1144289" y="471160"/>
+                  <a:pt x="1159906" y="573636"/>
+                </a:cubicBezTo>
+                <a:cubicBezTo>
+                  <a:pt x="1150055" y="638415"/>
+                  <a:pt x="1103544" y="690533"/>
+                  <a:pt x="1045176" y="688366"/>
+                </a:cubicBezTo>
+                <a:cubicBezTo>
+                  <a:pt x="926467" y="671156"/>
+                  <a:pt x="715230" y="680586"/>
+                  <a:pt x="589257" y="688366"/>
+                </a:cubicBezTo>
+                <a:cubicBezTo>
+                  <a:pt x="463284" y="696146"/>
+                  <a:pt x="277741" y="674666"/>
+                  <a:pt x="114730" y="688366"/>
+                </a:cubicBezTo>
+                <a:cubicBezTo>
+                  <a:pt x="41738" y="679045"/>
+                  <a:pt x="6821" y="636472"/>
+                  <a:pt x="0" y="573636"/>
+                </a:cubicBezTo>
+                <a:cubicBezTo>
+                  <a:pt x="-13845" y="450929"/>
+                  <a:pt x="14963" y="308610"/>
+                  <a:pt x="0" y="114730"/>
+                </a:cubicBezTo>
+                <a:close/>
+              </a:path>
+              <a:path w="1159906" h="688366" stroke="0" extrusionOk="0">
+                <a:moveTo>
+                  <a:pt x="0" y="114730"/>
+                </a:moveTo>
+                <a:cubicBezTo>
+                  <a:pt x="317" y="62665"/>
+                  <a:pt x="63774" y="-2431"/>
+                  <a:pt x="114730" y="0"/>
+                </a:cubicBezTo>
+                <a:cubicBezTo>
+                  <a:pt x="236470" y="17785"/>
+                  <a:pt x="448623" y="-624"/>
+                  <a:pt x="598562" y="0"/>
+                </a:cubicBezTo>
+                <a:cubicBezTo>
+                  <a:pt x="748501" y="624"/>
+                  <a:pt x="917439" y="-21743"/>
+                  <a:pt x="1045176" y="0"/>
+                </a:cubicBezTo>
+                <a:cubicBezTo>
+                  <a:pt x="1113949" y="-13579"/>
+                  <a:pt x="1162383" y="52173"/>
+                  <a:pt x="1159906" y="114730"/>
+                </a:cubicBezTo>
+                <a:cubicBezTo>
+                  <a:pt x="1155155" y="245035"/>
+                  <a:pt x="1139973" y="403108"/>
+                  <a:pt x="1159906" y="573636"/>
+                </a:cubicBezTo>
+                <a:cubicBezTo>
+                  <a:pt x="1148800" y="635060"/>
+                  <a:pt x="1114345" y="676673"/>
+                  <a:pt x="1045176" y="688366"/>
+                </a:cubicBezTo>
+                <a:cubicBezTo>
+                  <a:pt x="843855" y="690615"/>
+                  <a:pt x="717620" y="692497"/>
+                  <a:pt x="598562" y="688366"/>
+                </a:cubicBezTo>
+                <a:cubicBezTo>
+                  <a:pt x="479504" y="684235"/>
+                  <a:pt x="263997" y="690233"/>
+                  <a:pt x="114730" y="688366"/>
+                </a:cubicBezTo>
+                <a:cubicBezTo>
+                  <a:pt x="51143" y="691998"/>
+                  <a:pt x="-2213" y="636697"/>
+                  <a:pt x="0" y="573636"/>
+                </a:cubicBezTo>
+                <a:cubicBezTo>
+                  <a:pt x="1734" y="426348"/>
+                  <a:pt x="-11450" y="215293"/>
+                  <a:pt x="0" y="114730"/>
+                </a:cubicBezTo>
+                <a:close/>
+              </a:path>
+            </a:pathLst>
+          </a:custGeom>
+          <a:solidFill>
+            <a:srgbClr val="CD8E7F"/>
+          </a:solidFill>
+          <a:ln>
+            <a:solidFill>
+              <a:schemeClr val="accent2">
+                <a:lumMod val="50000"/>
+              </a:schemeClr>
+            </a:solidFill>
+            <a:extLst>
+              <a:ext uri="{C807C97D-BFC1-408E-A445-0C87EB9F89A2}">
+                <ask:lineSketchStyleProps xmlns:ask="http://schemas.microsoft.com/office/drawing/2018/sketchyshapes" sd="3304437860">
+                  <a:prstGeom prst="roundRect">
+                    <a:avLst/>
+                  </a:prstGeom>
+                  <ask:type>
+                    <ask:lineSketchFreehand/>
+                  </ask:type>
+                </ask:lineSketchStyleProps>
+              </a:ext>
+            </a:extLst>
+          </a:ln>
+        </p:spPr>
+        <p:style>
+          <a:lnRef idx="2">
+            <a:schemeClr val="accent1">
+              <a:shade val="50000"/>
+            </a:schemeClr>
+          </a:lnRef>
+          <a:fillRef idx="1">
+            <a:schemeClr val="accent1"/>
+          </a:fillRef>
+          <a:effectRef idx="0">
+            <a:schemeClr val="accent1"/>
+          </a:effectRef>
+          <a:fontRef idx="minor">
+            <a:schemeClr val="lt1"/>
+          </a:fontRef>
+        </p:style>
+        <p:txBody>
+          <a:bodyPr rtlCol="0" anchor="ctr"/>
+          <a:lstStyle/>
+          <a:p>
+            <a:pPr algn="ctr"/>
+            <a:r>
+              <a:rPr lang="en-US" sz="1200" dirty="0"/>
+              <a:t>Order Command</a:t>
+            </a:r>
+          </a:p>
+        </p:txBody>
+      </p:sp>
+      <p:cxnSp>
+        <p:nvCxnSpPr>
+          <p:cNvPr id="30" name="Straight Connector 29">
+            <a:extLst>
+              <a:ext uri="{FF2B5EF4-FFF2-40B4-BE49-F238E27FC236}">
+                <a16:creationId xmlns:a16="http://schemas.microsoft.com/office/drawing/2014/main" id="{99107328-FE14-7247-BC64-DD094759DAC9}"/>
+              </a:ext>
+            </a:extLst>
+          </p:cNvPr>
+          <p:cNvCxnSpPr>
+            <a:cxnSpLocks/>
+          </p:cNvCxnSpPr>
+          <p:nvPr/>
+        </p:nvCxnSpPr>
+        <p:spPr>
+          <a:xfrm>
+            <a:off x="7507331" y="1344566"/>
+            <a:ext cx="67" cy="5400000"/>
+          </a:xfrm>
+          <a:prstGeom prst="line">
+            <a:avLst/>
+          </a:prstGeom>
+          <a:ln>
+            <a:solidFill>
+              <a:schemeClr val="accent1"/>
+            </a:solidFill>
+            <a:prstDash val="solid"/>
+          </a:ln>
+          <a:effectLst/>
+        </p:spPr>
+        <p:style>
+          <a:lnRef idx="2">
+            <a:schemeClr val="accent1"/>
+          </a:lnRef>
+          <a:fillRef idx="0">
+            <a:schemeClr val="accent1"/>
+          </a:fillRef>
+          <a:effectRef idx="1">
+            <a:schemeClr val="accent1"/>
+          </a:effectRef>
+          <a:fontRef idx="minor">
+            <a:schemeClr val="tx1"/>
+          </a:fontRef>
+        </p:style>
+      </p:cxnSp>
+      <p:sp>
+        <p:nvSpPr>
+          <p:cNvPr id="49" name="Rounded Rectangle 48">
+            <a:extLst>
+              <a:ext uri="{FF2B5EF4-FFF2-40B4-BE49-F238E27FC236}">
+                <a16:creationId xmlns:a16="http://schemas.microsoft.com/office/drawing/2014/main" id="{96A319E2-968D-9D44-98D1-D9F7D2A109F1}"/>
+              </a:ext>
+            </a:extLst>
+          </p:cNvPr>
+          <p:cNvSpPr/>
+          <p:nvPr/>
+        </p:nvSpPr>
+        <p:spPr>
+          <a:xfrm>
+            <a:off x="9506993" y="656200"/>
+            <a:ext cx="999125" cy="686482"/>
+          </a:xfrm>
+          <a:custGeom>
+            <a:avLst/>
+            <a:gdLst>
+              <a:gd name="connsiteX0" fmla="*/ 0 w 999125"/>
+              <a:gd name="connsiteY0" fmla="*/ 114416 h 686482"/>
+              <a:gd name="connsiteX1" fmla="*/ 114416 w 999125"/>
+              <a:gd name="connsiteY1" fmla="*/ 0 h 686482"/>
+              <a:gd name="connsiteX2" fmla="*/ 514968 w 999125"/>
+              <a:gd name="connsiteY2" fmla="*/ 0 h 686482"/>
+              <a:gd name="connsiteX3" fmla="*/ 884709 w 999125"/>
+              <a:gd name="connsiteY3" fmla="*/ 0 h 686482"/>
+              <a:gd name="connsiteX4" fmla="*/ 999125 w 999125"/>
+              <a:gd name="connsiteY4" fmla="*/ 114416 h 686482"/>
+              <a:gd name="connsiteX5" fmla="*/ 999125 w 999125"/>
+              <a:gd name="connsiteY5" fmla="*/ 572066 h 686482"/>
+              <a:gd name="connsiteX6" fmla="*/ 884709 w 999125"/>
+              <a:gd name="connsiteY6" fmla="*/ 686482 h 686482"/>
+              <a:gd name="connsiteX7" fmla="*/ 514968 w 999125"/>
+              <a:gd name="connsiteY7" fmla="*/ 686482 h 686482"/>
+              <a:gd name="connsiteX8" fmla="*/ 114416 w 999125"/>
+              <a:gd name="connsiteY8" fmla="*/ 686482 h 686482"/>
+              <a:gd name="connsiteX9" fmla="*/ 0 w 999125"/>
+              <a:gd name="connsiteY9" fmla="*/ 572066 h 686482"/>
+              <a:gd name="connsiteX10" fmla="*/ 0 w 999125"/>
+              <a:gd name="connsiteY10" fmla="*/ 114416 h 686482"/>
+            </a:gdLst>
+            <a:ahLst/>
+            <a:cxnLst>
+              <a:cxn ang="0">
+                <a:pos x="connsiteX0" y="connsiteY0"/>
+              </a:cxn>
+              <a:cxn ang="0">
+                <a:pos x="connsiteX1" y="connsiteY1"/>
+              </a:cxn>
+              <a:cxn ang="0">
+                <a:pos x="connsiteX2" y="connsiteY2"/>
+              </a:cxn>
+              <a:cxn ang="0">
+                <a:pos x="connsiteX3" y="connsiteY3"/>
+              </a:cxn>
+              <a:cxn ang="0">
+                <a:pos x="connsiteX4" y="connsiteY4"/>
+              </a:cxn>
+              <a:cxn ang="0">
+                <a:pos x="connsiteX5" y="connsiteY5"/>
+              </a:cxn>
+              <a:cxn ang="0">
+                <a:pos x="connsiteX6" y="connsiteY6"/>
+              </a:cxn>
+              <a:cxn ang="0">
+                <a:pos x="connsiteX7" y="connsiteY7"/>
+              </a:cxn>
+              <a:cxn ang="0">
+                <a:pos x="connsiteX8" y="connsiteY8"/>
+              </a:cxn>
+              <a:cxn ang="0">
+                <a:pos x="connsiteX9" y="connsiteY9"/>
+              </a:cxn>
+              <a:cxn ang="0">
+                <a:pos x="connsiteX10" y="connsiteY10"/>
+              </a:cxn>
+            </a:cxnLst>
+            <a:rect l="l" t="t" r="r" b="b"/>
+            <a:pathLst>
+              <a:path w="999125" h="686482" fill="none" extrusionOk="0">
+                <a:moveTo>
+                  <a:pt x="0" y="114416"/>
+                </a:moveTo>
+                <a:cubicBezTo>
+                  <a:pt x="-2251" y="55741"/>
+                  <a:pt x="40544" y="6569"/>
+                  <a:pt x="114416" y="0"/>
+                </a:cubicBezTo>
+                <a:cubicBezTo>
+                  <a:pt x="290501" y="12677"/>
+                  <a:pt x="389615" y="-11339"/>
+                  <a:pt x="514968" y="0"/>
+                </a:cubicBezTo>
+                <a:cubicBezTo>
+                  <a:pt x="640321" y="11339"/>
+                  <a:pt x="726973" y="-10054"/>
+                  <a:pt x="884709" y="0"/>
+                </a:cubicBezTo>
+                <a:cubicBezTo>
+                  <a:pt x="959788" y="7898"/>
+                  <a:pt x="1000261" y="48761"/>
+                  <a:pt x="999125" y="114416"/>
+                </a:cubicBezTo>
+                <a:cubicBezTo>
+                  <a:pt x="993022" y="264392"/>
+                  <a:pt x="1009335" y="471865"/>
+                  <a:pt x="999125" y="572066"/>
+                </a:cubicBezTo>
+                <a:cubicBezTo>
+                  <a:pt x="991572" y="639324"/>
+                  <a:pt x="949237" y="693139"/>
+                  <a:pt x="884709" y="686482"/>
+                </a:cubicBezTo>
+                <a:cubicBezTo>
+                  <a:pt x="771583" y="698118"/>
+                  <a:pt x="649192" y="685956"/>
+                  <a:pt x="514968" y="686482"/>
+                </a:cubicBezTo>
+                <a:cubicBezTo>
+                  <a:pt x="380744" y="687008"/>
+                  <a:pt x="211142" y="679204"/>
+                  <a:pt x="114416" y="686482"/>
+                </a:cubicBezTo>
+                <a:cubicBezTo>
+                  <a:pt x="55267" y="673628"/>
+                  <a:pt x="2690" y="623691"/>
+                  <a:pt x="0" y="572066"/>
+                </a:cubicBezTo>
+                <a:cubicBezTo>
+                  <a:pt x="4371" y="468938"/>
+                  <a:pt x="-17537" y="275703"/>
+                  <a:pt x="0" y="114416"/>
+                </a:cubicBezTo>
+                <a:close/>
+              </a:path>
+              <a:path w="999125" h="686482" stroke="0" extrusionOk="0">
+                <a:moveTo>
+                  <a:pt x="0" y="114416"/>
+                </a:moveTo>
+                <a:cubicBezTo>
+                  <a:pt x="-372" y="47150"/>
+                  <a:pt x="45945" y="6362"/>
+                  <a:pt x="114416" y="0"/>
+                </a:cubicBezTo>
+                <a:cubicBezTo>
+                  <a:pt x="251191" y="16194"/>
+                  <a:pt x="313482" y="16537"/>
+                  <a:pt x="491860" y="0"/>
+                </a:cubicBezTo>
+                <a:cubicBezTo>
+                  <a:pt x="670238" y="-16537"/>
+                  <a:pt x="715862" y="4092"/>
+                  <a:pt x="884709" y="0"/>
+                </a:cubicBezTo>
+                <a:cubicBezTo>
+                  <a:pt x="941342" y="-11157"/>
+                  <a:pt x="992157" y="38399"/>
+                  <a:pt x="999125" y="114416"/>
+                </a:cubicBezTo>
+                <a:cubicBezTo>
+                  <a:pt x="1006725" y="216182"/>
+                  <a:pt x="983493" y="357019"/>
+                  <a:pt x="999125" y="572066"/>
+                </a:cubicBezTo>
+                <a:cubicBezTo>
+                  <a:pt x="987693" y="637243"/>
+                  <a:pt x="961999" y="684730"/>
+                  <a:pt x="884709" y="686482"/>
+                </a:cubicBezTo>
+                <a:cubicBezTo>
+                  <a:pt x="721585" y="670309"/>
+                  <a:pt x="573557" y="675478"/>
+                  <a:pt x="491860" y="686482"/>
+                </a:cubicBezTo>
+                <a:cubicBezTo>
+                  <a:pt x="410163" y="697486"/>
+                  <a:pt x="242431" y="668985"/>
+                  <a:pt x="114416" y="686482"/>
+                </a:cubicBezTo>
+                <a:cubicBezTo>
+                  <a:pt x="52687" y="680842"/>
+                  <a:pt x="-2128" y="639286"/>
+                  <a:pt x="0" y="572066"/>
+                </a:cubicBezTo>
+                <a:cubicBezTo>
+                  <a:pt x="19921" y="443926"/>
+                  <a:pt x="8437" y="259547"/>
+                  <a:pt x="0" y="114416"/>
+                </a:cubicBezTo>
+                <a:close/>
+              </a:path>
+            </a:pathLst>
+          </a:custGeom>
+          <a:solidFill>
+            <a:srgbClr val="CD8E7F"/>
+          </a:solidFill>
+          <a:ln>
+            <a:solidFill>
+              <a:schemeClr val="accent2">
+                <a:lumMod val="50000"/>
+              </a:schemeClr>
+            </a:solidFill>
+            <a:extLst>
+              <a:ext uri="{C807C97D-BFC1-408E-A445-0C87EB9F89A2}">
+                <ask:lineSketchStyleProps xmlns:ask="http://schemas.microsoft.com/office/drawing/2018/sketchyshapes" sd="1543265054">
+                  <a:prstGeom prst="roundRect">
+                    <a:avLst/>
+                  </a:prstGeom>
+                  <ask:type>
+                    <ask:lineSketchFreehand/>
+                  </ask:type>
+                </ask:lineSketchStyleProps>
+              </a:ext>
+            </a:extLst>
+          </a:ln>
+        </p:spPr>
+        <p:style>
+          <a:lnRef idx="2">
+            <a:schemeClr val="accent1">
+              <a:shade val="50000"/>
+            </a:schemeClr>
+          </a:lnRef>
+          <a:fillRef idx="1">
+            <a:schemeClr val="accent1"/>
+          </a:fillRef>
+          <a:effectRef idx="0">
+            <a:schemeClr val="accent1"/>
+          </a:effectRef>
+          <a:fontRef idx="minor">
+            <a:schemeClr val="lt1"/>
+          </a:fontRef>
+        </p:style>
+        <p:txBody>
+          <a:bodyPr rtlCol="0" anchor="ctr"/>
+          <a:lstStyle/>
+          <a:p>
+            <a:pPr algn="ctr"/>
+            <a:r>
+              <a:rPr lang="en-US" sz="1200" dirty="0"/>
+              <a:t>Reefers </a:t>
+            </a:r>
+            <a:r>
+              <a:rPr lang="en-US" sz="1200" dirty="0" err="1"/>
+              <a:t>Mgr</a:t>
+            </a:r>
+            <a:endParaRPr lang="en-US" sz="1200" dirty="0"/>
+          </a:p>
+        </p:txBody>
+      </p:sp>
+      <p:cxnSp>
+        <p:nvCxnSpPr>
+          <p:cNvPr id="50" name="Straight Connector 49">
+            <a:extLst>
+              <a:ext uri="{FF2B5EF4-FFF2-40B4-BE49-F238E27FC236}">
+                <a16:creationId xmlns:a16="http://schemas.microsoft.com/office/drawing/2014/main" id="{82FA8B23-EDB8-A345-A190-D56010318D2D}"/>
+              </a:ext>
+            </a:extLst>
+          </p:cNvPr>
+          <p:cNvCxnSpPr>
+            <a:cxnSpLocks/>
+          </p:cNvCxnSpPr>
+          <p:nvPr/>
+        </p:nvCxnSpPr>
+        <p:spPr>
+          <a:xfrm>
+            <a:off x="10006556" y="1342800"/>
+            <a:ext cx="33090" cy="5400000"/>
+          </a:xfrm>
+          <a:prstGeom prst="line">
+            <a:avLst/>
+          </a:prstGeom>
+          <a:ln>
+            <a:solidFill>
+              <a:schemeClr val="accent1"/>
+            </a:solidFill>
+            <a:prstDash val="solid"/>
+          </a:ln>
+          <a:effectLst/>
+        </p:spPr>
+        <p:style>
+          <a:lnRef idx="2">
+            <a:schemeClr val="accent1"/>
+          </a:lnRef>
+          <a:fillRef idx="0">
+            <a:schemeClr val="accent1"/>
+          </a:fillRef>
+          <a:effectRef idx="1">
+            <a:schemeClr val="accent1"/>
+          </a:effectRef>
+          <a:fontRef idx="minor">
+            <a:schemeClr val="tx1"/>
+          </a:fontRef>
+        </p:style>
+      </p:cxnSp>
+      <p:grpSp>
+        <p:nvGrpSpPr>
+          <p:cNvPr id="18" name="Group 17">
+            <a:extLst>
+              <a:ext uri="{FF2B5EF4-FFF2-40B4-BE49-F238E27FC236}">
+                <a16:creationId xmlns:a16="http://schemas.microsoft.com/office/drawing/2014/main" id="{1203E6DB-0E57-AB47-8F57-BD657E3A8980}"/>
+              </a:ext>
+            </a:extLst>
+          </p:cNvPr>
+          <p:cNvGrpSpPr/>
+          <p:nvPr/>
+        </p:nvGrpSpPr>
+        <p:grpSpPr>
+          <a:xfrm>
+            <a:off x="4498994" y="720007"/>
+            <a:ext cx="603050" cy="636766"/>
+            <a:chOff x="2898188" y="2855073"/>
+            <a:chExt cx="603050" cy="636766"/>
+          </a:xfrm>
+        </p:grpSpPr>
+        <p:sp>
+          <p:nvSpPr>
+            <p:cNvPr id="47" name="Rounded Rectangle 46">
+              <a:extLst>
+                <a:ext uri="{FF2B5EF4-FFF2-40B4-BE49-F238E27FC236}">
+                  <a16:creationId xmlns:a16="http://schemas.microsoft.com/office/drawing/2014/main" id="{BC86C5F4-C329-7840-B977-3DF7C1B7A90E}"/>
+                </a:ext>
+              </a:extLst>
+            </p:cNvPr>
+            <p:cNvSpPr/>
+            <p:nvPr/>
+          </p:nvSpPr>
+          <p:spPr bwMode="auto">
+            <a:xfrm>
+              <a:off x="2932267" y="3151004"/>
+              <a:ext cx="146861" cy="340835"/>
+            </a:xfrm>
+            <a:prstGeom prst="roundRect">
+              <a:avLst/>
+            </a:prstGeom>
+            <a:solidFill>
+              <a:schemeClr val="bg2"/>
+            </a:solidFill>
+            <a:ln>
+              <a:solidFill>
+                <a:schemeClr val="bg1"/>
+              </a:solidFill>
+              <a:prstDash val="solid"/>
+              <a:headEnd type="none" w="med" len="med"/>
+              <a:tailEnd type="none" w="med" len="med"/>
+            </a:ln>
+            <a:effectLst/>
+          </p:spPr>
+          <p:style>
+            <a:lnRef idx="1">
+              <a:schemeClr val="accent5"/>
+            </a:lnRef>
+            <a:fillRef idx="3">
+              <a:schemeClr val="accent5"/>
+            </a:fillRef>
+            <a:effectRef idx="2">
+              <a:schemeClr val="accent5"/>
+            </a:effectRef>
+            <a:fontRef idx="minor">
+              <a:schemeClr val="lt1"/>
+            </a:fontRef>
+          </p:style>
+          <p:txBody>
+            <a:bodyPr vert="horz" wrap="square" lIns="0" tIns="0" rIns="0" bIns="0" numCol="1" rtlCol="0" anchor="ctr" anchorCtr="0" compatLnSpc="1">
+              <a:prstTxWarp prst="textNoShape">
+                <a:avLst/>
+              </a:prstTxWarp>
+              <a:noAutofit/>
+            </a:bodyPr>
+            <a:lstStyle/>
+            <a:p>
+              <a:pPr algn="ctr" defTabSz="1219170" fontAlgn="base">
+                <a:lnSpc>
+                  <a:spcPct val="90000"/>
+                </a:lnSpc>
+                <a:spcBef>
+                  <a:spcPct val="0"/>
+                </a:spcBef>
+                <a:spcAft>
+                  <a:spcPct val="0"/>
+                </a:spcAft>
+              </a:pPr>
+              <a:r>
+                <a:rPr lang="en-US" sz="1200" dirty="0">
+                  <a:solidFill>
+                    <a:schemeClr val="bg1"/>
+                  </a:solidFill>
+                </a:rPr>
+                <a:t>0</a:t>
+              </a:r>
+              <a:endParaRPr lang="en-US" sz="667" dirty="0">
+                <a:solidFill>
+                  <a:schemeClr val="bg1"/>
+                </a:solidFill>
+              </a:endParaRPr>
+            </a:p>
+          </p:txBody>
+        </p:sp>
+        <p:sp>
+          <p:nvSpPr>
+            <p:cNvPr id="48" name="Rounded Rectangle 47">
+              <a:extLst>
+                <a:ext uri="{FF2B5EF4-FFF2-40B4-BE49-F238E27FC236}">
+                  <a16:creationId xmlns:a16="http://schemas.microsoft.com/office/drawing/2014/main" id="{0486D77C-9BB1-0144-AFBD-B1CB441F90AD}"/>
+                </a:ext>
+              </a:extLst>
+            </p:cNvPr>
+            <p:cNvSpPr/>
+            <p:nvPr/>
+          </p:nvSpPr>
+          <p:spPr bwMode="auto">
+            <a:xfrm>
+              <a:off x="3087204" y="3151004"/>
+              <a:ext cx="148586" cy="340835"/>
+            </a:xfrm>
+            <a:prstGeom prst="roundRect">
+              <a:avLst/>
+            </a:prstGeom>
+            <a:solidFill>
+              <a:schemeClr val="bg2"/>
+            </a:solidFill>
+            <a:ln>
+              <a:solidFill>
+                <a:schemeClr val="bg1"/>
+              </a:solidFill>
+              <a:prstDash val="solid"/>
+              <a:headEnd type="none" w="med" len="med"/>
+              <a:tailEnd type="none" w="med" len="med"/>
+            </a:ln>
+            <a:effectLst/>
+          </p:spPr>
+          <p:style>
+            <a:lnRef idx="1">
+              <a:schemeClr val="accent5"/>
+            </a:lnRef>
+            <a:fillRef idx="3">
+              <a:schemeClr val="accent5"/>
+            </a:fillRef>
+            <a:effectRef idx="2">
+              <a:schemeClr val="accent5"/>
+            </a:effectRef>
+            <a:fontRef idx="minor">
+              <a:schemeClr val="lt1"/>
+            </a:fontRef>
+          </p:style>
+          <p:txBody>
+            <a:bodyPr vert="horz" wrap="square" lIns="0" tIns="0" rIns="0" bIns="0" numCol="1" rtlCol="0" anchor="ctr" anchorCtr="0" compatLnSpc="1">
+              <a:prstTxWarp prst="textNoShape">
+                <a:avLst/>
+              </a:prstTxWarp>
+              <a:noAutofit/>
+            </a:bodyPr>
+            <a:lstStyle/>
+            <a:p>
+              <a:pPr algn="ctr" defTabSz="1219170" fontAlgn="base">
+                <a:lnSpc>
+                  <a:spcPct val="90000"/>
+                </a:lnSpc>
+                <a:spcBef>
+                  <a:spcPct val="0"/>
+                </a:spcBef>
+                <a:spcAft>
+                  <a:spcPct val="0"/>
+                </a:spcAft>
+              </a:pPr>
+              <a:r>
+                <a:rPr lang="en-US" sz="1200" dirty="0">
+                  <a:solidFill>
+                    <a:schemeClr val="bg1"/>
+                  </a:solidFill>
+                </a:rPr>
+                <a:t>1</a:t>
+              </a:r>
+              <a:endParaRPr lang="en-US" sz="667" dirty="0">
+                <a:solidFill>
+                  <a:schemeClr val="bg1"/>
+                </a:solidFill>
+              </a:endParaRPr>
+            </a:p>
+          </p:txBody>
+        </p:sp>
+        <p:sp>
+          <p:nvSpPr>
+            <p:cNvPr id="52" name="Rounded Rectangle 51">
+              <a:extLst>
+                <a:ext uri="{FF2B5EF4-FFF2-40B4-BE49-F238E27FC236}">
+                  <a16:creationId xmlns:a16="http://schemas.microsoft.com/office/drawing/2014/main" id="{50F8C2AC-E7E9-D345-BBFC-553A27989074}"/>
+                </a:ext>
+              </a:extLst>
+            </p:cNvPr>
+            <p:cNvSpPr/>
+            <p:nvPr/>
+          </p:nvSpPr>
+          <p:spPr bwMode="auto">
+            <a:xfrm>
+              <a:off x="3228632" y="3151004"/>
+              <a:ext cx="148586" cy="340835"/>
+            </a:xfrm>
+            <a:prstGeom prst="roundRect">
+              <a:avLst/>
+            </a:prstGeom>
+            <a:solidFill>
+              <a:schemeClr val="bg2"/>
+            </a:solidFill>
+            <a:ln>
+              <a:solidFill>
+                <a:schemeClr val="bg1"/>
+              </a:solidFill>
+              <a:prstDash val="solid"/>
+              <a:headEnd type="none" w="med" len="med"/>
+              <a:tailEnd type="none" w="med" len="med"/>
+            </a:ln>
+            <a:effectLst/>
+          </p:spPr>
+          <p:style>
+            <a:lnRef idx="1">
+              <a:schemeClr val="accent5"/>
+            </a:lnRef>
+            <a:fillRef idx="3">
+              <a:schemeClr val="accent5"/>
+            </a:fillRef>
+            <a:effectRef idx="2">
+              <a:schemeClr val="accent5"/>
+            </a:effectRef>
+            <a:fontRef idx="minor">
+              <a:schemeClr val="lt1"/>
+            </a:fontRef>
+          </p:style>
+          <p:txBody>
+            <a:bodyPr vert="horz" wrap="square" lIns="0" tIns="0" rIns="0" bIns="0" numCol="1" rtlCol="0" anchor="ctr" anchorCtr="0" compatLnSpc="1">
+              <a:prstTxWarp prst="textNoShape">
+                <a:avLst/>
+              </a:prstTxWarp>
+              <a:noAutofit/>
+            </a:bodyPr>
+            <a:lstStyle/>
+            <a:p>
+              <a:pPr algn="ctr" defTabSz="1219170" fontAlgn="base">
+                <a:lnSpc>
+                  <a:spcPct val="90000"/>
+                </a:lnSpc>
+                <a:spcBef>
+                  <a:spcPct val="0"/>
+                </a:spcBef>
+                <a:spcAft>
+                  <a:spcPct val="0"/>
+                </a:spcAft>
+              </a:pPr>
+              <a:r>
+                <a:rPr lang="en-US" sz="1200" dirty="0">
+                  <a:solidFill>
+                    <a:schemeClr val="bg1"/>
+                  </a:solidFill>
+                </a:rPr>
+                <a:t>2</a:t>
+              </a:r>
+              <a:endParaRPr lang="en-US" sz="667" dirty="0">
+                <a:solidFill>
+                  <a:schemeClr val="bg1"/>
+                </a:solidFill>
+              </a:endParaRPr>
+            </a:p>
+          </p:txBody>
+        </p:sp>
+        <p:sp>
+          <p:nvSpPr>
+            <p:cNvPr id="55" name="TextBox 54">
+              <a:extLst>
+                <a:ext uri="{FF2B5EF4-FFF2-40B4-BE49-F238E27FC236}">
+                  <a16:creationId xmlns:a16="http://schemas.microsoft.com/office/drawing/2014/main" id="{203AFDF0-27AD-8741-A3E8-C24F93A06D9B}"/>
+                </a:ext>
+              </a:extLst>
+            </p:cNvPr>
+            <p:cNvSpPr txBox="1"/>
+            <p:nvPr/>
+          </p:nvSpPr>
+          <p:spPr>
+            <a:xfrm>
+              <a:off x="2898188" y="2855073"/>
+              <a:ext cx="603050" cy="246221"/>
+            </a:xfrm>
+            <a:prstGeom prst="rect">
+              <a:avLst/>
+            </a:prstGeom>
+            <a:noFill/>
+          </p:spPr>
+          <p:txBody>
+            <a:bodyPr wrap="none" rtlCol="0">
+              <a:spAutoFit/>
+            </a:bodyPr>
+            <a:lstStyle/>
+            <a:p>
+              <a:r>
+                <a:rPr lang="en-US" sz="1000" dirty="0">
+                  <a:solidFill>
+                    <a:schemeClr val="accent1">
+                      <a:lumMod val="25000"/>
+                    </a:schemeClr>
+                  </a:solidFill>
+                </a:rPr>
+                <a:t>voyages</a:t>
+              </a:r>
+            </a:p>
+          </p:txBody>
+        </p:sp>
+      </p:grpSp>
+      <p:grpSp>
+        <p:nvGrpSpPr>
+          <p:cNvPr id="21" name="Group 20">
+            <a:extLst>
+              <a:ext uri="{FF2B5EF4-FFF2-40B4-BE49-F238E27FC236}">
+                <a16:creationId xmlns:a16="http://schemas.microsoft.com/office/drawing/2014/main" id="{E36995D9-55DF-684B-ABF4-DC2720901674}"/>
+              </a:ext>
+            </a:extLst>
+          </p:cNvPr>
+          <p:cNvGrpSpPr/>
+          <p:nvPr/>
+        </p:nvGrpSpPr>
+        <p:grpSpPr>
+          <a:xfrm>
+            <a:off x="5527747" y="733240"/>
+            <a:ext cx="732893" cy="647549"/>
+            <a:chOff x="2943190" y="4391413"/>
+            <a:chExt cx="732893" cy="647549"/>
+          </a:xfrm>
+        </p:grpSpPr>
+        <p:sp>
+          <p:nvSpPr>
+            <p:cNvPr id="63" name="Rounded Rectangle 62">
+              <a:extLst>
+                <a:ext uri="{FF2B5EF4-FFF2-40B4-BE49-F238E27FC236}">
+                  <a16:creationId xmlns:a16="http://schemas.microsoft.com/office/drawing/2014/main" id="{459F526B-9C97-634D-8B54-64EB7125E129}"/>
+                </a:ext>
+              </a:extLst>
+            </p:cNvPr>
+            <p:cNvSpPr/>
+            <p:nvPr/>
+          </p:nvSpPr>
+          <p:spPr bwMode="auto">
+            <a:xfrm>
+              <a:off x="2963940" y="4698127"/>
+              <a:ext cx="146861" cy="340835"/>
+            </a:xfrm>
+            <a:prstGeom prst="roundRect">
+              <a:avLst/>
+            </a:prstGeom>
+            <a:solidFill>
+              <a:schemeClr val="bg2"/>
+            </a:solidFill>
+            <a:ln>
+              <a:solidFill>
+                <a:schemeClr val="bg1"/>
+              </a:solidFill>
+              <a:prstDash val="solid"/>
+              <a:headEnd type="none" w="med" len="med"/>
+              <a:tailEnd type="none" w="med" len="med"/>
+            </a:ln>
+            <a:effectLst/>
+          </p:spPr>
+          <p:style>
+            <a:lnRef idx="1">
+              <a:schemeClr val="accent5"/>
+            </a:lnRef>
+            <a:fillRef idx="3">
+              <a:schemeClr val="accent5"/>
+            </a:fillRef>
+            <a:effectRef idx="2">
+              <a:schemeClr val="accent5"/>
+            </a:effectRef>
+            <a:fontRef idx="minor">
+              <a:schemeClr val="lt1"/>
+            </a:fontRef>
+          </p:style>
+          <p:txBody>
+            <a:bodyPr vert="horz" wrap="square" lIns="0" tIns="0" rIns="0" bIns="0" numCol="1" rtlCol="0" anchor="ctr" anchorCtr="0" compatLnSpc="1">
+              <a:prstTxWarp prst="textNoShape">
+                <a:avLst/>
+              </a:prstTxWarp>
+              <a:noAutofit/>
+            </a:bodyPr>
+            <a:lstStyle/>
+            <a:p>
+              <a:pPr algn="ctr" defTabSz="1219170" fontAlgn="base">
+                <a:lnSpc>
+                  <a:spcPct val="90000"/>
+                </a:lnSpc>
+                <a:spcBef>
+                  <a:spcPct val="0"/>
+                </a:spcBef>
+                <a:spcAft>
+                  <a:spcPct val="0"/>
+                </a:spcAft>
+              </a:pPr>
+              <a:r>
+                <a:rPr lang="en-US" sz="1200" dirty="0">
+                  <a:solidFill>
+                    <a:schemeClr val="bg1"/>
+                  </a:solidFill>
+                </a:rPr>
+                <a:t>0</a:t>
+              </a:r>
+              <a:endParaRPr lang="en-US" sz="667" dirty="0">
+                <a:solidFill>
+                  <a:schemeClr val="bg1"/>
+                </a:solidFill>
+              </a:endParaRPr>
+            </a:p>
+          </p:txBody>
+        </p:sp>
+        <p:sp>
+          <p:nvSpPr>
+            <p:cNvPr id="64" name="Rounded Rectangle 63">
+              <a:extLst>
+                <a:ext uri="{FF2B5EF4-FFF2-40B4-BE49-F238E27FC236}">
+                  <a16:creationId xmlns:a16="http://schemas.microsoft.com/office/drawing/2014/main" id="{F82A6D44-ECD0-DD47-B9DD-C4D4CB3AD8EA}"/>
+                </a:ext>
+              </a:extLst>
+            </p:cNvPr>
+            <p:cNvSpPr/>
+            <p:nvPr/>
+          </p:nvSpPr>
+          <p:spPr bwMode="auto">
+            <a:xfrm>
+              <a:off x="3118877" y="4698127"/>
+              <a:ext cx="148586" cy="340835"/>
+            </a:xfrm>
+            <a:prstGeom prst="roundRect">
+              <a:avLst/>
+            </a:prstGeom>
+            <a:solidFill>
+              <a:schemeClr val="bg2"/>
+            </a:solidFill>
+            <a:ln>
+              <a:solidFill>
+                <a:schemeClr val="bg1"/>
+              </a:solidFill>
+              <a:prstDash val="solid"/>
+              <a:headEnd type="none" w="med" len="med"/>
+              <a:tailEnd type="none" w="med" len="med"/>
+            </a:ln>
+            <a:effectLst/>
+          </p:spPr>
+          <p:style>
+            <a:lnRef idx="1">
+              <a:schemeClr val="accent5"/>
+            </a:lnRef>
+            <a:fillRef idx="3">
+              <a:schemeClr val="accent5"/>
+            </a:fillRef>
+            <a:effectRef idx="2">
+              <a:schemeClr val="accent5"/>
+            </a:effectRef>
+            <a:fontRef idx="minor">
+              <a:schemeClr val="lt1"/>
+            </a:fontRef>
+          </p:style>
+          <p:txBody>
+            <a:bodyPr vert="horz" wrap="square" lIns="0" tIns="0" rIns="0" bIns="0" numCol="1" rtlCol="0" anchor="ctr" anchorCtr="0" compatLnSpc="1">
+              <a:prstTxWarp prst="textNoShape">
+                <a:avLst/>
+              </a:prstTxWarp>
+              <a:noAutofit/>
+            </a:bodyPr>
+            <a:lstStyle/>
+            <a:p>
+              <a:pPr algn="ctr" defTabSz="1219170" fontAlgn="base">
+                <a:lnSpc>
+                  <a:spcPct val="90000"/>
+                </a:lnSpc>
+                <a:spcBef>
+                  <a:spcPct val="0"/>
+                </a:spcBef>
+                <a:spcAft>
+                  <a:spcPct val="0"/>
+                </a:spcAft>
+              </a:pPr>
+              <a:r>
+                <a:rPr lang="en-US" sz="1200" dirty="0">
+                  <a:solidFill>
+                    <a:schemeClr val="bg1"/>
+                  </a:solidFill>
+                </a:rPr>
+                <a:t>1</a:t>
+              </a:r>
+              <a:endParaRPr lang="en-US" sz="667" dirty="0">
+                <a:solidFill>
+                  <a:schemeClr val="bg1"/>
+                </a:solidFill>
+              </a:endParaRPr>
+            </a:p>
+          </p:txBody>
+        </p:sp>
+        <p:sp>
+          <p:nvSpPr>
+            <p:cNvPr id="67" name="Rounded Rectangle 66">
+              <a:extLst>
+                <a:ext uri="{FF2B5EF4-FFF2-40B4-BE49-F238E27FC236}">
+                  <a16:creationId xmlns:a16="http://schemas.microsoft.com/office/drawing/2014/main" id="{AB9DB6C5-800F-0448-A1E5-36E45D11DCFB}"/>
+                </a:ext>
+              </a:extLst>
+            </p:cNvPr>
+            <p:cNvSpPr/>
+            <p:nvPr/>
+          </p:nvSpPr>
+          <p:spPr bwMode="auto">
+            <a:xfrm>
+              <a:off x="3260305" y="4698127"/>
+              <a:ext cx="148586" cy="340835"/>
+            </a:xfrm>
+            <a:prstGeom prst="roundRect">
+              <a:avLst/>
+            </a:prstGeom>
+            <a:solidFill>
+              <a:schemeClr val="bg2"/>
+            </a:solidFill>
+            <a:ln>
+              <a:solidFill>
+                <a:schemeClr val="bg1"/>
+              </a:solidFill>
+              <a:prstDash val="solid"/>
+              <a:headEnd type="none" w="med" len="med"/>
+              <a:tailEnd type="none" w="med" len="med"/>
+            </a:ln>
+            <a:effectLst/>
+          </p:spPr>
+          <p:style>
+            <a:lnRef idx="1">
+              <a:schemeClr val="accent5"/>
+            </a:lnRef>
+            <a:fillRef idx="3">
+              <a:schemeClr val="accent5"/>
+            </a:fillRef>
+            <a:effectRef idx="2">
+              <a:schemeClr val="accent5"/>
+            </a:effectRef>
+            <a:fontRef idx="minor">
+              <a:schemeClr val="lt1"/>
+            </a:fontRef>
+          </p:style>
+          <p:txBody>
+            <a:bodyPr vert="horz" wrap="square" lIns="0" tIns="0" rIns="0" bIns="0" numCol="1" rtlCol="0" anchor="ctr" anchorCtr="0" compatLnSpc="1">
+              <a:prstTxWarp prst="textNoShape">
+                <a:avLst/>
+              </a:prstTxWarp>
+              <a:noAutofit/>
+            </a:bodyPr>
+            <a:lstStyle/>
+            <a:p>
+              <a:pPr algn="ctr" defTabSz="1219170" fontAlgn="base">
+                <a:lnSpc>
+                  <a:spcPct val="90000"/>
+                </a:lnSpc>
+                <a:spcBef>
+                  <a:spcPct val="0"/>
+                </a:spcBef>
+                <a:spcAft>
+                  <a:spcPct val="0"/>
+                </a:spcAft>
+              </a:pPr>
+              <a:r>
+                <a:rPr lang="en-US" sz="1200" dirty="0">
+                  <a:solidFill>
+                    <a:schemeClr val="bg1"/>
+                  </a:solidFill>
+                </a:rPr>
+                <a:t>2</a:t>
+              </a:r>
+              <a:endParaRPr lang="en-US" sz="667" dirty="0">
+                <a:solidFill>
+                  <a:schemeClr val="bg1"/>
+                </a:solidFill>
+              </a:endParaRPr>
+            </a:p>
+          </p:txBody>
+        </p:sp>
+        <p:sp>
+          <p:nvSpPr>
+            <p:cNvPr id="71" name="TextBox 70">
+              <a:extLst>
+                <a:ext uri="{FF2B5EF4-FFF2-40B4-BE49-F238E27FC236}">
+                  <a16:creationId xmlns:a16="http://schemas.microsoft.com/office/drawing/2014/main" id="{FDB57912-4311-494B-B18F-140683CDF173}"/>
+                </a:ext>
+              </a:extLst>
+            </p:cNvPr>
+            <p:cNvSpPr txBox="1"/>
+            <p:nvPr/>
+          </p:nvSpPr>
+          <p:spPr>
+            <a:xfrm>
+              <a:off x="2943190" y="4391413"/>
+              <a:ext cx="732893" cy="246221"/>
+            </a:xfrm>
+            <a:prstGeom prst="rect">
+              <a:avLst/>
+            </a:prstGeom>
+            <a:noFill/>
+          </p:spPr>
+          <p:txBody>
+            <a:bodyPr wrap="square" rtlCol="0">
+              <a:spAutoFit/>
+            </a:bodyPr>
+            <a:lstStyle/>
+            <a:p>
+              <a:r>
+                <a:rPr lang="en-US" sz="1000" dirty="0">
+                  <a:solidFill>
+                    <a:schemeClr val="accent1">
+                      <a:lumMod val="25000"/>
+                    </a:schemeClr>
+                  </a:solidFill>
+                </a:rPr>
+                <a:t>orders</a:t>
+              </a:r>
+            </a:p>
+          </p:txBody>
+        </p:sp>
+      </p:grpSp>
+      <p:cxnSp>
+        <p:nvCxnSpPr>
+          <p:cNvPr id="72" name="Straight Connector 71">
+            <a:extLst>
+              <a:ext uri="{FF2B5EF4-FFF2-40B4-BE49-F238E27FC236}">
+                <a16:creationId xmlns:a16="http://schemas.microsoft.com/office/drawing/2014/main" id="{4E532F80-2994-BB45-8C88-0174ADC98339}"/>
+              </a:ext>
+            </a:extLst>
+          </p:cNvPr>
+          <p:cNvCxnSpPr>
+            <a:cxnSpLocks/>
+          </p:cNvCxnSpPr>
+          <p:nvPr/>
+        </p:nvCxnSpPr>
+        <p:spPr>
+          <a:xfrm>
+            <a:off x="11247333" y="1352714"/>
+            <a:ext cx="61379" cy="5400000"/>
+          </a:xfrm>
+          <a:prstGeom prst="line">
+            <a:avLst/>
+          </a:prstGeom>
+          <a:ln>
+            <a:solidFill>
+              <a:schemeClr val="accent1"/>
+            </a:solidFill>
+            <a:prstDash val="solid"/>
+          </a:ln>
+          <a:effectLst/>
+        </p:spPr>
+        <p:style>
+          <a:lnRef idx="2">
+            <a:schemeClr val="accent1"/>
+          </a:lnRef>
+          <a:fillRef idx="0">
+            <a:schemeClr val="accent1"/>
+          </a:fillRef>
+          <a:effectRef idx="1">
+            <a:schemeClr val="accent1"/>
+          </a:effectRef>
+          <a:fontRef idx="minor">
+            <a:schemeClr val="tx1"/>
+          </a:fontRef>
+        </p:style>
+      </p:cxnSp>
+      <p:cxnSp>
+        <p:nvCxnSpPr>
+          <p:cNvPr id="73" name="Straight Connector 72">
+            <a:extLst>
+              <a:ext uri="{FF2B5EF4-FFF2-40B4-BE49-F238E27FC236}">
+                <a16:creationId xmlns:a16="http://schemas.microsoft.com/office/drawing/2014/main" id="{B713245F-93D0-DC4C-84F6-F481396B3356}"/>
+              </a:ext>
+            </a:extLst>
+          </p:cNvPr>
+          <p:cNvCxnSpPr>
+            <a:cxnSpLocks/>
+          </p:cNvCxnSpPr>
+          <p:nvPr/>
+        </p:nvCxnSpPr>
+        <p:spPr>
+          <a:xfrm>
+            <a:off x="3867056" y="1450362"/>
+            <a:ext cx="67" cy="5256000"/>
+          </a:xfrm>
+          <a:prstGeom prst="line">
+            <a:avLst/>
+          </a:prstGeom>
+          <a:ln>
+            <a:solidFill>
+              <a:schemeClr val="accent1"/>
+            </a:solidFill>
+            <a:prstDash val="sysDot"/>
+          </a:ln>
+          <a:effectLst/>
+        </p:spPr>
+        <p:style>
+          <a:lnRef idx="2">
+            <a:schemeClr val="accent1"/>
+          </a:lnRef>
+          <a:fillRef idx="0">
+            <a:schemeClr val="accent1"/>
+          </a:fillRef>
+          <a:effectRef idx="1">
+            <a:schemeClr val="accent1"/>
+          </a:effectRef>
+          <a:fontRef idx="minor">
+            <a:schemeClr val="tx1"/>
+          </a:fontRef>
+        </p:style>
+      </p:cxnSp>
+      <p:cxnSp>
+        <p:nvCxnSpPr>
+          <p:cNvPr id="74" name="Straight Connector 73">
+            <a:extLst>
+              <a:ext uri="{FF2B5EF4-FFF2-40B4-BE49-F238E27FC236}">
+                <a16:creationId xmlns:a16="http://schemas.microsoft.com/office/drawing/2014/main" id="{20ED7CC8-E713-A44D-80C6-DACE470ADE31}"/>
+              </a:ext>
+            </a:extLst>
+          </p:cNvPr>
+          <p:cNvCxnSpPr>
+            <a:cxnSpLocks/>
+          </p:cNvCxnSpPr>
+          <p:nvPr/>
+        </p:nvCxnSpPr>
+        <p:spPr>
+          <a:xfrm>
+            <a:off x="4758579" y="1434551"/>
+            <a:ext cx="67" cy="5256000"/>
+          </a:xfrm>
+          <a:prstGeom prst="line">
+            <a:avLst/>
+          </a:prstGeom>
+          <a:ln>
+            <a:solidFill>
+              <a:schemeClr val="accent1"/>
+            </a:solidFill>
+            <a:prstDash val="solid"/>
+          </a:ln>
+          <a:effectLst/>
+        </p:spPr>
+        <p:style>
+          <a:lnRef idx="2">
+            <a:schemeClr val="accent1"/>
+          </a:lnRef>
+          <a:fillRef idx="0">
+            <a:schemeClr val="accent1"/>
+          </a:fillRef>
+          <a:effectRef idx="1">
+            <a:schemeClr val="accent1"/>
+          </a:effectRef>
+          <a:fontRef idx="minor">
+            <a:schemeClr val="tx1"/>
+          </a:fontRef>
+        </p:style>
+      </p:cxnSp>
+      <p:cxnSp>
+        <p:nvCxnSpPr>
+          <p:cNvPr id="75" name="Straight Connector 74">
+            <a:extLst>
+              <a:ext uri="{FF2B5EF4-FFF2-40B4-BE49-F238E27FC236}">
+                <a16:creationId xmlns:a16="http://schemas.microsoft.com/office/drawing/2014/main" id="{16697C94-E47B-CC4A-92F4-03CBA7E083C1}"/>
+              </a:ext>
+            </a:extLst>
+          </p:cNvPr>
+          <p:cNvCxnSpPr>
+            <a:cxnSpLocks/>
+          </p:cNvCxnSpPr>
+          <p:nvPr/>
+        </p:nvCxnSpPr>
+        <p:spPr>
+          <a:xfrm>
+            <a:off x="5774048" y="1442165"/>
+            <a:ext cx="67" cy="5256000"/>
+          </a:xfrm>
+          <a:prstGeom prst="line">
+            <a:avLst/>
+          </a:prstGeom>
+          <a:ln>
+            <a:solidFill>
+              <a:schemeClr val="accent1"/>
+            </a:solidFill>
+            <a:prstDash val="solid"/>
+          </a:ln>
+          <a:effectLst/>
+        </p:spPr>
+        <p:style>
+          <a:lnRef idx="2">
+            <a:schemeClr val="accent1"/>
+          </a:lnRef>
+          <a:fillRef idx="0">
+            <a:schemeClr val="accent1"/>
+          </a:fillRef>
+          <a:effectRef idx="1">
+            <a:schemeClr val="accent1"/>
+          </a:effectRef>
+          <a:fontRef idx="minor">
+            <a:schemeClr val="tx1"/>
+          </a:fontRef>
+        </p:style>
+      </p:cxnSp>
+      <p:sp>
+        <p:nvSpPr>
+          <p:cNvPr id="77" name="Rectangle 76">
+            <a:extLst>
+              <a:ext uri="{FF2B5EF4-FFF2-40B4-BE49-F238E27FC236}">
+                <a16:creationId xmlns:a16="http://schemas.microsoft.com/office/drawing/2014/main" id="{F231B339-2EDF-674F-A1AF-01761FEFE12D}"/>
+              </a:ext>
+            </a:extLst>
+          </p:cNvPr>
+          <p:cNvSpPr/>
+          <p:nvPr/>
+        </p:nvSpPr>
+        <p:spPr>
+          <a:xfrm>
+            <a:off x="1860051" y="2005760"/>
+            <a:ext cx="736099" cy="230832"/>
+          </a:xfrm>
+          <a:prstGeom prst="rect">
+            <a:avLst/>
+          </a:prstGeom>
+        </p:spPr>
+        <p:txBody>
+          <a:bodyPr wrap="none">
+            <a:spAutoFit/>
+          </a:bodyPr>
+          <a:lstStyle/>
+          <a:p>
+            <a:r>
+              <a:rPr lang="en-US" sz="900" dirty="0">
+                <a:solidFill>
+                  <a:schemeClr val="tx1">
+                    <a:lumMod val="50000"/>
+                  </a:schemeClr>
+                </a:solidFill>
+                <a:latin typeface="Menlo" panose="020B0609030804020204" pitchFamily="49" charset="0"/>
+              </a:rPr>
+              <a:t>Order Id</a:t>
+            </a:r>
+            <a:endParaRPr lang="en-US" sz="900" b="0" dirty="0">
+              <a:solidFill>
+                <a:schemeClr val="tx1">
+                  <a:lumMod val="50000"/>
+                </a:schemeClr>
+              </a:solidFill>
+              <a:effectLst/>
+              <a:latin typeface="Menlo" panose="020B0609030804020204" pitchFamily="49" charset="0"/>
+            </a:endParaRPr>
+          </a:p>
+        </p:txBody>
+      </p:sp>
+      <p:sp>
+        <p:nvSpPr>
+          <p:cNvPr id="78" name="Rectangle 77">
+            <a:extLst>
+              <a:ext uri="{FF2B5EF4-FFF2-40B4-BE49-F238E27FC236}">
+                <a16:creationId xmlns:a16="http://schemas.microsoft.com/office/drawing/2014/main" id="{E6E2BA8D-89F2-EB4F-85A8-00E9DC226DEE}"/>
+              </a:ext>
+            </a:extLst>
+          </p:cNvPr>
+          <p:cNvSpPr/>
+          <p:nvPr/>
+        </p:nvSpPr>
+        <p:spPr>
+          <a:xfrm>
+            <a:off x="7615931" y="2069287"/>
+            <a:ext cx="598241" cy="369332"/>
+          </a:xfrm>
+          <a:prstGeom prst="rect">
+            <a:avLst/>
+          </a:prstGeom>
+        </p:spPr>
+        <p:txBody>
+          <a:bodyPr wrap="none">
+            <a:spAutoFit/>
+          </a:bodyPr>
+          <a:lstStyle/>
+          <a:p>
+            <a:pPr algn="ctr"/>
+            <a:r>
+              <a:rPr lang="en-US" sz="900" b="0" dirty="0">
+                <a:solidFill>
+                  <a:schemeClr val="tx1">
+                    <a:lumMod val="50000"/>
+                  </a:schemeClr>
+                </a:solidFill>
+                <a:effectLst/>
+                <a:latin typeface="Menlo" panose="020B0609030804020204" pitchFamily="49" charset="0"/>
+              </a:rPr>
+              <a:t>Create</a:t>
+            </a:r>
+            <a:br>
+              <a:rPr lang="en-US" sz="900" b="0" dirty="0">
+                <a:solidFill>
+                  <a:schemeClr val="tx1">
+                    <a:lumMod val="50000"/>
+                  </a:schemeClr>
+                </a:solidFill>
+                <a:effectLst/>
+                <a:latin typeface="Menlo" panose="020B0609030804020204" pitchFamily="49" charset="0"/>
+              </a:rPr>
+            </a:br>
+            <a:r>
+              <a:rPr lang="en-US" sz="900" b="0" dirty="0">
+                <a:solidFill>
+                  <a:schemeClr val="tx1">
+                    <a:lumMod val="50000"/>
+                  </a:schemeClr>
+                </a:solidFill>
+                <a:effectLst/>
+                <a:latin typeface="Menlo" panose="020B0609030804020204" pitchFamily="49" charset="0"/>
+              </a:rPr>
+              <a:t>Order</a:t>
+            </a:r>
+          </a:p>
+        </p:txBody>
+      </p:sp>
+      <p:sp>
+        <p:nvSpPr>
+          <p:cNvPr id="19" name="Rectangle 18">
+            <a:extLst>
+              <a:ext uri="{FF2B5EF4-FFF2-40B4-BE49-F238E27FC236}">
+                <a16:creationId xmlns:a16="http://schemas.microsoft.com/office/drawing/2014/main" id="{E3A14DE4-1686-F643-BC1D-E589E0FAA372}"/>
+              </a:ext>
+            </a:extLst>
+          </p:cNvPr>
+          <p:cNvSpPr/>
+          <p:nvPr/>
+        </p:nvSpPr>
+        <p:spPr>
+          <a:xfrm>
+            <a:off x="1436601" y="1565057"/>
+            <a:ext cx="1425390" cy="230832"/>
+          </a:xfrm>
+          <a:prstGeom prst="rect">
+            <a:avLst/>
+          </a:prstGeom>
+        </p:spPr>
+        <p:txBody>
+          <a:bodyPr wrap="none">
+            <a:spAutoFit/>
+          </a:bodyPr>
+          <a:lstStyle/>
+          <a:p>
+            <a:r>
+              <a:rPr lang="en-US" sz="900" b="0" dirty="0">
+                <a:solidFill>
+                  <a:schemeClr val="tx1">
+                    <a:lumMod val="50000"/>
+                  </a:schemeClr>
+                </a:solidFill>
+                <a:effectLst/>
+                <a:latin typeface="Menlo" panose="020B0609030804020204" pitchFamily="49" charset="0"/>
+              </a:rPr>
+              <a:t>C</a:t>
+            </a:r>
+            <a:r>
+              <a:rPr lang="en-US" sz="900" dirty="0">
+                <a:solidFill>
+                  <a:schemeClr val="tx1">
+                    <a:lumMod val="50000"/>
+                  </a:schemeClr>
+                </a:solidFill>
+                <a:latin typeface="Menlo" panose="020B0609030804020204" pitchFamily="49" charset="0"/>
+              </a:rPr>
+              <a:t>reate</a:t>
+            </a:r>
+            <a:r>
+              <a:rPr lang="en-US" sz="900" b="0" dirty="0">
+                <a:solidFill>
+                  <a:schemeClr val="tx1">
+                    <a:lumMod val="50000"/>
+                  </a:schemeClr>
+                </a:solidFill>
+                <a:effectLst/>
+                <a:latin typeface="Menlo" panose="020B0609030804020204" pitchFamily="49" charset="0"/>
+              </a:rPr>
+              <a:t> Order (API)</a:t>
+            </a:r>
+          </a:p>
+        </p:txBody>
+      </p:sp>
+      <p:cxnSp>
+        <p:nvCxnSpPr>
+          <p:cNvPr id="37" name="Straight Arrow Connector 36">
+            <a:extLst>
+              <a:ext uri="{FF2B5EF4-FFF2-40B4-BE49-F238E27FC236}">
+                <a16:creationId xmlns:a16="http://schemas.microsoft.com/office/drawing/2014/main" id="{232E98DE-D6C7-4E4D-A417-F51E37B94235}"/>
+              </a:ext>
+            </a:extLst>
+          </p:cNvPr>
+          <p:cNvCxnSpPr>
+            <a:cxnSpLocks/>
+          </p:cNvCxnSpPr>
+          <p:nvPr/>
+        </p:nvCxnSpPr>
+        <p:spPr>
+          <a:xfrm flipV="1">
+            <a:off x="1287629" y="1796610"/>
+            <a:ext cx="6246010" cy="6670"/>
+          </a:xfrm>
+          <a:prstGeom prst="straightConnector1">
+            <a:avLst/>
+          </a:prstGeom>
+          <a:ln>
+            <a:tailEnd type="triangle"/>
+          </a:ln>
+        </p:spPr>
+        <p:style>
+          <a:lnRef idx="1">
+            <a:schemeClr val="accent1"/>
+          </a:lnRef>
+          <a:fillRef idx="0">
+            <a:schemeClr val="accent1"/>
+          </a:fillRef>
+          <a:effectRef idx="0">
+            <a:schemeClr val="accent1"/>
+          </a:effectRef>
+          <a:fontRef idx="minor">
+            <a:schemeClr val="tx1"/>
+          </a:fontRef>
+        </p:style>
+      </p:cxnSp>
+      <p:cxnSp>
+        <p:nvCxnSpPr>
+          <p:cNvPr id="42" name="Straight Arrow Connector 41">
+            <a:extLst>
+              <a:ext uri="{FF2B5EF4-FFF2-40B4-BE49-F238E27FC236}">
+                <a16:creationId xmlns:a16="http://schemas.microsoft.com/office/drawing/2014/main" id="{25B81783-31A8-6941-83AA-0757DD050731}"/>
+              </a:ext>
+            </a:extLst>
+          </p:cNvPr>
+          <p:cNvCxnSpPr>
+            <a:cxnSpLocks/>
+          </p:cNvCxnSpPr>
+          <p:nvPr/>
+        </p:nvCxnSpPr>
+        <p:spPr>
+          <a:xfrm flipH="1">
+            <a:off x="1279505" y="1981398"/>
+            <a:ext cx="6227826" cy="0"/>
+          </a:xfrm>
+          <a:prstGeom prst="straightConnector1">
+            <a:avLst/>
+          </a:prstGeom>
+          <a:ln>
+            <a:tailEnd type="triangle"/>
+          </a:ln>
+        </p:spPr>
+        <p:style>
+          <a:lnRef idx="1">
+            <a:schemeClr val="accent1"/>
+          </a:lnRef>
+          <a:fillRef idx="0">
+            <a:schemeClr val="accent1"/>
+          </a:fillRef>
+          <a:effectRef idx="0">
+            <a:schemeClr val="accent1"/>
+          </a:effectRef>
+          <a:fontRef idx="minor">
+            <a:schemeClr val="tx1"/>
+          </a:fontRef>
+        </p:style>
+      </p:cxnSp>
+      <p:sp>
+        <p:nvSpPr>
+          <p:cNvPr id="44" name="Rounded Rectangle 43">
+            <a:extLst>
+              <a:ext uri="{FF2B5EF4-FFF2-40B4-BE49-F238E27FC236}">
+                <a16:creationId xmlns:a16="http://schemas.microsoft.com/office/drawing/2014/main" id="{D579D064-EA38-1346-B63B-D89F06401ACA}"/>
+              </a:ext>
+            </a:extLst>
+          </p:cNvPr>
+          <p:cNvSpPr/>
+          <p:nvPr/>
+        </p:nvSpPr>
+        <p:spPr>
+          <a:xfrm>
+            <a:off x="7415000" y="1788545"/>
+            <a:ext cx="143820" cy="740170"/>
+          </a:xfrm>
+          <a:custGeom>
+            <a:avLst/>
+            <a:gdLst>
+              <a:gd name="connsiteX0" fmla="*/ 0 w 143820"/>
+              <a:gd name="connsiteY0" fmla="*/ 23970 h 740170"/>
+              <a:gd name="connsiteX1" fmla="*/ 23970 w 143820"/>
+              <a:gd name="connsiteY1" fmla="*/ 0 h 740170"/>
+              <a:gd name="connsiteX2" fmla="*/ 119850 w 143820"/>
+              <a:gd name="connsiteY2" fmla="*/ 0 h 740170"/>
+              <a:gd name="connsiteX3" fmla="*/ 143820 w 143820"/>
+              <a:gd name="connsiteY3" fmla="*/ 23970 h 740170"/>
+              <a:gd name="connsiteX4" fmla="*/ 143820 w 143820"/>
+              <a:gd name="connsiteY4" fmla="*/ 716200 h 740170"/>
+              <a:gd name="connsiteX5" fmla="*/ 119850 w 143820"/>
+              <a:gd name="connsiteY5" fmla="*/ 740170 h 740170"/>
+              <a:gd name="connsiteX6" fmla="*/ 23970 w 143820"/>
+              <a:gd name="connsiteY6" fmla="*/ 740170 h 740170"/>
+              <a:gd name="connsiteX7" fmla="*/ 0 w 143820"/>
+              <a:gd name="connsiteY7" fmla="*/ 716200 h 740170"/>
+              <a:gd name="connsiteX8" fmla="*/ 0 w 143820"/>
+              <a:gd name="connsiteY8" fmla="*/ 23970 h 740170"/>
+            </a:gdLst>
+            <a:ahLst/>
+            <a:cxnLst>
+              <a:cxn ang="0">
+                <a:pos x="connsiteX0" y="connsiteY0"/>
+              </a:cxn>
+              <a:cxn ang="0">
+                <a:pos x="connsiteX1" y="connsiteY1"/>
+              </a:cxn>
+              <a:cxn ang="0">
+                <a:pos x="connsiteX2" y="connsiteY2"/>
+              </a:cxn>
+              <a:cxn ang="0">
+                <a:pos x="connsiteX3" y="connsiteY3"/>
+              </a:cxn>
+              <a:cxn ang="0">
+                <a:pos x="connsiteX4" y="connsiteY4"/>
+              </a:cxn>
+              <a:cxn ang="0">
+                <a:pos x="connsiteX5" y="connsiteY5"/>
+              </a:cxn>
+              <a:cxn ang="0">
+                <a:pos x="connsiteX6" y="connsiteY6"/>
+              </a:cxn>
+              <a:cxn ang="0">
+                <a:pos x="connsiteX7" y="connsiteY7"/>
+              </a:cxn>
+              <a:cxn ang="0">
+                <a:pos x="connsiteX8" y="connsiteY8"/>
+              </a:cxn>
+            </a:cxnLst>
+            <a:rect l="l" t="t" r="r" b="b"/>
+            <a:pathLst>
+              <a:path w="143820" h="740170" fill="none" extrusionOk="0">
+                <a:moveTo>
+                  <a:pt x="0" y="23970"/>
+                </a:moveTo>
+                <a:cubicBezTo>
+                  <a:pt x="-294" y="7823"/>
+                  <a:pt x="10794" y="-2080"/>
+                  <a:pt x="23970" y="0"/>
+                </a:cubicBezTo>
+                <a:cubicBezTo>
+                  <a:pt x="49848" y="-2756"/>
+                  <a:pt x="94642" y="3673"/>
+                  <a:pt x="119850" y="0"/>
+                </a:cubicBezTo>
+                <a:cubicBezTo>
+                  <a:pt x="130853" y="-541"/>
+                  <a:pt x="142900" y="12219"/>
+                  <a:pt x="143820" y="23970"/>
+                </a:cubicBezTo>
+                <a:cubicBezTo>
+                  <a:pt x="162767" y="266624"/>
+                  <a:pt x="157832" y="409099"/>
+                  <a:pt x="143820" y="716200"/>
+                </a:cubicBezTo>
+                <a:cubicBezTo>
+                  <a:pt x="143885" y="728253"/>
+                  <a:pt x="131410" y="738950"/>
+                  <a:pt x="119850" y="740170"/>
+                </a:cubicBezTo>
+                <a:cubicBezTo>
+                  <a:pt x="90510" y="742809"/>
+                  <a:pt x="51443" y="739222"/>
+                  <a:pt x="23970" y="740170"/>
+                </a:cubicBezTo>
+                <a:cubicBezTo>
+                  <a:pt x="9470" y="738315"/>
+                  <a:pt x="1781" y="728504"/>
+                  <a:pt x="0" y="716200"/>
+                </a:cubicBezTo>
+                <a:cubicBezTo>
+                  <a:pt x="15034" y="535449"/>
+                  <a:pt x="31073" y="185630"/>
+                  <a:pt x="0" y="23970"/>
+                </a:cubicBezTo>
+                <a:close/>
+              </a:path>
+              <a:path w="143820" h="740170" stroke="0" extrusionOk="0">
+                <a:moveTo>
+                  <a:pt x="0" y="23970"/>
+                </a:moveTo>
+                <a:cubicBezTo>
+                  <a:pt x="-1908" y="11035"/>
+                  <a:pt x="10625" y="-347"/>
+                  <a:pt x="23970" y="0"/>
+                </a:cubicBezTo>
+                <a:cubicBezTo>
+                  <a:pt x="62009" y="1518"/>
+                  <a:pt x="88313" y="811"/>
+                  <a:pt x="119850" y="0"/>
+                </a:cubicBezTo>
+                <a:cubicBezTo>
+                  <a:pt x="133961" y="-989"/>
+                  <a:pt x="144346" y="9217"/>
+                  <a:pt x="143820" y="23970"/>
+                </a:cubicBezTo>
+                <a:cubicBezTo>
+                  <a:pt x="157354" y="166569"/>
+                  <a:pt x="111166" y="391542"/>
+                  <a:pt x="143820" y="716200"/>
+                </a:cubicBezTo>
+                <a:cubicBezTo>
+                  <a:pt x="143021" y="731916"/>
+                  <a:pt x="135668" y="741203"/>
+                  <a:pt x="119850" y="740170"/>
+                </a:cubicBezTo>
+                <a:cubicBezTo>
+                  <a:pt x="92925" y="738082"/>
+                  <a:pt x="58460" y="741763"/>
+                  <a:pt x="23970" y="740170"/>
+                </a:cubicBezTo>
+                <a:cubicBezTo>
+                  <a:pt x="8762" y="737965"/>
+                  <a:pt x="-739" y="729985"/>
+                  <a:pt x="0" y="716200"/>
+                </a:cubicBezTo>
+                <a:cubicBezTo>
+                  <a:pt x="-17587" y="449246"/>
+                  <a:pt x="-22664" y="169467"/>
+                  <a:pt x="0" y="23970"/>
+                </a:cubicBezTo>
+                <a:close/>
+              </a:path>
+            </a:pathLst>
+          </a:custGeom>
+          <a:solidFill>
+            <a:schemeClr val="accent1">
+              <a:lumMod val="60000"/>
+              <a:lumOff val="40000"/>
+            </a:schemeClr>
+          </a:solidFill>
+          <a:ln>
+            <a:extLst>
+              <a:ext uri="{C807C97D-BFC1-408E-A445-0C87EB9F89A2}">
+                <ask:lineSketchStyleProps xmlns:ask="http://schemas.microsoft.com/office/drawing/2018/sketchyshapes" sd="3766412973">
+                  <a:prstGeom prst="roundRect">
+                    <a:avLst/>
+                  </a:prstGeom>
+                  <ask:type>
+                    <ask:lineSketchFreehand/>
+                  </ask:type>
+                </ask:lineSketchStyleProps>
+              </a:ext>
+            </a:extLst>
+          </a:ln>
+        </p:spPr>
+        <p:style>
+          <a:lnRef idx="2">
+            <a:schemeClr val="accent1">
+              <a:shade val="50000"/>
+            </a:schemeClr>
+          </a:lnRef>
+          <a:fillRef idx="1">
+            <a:schemeClr val="accent1"/>
+          </a:fillRef>
+          <a:effectRef idx="0">
+            <a:schemeClr val="accent1"/>
+          </a:effectRef>
+          <a:fontRef idx="minor">
+            <a:schemeClr val="lt1"/>
+          </a:fontRef>
+        </p:style>
+        <p:txBody>
+          <a:bodyPr rtlCol="0" anchor="ctr"/>
+          <a:lstStyle/>
+          <a:p>
+            <a:pPr algn="ctr"/>
+            <a:endParaRPr lang="en-US" dirty="0"/>
+          </a:p>
+        </p:txBody>
+      </p:sp>
+      <p:sp>
+        <p:nvSpPr>
+          <p:cNvPr id="100" name="Rounded Rectangle 99">
+            <a:extLst>
+              <a:ext uri="{FF2B5EF4-FFF2-40B4-BE49-F238E27FC236}">
+                <a16:creationId xmlns:a16="http://schemas.microsoft.com/office/drawing/2014/main" id="{128F5020-F4EE-B842-87C2-726EA7AAE143}"/>
+              </a:ext>
+            </a:extLst>
+          </p:cNvPr>
+          <p:cNvSpPr/>
+          <p:nvPr/>
+        </p:nvSpPr>
+        <p:spPr>
+          <a:xfrm>
+            <a:off x="2137628" y="3035319"/>
+            <a:ext cx="907005" cy="605750"/>
+          </a:xfrm>
+          <a:custGeom>
+            <a:avLst/>
+            <a:gdLst>
+              <a:gd name="connsiteX0" fmla="*/ 0 w 907005"/>
+              <a:gd name="connsiteY0" fmla="*/ 100960 h 605750"/>
+              <a:gd name="connsiteX1" fmla="*/ 100960 w 907005"/>
+              <a:gd name="connsiteY1" fmla="*/ 0 h 605750"/>
+              <a:gd name="connsiteX2" fmla="*/ 453503 w 907005"/>
+              <a:gd name="connsiteY2" fmla="*/ 0 h 605750"/>
+              <a:gd name="connsiteX3" fmla="*/ 806045 w 907005"/>
+              <a:gd name="connsiteY3" fmla="*/ 0 h 605750"/>
+              <a:gd name="connsiteX4" fmla="*/ 907005 w 907005"/>
+              <a:gd name="connsiteY4" fmla="*/ 100960 h 605750"/>
+              <a:gd name="connsiteX5" fmla="*/ 907005 w 907005"/>
+              <a:gd name="connsiteY5" fmla="*/ 504790 h 605750"/>
+              <a:gd name="connsiteX6" fmla="*/ 806045 w 907005"/>
+              <a:gd name="connsiteY6" fmla="*/ 605750 h 605750"/>
+              <a:gd name="connsiteX7" fmla="*/ 467604 w 907005"/>
+              <a:gd name="connsiteY7" fmla="*/ 605750 h 605750"/>
+              <a:gd name="connsiteX8" fmla="*/ 100960 w 907005"/>
+              <a:gd name="connsiteY8" fmla="*/ 605750 h 605750"/>
+              <a:gd name="connsiteX9" fmla="*/ 0 w 907005"/>
+              <a:gd name="connsiteY9" fmla="*/ 504790 h 605750"/>
+              <a:gd name="connsiteX10" fmla="*/ 0 w 907005"/>
+              <a:gd name="connsiteY10" fmla="*/ 100960 h 605750"/>
+            </a:gdLst>
+            <a:ahLst/>
+            <a:cxnLst>
+              <a:cxn ang="0">
+                <a:pos x="connsiteX0" y="connsiteY0"/>
+              </a:cxn>
+              <a:cxn ang="0">
+                <a:pos x="connsiteX1" y="connsiteY1"/>
+              </a:cxn>
+              <a:cxn ang="0">
+                <a:pos x="connsiteX2" y="connsiteY2"/>
+              </a:cxn>
+              <a:cxn ang="0">
+                <a:pos x="connsiteX3" y="connsiteY3"/>
+              </a:cxn>
+              <a:cxn ang="0">
+                <a:pos x="connsiteX4" y="connsiteY4"/>
+              </a:cxn>
+              <a:cxn ang="0">
+                <a:pos x="connsiteX5" y="connsiteY5"/>
+              </a:cxn>
+              <a:cxn ang="0">
+                <a:pos x="connsiteX6" y="connsiteY6"/>
+              </a:cxn>
+              <a:cxn ang="0">
+                <a:pos x="connsiteX7" y="connsiteY7"/>
+              </a:cxn>
+              <a:cxn ang="0">
+                <a:pos x="connsiteX8" y="connsiteY8"/>
+              </a:cxn>
+              <a:cxn ang="0">
+                <a:pos x="connsiteX9" y="connsiteY9"/>
+              </a:cxn>
+              <a:cxn ang="0">
+                <a:pos x="connsiteX10" y="connsiteY10"/>
+              </a:cxn>
+            </a:cxnLst>
+            <a:rect l="l" t="t" r="r" b="b"/>
+            <a:pathLst>
+              <a:path w="907005" h="605750" fill="none" extrusionOk="0">
+                <a:moveTo>
+                  <a:pt x="0" y="100960"/>
+                </a:moveTo>
+                <a:cubicBezTo>
+                  <a:pt x="-11223" y="44835"/>
+                  <a:pt x="53394" y="4877"/>
+                  <a:pt x="100960" y="0"/>
+                </a:cubicBezTo>
+                <a:cubicBezTo>
+                  <a:pt x="204494" y="3467"/>
+                  <a:pt x="284799" y="5239"/>
+                  <a:pt x="453503" y="0"/>
+                </a:cubicBezTo>
+                <a:cubicBezTo>
+                  <a:pt x="622207" y="-5239"/>
+                  <a:pt x="643014" y="-2119"/>
+                  <a:pt x="806045" y="0"/>
+                </a:cubicBezTo>
+                <a:cubicBezTo>
+                  <a:pt x="848030" y="-888"/>
+                  <a:pt x="916041" y="43408"/>
+                  <a:pt x="907005" y="100960"/>
+                </a:cubicBezTo>
+                <a:cubicBezTo>
+                  <a:pt x="922807" y="262212"/>
+                  <a:pt x="902186" y="347302"/>
+                  <a:pt x="907005" y="504790"/>
+                </a:cubicBezTo>
+                <a:cubicBezTo>
+                  <a:pt x="899560" y="566311"/>
+                  <a:pt x="865691" y="606464"/>
+                  <a:pt x="806045" y="605750"/>
+                </a:cubicBezTo>
+                <a:cubicBezTo>
+                  <a:pt x="716935" y="620461"/>
+                  <a:pt x="599008" y="611838"/>
+                  <a:pt x="467604" y="605750"/>
+                </a:cubicBezTo>
+                <a:cubicBezTo>
+                  <a:pt x="336200" y="599662"/>
+                  <a:pt x="235767" y="596166"/>
+                  <a:pt x="100960" y="605750"/>
+                </a:cubicBezTo>
+                <a:cubicBezTo>
+                  <a:pt x="44437" y="602098"/>
+                  <a:pt x="-1931" y="562330"/>
+                  <a:pt x="0" y="504790"/>
+                </a:cubicBezTo>
+                <a:cubicBezTo>
+                  <a:pt x="17948" y="316648"/>
+                  <a:pt x="7300" y="193501"/>
+                  <a:pt x="0" y="100960"/>
+                </a:cubicBezTo>
+                <a:close/>
+              </a:path>
+              <a:path w="907005" h="605750" stroke="0" extrusionOk="0">
+                <a:moveTo>
+                  <a:pt x="0" y="100960"/>
+                </a:moveTo>
+                <a:cubicBezTo>
+                  <a:pt x="-4097" y="56455"/>
+                  <a:pt x="36349" y="-5234"/>
+                  <a:pt x="100960" y="0"/>
+                </a:cubicBezTo>
+                <a:cubicBezTo>
+                  <a:pt x="267636" y="-16333"/>
+                  <a:pt x="364838" y="-9588"/>
+                  <a:pt x="439401" y="0"/>
+                </a:cubicBezTo>
+                <a:cubicBezTo>
+                  <a:pt x="513964" y="9588"/>
+                  <a:pt x="683430" y="17926"/>
+                  <a:pt x="806045" y="0"/>
+                </a:cubicBezTo>
+                <a:cubicBezTo>
+                  <a:pt x="861164" y="7338"/>
+                  <a:pt x="898461" y="35913"/>
+                  <a:pt x="907005" y="100960"/>
+                </a:cubicBezTo>
+                <a:cubicBezTo>
+                  <a:pt x="915932" y="246294"/>
+                  <a:pt x="910741" y="345930"/>
+                  <a:pt x="907005" y="504790"/>
+                </a:cubicBezTo>
+                <a:cubicBezTo>
+                  <a:pt x="904522" y="558691"/>
+                  <a:pt x="860893" y="606953"/>
+                  <a:pt x="806045" y="605750"/>
+                </a:cubicBezTo>
+                <a:cubicBezTo>
+                  <a:pt x="667222" y="609946"/>
+                  <a:pt x="554250" y="594182"/>
+                  <a:pt x="460553" y="605750"/>
+                </a:cubicBezTo>
+                <a:cubicBezTo>
+                  <a:pt x="366856" y="617318"/>
+                  <a:pt x="197343" y="589877"/>
+                  <a:pt x="100960" y="605750"/>
+                </a:cubicBezTo>
+                <a:cubicBezTo>
+                  <a:pt x="42147" y="602619"/>
+                  <a:pt x="8792" y="557452"/>
+                  <a:pt x="0" y="504790"/>
+                </a:cubicBezTo>
+                <a:cubicBezTo>
+                  <a:pt x="-13622" y="420678"/>
+                  <a:pt x="-864" y="189688"/>
+                  <a:pt x="0" y="100960"/>
+                </a:cubicBezTo>
+                <a:close/>
+              </a:path>
+            </a:pathLst>
+          </a:custGeom>
+          <a:solidFill>
+            <a:schemeClr val="accent4">
+              <a:lumMod val="20000"/>
+              <a:lumOff val="80000"/>
+            </a:schemeClr>
+          </a:solidFill>
+          <a:ln>
+            <a:solidFill>
+              <a:schemeClr val="accent4"/>
+            </a:solidFill>
+            <a:extLst>
+              <a:ext uri="{C807C97D-BFC1-408E-A445-0C87EB9F89A2}">
+                <ask:lineSketchStyleProps xmlns:ask="http://schemas.microsoft.com/office/drawing/2018/sketchyshapes" sd="3462749398">
+                  <a:prstGeom prst="roundRect">
+                    <a:avLst/>
+                  </a:prstGeom>
+                  <ask:type>
+                    <ask:lineSketchFreehand/>
+                  </ask:type>
+                </ask:lineSketchStyleProps>
+              </a:ext>
+            </a:extLst>
+          </a:ln>
+        </p:spPr>
+        <p:style>
+          <a:lnRef idx="2">
+            <a:schemeClr val="accent1">
+              <a:shade val="50000"/>
+            </a:schemeClr>
+          </a:lnRef>
+          <a:fillRef idx="1">
+            <a:schemeClr val="accent1"/>
+          </a:fillRef>
+          <a:effectRef idx="0">
+            <a:schemeClr val="accent1"/>
+          </a:effectRef>
+          <a:fontRef idx="minor">
+            <a:schemeClr val="lt1"/>
+          </a:fontRef>
+        </p:style>
+        <p:txBody>
+          <a:bodyPr rtlCol="0" anchor="ctr"/>
+          <a:lstStyle/>
+          <a:p>
+            <a:pPr algn="ctr"/>
+            <a:r>
+              <a:rPr lang="en-US" sz="1200" dirty="0">
+                <a:solidFill>
+                  <a:schemeClr val="tx1"/>
+                </a:solidFill>
+              </a:rPr>
+              <a:t>Order</a:t>
+            </a:r>
+            <a:br>
+              <a:rPr lang="en-US" sz="1200" dirty="0">
+                <a:solidFill>
+                  <a:schemeClr val="tx1"/>
+                </a:solidFill>
+              </a:rPr>
+            </a:br>
+            <a:r>
+              <a:rPr lang="en-US" sz="1200" dirty="0">
+                <a:solidFill>
+                  <a:schemeClr val="tx1"/>
+                </a:solidFill>
+              </a:rPr>
+              <a:t>(pending)</a:t>
+            </a:r>
+          </a:p>
+        </p:txBody>
+      </p:sp>
+      <p:sp>
+        <p:nvSpPr>
+          <p:cNvPr id="61" name="Rectangle 60">
+            <a:extLst>
+              <a:ext uri="{FF2B5EF4-FFF2-40B4-BE49-F238E27FC236}">
+                <a16:creationId xmlns:a16="http://schemas.microsoft.com/office/drawing/2014/main" id="{C1079723-7454-0C4C-B0B5-2EB0D5C5081F}"/>
+              </a:ext>
+            </a:extLst>
+          </p:cNvPr>
+          <p:cNvSpPr/>
+          <p:nvPr/>
+        </p:nvSpPr>
+        <p:spPr>
+          <a:xfrm>
+            <a:off x="4596136" y="2787008"/>
+            <a:ext cx="1011815" cy="369332"/>
+          </a:xfrm>
+          <a:prstGeom prst="rect">
+            <a:avLst/>
+          </a:prstGeom>
+        </p:spPr>
+        <p:txBody>
+          <a:bodyPr wrap="none">
+            <a:spAutoFit/>
+          </a:bodyPr>
+          <a:lstStyle/>
+          <a:p>
+            <a:pPr algn="ctr"/>
+            <a:r>
+              <a:rPr lang="en-US" sz="900" b="0" dirty="0">
+                <a:solidFill>
+                  <a:schemeClr val="tx1">
+                    <a:lumMod val="50000"/>
+                  </a:schemeClr>
+                </a:solidFill>
+                <a:effectLst/>
+                <a:latin typeface="Menlo" panose="020B0609030804020204" pitchFamily="49" charset="0"/>
+              </a:rPr>
+              <a:t>OrderCreated</a:t>
+            </a:r>
+            <a:br>
+              <a:rPr lang="en-US" sz="900" b="0" dirty="0">
+                <a:solidFill>
+                  <a:schemeClr val="tx1">
+                    <a:lumMod val="50000"/>
+                  </a:schemeClr>
+                </a:solidFill>
+                <a:effectLst/>
+                <a:latin typeface="Menlo" panose="020B0609030804020204" pitchFamily="49" charset="0"/>
+              </a:rPr>
+            </a:br>
+            <a:r>
+              <a:rPr lang="en-US" sz="900" b="0" dirty="0">
+                <a:solidFill>
+                  <a:schemeClr val="tx1">
+                    <a:lumMod val="50000"/>
+                  </a:schemeClr>
+                </a:solidFill>
+                <a:effectLst/>
+                <a:latin typeface="Menlo" panose="020B0609030804020204" pitchFamily="49" charset="0"/>
+              </a:rPr>
+              <a:t>event</a:t>
+            </a:r>
+          </a:p>
+        </p:txBody>
+      </p:sp>
+      <p:cxnSp>
+        <p:nvCxnSpPr>
+          <p:cNvPr id="95" name="Straight Arrow Connector 94">
+            <a:extLst>
+              <a:ext uri="{FF2B5EF4-FFF2-40B4-BE49-F238E27FC236}">
+                <a16:creationId xmlns:a16="http://schemas.microsoft.com/office/drawing/2014/main" id="{BB250A6E-BF76-5A4F-8966-A495EDABDBF2}"/>
+              </a:ext>
+            </a:extLst>
+          </p:cNvPr>
+          <p:cNvCxnSpPr>
+            <a:cxnSpLocks/>
+          </p:cNvCxnSpPr>
+          <p:nvPr/>
+        </p:nvCxnSpPr>
+        <p:spPr>
+          <a:xfrm flipH="1">
+            <a:off x="6004438" y="2867019"/>
+            <a:ext cx="1513002" cy="0"/>
+          </a:xfrm>
+          <a:prstGeom prst="straightConnector1">
+            <a:avLst/>
+          </a:prstGeom>
+          <a:ln>
+            <a:tailEnd type="triangle"/>
+          </a:ln>
+        </p:spPr>
+        <p:style>
+          <a:lnRef idx="1">
+            <a:schemeClr val="accent1"/>
+          </a:lnRef>
+          <a:fillRef idx="0">
+            <a:schemeClr val="accent1"/>
+          </a:fillRef>
+          <a:effectRef idx="0">
+            <a:schemeClr val="accent1"/>
+          </a:effectRef>
+          <a:fontRef idx="minor">
+            <a:schemeClr val="tx1"/>
+          </a:fontRef>
+        </p:style>
+      </p:cxnSp>
+      <p:grpSp>
+        <p:nvGrpSpPr>
+          <p:cNvPr id="99" name="Group 98">
+            <a:extLst>
+              <a:ext uri="{FF2B5EF4-FFF2-40B4-BE49-F238E27FC236}">
+                <a16:creationId xmlns:a16="http://schemas.microsoft.com/office/drawing/2014/main" id="{85C860B4-05D4-2F42-8B02-EE442D36985B}"/>
+              </a:ext>
+            </a:extLst>
+          </p:cNvPr>
+          <p:cNvGrpSpPr/>
+          <p:nvPr/>
+        </p:nvGrpSpPr>
+        <p:grpSpPr>
+          <a:xfrm>
+            <a:off x="5564554" y="2796952"/>
+            <a:ext cx="433615" cy="288669"/>
+            <a:chOff x="7970108" y="5423680"/>
+            <a:chExt cx="1878227" cy="1100688"/>
+          </a:xfrm>
+        </p:grpSpPr>
+        <p:sp>
+          <p:nvSpPr>
+            <p:cNvPr id="101" name="Process 100">
+              <a:extLst>
+                <a:ext uri="{FF2B5EF4-FFF2-40B4-BE49-F238E27FC236}">
+                  <a16:creationId xmlns:a16="http://schemas.microsoft.com/office/drawing/2014/main" id="{1E650483-559C-5C48-9ECF-D8973562BD14}"/>
+                </a:ext>
+              </a:extLst>
+            </p:cNvPr>
+            <p:cNvSpPr/>
+            <p:nvPr/>
+          </p:nvSpPr>
+          <p:spPr>
+            <a:xfrm>
+              <a:off x="7970108" y="5424731"/>
+              <a:ext cx="1878227" cy="1099637"/>
+            </a:xfrm>
+            <a:custGeom>
+              <a:avLst/>
+              <a:gdLst>
+                <a:gd name="connsiteX0" fmla="*/ 0 w 1878227"/>
+                <a:gd name="connsiteY0" fmla="*/ 0 h 1099637"/>
+                <a:gd name="connsiteX1" fmla="*/ 663640 w 1878227"/>
+                <a:gd name="connsiteY1" fmla="*/ 0 h 1099637"/>
+                <a:gd name="connsiteX2" fmla="*/ 1327280 w 1878227"/>
+                <a:gd name="connsiteY2" fmla="*/ 0 h 1099637"/>
+                <a:gd name="connsiteX3" fmla="*/ 1878227 w 1878227"/>
+                <a:gd name="connsiteY3" fmla="*/ 0 h 1099637"/>
+                <a:gd name="connsiteX4" fmla="*/ 1878227 w 1878227"/>
+                <a:gd name="connsiteY4" fmla="*/ 571811 h 1099637"/>
+                <a:gd name="connsiteX5" fmla="*/ 1878227 w 1878227"/>
+                <a:gd name="connsiteY5" fmla="*/ 1099637 h 1099637"/>
+                <a:gd name="connsiteX6" fmla="*/ 1270934 w 1878227"/>
+                <a:gd name="connsiteY6" fmla="*/ 1099637 h 1099637"/>
+                <a:gd name="connsiteX7" fmla="*/ 682422 w 1878227"/>
+                <a:gd name="connsiteY7" fmla="*/ 1099637 h 1099637"/>
+                <a:gd name="connsiteX8" fmla="*/ 0 w 1878227"/>
+                <a:gd name="connsiteY8" fmla="*/ 1099637 h 1099637"/>
+                <a:gd name="connsiteX9" fmla="*/ 0 w 1878227"/>
+                <a:gd name="connsiteY9" fmla="*/ 560815 h 1099637"/>
+                <a:gd name="connsiteX10" fmla="*/ 0 w 1878227"/>
+                <a:gd name="connsiteY10" fmla="*/ 0 h 1099637"/>
+              </a:gdLst>
+              <a:ahLst/>
+              <a:cxnLst>
+                <a:cxn ang="0">
+                  <a:pos x="connsiteX0" y="connsiteY0"/>
+                </a:cxn>
+                <a:cxn ang="0">
+                  <a:pos x="connsiteX1" y="connsiteY1"/>
+                </a:cxn>
+                <a:cxn ang="0">
+                  <a:pos x="connsiteX2" y="connsiteY2"/>
+                </a:cxn>
+                <a:cxn ang="0">
+                  <a:pos x="connsiteX3" y="connsiteY3"/>
+                </a:cxn>
+                <a:cxn ang="0">
+                  <a:pos x="connsiteX4" y="connsiteY4"/>
+                </a:cxn>
+                <a:cxn ang="0">
+                  <a:pos x="connsiteX5" y="connsiteY5"/>
+                </a:cxn>
+                <a:cxn ang="0">
+                  <a:pos x="connsiteX6" y="connsiteY6"/>
+                </a:cxn>
+                <a:cxn ang="0">
+                  <a:pos x="connsiteX7" y="connsiteY7"/>
+                </a:cxn>
+                <a:cxn ang="0">
+                  <a:pos x="connsiteX8" y="connsiteY8"/>
+                </a:cxn>
+                <a:cxn ang="0">
+                  <a:pos x="connsiteX9" y="connsiteY9"/>
+                </a:cxn>
+                <a:cxn ang="0">
+                  <a:pos x="connsiteX10" y="connsiteY10"/>
+                </a:cxn>
+              </a:cxnLst>
+              <a:rect l="l" t="t" r="r" b="b"/>
+              <a:pathLst>
+                <a:path w="1878227" h="1099637" fill="none" extrusionOk="0">
+                  <a:moveTo>
+                    <a:pt x="0" y="0"/>
+                  </a:moveTo>
+                  <a:cubicBezTo>
+                    <a:pt x="243400" y="-10157"/>
+                    <a:pt x="421467" y="24086"/>
+                    <a:pt x="663640" y="0"/>
+                  </a:cubicBezTo>
+                  <a:cubicBezTo>
+                    <a:pt x="905813" y="-24086"/>
+                    <a:pt x="1192075" y="11486"/>
+                    <a:pt x="1327280" y="0"/>
+                  </a:cubicBezTo>
+                  <a:cubicBezTo>
+                    <a:pt x="1462485" y="-11486"/>
+                    <a:pt x="1650394" y="16532"/>
+                    <a:pt x="1878227" y="0"/>
+                  </a:cubicBezTo>
+                  <a:cubicBezTo>
+                    <a:pt x="1898873" y="128917"/>
+                    <a:pt x="1896041" y="307777"/>
+                    <a:pt x="1878227" y="571811"/>
+                  </a:cubicBezTo>
+                  <a:cubicBezTo>
+                    <a:pt x="1860413" y="835845"/>
+                    <a:pt x="1876580" y="975418"/>
+                    <a:pt x="1878227" y="1099637"/>
+                  </a:cubicBezTo>
+                  <a:cubicBezTo>
+                    <a:pt x="1628318" y="1093337"/>
+                    <a:pt x="1502796" y="1103239"/>
+                    <a:pt x="1270934" y="1099637"/>
+                  </a:cubicBezTo>
+                  <a:cubicBezTo>
+                    <a:pt x="1039072" y="1096035"/>
+                    <a:pt x="852239" y="1122308"/>
+                    <a:pt x="682422" y="1099637"/>
+                  </a:cubicBezTo>
+                  <a:cubicBezTo>
+                    <a:pt x="512605" y="1076966"/>
+                    <a:pt x="199075" y="1132362"/>
+                    <a:pt x="0" y="1099637"/>
+                  </a:cubicBezTo>
+                  <a:cubicBezTo>
+                    <a:pt x="-12949" y="982381"/>
+                    <a:pt x="-24712" y="761687"/>
+                    <a:pt x="0" y="560815"/>
+                  </a:cubicBezTo>
+                  <a:cubicBezTo>
+                    <a:pt x="24712" y="359943"/>
+                    <a:pt x="25011" y="257752"/>
+                    <a:pt x="0" y="0"/>
+                  </a:cubicBezTo>
+                  <a:close/>
+                </a:path>
+                <a:path w="1878227" h="1099637" stroke="0" extrusionOk="0">
+                  <a:moveTo>
+                    <a:pt x="0" y="0"/>
+                  </a:moveTo>
+                  <a:cubicBezTo>
+                    <a:pt x="244071" y="-14655"/>
+                    <a:pt x="480627" y="-290"/>
+                    <a:pt x="663640" y="0"/>
+                  </a:cubicBezTo>
+                  <a:cubicBezTo>
+                    <a:pt x="846653" y="290"/>
+                    <a:pt x="996517" y="-25789"/>
+                    <a:pt x="1252151" y="0"/>
+                  </a:cubicBezTo>
+                  <a:cubicBezTo>
+                    <a:pt x="1507785" y="25789"/>
+                    <a:pt x="1652944" y="12624"/>
+                    <a:pt x="1878227" y="0"/>
+                  </a:cubicBezTo>
+                  <a:cubicBezTo>
+                    <a:pt x="1904219" y="190091"/>
+                    <a:pt x="1850198" y="366333"/>
+                    <a:pt x="1878227" y="560815"/>
+                  </a:cubicBezTo>
+                  <a:cubicBezTo>
+                    <a:pt x="1906256" y="755297"/>
+                    <a:pt x="1884833" y="935125"/>
+                    <a:pt x="1878227" y="1099637"/>
+                  </a:cubicBezTo>
+                  <a:cubicBezTo>
+                    <a:pt x="1626906" y="1089614"/>
+                    <a:pt x="1542606" y="1111246"/>
+                    <a:pt x="1252151" y="1099637"/>
+                  </a:cubicBezTo>
+                  <a:cubicBezTo>
+                    <a:pt x="961696" y="1088028"/>
+                    <a:pt x="803510" y="1124885"/>
+                    <a:pt x="644858" y="1099637"/>
+                  </a:cubicBezTo>
+                  <a:cubicBezTo>
+                    <a:pt x="486206" y="1074389"/>
+                    <a:pt x="300428" y="1094974"/>
+                    <a:pt x="0" y="1099637"/>
+                  </a:cubicBezTo>
+                  <a:cubicBezTo>
+                    <a:pt x="12310" y="853748"/>
+                    <a:pt x="-21357" y="779066"/>
+                    <a:pt x="0" y="549819"/>
+                  </a:cubicBezTo>
+                  <a:cubicBezTo>
+                    <a:pt x="21357" y="320572"/>
+                    <a:pt x="24032" y="113705"/>
+                    <a:pt x="0" y="0"/>
+                  </a:cubicBezTo>
+                  <a:close/>
+                </a:path>
+              </a:pathLst>
+            </a:custGeom>
+            <a:solidFill>
+              <a:schemeClr val="accent1">
+                <a:lumMod val="60000"/>
+                <a:lumOff val="40000"/>
+              </a:schemeClr>
+            </a:solidFill>
+            <a:ln>
+              <a:extLst>
+                <a:ext uri="{C807C97D-BFC1-408E-A445-0C87EB9F89A2}">
+                  <ask:lineSketchStyleProps xmlns:ask="http://schemas.microsoft.com/office/drawing/2018/sketchyshapes" sd="1037871731">
+                    <a:prstGeom prst="flowChartProcess">
+                      <a:avLst/>
+                    </a:prstGeom>
+                    <ask:type>
+                      <ask:lineSketchFreehand/>
+                    </ask:type>
+                  </ask:lineSketchStyleProps>
+                </a:ext>
+              </a:extLst>
+            </a:ln>
+          </p:spPr>
+          <p:style>
+            <a:lnRef idx="2">
+              <a:schemeClr val="accent1">
+                <a:shade val="50000"/>
+              </a:schemeClr>
+            </a:lnRef>
+            <a:fillRef idx="1">
+              <a:schemeClr val="accent1"/>
+            </a:fillRef>
+            <a:effectRef idx="0">
+              <a:schemeClr val="accent1"/>
+            </a:effectRef>
+            <a:fontRef idx="minor">
+              <a:schemeClr val="lt1"/>
+            </a:fontRef>
+          </p:style>
+          <p:txBody>
+            <a:bodyPr rtlCol="0" anchor="ctr"/>
+            <a:lstStyle/>
+            <a:p>
+              <a:pPr algn="ctr"/>
+              <a:endParaRPr lang="en-US" dirty="0"/>
+            </a:p>
+          </p:txBody>
+        </p:sp>
+        <p:sp>
+          <p:nvSpPr>
+            <p:cNvPr id="103" name="Merge 102">
+              <a:extLst>
+                <a:ext uri="{FF2B5EF4-FFF2-40B4-BE49-F238E27FC236}">
+                  <a16:creationId xmlns:a16="http://schemas.microsoft.com/office/drawing/2014/main" id="{0626B0EE-E080-ED4E-8D72-860614A7CB22}"/>
+                </a:ext>
+              </a:extLst>
+            </p:cNvPr>
+            <p:cNvSpPr/>
+            <p:nvPr/>
+          </p:nvSpPr>
+          <p:spPr>
+            <a:xfrm>
+              <a:off x="7970108" y="5423680"/>
+              <a:ext cx="1876003" cy="673922"/>
+            </a:xfrm>
+            <a:custGeom>
+              <a:avLst/>
+              <a:gdLst>
+                <a:gd name="connsiteX0" fmla="*/ 0 w 1876003"/>
+                <a:gd name="connsiteY0" fmla="*/ 0 h 673922"/>
+                <a:gd name="connsiteX1" fmla="*/ 662854 w 1876003"/>
+                <a:gd name="connsiteY1" fmla="*/ 0 h 673922"/>
+                <a:gd name="connsiteX2" fmla="*/ 1288189 w 1876003"/>
+                <a:gd name="connsiteY2" fmla="*/ 0 h 673922"/>
+                <a:gd name="connsiteX3" fmla="*/ 1876003 w 1876003"/>
+                <a:gd name="connsiteY3" fmla="*/ 0 h 673922"/>
+                <a:gd name="connsiteX4" fmla="*/ 1435142 w 1876003"/>
+                <a:gd name="connsiteY4" fmla="*/ 316743 h 673922"/>
+                <a:gd name="connsiteX5" fmla="*/ 938001 w 1876003"/>
+                <a:gd name="connsiteY5" fmla="*/ 673922 h 673922"/>
+                <a:gd name="connsiteX6" fmla="*/ 469001 w 1876003"/>
+                <a:gd name="connsiteY6" fmla="*/ 336961 h 673922"/>
+                <a:gd name="connsiteX7" fmla="*/ 0 w 1876003"/>
+                <a:gd name="connsiteY7" fmla="*/ 0 h 673922"/>
+              </a:gdLst>
+              <a:ahLst/>
+              <a:cxnLst>
+                <a:cxn ang="0">
+                  <a:pos x="connsiteX0" y="connsiteY0"/>
+                </a:cxn>
+                <a:cxn ang="0">
+                  <a:pos x="connsiteX1" y="connsiteY1"/>
+                </a:cxn>
+                <a:cxn ang="0">
+                  <a:pos x="connsiteX2" y="connsiteY2"/>
+                </a:cxn>
+                <a:cxn ang="0">
+                  <a:pos x="connsiteX3" y="connsiteY3"/>
+                </a:cxn>
+                <a:cxn ang="0">
+                  <a:pos x="connsiteX4" y="connsiteY4"/>
+                </a:cxn>
+                <a:cxn ang="0">
+                  <a:pos x="connsiteX5" y="connsiteY5"/>
+                </a:cxn>
+                <a:cxn ang="0">
+                  <a:pos x="connsiteX6" y="connsiteY6"/>
+                </a:cxn>
+                <a:cxn ang="0">
+                  <a:pos x="connsiteX7" y="connsiteY7"/>
+                </a:cxn>
+              </a:cxnLst>
+              <a:rect l="l" t="t" r="r" b="b"/>
+              <a:pathLst>
+                <a:path w="1876003" h="673922" fill="none" extrusionOk="0">
+                  <a:moveTo>
+                    <a:pt x="0" y="0"/>
+                  </a:moveTo>
+                  <a:cubicBezTo>
+                    <a:pt x="313181" y="15024"/>
+                    <a:pt x="350547" y="-7454"/>
+                    <a:pt x="662854" y="0"/>
+                  </a:cubicBezTo>
+                  <a:cubicBezTo>
+                    <a:pt x="975161" y="7454"/>
+                    <a:pt x="1143134" y="-7219"/>
+                    <a:pt x="1288189" y="0"/>
+                  </a:cubicBezTo>
+                  <a:cubicBezTo>
+                    <a:pt x="1433245" y="7219"/>
+                    <a:pt x="1745651" y="-26642"/>
+                    <a:pt x="1876003" y="0"/>
+                  </a:cubicBezTo>
+                  <a:cubicBezTo>
+                    <a:pt x="1705102" y="139852"/>
+                    <a:pt x="1561022" y="257908"/>
+                    <a:pt x="1435142" y="316743"/>
+                  </a:cubicBezTo>
+                  <a:cubicBezTo>
+                    <a:pt x="1309262" y="375578"/>
+                    <a:pt x="1117301" y="513621"/>
+                    <a:pt x="938001" y="673922"/>
+                  </a:cubicBezTo>
+                  <a:cubicBezTo>
+                    <a:pt x="804535" y="569857"/>
+                    <a:pt x="635780" y="477810"/>
+                    <a:pt x="469001" y="336961"/>
+                  </a:cubicBezTo>
+                  <a:cubicBezTo>
+                    <a:pt x="302222" y="196113"/>
+                    <a:pt x="207041" y="156370"/>
+                    <a:pt x="0" y="0"/>
+                  </a:cubicBezTo>
+                  <a:close/>
+                </a:path>
+                <a:path w="1876003" h="673922" stroke="0" extrusionOk="0">
+                  <a:moveTo>
+                    <a:pt x="0" y="0"/>
+                  </a:moveTo>
+                  <a:cubicBezTo>
+                    <a:pt x="219430" y="1636"/>
+                    <a:pt x="382480" y="-14147"/>
+                    <a:pt x="606574" y="0"/>
+                  </a:cubicBezTo>
+                  <a:cubicBezTo>
+                    <a:pt x="830668" y="14147"/>
+                    <a:pt x="1094290" y="27767"/>
+                    <a:pt x="1269429" y="0"/>
+                  </a:cubicBezTo>
+                  <a:cubicBezTo>
+                    <a:pt x="1444568" y="-27767"/>
+                    <a:pt x="1640709" y="15687"/>
+                    <a:pt x="1876003" y="0"/>
+                  </a:cubicBezTo>
+                  <a:cubicBezTo>
+                    <a:pt x="1758330" y="72777"/>
+                    <a:pt x="1589498" y="193145"/>
+                    <a:pt x="1435142" y="316743"/>
+                  </a:cubicBezTo>
+                  <a:cubicBezTo>
+                    <a:pt x="1280786" y="440341"/>
+                    <a:pt x="1120789" y="537747"/>
+                    <a:pt x="938001" y="673922"/>
+                  </a:cubicBezTo>
+                  <a:cubicBezTo>
+                    <a:pt x="787546" y="598339"/>
+                    <a:pt x="662141" y="500216"/>
+                    <a:pt x="459620" y="330222"/>
+                  </a:cubicBezTo>
+                  <a:cubicBezTo>
+                    <a:pt x="257099" y="160228"/>
+                    <a:pt x="147208" y="107468"/>
+                    <a:pt x="0" y="0"/>
+                  </a:cubicBezTo>
+                  <a:close/>
+                </a:path>
+              </a:pathLst>
+            </a:custGeom>
+            <a:solidFill>
+              <a:schemeClr val="accent1">
+                <a:lumMod val="40000"/>
+                <a:lumOff val="60000"/>
+              </a:schemeClr>
+            </a:solidFill>
+            <a:ln>
+              <a:extLst>
+                <a:ext uri="{C807C97D-BFC1-408E-A445-0C87EB9F89A2}">
+                  <ask:lineSketchStyleProps xmlns:ask="http://schemas.microsoft.com/office/drawing/2018/sketchyshapes" sd="708856909">
+                    <a:prstGeom prst="flowChartMerge">
+                      <a:avLst/>
+                    </a:prstGeom>
+                    <ask:type>
+                      <ask:lineSketchFreehand/>
+                    </ask:type>
+                  </ask:lineSketchStyleProps>
+                </a:ext>
+              </a:extLst>
+            </a:ln>
+          </p:spPr>
+          <p:style>
+            <a:lnRef idx="2">
+              <a:schemeClr val="accent1">
+                <a:shade val="50000"/>
+              </a:schemeClr>
+            </a:lnRef>
+            <a:fillRef idx="1">
+              <a:schemeClr val="accent1"/>
+            </a:fillRef>
+            <a:effectRef idx="0">
+              <a:schemeClr val="accent1"/>
+            </a:effectRef>
+            <a:fontRef idx="minor">
+              <a:schemeClr val="lt1"/>
+            </a:fontRef>
+          </p:style>
+          <p:txBody>
+            <a:bodyPr rtlCol="0" anchor="ctr"/>
+            <a:lstStyle/>
+            <a:p>
+              <a:pPr algn="ctr"/>
+              <a:endParaRPr lang="en-US" dirty="0"/>
+            </a:p>
+          </p:txBody>
+        </p:sp>
+      </p:grpSp>
+      <p:sp>
+        <p:nvSpPr>
+          <p:cNvPr id="8" name="Rounded Rectangle 7">
+            <a:extLst>
+              <a:ext uri="{FF2B5EF4-FFF2-40B4-BE49-F238E27FC236}">
+                <a16:creationId xmlns:a16="http://schemas.microsoft.com/office/drawing/2014/main" id="{F786F2AF-4790-4642-8F98-21D281967A4D}"/>
+              </a:ext>
+            </a:extLst>
+          </p:cNvPr>
+          <p:cNvSpPr/>
+          <p:nvPr/>
+        </p:nvSpPr>
+        <p:spPr>
+          <a:xfrm>
+            <a:off x="2153351" y="2459003"/>
+            <a:ext cx="946222" cy="249152"/>
+          </a:xfrm>
+          <a:custGeom>
+            <a:avLst/>
+            <a:gdLst>
+              <a:gd name="connsiteX0" fmla="*/ 0 w 946222"/>
+              <a:gd name="connsiteY0" fmla="*/ 41526 h 249152"/>
+              <a:gd name="connsiteX1" fmla="*/ 41526 w 946222"/>
+              <a:gd name="connsiteY1" fmla="*/ 0 h 249152"/>
+              <a:gd name="connsiteX2" fmla="*/ 481743 w 946222"/>
+              <a:gd name="connsiteY2" fmla="*/ 0 h 249152"/>
+              <a:gd name="connsiteX3" fmla="*/ 904696 w 946222"/>
+              <a:gd name="connsiteY3" fmla="*/ 0 h 249152"/>
+              <a:gd name="connsiteX4" fmla="*/ 946222 w 946222"/>
+              <a:gd name="connsiteY4" fmla="*/ 41526 h 249152"/>
+              <a:gd name="connsiteX5" fmla="*/ 946222 w 946222"/>
+              <a:gd name="connsiteY5" fmla="*/ 207626 h 249152"/>
+              <a:gd name="connsiteX6" fmla="*/ 904696 w 946222"/>
+              <a:gd name="connsiteY6" fmla="*/ 249152 h 249152"/>
+              <a:gd name="connsiteX7" fmla="*/ 499006 w 946222"/>
+              <a:gd name="connsiteY7" fmla="*/ 249152 h 249152"/>
+              <a:gd name="connsiteX8" fmla="*/ 41526 w 946222"/>
+              <a:gd name="connsiteY8" fmla="*/ 249152 h 249152"/>
+              <a:gd name="connsiteX9" fmla="*/ 0 w 946222"/>
+              <a:gd name="connsiteY9" fmla="*/ 207626 h 249152"/>
+              <a:gd name="connsiteX10" fmla="*/ 0 w 946222"/>
+              <a:gd name="connsiteY10" fmla="*/ 41526 h 249152"/>
+            </a:gdLst>
+            <a:ahLst/>
+            <a:cxnLst>
+              <a:cxn ang="0">
+                <a:pos x="connsiteX0" y="connsiteY0"/>
+              </a:cxn>
+              <a:cxn ang="0">
+                <a:pos x="connsiteX1" y="connsiteY1"/>
+              </a:cxn>
+              <a:cxn ang="0">
+                <a:pos x="connsiteX2" y="connsiteY2"/>
+              </a:cxn>
+              <a:cxn ang="0">
+                <a:pos x="connsiteX3" y="connsiteY3"/>
+              </a:cxn>
+              <a:cxn ang="0">
+                <a:pos x="connsiteX4" y="connsiteY4"/>
+              </a:cxn>
+              <a:cxn ang="0">
+                <a:pos x="connsiteX5" y="connsiteY5"/>
+              </a:cxn>
+              <a:cxn ang="0">
+                <a:pos x="connsiteX6" y="connsiteY6"/>
+              </a:cxn>
+              <a:cxn ang="0">
+                <a:pos x="connsiteX7" y="connsiteY7"/>
+              </a:cxn>
+              <a:cxn ang="0">
+                <a:pos x="connsiteX8" y="connsiteY8"/>
+              </a:cxn>
+              <a:cxn ang="0">
+                <a:pos x="connsiteX9" y="connsiteY9"/>
+              </a:cxn>
+              <a:cxn ang="0">
+                <a:pos x="connsiteX10" y="connsiteY10"/>
+              </a:cxn>
+            </a:cxnLst>
+            <a:rect l="l" t="t" r="r" b="b"/>
+            <a:pathLst>
+              <a:path w="946222" h="249152" fill="none" extrusionOk="0">
+                <a:moveTo>
+                  <a:pt x="0" y="41526"/>
+                </a:moveTo>
+                <a:cubicBezTo>
+                  <a:pt x="-284" y="21190"/>
+                  <a:pt x="20142" y="-1924"/>
+                  <a:pt x="41526" y="0"/>
+                </a:cubicBezTo>
+                <a:cubicBezTo>
+                  <a:pt x="183456" y="19656"/>
+                  <a:pt x="355553" y="10408"/>
+                  <a:pt x="481743" y="0"/>
+                </a:cubicBezTo>
+                <a:cubicBezTo>
+                  <a:pt x="607933" y="-10408"/>
+                  <a:pt x="761979" y="-4458"/>
+                  <a:pt x="904696" y="0"/>
+                </a:cubicBezTo>
+                <a:cubicBezTo>
+                  <a:pt x="923663" y="1214"/>
+                  <a:pt x="944162" y="16570"/>
+                  <a:pt x="946222" y="41526"/>
+                </a:cubicBezTo>
+                <a:cubicBezTo>
+                  <a:pt x="948605" y="115693"/>
+                  <a:pt x="948360" y="134941"/>
+                  <a:pt x="946222" y="207626"/>
+                </a:cubicBezTo>
+                <a:cubicBezTo>
+                  <a:pt x="948368" y="228368"/>
+                  <a:pt x="932841" y="248883"/>
+                  <a:pt x="904696" y="249152"/>
+                </a:cubicBezTo>
+                <a:cubicBezTo>
+                  <a:pt x="816970" y="234192"/>
+                  <a:pt x="661638" y="234258"/>
+                  <a:pt x="499006" y="249152"/>
+                </a:cubicBezTo>
+                <a:cubicBezTo>
+                  <a:pt x="336374" y="264047"/>
+                  <a:pt x="265897" y="230986"/>
+                  <a:pt x="41526" y="249152"/>
+                </a:cubicBezTo>
+                <a:cubicBezTo>
+                  <a:pt x="17837" y="252098"/>
+                  <a:pt x="623" y="236210"/>
+                  <a:pt x="0" y="207626"/>
+                </a:cubicBezTo>
+                <a:cubicBezTo>
+                  <a:pt x="-2519" y="149610"/>
+                  <a:pt x="4708" y="106935"/>
+                  <a:pt x="0" y="41526"/>
+                </a:cubicBezTo>
+                <a:close/>
+              </a:path>
+              <a:path w="946222" h="249152" stroke="0" extrusionOk="0">
+                <a:moveTo>
+                  <a:pt x="0" y="41526"/>
+                </a:moveTo>
+                <a:cubicBezTo>
+                  <a:pt x="3602" y="15876"/>
+                  <a:pt x="17766" y="-3510"/>
+                  <a:pt x="41526" y="0"/>
+                </a:cubicBezTo>
+                <a:cubicBezTo>
+                  <a:pt x="142379" y="-2753"/>
+                  <a:pt x="398466" y="-7242"/>
+                  <a:pt x="490374" y="0"/>
+                </a:cubicBezTo>
+                <a:cubicBezTo>
+                  <a:pt x="582282" y="7242"/>
+                  <a:pt x="709545" y="-14528"/>
+                  <a:pt x="904696" y="0"/>
+                </a:cubicBezTo>
+                <a:cubicBezTo>
+                  <a:pt x="927985" y="2945"/>
+                  <a:pt x="940738" y="17061"/>
+                  <a:pt x="946222" y="41526"/>
+                </a:cubicBezTo>
+                <a:cubicBezTo>
+                  <a:pt x="951053" y="124021"/>
+                  <a:pt x="944473" y="130451"/>
+                  <a:pt x="946222" y="207626"/>
+                </a:cubicBezTo>
+                <a:cubicBezTo>
+                  <a:pt x="946608" y="227065"/>
+                  <a:pt x="923007" y="249455"/>
+                  <a:pt x="904696" y="249152"/>
+                </a:cubicBezTo>
+                <a:cubicBezTo>
+                  <a:pt x="735149" y="235467"/>
+                  <a:pt x="662720" y="231664"/>
+                  <a:pt x="473111" y="249152"/>
+                </a:cubicBezTo>
+                <a:cubicBezTo>
+                  <a:pt x="283503" y="266640"/>
+                  <a:pt x="130033" y="236756"/>
+                  <a:pt x="41526" y="249152"/>
+                </a:cubicBezTo>
+                <a:cubicBezTo>
+                  <a:pt x="20181" y="248547"/>
+                  <a:pt x="306" y="236220"/>
+                  <a:pt x="0" y="207626"/>
+                </a:cubicBezTo>
+                <a:cubicBezTo>
+                  <a:pt x="-2478" y="163114"/>
+                  <a:pt x="369" y="110233"/>
+                  <a:pt x="0" y="41526"/>
+                </a:cubicBezTo>
+                <a:close/>
+              </a:path>
+            </a:pathLst>
+          </a:custGeom>
+          <a:ln>
+            <a:extLst>
+              <a:ext uri="{C807C97D-BFC1-408E-A445-0C87EB9F89A2}">
+                <ask:lineSketchStyleProps xmlns:ask="http://schemas.microsoft.com/office/drawing/2018/sketchyshapes" sd="3968340571">
+                  <a:prstGeom prst="roundRect">
+                    <a:avLst/>
+                  </a:prstGeom>
+                  <ask:type>
+                    <ask:lineSketchFreehand/>
+                  </ask:type>
+                </ask:lineSketchStyleProps>
+              </a:ext>
+            </a:extLst>
+          </a:ln>
+        </p:spPr>
+        <p:style>
+          <a:lnRef idx="2">
+            <a:schemeClr val="accent1">
+              <a:shade val="50000"/>
+            </a:schemeClr>
+          </a:lnRef>
+          <a:fillRef idx="1">
+            <a:schemeClr val="accent1"/>
+          </a:fillRef>
+          <a:effectRef idx="0">
+            <a:schemeClr val="accent1"/>
+          </a:effectRef>
+          <a:fontRef idx="minor">
+            <a:schemeClr val="lt1"/>
+          </a:fontRef>
+        </p:style>
+        <p:txBody>
+          <a:bodyPr rtlCol="0" anchor="ctr"/>
+          <a:lstStyle/>
+          <a:p>
+            <a:pPr algn="ctr"/>
+            <a:r>
+              <a:rPr lang="en-US" sz="1200" dirty="0"/>
+              <a:t>State</a:t>
+            </a:r>
+          </a:p>
+        </p:txBody>
+      </p:sp>
+      <p:cxnSp>
+        <p:nvCxnSpPr>
+          <p:cNvPr id="11" name="Straight Arrow Connector 10">
+            <a:extLst>
+              <a:ext uri="{FF2B5EF4-FFF2-40B4-BE49-F238E27FC236}">
+                <a16:creationId xmlns:a16="http://schemas.microsoft.com/office/drawing/2014/main" id="{15313ADB-042B-5842-BDD9-FFFE7BCD33FB}"/>
+              </a:ext>
+            </a:extLst>
+          </p:cNvPr>
+          <p:cNvCxnSpPr>
+            <a:cxnSpLocks/>
+            <a:stCxn id="44" idx="1"/>
+            <a:endCxn id="100" idx="3"/>
+          </p:cNvCxnSpPr>
+          <p:nvPr/>
+        </p:nvCxnSpPr>
+        <p:spPr>
+          <a:xfrm flipH="1">
+            <a:off x="3044633" y="2158630"/>
+            <a:ext cx="4370367" cy="1179564"/>
+          </a:xfrm>
+          <a:prstGeom prst="straightConnector1">
+            <a:avLst/>
+          </a:prstGeom>
+          <a:ln>
+            <a:solidFill>
+              <a:schemeClr val="tx1"/>
+            </a:solidFill>
+            <a:prstDash val="sysDot"/>
+            <a:tailEnd type="triangle"/>
+          </a:ln>
+        </p:spPr>
+        <p:style>
+          <a:lnRef idx="1">
+            <a:schemeClr val="accent1"/>
+          </a:lnRef>
+          <a:fillRef idx="0">
+            <a:schemeClr val="accent1"/>
+          </a:fillRef>
+          <a:effectRef idx="0">
+            <a:schemeClr val="accent1"/>
+          </a:effectRef>
+          <a:fontRef idx="minor">
+            <a:schemeClr val="tx1"/>
+          </a:fontRef>
+        </p:style>
+      </p:cxnSp>
+      <p:cxnSp>
+        <p:nvCxnSpPr>
+          <p:cNvPr id="104" name="Straight Arrow Connector 103">
+            <a:extLst>
+              <a:ext uri="{FF2B5EF4-FFF2-40B4-BE49-F238E27FC236}">
+                <a16:creationId xmlns:a16="http://schemas.microsoft.com/office/drawing/2014/main" id="{FE9A9F26-AA91-FD4A-9080-B4816A29D004}"/>
+              </a:ext>
+            </a:extLst>
+          </p:cNvPr>
+          <p:cNvCxnSpPr>
+            <a:cxnSpLocks/>
+          </p:cNvCxnSpPr>
+          <p:nvPr/>
+        </p:nvCxnSpPr>
+        <p:spPr>
+          <a:xfrm flipV="1">
+            <a:off x="5999069" y="2958671"/>
+            <a:ext cx="4029528" cy="6960"/>
+          </a:xfrm>
+          <a:prstGeom prst="straightConnector1">
+            <a:avLst/>
+          </a:prstGeom>
+          <a:ln>
+            <a:headEnd type="none"/>
+            <a:tailEnd type="triangle"/>
+          </a:ln>
+        </p:spPr>
+        <p:style>
+          <a:lnRef idx="1">
+            <a:schemeClr val="accent1"/>
+          </a:lnRef>
+          <a:fillRef idx="0">
+            <a:schemeClr val="accent1"/>
+          </a:fillRef>
+          <a:effectRef idx="0">
+            <a:schemeClr val="accent1"/>
+          </a:effectRef>
+          <a:fontRef idx="minor">
+            <a:schemeClr val="tx1"/>
+          </a:fontRef>
+        </p:style>
+      </p:cxnSp>
+      <p:cxnSp>
+        <p:nvCxnSpPr>
+          <p:cNvPr id="105" name="Straight Arrow Connector 104">
+            <a:extLst>
+              <a:ext uri="{FF2B5EF4-FFF2-40B4-BE49-F238E27FC236}">
+                <a16:creationId xmlns:a16="http://schemas.microsoft.com/office/drawing/2014/main" id="{8B47381B-F00F-4D46-A889-F95BDD346B15}"/>
+              </a:ext>
+            </a:extLst>
+          </p:cNvPr>
+          <p:cNvCxnSpPr>
+            <a:cxnSpLocks/>
+          </p:cNvCxnSpPr>
+          <p:nvPr/>
+        </p:nvCxnSpPr>
+        <p:spPr>
+          <a:xfrm flipV="1">
+            <a:off x="5997656" y="3051591"/>
+            <a:ext cx="5290054" cy="14003"/>
+          </a:xfrm>
+          <a:prstGeom prst="straightConnector1">
+            <a:avLst/>
+          </a:prstGeom>
+          <a:ln>
+            <a:tailEnd type="triangle"/>
+          </a:ln>
+        </p:spPr>
+        <p:style>
+          <a:lnRef idx="1">
+            <a:schemeClr val="accent1"/>
+          </a:lnRef>
+          <a:fillRef idx="0">
+            <a:schemeClr val="accent1"/>
+          </a:fillRef>
+          <a:effectRef idx="0">
+            <a:schemeClr val="accent1"/>
+          </a:effectRef>
+          <a:fontRef idx="minor">
+            <a:schemeClr val="tx1"/>
+          </a:fontRef>
+        </p:style>
+      </p:cxnSp>
+      <p:sp>
+        <p:nvSpPr>
+          <p:cNvPr id="122" name="Rectangle 121">
+            <a:extLst>
+              <a:ext uri="{FF2B5EF4-FFF2-40B4-BE49-F238E27FC236}">
+                <a16:creationId xmlns:a16="http://schemas.microsoft.com/office/drawing/2014/main" id="{327760FC-FB80-C04D-B0C9-1A666C209151}"/>
+              </a:ext>
+            </a:extLst>
+          </p:cNvPr>
+          <p:cNvSpPr/>
+          <p:nvPr/>
+        </p:nvSpPr>
+        <p:spPr>
+          <a:xfrm>
+            <a:off x="10138973" y="3285934"/>
+            <a:ext cx="805029" cy="369332"/>
+          </a:xfrm>
+          <a:prstGeom prst="rect">
+            <a:avLst/>
+          </a:prstGeom>
+        </p:spPr>
+        <p:txBody>
+          <a:bodyPr wrap="none">
+            <a:spAutoFit/>
+          </a:bodyPr>
+          <a:lstStyle/>
+          <a:p>
+            <a:pPr algn="ctr"/>
+            <a:r>
+              <a:rPr lang="en-US" sz="900" dirty="0">
+                <a:solidFill>
+                  <a:schemeClr val="tx1">
+                    <a:lumMod val="50000"/>
+                  </a:schemeClr>
+                </a:solidFill>
+                <a:latin typeface="Menlo" panose="020B0609030804020204" pitchFamily="49" charset="0"/>
+              </a:rPr>
+              <a:t>Allocate</a:t>
+            </a:r>
+            <a:br>
+              <a:rPr lang="en-US" sz="900" dirty="0">
+                <a:solidFill>
+                  <a:schemeClr val="tx1">
+                    <a:lumMod val="50000"/>
+                  </a:schemeClr>
+                </a:solidFill>
+                <a:latin typeface="Menlo" panose="020B0609030804020204" pitchFamily="49" charset="0"/>
+              </a:rPr>
+            </a:br>
+            <a:r>
+              <a:rPr lang="en-US" sz="900" b="0" dirty="0">
+                <a:solidFill>
+                  <a:schemeClr val="tx1">
+                    <a:lumMod val="50000"/>
+                  </a:schemeClr>
+                </a:solidFill>
+                <a:effectLst/>
+                <a:latin typeface="Menlo" panose="020B0609030804020204" pitchFamily="49" charset="0"/>
+              </a:rPr>
+              <a:t>Container</a:t>
+            </a:r>
+          </a:p>
+        </p:txBody>
+      </p:sp>
+      <p:sp>
+        <p:nvSpPr>
+          <p:cNvPr id="123" name="Rounded Rectangle 122">
+            <a:extLst>
+              <a:ext uri="{FF2B5EF4-FFF2-40B4-BE49-F238E27FC236}">
+                <a16:creationId xmlns:a16="http://schemas.microsoft.com/office/drawing/2014/main" id="{92742A03-6104-CC41-86B5-21F8B1D15CA5}"/>
+              </a:ext>
+            </a:extLst>
+          </p:cNvPr>
+          <p:cNvSpPr/>
+          <p:nvPr/>
+        </p:nvSpPr>
+        <p:spPr>
+          <a:xfrm>
+            <a:off x="9946650" y="3255488"/>
+            <a:ext cx="173120" cy="418291"/>
+          </a:xfrm>
+          <a:custGeom>
+            <a:avLst/>
+            <a:gdLst>
+              <a:gd name="connsiteX0" fmla="*/ 0 w 173120"/>
+              <a:gd name="connsiteY0" fmla="*/ 28854 h 418291"/>
+              <a:gd name="connsiteX1" fmla="*/ 28854 w 173120"/>
+              <a:gd name="connsiteY1" fmla="*/ 0 h 418291"/>
+              <a:gd name="connsiteX2" fmla="*/ 144266 w 173120"/>
+              <a:gd name="connsiteY2" fmla="*/ 0 h 418291"/>
+              <a:gd name="connsiteX3" fmla="*/ 173120 w 173120"/>
+              <a:gd name="connsiteY3" fmla="*/ 28854 h 418291"/>
+              <a:gd name="connsiteX4" fmla="*/ 173120 w 173120"/>
+              <a:gd name="connsiteY4" fmla="*/ 389437 h 418291"/>
+              <a:gd name="connsiteX5" fmla="*/ 144266 w 173120"/>
+              <a:gd name="connsiteY5" fmla="*/ 418291 h 418291"/>
+              <a:gd name="connsiteX6" fmla="*/ 28854 w 173120"/>
+              <a:gd name="connsiteY6" fmla="*/ 418291 h 418291"/>
+              <a:gd name="connsiteX7" fmla="*/ 0 w 173120"/>
+              <a:gd name="connsiteY7" fmla="*/ 389437 h 418291"/>
+              <a:gd name="connsiteX8" fmla="*/ 0 w 173120"/>
+              <a:gd name="connsiteY8" fmla="*/ 28854 h 418291"/>
+            </a:gdLst>
+            <a:ahLst/>
+            <a:cxnLst>
+              <a:cxn ang="0">
+                <a:pos x="connsiteX0" y="connsiteY0"/>
+              </a:cxn>
+              <a:cxn ang="0">
+                <a:pos x="connsiteX1" y="connsiteY1"/>
+              </a:cxn>
+              <a:cxn ang="0">
+                <a:pos x="connsiteX2" y="connsiteY2"/>
+              </a:cxn>
+              <a:cxn ang="0">
+                <a:pos x="connsiteX3" y="connsiteY3"/>
+              </a:cxn>
+              <a:cxn ang="0">
+                <a:pos x="connsiteX4" y="connsiteY4"/>
+              </a:cxn>
+              <a:cxn ang="0">
+                <a:pos x="connsiteX5" y="connsiteY5"/>
+              </a:cxn>
+              <a:cxn ang="0">
+                <a:pos x="connsiteX6" y="connsiteY6"/>
+              </a:cxn>
+              <a:cxn ang="0">
+                <a:pos x="connsiteX7" y="connsiteY7"/>
+              </a:cxn>
+              <a:cxn ang="0">
+                <a:pos x="connsiteX8" y="connsiteY8"/>
+              </a:cxn>
+            </a:cxnLst>
+            <a:rect l="l" t="t" r="r" b="b"/>
+            <a:pathLst>
+              <a:path w="173120" h="418291" fill="none" extrusionOk="0">
+                <a:moveTo>
+                  <a:pt x="0" y="28854"/>
+                </a:moveTo>
+                <a:cubicBezTo>
+                  <a:pt x="-3224" y="14113"/>
+                  <a:pt x="13158" y="859"/>
+                  <a:pt x="28854" y="0"/>
+                </a:cubicBezTo>
+                <a:cubicBezTo>
+                  <a:pt x="79187" y="-1050"/>
+                  <a:pt x="87403" y="2048"/>
+                  <a:pt x="144266" y="0"/>
+                </a:cubicBezTo>
+                <a:cubicBezTo>
+                  <a:pt x="160130" y="1278"/>
+                  <a:pt x="175658" y="11893"/>
+                  <a:pt x="173120" y="28854"/>
+                </a:cubicBezTo>
+                <a:cubicBezTo>
+                  <a:pt x="179097" y="147014"/>
+                  <a:pt x="185536" y="294711"/>
+                  <a:pt x="173120" y="389437"/>
+                </a:cubicBezTo>
+                <a:cubicBezTo>
+                  <a:pt x="173007" y="405018"/>
+                  <a:pt x="159287" y="416956"/>
+                  <a:pt x="144266" y="418291"/>
+                </a:cubicBezTo>
+                <a:cubicBezTo>
+                  <a:pt x="108839" y="417290"/>
+                  <a:pt x="83257" y="416808"/>
+                  <a:pt x="28854" y="418291"/>
+                </a:cubicBezTo>
+                <a:cubicBezTo>
+                  <a:pt x="14457" y="419728"/>
+                  <a:pt x="-1213" y="406978"/>
+                  <a:pt x="0" y="389437"/>
+                </a:cubicBezTo>
+                <a:cubicBezTo>
+                  <a:pt x="14280" y="283534"/>
+                  <a:pt x="1832" y="178350"/>
+                  <a:pt x="0" y="28854"/>
+                </a:cubicBezTo>
+                <a:close/>
+              </a:path>
+              <a:path w="173120" h="418291" stroke="0" extrusionOk="0">
+                <a:moveTo>
+                  <a:pt x="0" y="28854"/>
+                </a:moveTo>
+                <a:cubicBezTo>
+                  <a:pt x="547" y="13009"/>
+                  <a:pt x="12402" y="-974"/>
+                  <a:pt x="28854" y="0"/>
+                </a:cubicBezTo>
+                <a:cubicBezTo>
+                  <a:pt x="64261" y="2852"/>
+                  <a:pt x="104951" y="3738"/>
+                  <a:pt x="144266" y="0"/>
+                </a:cubicBezTo>
+                <a:cubicBezTo>
+                  <a:pt x="159696" y="2613"/>
+                  <a:pt x="172239" y="12369"/>
+                  <a:pt x="173120" y="28854"/>
+                </a:cubicBezTo>
+                <a:cubicBezTo>
+                  <a:pt x="175306" y="180455"/>
+                  <a:pt x="165120" y="262423"/>
+                  <a:pt x="173120" y="389437"/>
+                </a:cubicBezTo>
+                <a:cubicBezTo>
+                  <a:pt x="170890" y="404773"/>
+                  <a:pt x="159889" y="418064"/>
+                  <a:pt x="144266" y="418291"/>
+                </a:cubicBezTo>
+                <a:cubicBezTo>
+                  <a:pt x="90590" y="418147"/>
+                  <a:pt x="62701" y="414716"/>
+                  <a:pt x="28854" y="418291"/>
+                </a:cubicBezTo>
+                <a:cubicBezTo>
+                  <a:pt x="16031" y="417326"/>
+                  <a:pt x="556" y="402418"/>
+                  <a:pt x="0" y="389437"/>
+                </a:cubicBezTo>
+                <a:cubicBezTo>
+                  <a:pt x="-4754" y="216893"/>
+                  <a:pt x="7711" y="203522"/>
+                  <a:pt x="0" y="28854"/>
+                </a:cubicBezTo>
+                <a:close/>
+              </a:path>
+            </a:pathLst>
+          </a:custGeom>
+          <a:solidFill>
+            <a:schemeClr val="accent1">
+              <a:lumMod val="60000"/>
+              <a:lumOff val="40000"/>
+            </a:schemeClr>
+          </a:solidFill>
+          <a:ln>
+            <a:extLst>
+              <a:ext uri="{C807C97D-BFC1-408E-A445-0C87EB9F89A2}">
+                <ask:lineSketchStyleProps xmlns:ask="http://schemas.microsoft.com/office/drawing/2018/sketchyshapes" sd="1805087987">
+                  <a:prstGeom prst="roundRect">
+                    <a:avLst/>
+                  </a:prstGeom>
+                  <ask:type>
+                    <ask:lineSketchFreehand/>
+                  </ask:type>
+                </ask:lineSketchStyleProps>
+              </a:ext>
+            </a:extLst>
+          </a:ln>
+        </p:spPr>
+        <p:style>
+          <a:lnRef idx="2">
+            <a:schemeClr val="accent1">
+              <a:shade val="50000"/>
+            </a:schemeClr>
+          </a:lnRef>
+          <a:fillRef idx="1">
+            <a:schemeClr val="accent1"/>
+          </a:fillRef>
+          <a:effectRef idx="0">
+            <a:schemeClr val="accent1"/>
+          </a:effectRef>
+          <a:fontRef idx="minor">
+            <a:schemeClr val="lt1"/>
+          </a:fontRef>
+        </p:style>
+        <p:txBody>
+          <a:bodyPr rtlCol="0" anchor="ctr"/>
+          <a:lstStyle/>
+          <a:p>
+            <a:pPr algn="ctr"/>
+            <a:endParaRPr lang="en-US" dirty="0"/>
+          </a:p>
+        </p:txBody>
+      </p:sp>
+      <p:sp>
+        <p:nvSpPr>
+          <p:cNvPr id="124" name="Rectangle 123">
+            <a:extLst>
+              <a:ext uri="{FF2B5EF4-FFF2-40B4-BE49-F238E27FC236}">
+                <a16:creationId xmlns:a16="http://schemas.microsoft.com/office/drawing/2014/main" id="{55A39C8E-0096-2D48-8C35-4AEB561113C5}"/>
+              </a:ext>
+            </a:extLst>
+          </p:cNvPr>
+          <p:cNvSpPr/>
+          <p:nvPr/>
+        </p:nvSpPr>
+        <p:spPr>
+          <a:xfrm>
+            <a:off x="4310919" y="3571392"/>
+            <a:ext cx="1425390" cy="369332"/>
+          </a:xfrm>
+          <a:prstGeom prst="rect">
+            <a:avLst/>
+          </a:prstGeom>
+        </p:spPr>
+        <p:txBody>
+          <a:bodyPr wrap="none">
+            <a:spAutoFit/>
+          </a:bodyPr>
+          <a:lstStyle/>
+          <a:p>
+            <a:pPr algn="ctr"/>
+            <a:r>
+              <a:rPr lang="en-US" sz="900" b="0" dirty="0">
+                <a:solidFill>
+                  <a:schemeClr val="tx1">
+                    <a:lumMod val="50000"/>
+                  </a:schemeClr>
+                </a:solidFill>
+                <a:effectLst/>
+                <a:latin typeface="Menlo" panose="020B0609030804020204" pitchFamily="49" charset="0"/>
+              </a:rPr>
+              <a:t>ContainerAllocated</a:t>
+            </a:r>
+            <a:br>
+              <a:rPr lang="en-US" sz="900" b="0" dirty="0">
+                <a:solidFill>
+                  <a:schemeClr val="tx1">
+                    <a:lumMod val="50000"/>
+                  </a:schemeClr>
+                </a:solidFill>
+                <a:effectLst/>
+                <a:latin typeface="Menlo" panose="020B0609030804020204" pitchFamily="49" charset="0"/>
+              </a:rPr>
+            </a:br>
+            <a:r>
+              <a:rPr lang="en-US" sz="900" b="0" dirty="0">
+                <a:solidFill>
+                  <a:schemeClr val="tx1">
+                    <a:lumMod val="50000"/>
+                  </a:schemeClr>
+                </a:solidFill>
+                <a:effectLst/>
+                <a:latin typeface="Menlo" panose="020B0609030804020204" pitchFamily="49" charset="0"/>
+              </a:rPr>
+              <a:t>event</a:t>
+            </a:r>
+          </a:p>
+        </p:txBody>
+      </p:sp>
+      <p:cxnSp>
+        <p:nvCxnSpPr>
+          <p:cNvPr id="125" name="Straight Arrow Connector 124">
+            <a:extLst>
+              <a:ext uri="{FF2B5EF4-FFF2-40B4-BE49-F238E27FC236}">
+                <a16:creationId xmlns:a16="http://schemas.microsoft.com/office/drawing/2014/main" id="{224719CF-BB6E-134F-85F7-4AD217B7045C}"/>
+              </a:ext>
+            </a:extLst>
+          </p:cNvPr>
+          <p:cNvCxnSpPr>
+            <a:cxnSpLocks/>
+          </p:cNvCxnSpPr>
+          <p:nvPr/>
+        </p:nvCxnSpPr>
+        <p:spPr>
+          <a:xfrm flipH="1">
+            <a:off x="4170932" y="3714375"/>
+            <a:ext cx="5825464" cy="39312"/>
+          </a:xfrm>
+          <a:prstGeom prst="straightConnector1">
+            <a:avLst/>
+          </a:prstGeom>
+          <a:ln>
+            <a:tailEnd type="triangle"/>
+          </a:ln>
+        </p:spPr>
+        <p:style>
+          <a:lnRef idx="1">
+            <a:schemeClr val="accent1"/>
+          </a:lnRef>
+          <a:fillRef idx="0">
+            <a:schemeClr val="accent1"/>
+          </a:fillRef>
+          <a:effectRef idx="0">
+            <a:schemeClr val="accent1"/>
+          </a:effectRef>
+          <a:fontRef idx="minor">
+            <a:schemeClr val="tx1"/>
+          </a:fontRef>
+        </p:style>
+      </p:cxnSp>
+      <p:grpSp>
+        <p:nvGrpSpPr>
+          <p:cNvPr id="126" name="Group 125">
+            <a:extLst>
+              <a:ext uri="{FF2B5EF4-FFF2-40B4-BE49-F238E27FC236}">
+                <a16:creationId xmlns:a16="http://schemas.microsoft.com/office/drawing/2014/main" id="{C2968CEF-0156-2842-926C-22634D117A90}"/>
+              </a:ext>
+            </a:extLst>
+          </p:cNvPr>
+          <p:cNvGrpSpPr/>
+          <p:nvPr/>
+        </p:nvGrpSpPr>
+        <p:grpSpPr>
+          <a:xfrm>
+            <a:off x="3677924" y="3665315"/>
+            <a:ext cx="433615" cy="288669"/>
+            <a:chOff x="7970108" y="5423680"/>
+            <a:chExt cx="1878227" cy="1100688"/>
+          </a:xfrm>
+        </p:grpSpPr>
+        <p:sp>
+          <p:nvSpPr>
+            <p:cNvPr id="127" name="Process 126">
+              <a:extLst>
+                <a:ext uri="{FF2B5EF4-FFF2-40B4-BE49-F238E27FC236}">
+                  <a16:creationId xmlns:a16="http://schemas.microsoft.com/office/drawing/2014/main" id="{BEBE9871-7E1A-0845-8455-655A7930358F}"/>
+                </a:ext>
+              </a:extLst>
+            </p:cNvPr>
+            <p:cNvSpPr/>
+            <p:nvPr/>
+          </p:nvSpPr>
+          <p:spPr>
+            <a:xfrm>
+              <a:off x="7970108" y="5424731"/>
+              <a:ext cx="1878227" cy="1099637"/>
+            </a:xfrm>
+            <a:custGeom>
+              <a:avLst/>
+              <a:gdLst>
+                <a:gd name="connsiteX0" fmla="*/ 0 w 1878227"/>
+                <a:gd name="connsiteY0" fmla="*/ 0 h 1099637"/>
+                <a:gd name="connsiteX1" fmla="*/ 588511 w 1878227"/>
+                <a:gd name="connsiteY1" fmla="*/ 0 h 1099637"/>
+                <a:gd name="connsiteX2" fmla="*/ 1252151 w 1878227"/>
+                <a:gd name="connsiteY2" fmla="*/ 0 h 1099637"/>
+                <a:gd name="connsiteX3" fmla="*/ 1878227 w 1878227"/>
+                <a:gd name="connsiteY3" fmla="*/ 0 h 1099637"/>
+                <a:gd name="connsiteX4" fmla="*/ 1878227 w 1878227"/>
+                <a:gd name="connsiteY4" fmla="*/ 560815 h 1099637"/>
+                <a:gd name="connsiteX5" fmla="*/ 1878227 w 1878227"/>
+                <a:gd name="connsiteY5" fmla="*/ 1099637 h 1099637"/>
+                <a:gd name="connsiteX6" fmla="*/ 1233369 w 1878227"/>
+                <a:gd name="connsiteY6" fmla="*/ 1099637 h 1099637"/>
+                <a:gd name="connsiteX7" fmla="*/ 607293 w 1878227"/>
+                <a:gd name="connsiteY7" fmla="*/ 1099637 h 1099637"/>
+                <a:gd name="connsiteX8" fmla="*/ 0 w 1878227"/>
+                <a:gd name="connsiteY8" fmla="*/ 1099637 h 1099637"/>
+                <a:gd name="connsiteX9" fmla="*/ 0 w 1878227"/>
+                <a:gd name="connsiteY9" fmla="*/ 582808 h 1099637"/>
+                <a:gd name="connsiteX10" fmla="*/ 0 w 1878227"/>
+                <a:gd name="connsiteY10" fmla="*/ 0 h 1099637"/>
+              </a:gdLst>
+              <a:ahLst/>
+              <a:cxnLst>
+                <a:cxn ang="0">
+                  <a:pos x="connsiteX0" y="connsiteY0"/>
+                </a:cxn>
+                <a:cxn ang="0">
+                  <a:pos x="connsiteX1" y="connsiteY1"/>
+                </a:cxn>
+                <a:cxn ang="0">
+                  <a:pos x="connsiteX2" y="connsiteY2"/>
+                </a:cxn>
+                <a:cxn ang="0">
+                  <a:pos x="connsiteX3" y="connsiteY3"/>
+                </a:cxn>
+                <a:cxn ang="0">
+                  <a:pos x="connsiteX4" y="connsiteY4"/>
+                </a:cxn>
+                <a:cxn ang="0">
+                  <a:pos x="connsiteX5" y="connsiteY5"/>
+                </a:cxn>
+                <a:cxn ang="0">
+                  <a:pos x="connsiteX6" y="connsiteY6"/>
+                </a:cxn>
+                <a:cxn ang="0">
+                  <a:pos x="connsiteX7" y="connsiteY7"/>
+                </a:cxn>
+                <a:cxn ang="0">
+                  <a:pos x="connsiteX8" y="connsiteY8"/>
+                </a:cxn>
+                <a:cxn ang="0">
+                  <a:pos x="connsiteX9" y="connsiteY9"/>
+                </a:cxn>
+                <a:cxn ang="0">
+                  <a:pos x="connsiteX10" y="connsiteY10"/>
+                </a:cxn>
+              </a:cxnLst>
+              <a:rect l="l" t="t" r="r" b="b"/>
+              <a:pathLst>
+                <a:path w="1878227" h="1099637" fill="none" extrusionOk="0">
+                  <a:moveTo>
+                    <a:pt x="0" y="0"/>
+                  </a:moveTo>
+                  <a:cubicBezTo>
+                    <a:pt x="208937" y="15674"/>
+                    <a:pt x="354679" y="12556"/>
+                    <a:pt x="588511" y="0"/>
+                  </a:cubicBezTo>
+                  <a:cubicBezTo>
+                    <a:pt x="822343" y="-12556"/>
+                    <a:pt x="987644" y="-25551"/>
+                    <a:pt x="1252151" y="0"/>
+                  </a:cubicBezTo>
+                  <a:cubicBezTo>
+                    <a:pt x="1516658" y="25551"/>
+                    <a:pt x="1615472" y="17725"/>
+                    <a:pt x="1878227" y="0"/>
+                  </a:cubicBezTo>
+                  <a:cubicBezTo>
+                    <a:pt x="1862870" y="136360"/>
+                    <a:pt x="1868838" y="299684"/>
+                    <a:pt x="1878227" y="560815"/>
+                  </a:cubicBezTo>
+                  <a:cubicBezTo>
+                    <a:pt x="1887616" y="821946"/>
+                    <a:pt x="1895252" y="903392"/>
+                    <a:pt x="1878227" y="1099637"/>
+                  </a:cubicBezTo>
+                  <a:cubicBezTo>
+                    <a:pt x="1559814" y="1090774"/>
+                    <a:pt x="1523816" y="1103048"/>
+                    <a:pt x="1233369" y="1099637"/>
+                  </a:cubicBezTo>
+                  <a:cubicBezTo>
+                    <a:pt x="942922" y="1096226"/>
+                    <a:pt x="775690" y="1121102"/>
+                    <a:pt x="607293" y="1099637"/>
+                  </a:cubicBezTo>
+                  <a:cubicBezTo>
+                    <a:pt x="438896" y="1078172"/>
+                    <a:pt x="269769" y="1096726"/>
+                    <a:pt x="0" y="1099637"/>
+                  </a:cubicBezTo>
+                  <a:cubicBezTo>
+                    <a:pt x="-5668" y="939487"/>
+                    <a:pt x="-15438" y="698320"/>
+                    <a:pt x="0" y="582808"/>
+                  </a:cubicBezTo>
+                  <a:cubicBezTo>
+                    <a:pt x="15438" y="467296"/>
+                    <a:pt x="-22399" y="220528"/>
+                    <a:pt x="0" y="0"/>
+                  </a:cubicBezTo>
+                  <a:close/>
+                </a:path>
+                <a:path w="1878227" h="1099637" stroke="0" extrusionOk="0">
+                  <a:moveTo>
+                    <a:pt x="0" y="0"/>
+                  </a:moveTo>
+                  <a:cubicBezTo>
+                    <a:pt x="199212" y="-24760"/>
+                    <a:pt x="369841" y="14623"/>
+                    <a:pt x="663640" y="0"/>
+                  </a:cubicBezTo>
+                  <a:cubicBezTo>
+                    <a:pt x="957439" y="-14623"/>
+                    <a:pt x="1051573" y="-26488"/>
+                    <a:pt x="1308498" y="0"/>
+                  </a:cubicBezTo>
+                  <a:cubicBezTo>
+                    <a:pt x="1565423" y="26488"/>
+                    <a:pt x="1636354" y="11080"/>
+                    <a:pt x="1878227" y="0"/>
+                  </a:cubicBezTo>
+                  <a:cubicBezTo>
+                    <a:pt x="1861276" y="226976"/>
+                    <a:pt x="1882301" y="399621"/>
+                    <a:pt x="1878227" y="549819"/>
+                  </a:cubicBezTo>
+                  <a:cubicBezTo>
+                    <a:pt x="1874153" y="700017"/>
+                    <a:pt x="1882703" y="833263"/>
+                    <a:pt x="1878227" y="1099637"/>
+                  </a:cubicBezTo>
+                  <a:cubicBezTo>
+                    <a:pt x="1714895" y="1075830"/>
+                    <a:pt x="1514908" y="1118798"/>
+                    <a:pt x="1308498" y="1099637"/>
+                  </a:cubicBezTo>
+                  <a:cubicBezTo>
+                    <a:pt x="1102088" y="1080476"/>
+                    <a:pt x="963365" y="1122148"/>
+                    <a:pt x="719987" y="1099637"/>
+                  </a:cubicBezTo>
+                  <a:cubicBezTo>
+                    <a:pt x="476609" y="1077126"/>
+                    <a:pt x="157396" y="1074138"/>
+                    <a:pt x="0" y="1099637"/>
+                  </a:cubicBezTo>
+                  <a:cubicBezTo>
+                    <a:pt x="-18378" y="915894"/>
+                    <a:pt x="-10608" y="814164"/>
+                    <a:pt x="0" y="538822"/>
+                  </a:cubicBezTo>
+                  <a:cubicBezTo>
+                    <a:pt x="10608" y="263480"/>
+                    <a:pt x="-493" y="183360"/>
+                    <a:pt x="0" y="0"/>
+                  </a:cubicBezTo>
+                  <a:close/>
+                </a:path>
+              </a:pathLst>
+            </a:custGeom>
+            <a:solidFill>
+              <a:schemeClr val="accent1">
+                <a:lumMod val="60000"/>
+                <a:lumOff val="40000"/>
+              </a:schemeClr>
+            </a:solidFill>
+            <a:ln>
+              <a:extLst>
+                <a:ext uri="{C807C97D-BFC1-408E-A445-0C87EB9F89A2}">
+                  <ask:lineSketchStyleProps xmlns:ask="http://schemas.microsoft.com/office/drawing/2018/sketchyshapes" sd="3338632651">
+                    <a:prstGeom prst="flowChartProcess">
+                      <a:avLst/>
+                    </a:prstGeom>
+                    <ask:type>
+                      <ask:lineSketchFreehand/>
+                    </ask:type>
+                  </ask:lineSketchStyleProps>
+                </a:ext>
+              </a:extLst>
+            </a:ln>
+          </p:spPr>
+          <p:style>
+            <a:lnRef idx="2">
+              <a:schemeClr val="accent1">
+                <a:shade val="50000"/>
+              </a:schemeClr>
+            </a:lnRef>
+            <a:fillRef idx="1">
+              <a:schemeClr val="accent1"/>
+            </a:fillRef>
+            <a:effectRef idx="0">
+              <a:schemeClr val="accent1"/>
+            </a:effectRef>
+            <a:fontRef idx="minor">
+              <a:schemeClr val="lt1"/>
+            </a:fontRef>
+          </p:style>
+          <p:txBody>
+            <a:bodyPr rtlCol="0" anchor="ctr"/>
+            <a:lstStyle/>
+            <a:p>
+              <a:pPr algn="ctr"/>
+              <a:endParaRPr lang="en-US" dirty="0"/>
+            </a:p>
+          </p:txBody>
+        </p:sp>
+        <p:sp>
+          <p:nvSpPr>
+            <p:cNvPr id="128" name="Merge 127">
+              <a:extLst>
+                <a:ext uri="{FF2B5EF4-FFF2-40B4-BE49-F238E27FC236}">
+                  <a16:creationId xmlns:a16="http://schemas.microsoft.com/office/drawing/2014/main" id="{AB160659-989A-A443-AA83-C54C297624C8}"/>
+                </a:ext>
+              </a:extLst>
+            </p:cNvPr>
+            <p:cNvSpPr/>
+            <p:nvPr/>
+          </p:nvSpPr>
+          <p:spPr>
+            <a:xfrm>
+              <a:off x="7970108" y="5423680"/>
+              <a:ext cx="1876003" cy="673922"/>
+            </a:xfrm>
+            <a:custGeom>
+              <a:avLst/>
+              <a:gdLst>
+                <a:gd name="connsiteX0" fmla="*/ 0 w 1876003"/>
+                <a:gd name="connsiteY0" fmla="*/ 0 h 673922"/>
+                <a:gd name="connsiteX1" fmla="*/ 606574 w 1876003"/>
+                <a:gd name="connsiteY1" fmla="*/ 0 h 673922"/>
+                <a:gd name="connsiteX2" fmla="*/ 1213149 w 1876003"/>
+                <a:gd name="connsiteY2" fmla="*/ 0 h 673922"/>
+                <a:gd name="connsiteX3" fmla="*/ 1876003 w 1876003"/>
+                <a:gd name="connsiteY3" fmla="*/ 0 h 673922"/>
+                <a:gd name="connsiteX4" fmla="*/ 1388242 w 1876003"/>
+                <a:gd name="connsiteY4" fmla="*/ 350439 h 673922"/>
+                <a:gd name="connsiteX5" fmla="*/ 938001 w 1876003"/>
+                <a:gd name="connsiteY5" fmla="*/ 673922 h 673922"/>
+                <a:gd name="connsiteX6" fmla="*/ 469001 w 1876003"/>
+                <a:gd name="connsiteY6" fmla="*/ 336961 h 673922"/>
+                <a:gd name="connsiteX7" fmla="*/ 0 w 1876003"/>
+                <a:gd name="connsiteY7" fmla="*/ 0 h 673922"/>
+              </a:gdLst>
+              <a:ahLst/>
+              <a:cxnLst>
+                <a:cxn ang="0">
+                  <a:pos x="connsiteX0" y="connsiteY0"/>
+                </a:cxn>
+                <a:cxn ang="0">
+                  <a:pos x="connsiteX1" y="connsiteY1"/>
+                </a:cxn>
+                <a:cxn ang="0">
+                  <a:pos x="connsiteX2" y="connsiteY2"/>
+                </a:cxn>
+                <a:cxn ang="0">
+                  <a:pos x="connsiteX3" y="connsiteY3"/>
+                </a:cxn>
+                <a:cxn ang="0">
+                  <a:pos x="connsiteX4" y="connsiteY4"/>
+                </a:cxn>
+                <a:cxn ang="0">
+                  <a:pos x="connsiteX5" y="connsiteY5"/>
+                </a:cxn>
+                <a:cxn ang="0">
+                  <a:pos x="connsiteX6" y="connsiteY6"/>
+                </a:cxn>
+                <a:cxn ang="0">
+                  <a:pos x="connsiteX7" y="connsiteY7"/>
+                </a:cxn>
+              </a:cxnLst>
+              <a:rect l="l" t="t" r="r" b="b"/>
+              <a:pathLst>
+                <a:path w="1876003" h="673922" fill="none" extrusionOk="0">
+                  <a:moveTo>
+                    <a:pt x="0" y="0"/>
+                  </a:moveTo>
+                  <a:cubicBezTo>
+                    <a:pt x="203183" y="13774"/>
+                    <a:pt x="357777" y="-12213"/>
+                    <a:pt x="606574" y="0"/>
+                  </a:cubicBezTo>
+                  <a:cubicBezTo>
+                    <a:pt x="855371" y="12213"/>
+                    <a:pt x="1027670" y="-9204"/>
+                    <a:pt x="1213149" y="0"/>
+                  </a:cubicBezTo>
+                  <a:cubicBezTo>
+                    <a:pt x="1398628" y="9204"/>
+                    <a:pt x="1585864" y="-17493"/>
+                    <a:pt x="1876003" y="0"/>
+                  </a:cubicBezTo>
+                  <a:cubicBezTo>
+                    <a:pt x="1704489" y="125097"/>
+                    <a:pt x="1531690" y="263598"/>
+                    <a:pt x="1388242" y="350439"/>
+                  </a:cubicBezTo>
+                  <a:cubicBezTo>
+                    <a:pt x="1244795" y="437280"/>
+                    <a:pt x="1034486" y="600691"/>
+                    <a:pt x="938001" y="673922"/>
+                  </a:cubicBezTo>
+                  <a:cubicBezTo>
+                    <a:pt x="829287" y="605355"/>
+                    <a:pt x="657444" y="481263"/>
+                    <a:pt x="469001" y="336961"/>
+                  </a:cubicBezTo>
+                  <a:cubicBezTo>
+                    <a:pt x="280558" y="192659"/>
+                    <a:pt x="225061" y="130695"/>
+                    <a:pt x="0" y="0"/>
+                  </a:cubicBezTo>
+                  <a:close/>
+                </a:path>
+                <a:path w="1876003" h="673922" stroke="0" extrusionOk="0">
+                  <a:moveTo>
+                    <a:pt x="0" y="0"/>
+                  </a:moveTo>
+                  <a:cubicBezTo>
+                    <a:pt x="242105" y="-7696"/>
+                    <a:pt x="411211" y="26780"/>
+                    <a:pt x="606574" y="0"/>
+                  </a:cubicBezTo>
+                  <a:cubicBezTo>
+                    <a:pt x="801937" y="-26780"/>
+                    <a:pt x="1007478" y="22284"/>
+                    <a:pt x="1213149" y="0"/>
+                  </a:cubicBezTo>
+                  <a:cubicBezTo>
+                    <a:pt x="1418821" y="-22284"/>
+                    <a:pt x="1692290" y="29642"/>
+                    <a:pt x="1876003" y="0"/>
+                  </a:cubicBezTo>
+                  <a:cubicBezTo>
+                    <a:pt x="1736819" y="110341"/>
+                    <a:pt x="1531079" y="240076"/>
+                    <a:pt x="1416382" y="330222"/>
+                  </a:cubicBezTo>
+                  <a:cubicBezTo>
+                    <a:pt x="1301685" y="420368"/>
+                    <a:pt x="1126237" y="541312"/>
+                    <a:pt x="938001" y="673922"/>
+                  </a:cubicBezTo>
+                  <a:cubicBezTo>
+                    <a:pt x="791716" y="567095"/>
+                    <a:pt x="697359" y="479478"/>
+                    <a:pt x="497141" y="357179"/>
+                  </a:cubicBezTo>
+                  <a:cubicBezTo>
+                    <a:pt x="296923" y="234880"/>
+                    <a:pt x="176112" y="96571"/>
+                    <a:pt x="0" y="0"/>
+                  </a:cubicBezTo>
+                  <a:close/>
+                </a:path>
+              </a:pathLst>
+            </a:custGeom>
+            <a:solidFill>
+              <a:schemeClr val="accent1">
+                <a:lumMod val="40000"/>
+                <a:lumOff val="60000"/>
+              </a:schemeClr>
+            </a:solidFill>
+            <a:ln>
+              <a:extLst>
+                <a:ext uri="{C807C97D-BFC1-408E-A445-0C87EB9F89A2}">
+                  <ask:lineSketchStyleProps xmlns:ask="http://schemas.microsoft.com/office/drawing/2018/sketchyshapes" sd="1182775656">
+                    <a:prstGeom prst="flowChartMerge">
+                      <a:avLst/>
+                    </a:prstGeom>
+                    <ask:type>
+                      <ask:lineSketchFreehand/>
+                    </ask:type>
+                  </ask:lineSketchStyleProps>
+                </a:ext>
+              </a:extLst>
+            </a:ln>
+          </p:spPr>
+          <p:style>
+            <a:lnRef idx="2">
+              <a:schemeClr val="accent1">
+                <a:shade val="50000"/>
+              </a:schemeClr>
+            </a:lnRef>
+            <a:fillRef idx="1">
+              <a:schemeClr val="accent1"/>
+            </a:fillRef>
+            <a:effectRef idx="0">
+              <a:schemeClr val="accent1"/>
+            </a:effectRef>
+            <a:fontRef idx="minor">
+              <a:schemeClr val="lt1"/>
+            </a:fontRef>
+          </p:style>
+          <p:txBody>
+            <a:bodyPr rtlCol="0" anchor="ctr"/>
+            <a:lstStyle/>
+            <a:p>
+              <a:pPr algn="ctr"/>
+              <a:endParaRPr lang="en-US" dirty="0"/>
+            </a:p>
+          </p:txBody>
+        </p:sp>
+      </p:grpSp>
+      <p:sp>
+        <p:nvSpPr>
+          <p:cNvPr id="139" name="Rectangle 138">
+            <a:extLst>
+              <a:ext uri="{FF2B5EF4-FFF2-40B4-BE49-F238E27FC236}">
+                <a16:creationId xmlns:a16="http://schemas.microsoft.com/office/drawing/2014/main" id="{F32BEF0D-D9FE-5444-B16D-E48342B1BBC1}"/>
+              </a:ext>
+            </a:extLst>
+          </p:cNvPr>
+          <p:cNvSpPr/>
+          <p:nvPr/>
+        </p:nvSpPr>
+        <p:spPr>
+          <a:xfrm>
+            <a:off x="11374270" y="3470600"/>
+            <a:ext cx="598241" cy="369332"/>
+          </a:xfrm>
+          <a:prstGeom prst="rect">
+            <a:avLst/>
+          </a:prstGeom>
+        </p:spPr>
+        <p:txBody>
+          <a:bodyPr wrap="none">
+            <a:spAutoFit/>
+          </a:bodyPr>
+          <a:lstStyle/>
+          <a:p>
+            <a:pPr algn="ctr"/>
+            <a:r>
+              <a:rPr lang="en-US" sz="900" dirty="0">
+                <a:solidFill>
+                  <a:schemeClr val="tx1">
+                    <a:lumMod val="50000"/>
+                  </a:schemeClr>
+                </a:solidFill>
+                <a:latin typeface="Menlo" panose="020B0609030804020204" pitchFamily="49" charset="0"/>
+              </a:rPr>
+              <a:t>Assign</a:t>
+            </a:r>
+            <a:br>
+              <a:rPr lang="en-US" sz="900" dirty="0">
+                <a:solidFill>
+                  <a:schemeClr val="tx1">
+                    <a:lumMod val="50000"/>
+                  </a:schemeClr>
+                </a:solidFill>
+                <a:latin typeface="Menlo" panose="020B0609030804020204" pitchFamily="49" charset="0"/>
+              </a:rPr>
+            </a:br>
+            <a:r>
+              <a:rPr lang="en-US" sz="900" dirty="0">
+                <a:solidFill>
+                  <a:schemeClr val="tx1">
+                    <a:lumMod val="50000"/>
+                  </a:schemeClr>
+                </a:solidFill>
+                <a:latin typeface="Menlo" panose="020B0609030804020204" pitchFamily="49" charset="0"/>
+              </a:rPr>
+              <a:t>Voyage</a:t>
+            </a:r>
+            <a:endParaRPr lang="en-US" sz="900" b="0" dirty="0">
+              <a:solidFill>
+                <a:schemeClr val="tx1">
+                  <a:lumMod val="50000"/>
+                </a:schemeClr>
+              </a:solidFill>
+              <a:effectLst/>
+              <a:latin typeface="Menlo" panose="020B0609030804020204" pitchFamily="49" charset="0"/>
+            </a:endParaRPr>
+          </a:p>
+        </p:txBody>
+      </p:sp>
+      <p:sp>
+        <p:nvSpPr>
+          <p:cNvPr id="140" name="Rounded Rectangle 139">
+            <a:extLst>
+              <a:ext uri="{FF2B5EF4-FFF2-40B4-BE49-F238E27FC236}">
+                <a16:creationId xmlns:a16="http://schemas.microsoft.com/office/drawing/2014/main" id="{46C55B48-119D-E641-96BB-A2A71048BA8D}"/>
+              </a:ext>
+            </a:extLst>
+          </p:cNvPr>
+          <p:cNvSpPr/>
+          <p:nvPr/>
+        </p:nvSpPr>
+        <p:spPr>
+          <a:xfrm>
+            <a:off x="11201150" y="3123472"/>
+            <a:ext cx="173120" cy="1007422"/>
+          </a:xfrm>
+          <a:custGeom>
+            <a:avLst/>
+            <a:gdLst>
+              <a:gd name="connsiteX0" fmla="*/ 0 w 173120"/>
+              <a:gd name="connsiteY0" fmla="*/ 28854 h 1007422"/>
+              <a:gd name="connsiteX1" fmla="*/ 28854 w 173120"/>
+              <a:gd name="connsiteY1" fmla="*/ 0 h 1007422"/>
+              <a:gd name="connsiteX2" fmla="*/ 144266 w 173120"/>
+              <a:gd name="connsiteY2" fmla="*/ 0 h 1007422"/>
+              <a:gd name="connsiteX3" fmla="*/ 173120 w 173120"/>
+              <a:gd name="connsiteY3" fmla="*/ 28854 h 1007422"/>
+              <a:gd name="connsiteX4" fmla="*/ 173120 w 173120"/>
+              <a:gd name="connsiteY4" fmla="*/ 503711 h 1007422"/>
+              <a:gd name="connsiteX5" fmla="*/ 173120 w 173120"/>
+              <a:gd name="connsiteY5" fmla="*/ 978568 h 1007422"/>
+              <a:gd name="connsiteX6" fmla="*/ 144266 w 173120"/>
+              <a:gd name="connsiteY6" fmla="*/ 1007422 h 1007422"/>
+              <a:gd name="connsiteX7" fmla="*/ 28854 w 173120"/>
+              <a:gd name="connsiteY7" fmla="*/ 1007422 h 1007422"/>
+              <a:gd name="connsiteX8" fmla="*/ 0 w 173120"/>
+              <a:gd name="connsiteY8" fmla="*/ 978568 h 1007422"/>
+              <a:gd name="connsiteX9" fmla="*/ 0 w 173120"/>
+              <a:gd name="connsiteY9" fmla="*/ 532202 h 1007422"/>
+              <a:gd name="connsiteX10" fmla="*/ 0 w 173120"/>
+              <a:gd name="connsiteY10" fmla="*/ 28854 h 1007422"/>
+            </a:gdLst>
+            <a:ahLst/>
+            <a:cxnLst>
+              <a:cxn ang="0">
+                <a:pos x="connsiteX0" y="connsiteY0"/>
+              </a:cxn>
+              <a:cxn ang="0">
+                <a:pos x="connsiteX1" y="connsiteY1"/>
+              </a:cxn>
+              <a:cxn ang="0">
+                <a:pos x="connsiteX2" y="connsiteY2"/>
+              </a:cxn>
+              <a:cxn ang="0">
+                <a:pos x="connsiteX3" y="connsiteY3"/>
+              </a:cxn>
+              <a:cxn ang="0">
+                <a:pos x="connsiteX4" y="connsiteY4"/>
+              </a:cxn>
+              <a:cxn ang="0">
+                <a:pos x="connsiteX5" y="connsiteY5"/>
+              </a:cxn>
+              <a:cxn ang="0">
+                <a:pos x="connsiteX6" y="connsiteY6"/>
+              </a:cxn>
+              <a:cxn ang="0">
+                <a:pos x="connsiteX7" y="connsiteY7"/>
+              </a:cxn>
+              <a:cxn ang="0">
+                <a:pos x="connsiteX8" y="connsiteY8"/>
+              </a:cxn>
+              <a:cxn ang="0">
+                <a:pos x="connsiteX9" y="connsiteY9"/>
+              </a:cxn>
+              <a:cxn ang="0">
+                <a:pos x="connsiteX10" y="connsiteY10"/>
+              </a:cxn>
+            </a:cxnLst>
+            <a:rect l="l" t="t" r="r" b="b"/>
+            <a:pathLst>
+              <a:path w="173120" h="1007422" fill="none" extrusionOk="0">
+                <a:moveTo>
+                  <a:pt x="0" y="28854"/>
+                </a:moveTo>
+                <a:cubicBezTo>
+                  <a:pt x="-1018" y="15757"/>
+                  <a:pt x="10480" y="-205"/>
+                  <a:pt x="28854" y="0"/>
+                </a:cubicBezTo>
+                <a:cubicBezTo>
+                  <a:pt x="69223" y="5271"/>
+                  <a:pt x="107187" y="2827"/>
+                  <a:pt x="144266" y="0"/>
+                </a:cubicBezTo>
+                <a:cubicBezTo>
+                  <a:pt x="158776" y="1974"/>
+                  <a:pt x="173855" y="12480"/>
+                  <a:pt x="173120" y="28854"/>
+                </a:cubicBezTo>
+                <a:cubicBezTo>
+                  <a:pt x="167759" y="167392"/>
+                  <a:pt x="171355" y="313661"/>
+                  <a:pt x="173120" y="503711"/>
+                </a:cubicBezTo>
+                <a:cubicBezTo>
+                  <a:pt x="174885" y="693761"/>
+                  <a:pt x="176344" y="855772"/>
+                  <a:pt x="173120" y="978568"/>
+                </a:cubicBezTo>
+                <a:cubicBezTo>
+                  <a:pt x="176683" y="994887"/>
+                  <a:pt x="159685" y="1007955"/>
+                  <a:pt x="144266" y="1007422"/>
+                </a:cubicBezTo>
+                <a:cubicBezTo>
+                  <a:pt x="116859" y="1003007"/>
+                  <a:pt x="67933" y="1007253"/>
+                  <a:pt x="28854" y="1007422"/>
+                </a:cubicBezTo>
+                <a:cubicBezTo>
+                  <a:pt x="12879" y="1009860"/>
+                  <a:pt x="23" y="998091"/>
+                  <a:pt x="0" y="978568"/>
+                </a:cubicBezTo>
+                <a:cubicBezTo>
+                  <a:pt x="21294" y="844937"/>
+                  <a:pt x="-6294" y="680140"/>
+                  <a:pt x="0" y="532202"/>
+                </a:cubicBezTo>
+                <a:cubicBezTo>
+                  <a:pt x="6294" y="384264"/>
+                  <a:pt x="9343" y="212727"/>
+                  <a:pt x="0" y="28854"/>
+                </a:cubicBezTo>
+                <a:close/>
+              </a:path>
+              <a:path w="173120" h="1007422" stroke="0" extrusionOk="0">
+                <a:moveTo>
+                  <a:pt x="0" y="28854"/>
+                </a:moveTo>
+                <a:cubicBezTo>
+                  <a:pt x="-2436" y="12633"/>
+                  <a:pt x="13120" y="1164"/>
+                  <a:pt x="28854" y="0"/>
+                </a:cubicBezTo>
+                <a:cubicBezTo>
+                  <a:pt x="71196" y="-401"/>
+                  <a:pt x="98497" y="699"/>
+                  <a:pt x="144266" y="0"/>
+                </a:cubicBezTo>
+                <a:cubicBezTo>
+                  <a:pt x="160780" y="-270"/>
+                  <a:pt x="174078" y="13083"/>
+                  <a:pt x="173120" y="28854"/>
+                </a:cubicBezTo>
+                <a:cubicBezTo>
+                  <a:pt x="183832" y="141004"/>
+                  <a:pt x="168104" y="356351"/>
+                  <a:pt x="173120" y="475220"/>
+                </a:cubicBezTo>
+                <a:cubicBezTo>
+                  <a:pt x="178136" y="594089"/>
+                  <a:pt x="163236" y="870535"/>
+                  <a:pt x="173120" y="978568"/>
+                </a:cubicBezTo>
+                <a:cubicBezTo>
+                  <a:pt x="174233" y="994274"/>
+                  <a:pt x="159188" y="1006918"/>
+                  <a:pt x="144266" y="1007422"/>
+                </a:cubicBezTo>
+                <a:cubicBezTo>
+                  <a:pt x="118373" y="1002401"/>
+                  <a:pt x="68008" y="1010099"/>
+                  <a:pt x="28854" y="1007422"/>
+                </a:cubicBezTo>
+                <a:cubicBezTo>
+                  <a:pt x="11427" y="1007852"/>
+                  <a:pt x="1616" y="991529"/>
+                  <a:pt x="0" y="978568"/>
+                </a:cubicBezTo>
+                <a:cubicBezTo>
+                  <a:pt x="872" y="807275"/>
+                  <a:pt x="7333" y="714185"/>
+                  <a:pt x="0" y="503711"/>
+                </a:cubicBezTo>
+                <a:cubicBezTo>
+                  <a:pt x="-7333" y="293237"/>
+                  <a:pt x="-12532" y="160945"/>
+                  <a:pt x="0" y="28854"/>
+                </a:cubicBezTo>
+                <a:close/>
+              </a:path>
+            </a:pathLst>
+          </a:custGeom>
+          <a:solidFill>
+            <a:schemeClr val="accent1">
+              <a:lumMod val="60000"/>
+              <a:lumOff val="40000"/>
+            </a:schemeClr>
+          </a:solidFill>
+          <a:ln>
+            <a:extLst>
+              <a:ext uri="{C807C97D-BFC1-408E-A445-0C87EB9F89A2}">
+                <ask:lineSketchStyleProps xmlns:ask="http://schemas.microsoft.com/office/drawing/2018/sketchyshapes" sd="157813634">
+                  <a:prstGeom prst="roundRect">
+                    <a:avLst/>
+                  </a:prstGeom>
+                  <ask:type>
+                    <ask:lineSketchFreehand/>
+                  </ask:type>
+                </ask:lineSketchStyleProps>
+              </a:ext>
+            </a:extLst>
+          </a:ln>
+        </p:spPr>
+        <p:style>
+          <a:lnRef idx="2">
+            <a:schemeClr val="accent1">
+              <a:shade val="50000"/>
+            </a:schemeClr>
+          </a:lnRef>
+          <a:fillRef idx="1">
+            <a:schemeClr val="accent1"/>
+          </a:fillRef>
+          <a:effectRef idx="0">
+            <a:schemeClr val="accent1"/>
+          </a:effectRef>
+          <a:fontRef idx="minor">
+            <a:schemeClr val="lt1"/>
+          </a:fontRef>
+        </p:style>
+        <p:txBody>
+          <a:bodyPr rtlCol="0" anchor="ctr"/>
+          <a:lstStyle/>
+          <a:p>
+            <a:pPr algn="ctr"/>
+            <a:endParaRPr lang="en-US" dirty="0"/>
+          </a:p>
+        </p:txBody>
+      </p:sp>
+      <p:sp>
+        <p:nvSpPr>
+          <p:cNvPr id="143" name="Rectangle 142">
+            <a:extLst>
+              <a:ext uri="{FF2B5EF4-FFF2-40B4-BE49-F238E27FC236}">
+                <a16:creationId xmlns:a16="http://schemas.microsoft.com/office/drawing/2014/main" id="{0CFAC514-229C-4940-82D2-28A277992D92}"/>
+              </a:ext>
+            </a:extLst>
+          </p:cNvPr>
+          <p:cNvSpPr/>
+          <p:nvPr/>
+        </p:nvSpPr>
+        <p:spPr>
+          <a:xfrm>
+            <a:off x="8750340" y="4024711"/>
+            <a:ext cx="1149674" cy="369332"/>
+          </a:xfrm>
+          <a:prstGeom prst="rect">
+            <a:avLst/>
+          </a:prstGeom>
+        </p:spPr>
+        <p:txBody>
+          <a:bodyPr wrap="none">
+            <a:spAutoFit/>
+          </a:bodyPr>
+          <a:lstStyle/>
+          <a:p>
+            <a:pPr algn="ctr"/>
+            <a:r>
+              <a:rPr lang="en-US" sz="900" dirty="0">
+                <a:solidFill>
+                  <a:schemeClr val="tx1">
+                    <a:lumMod val="50000"/>
+                  </a:schemeClr>
+                </a:solidFill>
+                <a:latin typeface="Menlo" panose="020B0609030804020204" pitchFamily="49" charset="0"/>
+              </a:rPr>
+              <a:t>VoyageAssigned</a:t>
+            </a:r>
+            <a:br>
+              <a:rPr lang="en-US" sz="900" dirty="0">
+                <a:solidFill>
+                  <a:schemeClr val="tx1">
+                    <a:lumMod val="50000"/>
+                  </a:schemeClr>
+                </a:solidFill>
+                <a:latin typeface="Menlo" panose="020B0609030804020204" pitchFamily="49" charset="0"/>
+              </a:rPr>
+            </a:br>
+            <a:r>
+              <a:rPr lang="en-US" sz="900" b="0" dirty="0">
+                <a:solidFill>
+                  <a:schemeClr val="tx1">
+                    <a:lumMod val="50000"/>
+                  </a:schemeClr>
+                </a:solidFill>
+                <a:effectLst/>
+                <a:latin typeface="Menlo" panose="020B0609030804020204" pitchFamily="49" charset="0"/>
+              </a:rPr>
+              <a:t>event</a:t>
+            </a:r>
+          </a:p>
+        </p:txBody>
+      </p:sp>
+      <p:cxnSp>
+        <p:nvCxnSpPr>
+          <p:cNvPr id="144" name="Straight Arrow Connector 143">
+            <a:extLst>
+              <a:ext uri="{FF2B5EF4-FFF2-40B4-BE49-F238E27FC236}">
+                <a16:creationId xmlns:a16="http://schemas.microsoft.com/office/drawing/2014/main" id="{960D96AE-7311-2644-B146-8ACD4663A212}"/>
+              </a:ext>
+            </a:extLst>
+          </p:cNvPr>
+          <p:cNvCxnSpPr>
+            <a:cxnSpLocks/>
+          </p:cNvCxnSpPr>
+          <p:nvPr/>
+        </p:nvCxnSpPr>
+        <p:spPr>
+          <a:xfrm>
+            <a:off x="5012358" y="4181307"/>
+            <a:ext cx="6265243" cy="28070"/>
+          </a:xfrm>
+          <a:prstGeom prst="straightConnector1">
+            <a:avLst/>
+          </a:prstGeom>
+          <a:ln>
+            <a:headEnd type="triangle"/>
+            <a:tailEnd type="none"/>
+          </a:ln>
+        </p:spPr>
+        <p:style>
+          <a:lnRef idx="1">
+            <a:schemeClr val="accent1"/>
+          </a:lnRef>
+          <a:fillRef idx="0">
+            <a:schemeClr val="accent1"/>
+          </a:fillRef>
+          <a:effectRef idx="0">
+            <a:schemeClr val="accent1"/>
+          </a:effectRef>
+          <a:fontRef idx="minor">
+            <a:schemeClr val="tx1"/>
+          </a:fontRef>
+        </p:style>
+      </p:cxnSp>
+      <p:grpSp>
+        <p:nvGrpSpPr>
+          <p:cNvPr id="145" name="Group 144">
+            <a:extLst>
+              <a:ext uri="{FF2B5EF4-FFF2-40B4-BE49-F238E27FC236}">
+                <a16:creationId xmlns:a16="http://schemas.microsoft.com/office/drawing/2014/main" id="{BC2514C0-30FE-BB40-9943-2A294FB6B766}"/>
+              </a:ext>
+            </a:extLst>
+          </p:cNvPr>
+          <p:cNvGrpSpPr/>
+          <p:nvPr/>
+        </p:nvGrpSpPr>
+        <p:grpSpPr>
+          <a:xfrm>
+            <a:off x="4533073" y="4155733"/>
+            <a:ext cx="433615" cy="288669"/>
+            <a:chOff x="7970108" y="5423680"/>
+            <a:chExt cx="1878227" cy="1100688"/>
+          </a:xfrm>
+        </p:grpSpPr>
+        <p:sp>
+          <p:nvSpPr>
+            <p:cNvPr id="146" name="Process 145">
+              <a:extLst>
+                <a:ext uri="{FF2B5EF4-FFF2-40B4-BE49-F238E27FC236}">
+                  <a16:creationId xmlns:a16="http://schemas.microsoft.com/office/drawing/2014/main" id="{A011B278-86E3-3E44-9F28-5D8546684822}"/>
+                </a:ext>
+              </a:extLst>
+            </p:cNvPr>
+            <p:cNvSpPr/>
+            <p:nvPr/>
+          </p:nvSpPr>
+          <p:spPr>
+            <a:xfrm>
+              <a:off x="7970108" y="5424731"/>
+              <a:ext cx="1878227" cy="1099637"/>
+            </a:xfrm>
+            <a:custGeom>
+              <a:avLst/>
+              <a:gdLst>
+                <a:gd name="connsiteX0" fmla="*/ 0 w 1878227"/>
+                <a:gd name="connsiteY0" fmla="*/ 0 h 1099637"/>
+                <a:gd name="connsiteX1" fmla="*/ 644858 w 1878227"/>
+                <a:gd name="connsiteY1" fmla="*/ 0 h 1099637"/>
+                <a:gd name="connsiteX2" fmla="*/ 1289716 w 1878227"/>
+                <a:gd name="connsiteY2" fmla="*/ 0 h 1099637"/>
+                <a:gd name="connsiteX3" fmla="*/ 1878227 w 1878227"/>
+                <a:gd name="connsiteY3" fmla="*/ 0 h 1099637"/>
+                <a:gd name="connsiteX4" fmla="*/ 1878227 w 1878227"/>
+                <a:gd name="connsiteY4" fmla="*/ 549819 h 1099637"/>
+                <a:gd name="connsiteX5" fmla="*/ 1878227 w 1878227"/>
+                <a:gd name="connsiteY5" fmla="*/ 1099637 h 1099637"/>
+                <a:gd name="connsiteX6" fmla="*/ 1308498 w 1878227"/>
+                <a:gd name="connsiteY6" fmla="*/ 1099637 h 1099637"/>
+                <a:gd name="connsiteX7" fmla="*/ 719987 w 1878227"/>
+                <a:gd name="connsiteY7" fmla="*/ 1099637 h 1099637"/>
+                <a:gd name="connsiteX8" fmla="*/ 0 w 1878227"/>
+                <a:gd name="connsiteY8" fmla="*/ 1099637 h 1099637"/>
+                <a:gd name="connsiteX9" fmla="*/ 0 w 1878227"/>
+                <a:gd name="connsiteY9" fmla="*/ 582808 h 1099637"/>
+                <a:gd name="connsiteX10" fmla="*/ 0 w 1878227"/>
+                <a:gd name="connsiteY10" fmla="*/ 0 h 1099637"/>
+              </a:gdLst>
+              <a:ahLst/>
+              <a:cxnLst>
+                <a:cxn ang="0">
+                  <a:pos x="connsiteX0" y="connsiteY0"/>
+                </a:cxn>
+                <a:cxn ang="0">
+                  <a:pos x="connsiteX1" y="connsiteY1"/>
+                </a:cxn>
+                <a:cxn ang="0">
+                  <a:pos x="connsiteX2" y="connsiteY2"/>
+                </a:cxn>
+                <a:cxn ang="0">
+                  <a:pos x="connsiteX3" y="connsiteY3"/>
+                </a:cxn>
+                <a:cxn ang="0">
+                  <a:pos x="connsiteX4" y="connsiteY4"/>
+                </a:cxn>
+                <a:cxn ang="0">
+                  <a:pos x="connsiteX5" y="connsiteY5"/>
+                </a:cxn>
+                <a:cxn ang="0">
+                  <a:pos x="connsiteX6" y="connsiteY6"/>
+                </a:cxn>
+                <a:cxn ang="0">
+                  <a:pos x="connsiteX7" y="connsiteY7"/>
+                </a:cxn>
+                <a:cxn ang="0">
+                  <a:pos x="connsiteX8" y="connsiteY8"/>
+                </a:cxn>
+                <a:cxn ang="0">
+                  <a:pos x="connsiteX9" y="connsiteY9"/>
+                </a:cxn>
+                <a:cxn ang="0">
+                  <a:pos x="connsiteX10" y="connsiteY10"/>
+                </a:cxn>
+              </a:cxnLst>
+              <a:rect l="l" t="t" r="r" b="b"/>
+              <a:pathLst>
+                <a:path w="1878227" h="1099637" fill="none" extrusionOk="0">
+                  <a:moveTo>
+                    <a:pt x="0" y="0"/>
+                  </a:moveTo>
+                  <a:cubicBezTo>
+                    <a:pt x="207791" y="-3202"/>
+                    <a:pt x="449320" y="20849"/>
+                    <a:pt x="644858" y="0"/>
+                  </a:cubicBezTo>
+                  <a:cubicBezTo>
+                    <a:pt x="840396" y="-20849"/>
+                    <a:pt x="1043228" y="22455"/>
+                    <a:pt x="1289716" y="0"/>
+                  </a:cubicBezTo>
+                  <a:cubicBezTo>
+                    <a:pt x="1536204" y="-22455"/>
+                    <a:pt x="1626757" y="-14245"/>
+                    <a:pt x="1878227" y="0"/>
+                  </a:cubicBezTo>
+                  <a:cubicBezTo>
+                    <a:pt x="1903931" y="194696"/>
+                    <a:pt x="1884269" y="390299"/>
+                    <a:pt x="1878227" y="549819"/>
+                  </a:cubicBezTo>
+                  <a:cubicBezTo>
+                    <a:pt x="1872185" y="709339"/>
+                    <a:pt x="1868856" y="982552"/>
+                    <a:pt x="1878227" y="1099637"/>
+                  </a:cubicBezTo>
+                  <a:cubicBezTo>
+                    <a:pt x="1663617" y="1109173"/>
+                    <a:pt x="1588766" y="1101489"/>
+                    <a:pt x="1308498" y="1099637"/>
+                  </a:cubicBezTo>
+                  <a:cubicBezTo>
+                    <a:pt x="1028230" y="1097785"/>
+                    <a:pt x="967659" y="1114375"/>
+                    <a:pt x="719987" y="1099637"/>
+                  </a:cubicBezTo>
+                  <a:cubicBezTo>
+                    <a:pt x="472315" y="1084899"/>
+                    <a:pt x="250596" y="1112211"/>
+                    <a:pt x="0" y="1099637"/>
+                  </a:cubicBezTo>
+                  <a:cubicBezTo>
+                    <a:pt x="17138" y="875795"/>
+                    <a:pt x="23654" y="690694"/>
+                    <a:pt x="0" y="582808"/>
+                  </a:cubicBezTo>
+                  <a:cubicBezTo>
+                    <a:pt x="-23654" y="474922"/>
+                    <a:pt x="-28674" y="234532"/>
+                    <a:pt x="0" y="0"/>
+                  </a:cubicBezTo>
+                  <a:close/>
+                </a:path>
+                <a:path w="1878227" h="1099637" stroke="0" extrusionOk="0">
+                  <a:moveTo>
+                    <a:pt x="0" y="0"/>
+                  </a:moveTo>
+                  <a:cubicBezTo>
+                    <a:pt x="205619" y="-14069"/>
+                    <a:pt x="353850" y="-22981"/>
+                    <a:pt x="588511" y="0"/>
+                  </a:cubicBezTo>
+                  <a:cubicBezTo>
+                    <a:pt x="823172" y="22981"/>
+                    <a:pt x="903881" y="-16151"/>
+                    <a:pt x="1158240" y="0"/>
+                  </a:cubicBezTo>
+                  <a:cubicBezTo>
+                    <a:pt x="1412599" y="16151"/>
+                    <a:pt x="1675053" y="15805"/>
+                    <a:pt x="1878227" y="0"/>
+                  </a:cubicBezTo>
+                  <a:cubicBezTo>
+                    <a:pt x="1891064" y="132431"/>
+                    <a:pt x="1877567" y="346581"/>
+                    <a:pt x="1878227" y="527826"/>
+                  </a:cubicBezTo>
+                  <a:cubicBezTo>
+                    <a:pt x="1878887" y="709071"/>
+                    <a:pt x="1859920" y="887733"/>
+                    <a:pt x="1878227" y="1099637"/>
+                  </a:cubicBezTo>
+                  <a:cubicBezTo>
+                    <a:pt x="1686863" y="1122792"/>
+                    <a:pt x="1541189" y="1105026"/>
+                    <a:pt x="1233369" y="1099637"/>
+                  </a:cubicBezTo>
+                  <a:cubicBezTo>
+                    <a:pt x="925549" y="1094248"/>
+                    <a:pt x="872526" y="1096231"/>
+                    <a:pt x="607293" y="1099637"/>
+                  </a:cubicBezTo>
+                  <a:cubicBezTo>
+                    <a:pt x="342060" y="1103043"/>
+                    <a:pt x="272071" y="1128535"/>
+                    <a:pt x="0" y="1099637"/>
+                  </a:cubicBezTo>
+                  <a:cubicBezTo>
+                    <a:pt x="2977" y="949703"/>
+                    <a:pt x="-15090" y="660822"/>
+                    <a:pt x="0" y="538822"/>
+                  </a:cubicBezTo>
+                  <a:cubicBezTo>
+                    <a:pt x="15090" y="416822"/>
+                    <a:pt x="-19118" y="258618"/>
+                    <a:pt x="0" y="0"/>
+                  </a:cubicBezTo>
+                  <a:close/>
+                </a:path>
+              </a:pathLst>
+            </a:custGeom>
+            <a:solidFill>
+              <a:schemeClr val="accent1">
+                <a:lumMod val="60000"/>
+                <a:lumOff val="40000"/>
+              </a:schemeClr>
+            </a:solidFill>
+            <a:ln>
+              <a:extLst>
+                <a:ext uri="{C807C97D-BFC1-408E-A445-0C87EB9F89A2}">
+                  <ask:lineSketchStyleProps xmlns:ask="http://schemas.microsoft.com/office/drawing/2018/sketchyshapes" sd="1415987959">
+                    <a:prstGeom prst="flowChartProcess">
+                      <a:avLst/>
+                    </a:prstGeom>
+                    <ask:type>
+                      <ask:lineSketchFreehand/>
+                    </ask:type>
+                  </ask:lineSketchStyleProps>
+                </a:ext>
+              </a:extLst>
+            </a:ln>
+          </p:spPr>
+          <p:style>
+            <a:lnRef idx="2">
+              <a:schemeClr val="accent1">
+                <a:shade val="50000"/>
+              </a:schemeClr>
+            </a:lnRef>
+            <a:fillRef idx="1">
+              <a:schemeClr val="accent1"/>
+            </a:fillRef>
+            <a:effectRef idx="0">
+              <a:schemeClr val="accent1"/>
+            </a:effectRef>
+            <a:fontRef idx="minor">
+              <a:schemeClr val="lt1"/>
+            </a:fontRef>
+          </p:style>
+          <p:txBody>
+            <a:bodyPr rtlCol="0" anchor="ctr"/>
+            <a:lstStyle/>
+            <a:p>
+              <a:pPr algn="ctr"/>
+              <a:endParaRPr lang="en-US" dirty="0"/>
+            </a:p>
+          </p:txBody>
+        </p:sp>
+        <p:sp>
+          <p:nvSpPr>
+            <p:cNvPr id="147" name="Merge 146">
+              <a:extLst>
+                <a:ext uri="{FF2B5EF4-FFF2-40B4-BE49-F238E27FC236}">
+                  <a16:creationId xmlns:a16="http://schemas.microsoft.com/office/drawing/2014/main" id="{0D2E6372-4B5D-524A-A244-1AEC267E8BA5}"/>
+                </a:ext>
+              </a:extLst>
+            </p:cNvPr>
+            <p:cNvSpPr/>
+            <p:nvPr/>
+          </p:nvSpPr>
+          <p:spPr>
+            <a:xfrm>
+              <a:off x="7970108" y="5423680"/>
+              <a:ext cx="1876003" cy="673922"/>
+            </a:xfrm>
+            <a:custGeom>
+              <a:avLst/>
+              <a:gdLst>
+                <a:gd name="connsiteX0" fmla="*/ 0 w 1876003"/>
+                <a:gd name="connsiteY0" fmla="*/ 0 h 673922"/>
+                <a:gd name="connsiteX1" fmla="*/ 625334 w 1876003"/>
+                <a:gd name="connsiteY1" fmla="*/ 0 h 673922"/>
+                <a:gd name="connsiteX2" fmla="*/ 1231909 w 1876003"/>
+                <a:gd name="connsiteY2" fmla="*/ 0 h 673922"/>
+                <a:gd name="connsiteX3" fmla="*/ 1876003 w 1876003"/>
+                <a:gd name="connsiteY3" fmla="*/ 0 h 673922"/>
+                <a:gd name="connsiteX4" fmla="*/ 1397622 w 1876003"/>
+                <a:gd name="connsiteY4" fmla="*/ 343700 h 673922"/>
+                <a:gd name="connsiteX5" fmla="*/ 938001 w 1876003"/>
+                <a:gd name="connsiteY5" fmla="*/ 673922 h 673922"/>
+                <a:gd name="connsiteX6" fmla="*/ 459620 w 1876003"/>
+                <a:gd name="connsiteY6" fmla="*/ 330222 h 673922"/>
+                <a:gd name="connsiteX7" fmla="*/ 0 w 1876003"/>
+                <a:gd name="connsiteY7" fmla="*/ 0 h 673922"/>
+              </a:gdLst>
+              <a:ahLst/>
+              <a:cxnLst>
+                <a:cxn ang="0">
+                  <a:pos x="connsiteX0" y="connsiteY0"/>
+                </a:cxn>
+                <a:cxn ang="0">
+                  <a:pos x="connsiteX1" y="connsiteY1"/>
+                </a:cxn>
+                <a:cxn ang="0">
+                  <a:pos x="connsiteX2" y="connsiteY2"/>
+                </a:cxn>
+                <a:cxn ang="0">
+                  <a:pos x="connsiteX3" y="connsiteY3"/>
+                </a:cxn>
+                <a:cxn ang="0">
+                  <a:pos x="connsiteX4" y="connsiteY4"/>
+                </a:cxn>
+                <a:cxn ang="0">
+                  <a:pos x="connsiteX5" y="connsiteY5"/>
+                </a:cxn>
+                <a:cxn ang="0">
+                  <a:pos x="connsiteX6" y="connsiteY6"/>
+                </a:cxn>
+                <a:cxn ang="0">
+                  <a:pos x="connsiteX7" y="connsiteY7"/>
+                </a:cxn>
+              </a:cxnLst>
+              <a:rect l="l" t="t" r="r" b="b"/>
+              <a:pathLst>
+                <a:path w="1876003" h="673922" fill="none" extrusionOk="0">
+                  <a:moveTo>
+                    <a:pt x="0" y="0"/>
+                  </a:moveTo>
+                  <a:cubicBezTo>
+                    <a:pt x="126266" y="-11500"/>
+                    <a:pt x="433065" y="-28000"/>
+                    <a:pt x="625334" y="0"/>
+                  </a:cubicBezTo>
+                  <a:cubicBezTo>
+                    <a:pt x="817603" y="28000"/>
+                    <a:pt x="970046" y="196"/>
+                    <a:pt x="1231909" y="0"/>
+                  </a:cubicBezTo>
+                  <a:cubicBezTo>
+                    <a:pt x="1493772" y="-196"/>
+                    <a:pt x="1657693" y="19307"/>
+                    <a:pt x="1876003" y="0"/>
+                  </a:cubicBezTo>
+                  <a:cubicBezTo>
+                    <a:pt x="1689508" y="123057"/>
+                    <a:pt x="1633947" y="197971"/>
+                    <a:pt x="1397622" y="343700"/>
+                  </a:cubicBezTo>
+                  <a:cubicBezTo>
+                    <a:pt x="1161297" y="489429"/>
+                    <a:pt x="1080124" y="598492"/>
+                    <a:pt x="938001" y="673922"/>
+                  </a:cubicBezTo>
+                  <a:cubicBezTo>
+                    <a:pt x="767009" y="530179"/>
+                    <a:pt x="647179" y="458018"/>
+                    <a:pt x="459620" y="330222"/>
+                  </a:cubicBezTo>
+                  <a:cubicBezTo>
+                    <a:pt x="272061" y="202426"/>
+                    <a:pt x="160226" y="113183"/>
+                    <a:pt x="0" y="0"/>
+                  </a:cubicBezTo>
+                  <a:close/>
+                </a:path>
+                <a:path w="1876003" h="673922" stroke="0" extrusionOk="0">
+                  <a:moveTo>
+                    <a:pt x="0" y="0"/>
+                  </a:moveTo>
+                  <a:cubicBezTo>
+                    <a:pt x="275686" y="8919"/>
+                    <a:pt x="452956" y="15438"/>
+                    <a:pt x="625334" y="0"/>
+                  </a:cubicBezTo>
+                  <a:cubicBezTo>
+                    <a:pt x="797712" y="-15438"/>
+                    <a:pt x="996315" y="1378"/>
+                    <a:pt x="1213149" y="0"/>
+                  </a:cubicBezTo>
+                  <a:cubicBezTo>
+                    <a:pt x="1429984" y="-1378"/>
+                    <a:pt x="1656602" y="611"/>
+                    <a:pt x="1876003" y="0"/>
+                  </a:cubicBezTo>
+                  <a:cubicBezTo>
+                    <a:pt x="1687030" y="133105"/>
+                    <a:pt x="1605978" y="176203"/>
+                    <a:pt x="1425762" y="323483"/>
+                  </a:cubicBezTo>
+                  <a:cubicBezTo>
+                    <a:pt x="1245546" y="470762"/>
+                    <a:pt x="1040751" y="595710"/>
+                    <a:pt x="938001" y="673922"/>
+                  </a:cubicBezTo>
+                  <a:cubicBezTo>
+                    <a:pt x="723628" y="517228"/>
+                    <a:pt x="669825" y="477784"/>
+                    <a:pt x="478381" y="343700"/>
+                  </a:cubicBezTo>
+                  <a:cubicBezTo>
+                    <a:pt x="286936" y="209616"/>
+                    <a:pt x="151426" y="87416"/>
+                    <a:pt x="0" y="0"/>
+                  </a:cubicBezTo>
+                  <a:close/>
+                </a:path>
+              </a:pathLst>
+            </a:custGeom>
+            <a:solidFill>
+              <a:schemeClr val="accent1">
+                <a:lumMod val="40000"/>
+                <a:lumOff val="60000"/>
+              </a:schemeClr>
+            </a:solidFill>
+            <a:ln>
+              <a:extLst>
+                <a:ext uri="{C807C97D-BFC1-408E-A445-0C87EB9F89A2}">
+                  <ask:lineSketchStyleProps xmlns:ask="http://schemas.microsoft.com/office/drawing/2018/sketchyshapes" sd="3968420687">
+                    <a:prstGeom prst="flowChartMerge">
+                      <a:avLst/>
+                    </a:prstGeom>
+                    <ask:type>
+                      <ask:lineSketchFreehand/>
+                    </ask:type>
+                  </ask:lineSketchStyleProps>
+                </a:ext>
+              </a:extLst>
+            </a:ln>
+          </p:spPr>
+          <p:style>
+            <a:lnRef idx="2">
+              <a:schemeClr val="accent1">
+                <a:shade val="50000"/>
+              </a:schemeClr>
+            </a:lnRef>
+            <a:fillRef idx="1">
+              <a:schemeClr val="accent1"/>
+            </a:fillRef>
+            <a:effectRef idx="0">
+              <a:schemeClr val="accent1"/>
+            </a:effectRef>
+            <a:fontRef idx="minor">
+              <a:schemeClr val="lt1"/>
+            </a:fontRef>
+          </p:style>
+          <p:txBody>
+            <a:bodyPr rtlCol="0" anchor="ctr"/>
+            <a:lstStyle/>
+            <a:p>
+              <a:pPr algn="ctr"/>
+              <a:endParaRPr lang="en-US" dirty="0"/>
+            </a:p>
+          </p:txBody>
+        </p:sp>
+      </p:grpSp>
+      <p:cxnSp>
+        <p:nvCxnSpPr>
+          <p:cNvPr id="154" name="Straight Arrow Connector 153">
+            <a:extLst>
+              <a:ext uri="{FF2B5EF4-FFF2-40B4-BE49-F238E27FC236}">
+                <a16:creationId xmlns:a16="http://schemas.microsoft.com/office/drawing/2014/main" id="{E0423B37-4733-1448-8316-682F95672219}"/>
+              </a:ext>
+            </a:extLst>
+          </p:cNvPr>
+          <p:cNvCxnSpPr>
+            <a:cxnSpLocks/>
+          </p:cNvCxnSpPr>
+          <p:nvPr/>
+        </p:nvCxnSpPr>
+        <p:spPr>
+          <a:xfrm flipH="1">
+            <a:off x="5012358" y="4444402"/>
+            <a:ext cx="2400859" cy="0"/>
+          </a:xfrm>
+          <a:prstGeom prst="straightConnector1">
+            <a:avLst/>
+          </a:prstGeom>
+          <a:ln>
+            <a:headEnd type="triangle"/>
+            <a:tailEnd type="none"/>
+          </a:ln>
+        </p:spPr>
+        <p:style>
+          <a:lnRef idx="1">
+            <a:schemeClr val="accent1"/>
+          </a:lnRef>
+          <a:fillRef idx="0">
+            <a:schemeClr val="accent1"/>
+          </a:fillRef>
+          <a:effectRef idx="0">
+            <a:schemeClr val="accent1"/>
+          </a:effectRef>
+          <a:fontRef idx="minor">
+            <a:schemeClr val="tx1"/>
+          </a:fontRef>
+        </p:style>
+      </p:cxnSp>
+      <p:sp>
+        <p:nvSpPr>
+          <p:cNvPr id="158" name="Rectangle 157">
+            <a:extLst>
+              <a:ext uri="{FF2B5EF4-FFF2-40B4-BE49-F238E27FC236}">
+                <a16:creationId xmlns:a16="http://schemas.microsoft.com/office/drawing/2014/main" id="{33651F68-5472-2349-A3ED-30EB29F42B46}"/>
+              </a:ext>
+            </a:extLst>
+          </p:cNvPr>
+          <p:cNvSpPr/>
+          <p:nvPr/>
+        </p:nvSpPr>
+        <p:spPr>
+          <a:xfrm>
+            <a:off x="7633895" y="5278074"/>
+            <a:ext cx="598241" cy="369332"/>
+          </a:xfrm>
+          <a:prstGeom prst="rect">
+            <a:avLst/>
+          </a:prstGeom>
+        </p:spPr>
+        <p:txBody>
+          <a:bodyPr wrap="none">
+            <a:spAutoFit/>
+          </a:bodyPr>
+          <a:lstStyle/>
+          <a:p>
+            <a:pPr algn="ctr"/>
+            <a:r>
+              <a:rPr lang="en-US" sz="900" dirty="0">
+                <a:solidFill>
+                  <a:schemeClr val="tx1">
+                    <a:lumMod val="50000"/>
+                  </a:schemeClr>
+                </a:solidFill>
+                <a:latin typeface="Menlo" panose="020B0609030804020204" pitchFamily="49" charset="0"/>
+              </a:rPr>
+              <a:t>Assign</a:t>
+            </a:r>
+            <a:br>
+              <a:rPr lang="en-US" sz="900" dirty="0">
+                <a:solidFill>
+                  <a:schemeClr val="tx1">
+                    <a:lumMod val="50000"/>
+                  </a:schemeClr>
+                </a:solidFill>
+                <a:latin typeface="Menlo" panose="020B0609030804020204" pitchFamily="49" charset="0"/>
+              </a:rPr>
+            </a:br>
+            <a:r>
+              <a:rPr lang="en-US" sz="900" dirty="0">
+                <a:solidFill>
+                  <a:schemeClr val="tx1">
+                    <a:lumMod val="50000"/>
+                  </a:schemeClr>
+                </a:solidFill>
+                <a:latin typeface="Menlo" panose="020B0609030804020204" pitchFamily="49" charset="0"/>
+              </a:rPr>
+              <a:t>Order</a:t>
+            </a:r>
+            <a:endParaRPr lang="en-US" sz="900" b="0" dirty="0">
+              <a:solidFill>
+                <a:schemeClr val="tx1">
+                  <a:lumMod val="50000"/>
+                </a:schemeClr>
+              </a:solidFill>
+              <a:effectLst/>
+              <a:latin typeface="Menlo" panose="020B0609030804020204" pitchFamily="49" charset="0"/>
+            </a:endParaRPr>
+          </a:p>
+        </p:txBody>
+      </p:sp>
+      <p:sp>
+        <p:nvSpPr>
+          <p:cNvPr id="159" name="Rounded Rectangle 158">
+            <a:extLst>
+              <a:ext uri="{FF2B5EF4-FFF2-40B4-BE49-F238E27FC236}">
+                <a16:creationId xmlns:a16="http://schemas.microsoft.com/office/drawing/2014/main" id="{603E2AAE-616F-5F4C-907E-BCEEEFD79F2F}"/>
+              </a:ext>
+            </a:extLst>
+          </p:cNvPr>
+          <p:cNvSpPr/>
+          <p:nvPr/>
+        </p:nvSpPr>
+        <p:spPr>
+          <a:xfrm>
+            <a:off x="7438203" y="4402559"/>
+            <a:ext cx="151048" cy="1082442"/>
+          </a:xfrm>
+          <a:custGeom>
+            <a:avLst/>
+            <a:gdLst>
+              <a:gd name="connsiteX0" fmla="*/ 0 w 151048"/>
+              <a:gd name="connsiteY0" fmla="*/ 25175 h 1082442"/>
+              <a:gd name="connsiteX1" fmla="*/ 25175 w 151048"/>
+              <a:gd name="connsiteY1" fmla="*/ 0 h 1082442"/>
+              <a:gd name="connsiteX2" fmla="*/ 125873 w 151048"/>
+              <a:gd name="connsiteY2" fmla="*/ 0 h 1082442"/>
+              <a:gd name="connsiteX3" fmla="*/ 151048 w 151048"/>
+              <a:gd name="connsiteY3" fmla="*/ 25175 h 1082442"/>
+              <a:gd name="connsiteX4" fmla="*/ 151048 w 151048"/>
+              <a:gd name="connsiteY4" fmla="*/ 510258 h 1082442"/>
+              <a:gd name="connsiteX5" fmla="*/ 151048 w 151048"/>
+              <a:gd name="connsiteY5" fmla="*/ 1057267 h 1082442"/>
+              <a:gd name="connsiteX6" fmla="*/ 125873 w 151048"/>
+              <a:gd name="connsiteY6" fmla="*/ 1082442 h 1082442"/>
+              <a:gd name="connsiteX7" fmla="*/ 25175 w 151048"/>
+              <a:gd name="connsiteY7" fmla="*/ 1082442 h 1082442"/>
+              <a:gd name="connsiteX8" fmla="*/ 0 w 151048"/>
+              <a:gd name="connsiteY8" fmla="*/ 1057267 h 1082442"/>
+              <a:gd name="connsiteX9" fmla="*/ 0 w 151048"/>
+              <a:gd name="connsiteY9" fmla="*/ 520579 h 1082442"/>
+              <a:gd name="connsiteX10" fmla="*/ 0 w 151048"/>
+              <a:gd name="connsiteY10" fmla="*/ 25175 h 1082442"/>
+            </a:gdLst>
+            <a:ahLst/>
+            <a:cxnLst>
+              <a:cxn ang="0">
+                <a:pos x="connsiteX0" y="connsiteY0"/>
+              </a:cxn>
+              <a:cxn ang="0">
+                <a:pos x="connsiteX1" y="connsiteY1"/>
+              </a:cxn>
+              <a:cxn ang="0">
+                <a:pos x="connsiteX2" y="connsiteY2"/>
+              </a:cxn>
+              <a:cxn ang="0">
+                <a:pos x="connsiteX3" y="connsiteY3"/>
+              </a:cxn>
+              <a:cxn ang="0">
+                <a:pos x="connsiteX4" y="connsiteY4"/>
+              </a:cxn>
+              <a:cxn ang="0">
+                <a:pos x="connsiteX5" y="connsiteY5"/>
+              </a:cxn>
+              <a:cxn ang="0">
+                <a:pos x="connsiteX6" y="connsiteY6"/>
+              </a:cxn>
+              <a:cxn ang="0">
+                <a:pos x="connsiteX7" y="connsiteY7"/>
+              </a:cxn>
+              <a:cxn ang="0">
+                <a:pos x="connsiteX8" y="connsiteY8"/>
+              </a:cxn>
+              <a:cxn ang="0">
+                <a:pos x="connsiteX9" y="connsiteY9"/>
+              </a:cxn>
+              <a:cxn ang="0">
+                <a:pos x="connsiteX10" y="connsiteY10"/>
+              </a:cxn>
+            </a:cxnLst>
+            <a:rect l="l" t="t" r="r" b="b"/>
+            <a:pathLst>
+              <a:path w="151048" h="1082442" fill="none" extrusionOk="0">
+                <a:moveTo>
+                  <a:pt x="0" y="25175"/>
+                </a:moveTo>
+                <a:cubicBezTo>
+                  <a:pt x="349" y="11424"/>
+                  <a:pt x="9822" y="59"/>
+                  <a:pt x="25175" y="0"/>
+                </a:cubicBezTo>
+                <a:cubicBezTo>
+                  <a:pt x="72776" y="-264"/>
+                  <a:pt x="90078" y="-1472"/>
+                  <a:pt x="125873" y="0"/>
+                </a:cubicBezTo>
+                <a:cubicBezTo>
+                  <a:pt x="138286" y="-168"/>
+                  <a:pt x="150034" y="10737"/>
+                  <a:pt x="151048" y="25175"/>
+                </a:cubicBezTo>
+                <a:cubicBezTo>
+                  <a:pt x="152565" y="257798"/>
+                  <a:pt x="159904" y="292916"/>
+                  <a:pt x="151048" y="510258"/>
+                </a:cubicBezTo>
+                <a:cubicBezTo>
+                  <a:pt x="142192" y="727600"/>
+                  <a:pt x="170694" y="809403"/>
+                  <a:pt x="151048" y="1057267"/>
+                </a:cubicBezTo>
+                <a:cubicBezTo>
+                  <a:pt x="152044" y="1071913"/>
+                  <a:pt x="136619" y="1082082"/>
+                  <a:pt x="125873" y="1082442"/>
+                </a:cubicBezTo>
+                <a:cubicBezTo>
+                  <a:pt x="79197" y="1084553"/>
+                  <a:pt x="51080" y="1081669"/>
+                  <a:pt x="25175" y="1082442"/>
+                </a:cubicBezTo>
+                <a:cubicBezTo>
+                  <a:pt x="10187" y="1084632"/>
+                  <a:pt x="-1284" y="1074123"/>
+                  <a:pt x="0" y="1057267"/>
+                </a:cubicBezTo>
+                <a:cubicBezTo>
+                  <a:pt x="15492" y="860332"/>
+                  <a:pt x="14566" y="650873"/>
+                  <a:pt x="0" y="520579"/>
+                </a:cubicBezTo>
+                <a:cubicBezTo>
+                  <a:pt x="-14566" y="390285"/>
+                  <a:pt x="8526" y="149652"/>
+                  <a:pt x="0" y="25175"/>
+                </a:cubicBezTo>
+                <a:close/>
+              </a:path>
+              <a:path w="151048" h="1082442" stroke="0" extrusionOk="0">
+                <a:moveTo>
+                  <a:pt x="0" y="25175"/>
+                </a:moveTo>
+                <a:cubicBezTo>
+                  <a:pt x="-2784" y="11110"/>
+                  <a:pt x="12472" y="-103"/>
+                  <a:pt x="25175" y="0"/>
+                </a:cubicBezTo>
+                <a:cubicBezTo>
+                  <a:pt x="72596" y="-999"/>
+                  <a:pt x="95128" y="2650"/>
+                  <a:pt x="125873" y="0"/>
+                </a:cubicBezTo>
+                <a:cubicBezTo>
+                  <a:pt x="140240" y="462"/>
+                  <a:pt x="148670" y="12671"/>
+                  <a:pt x="151048" y="25175"/>
+                </a:cubicBezTo>
+                <a:cubicBezTo>
+                  <a:pt x="174466" y="162050"/>
+                  <a:pt x="130783" y="347477"/>
+                  <a:pt x="151048" y="561863"/>
+                </a:cubicBezTo>
+                <a:cubicBezTo>
+                  <a:pt x="171313" y="776249"/>
+                  <a:pt x="134692" y="945381"/>
+                  <a:pt x="151048" y="1057267"/>
+                </a:cubicBezTo>
+                <a:cubicBezTo>
+                  <a:pt x="149872" y="1072135"/>
+                  <a:pt x="139921" y="1081064"/>
+                  <a:pt x="125873" y="1082442"/>
+                </a:cubicBezTo>
+                <a:cubicBezTo>
+                  <a:pt x="94608" y="1080030"/>
+                  <a:pt x="46538" y="1085444"/>
+                  <a:pt x="25175" y="1082442"/>
+                </a:cubicBezTo>
+                <a:cubicBezTo>
+                  <a:pt x="11510" y="1081534"/>
+                  <a:pt x="-1318" y="1071332"/>
+                  <a:pt x="0" y="1057267"/>
+                </a:cubicBezTo>
+                <a:cubicBezTo>
+                  <a:pt x="-12323" y="878331"/>
+                  <a:pt x="8811" y="758152"/>
+                  <a:pt x="0" y="572184"/>
+                </a:cubicBezTo>
+                <a:cubicBezTo>
+                  <a:pt x="-8811" y="386216"/>
+                  <a:pt x="-5355" y="242367"/>
+                  <a:pt x="0" y="25175"/>
+                </a:cubicBezTo>
+                <a:close/>
+              </a:path>
+            </a:pathLst>
+          </a:custGeom>
+          <a:solidFill>
+            <a:schemeClr val="accent1">
+              <a:lumMod val="60000"/>
+              <a:lumOff val="40000"/>
+            </a:schemeClr>
+          </a:solidFill>
+          <a:ln>
+            <a:extLst>
+              <a:ext uri="{C807C97D-BFC1-408E-A445-0C87EB9F89A2}">
+                <ask:lineSketchStyleProps xmlns:ask="http://schemas.microsoft.com/office/drawing/2018/sketchyshapes" sd="180217550">
+                  <a:prstGeom prst="roundRect">
+                    <a:avLst/>
+                  </a:prstGeom>
+                  <ask:type>
+                    <ask:lineSketchFreehand/>
+                  </ask:type>
+                </ask:lineSketchStyleProps>
+              </a:ext>
+            </a:extLst>
+          </a:ln>
+        </p:spPr>
+        <p:style>
+          <a:lnRef idx="2">
+            <a:schemeClr val="accent1">
+              <a:shade val="50000"/>
+            </a:schemeClr>
+          </a:lnRef>
+          <a:fillRef idx="1">
+            <a:schemeClr val="accent1"/>
+          </a:fillRef>
+          <a:effectRef idx="0">
+            <a:schemeClr val="accent1"/>
+          </a:effectRef>
+          <a:fontRef idx="minor">
+            <a:schemeClr val="lt1"/>
+          </a:fontRef>
+        </p:style>
+        <p:txBody>
+          <a:bodyPr rtlCol="0" anchor="ctr"/>
+          <a:lstStyle/>
+          <a:p>
+            <a:pPr algn="ctr"/>
+            <a:endParaRPr lang="en-US" dirty="0"/>
+          </a:p>
+        </p:txBody>
+      </p:sp>
+      <p:sp>
+        <p:nvSpPr>
+          <p:cNvPr id="160" name="Rounded Rectangle 159">
+            <a:extLst>
+              <a:ext uri="{FF2B5EF4-FFF2-40B4-BE49-F238E27FC236}">
+                <a16:creationId xmlns:a16="http://schemas.microsoft.com/office/drawing/2014/main" id="{F4EBB2C9-231F-6B4C-8C01-19E544B5EFD9}"/>
+              </a:ext>
+            </a:extLst>
+          </p:cNvPr>
+          <p:cNvSpPr/>
+          <p:nvPr/>
+        </p:nvSpPr>
+        <p:spPr>
+          <a:xfrm>
+            <a:off x="2134915" y="5173213"/>
+            <a:ext cx="907005" cy="605750"/>
+          </a:xfrm>
+          <a:custGeom>
+            <a:avLst/>
+            <a:gdLst>
+              <a:gd name="connsiteX0" fmla="*/ 0 w 907005"/>
+              <a:gd name="connsiteY0" fmla="*/ 100960 h 605750"/>
+              <a:gd name="connsiteX1" fmla="*/ 100960 w 907005"/>
+              <a:gd name="connsiteY1" fmla="*/ 0 h 605750"/>
+              <a:gd name="connsiteX2" fmla="*/ 460553 w 907005"/>
+              <a:gd name="connsiteY2" fmla="*/ 0 h 605750"/>
+              <a:gd name="connsiteX3" fmla="*/ 806045 w 907005"/>
+              <a:gd name="connsiteY3" fmla="*/ 0 h 605750"/>
+              <a:gd name="connsiteX4" fmla="*/ 907005 w 907005"/>
+              <a:gd name="connsiteY4" fmla="*/ 100960 h 605750"/>
+              <a:gd name="connsiteX5" fmla="*/ 907005 w 907005"/>
+              <a:gd name="connsiteY5" fmla="*/ 504790 h 605750"/>
+              <a:gd name="connsiteX6" fmla="*/ 806045 w 907005"/>
+              <a:gd name="connsiteY6" fmla="*/ 605750 h 605750"/>
+              <a:gd name="connsiteX7" fmla="*/ 474655 w 907005"/>
+              <a:gd name="connsiteY7" fmla="*/ 605750 h 605750"/>
+              <a:gd name="connsiteX8" fmla="*/ 100960 w 907005"/>
+              <a:gd name="connsiteY8" fmla="*/ 605750 h 605750"/>
+              <a:gd name="connsiteX9" fmla="*/ 0 w 907005"/>
+              <a:gd name="connsiteY9" fmla="*/ 504790 h 605750"/>
+              <a:gd name="connsiteX10" fmla="*/ 0 w 907005"/>
+              <a:gd name="connsiteY10" fmla="*/ 100960 h 605750"/>
+            </a:gdLst>
+            <a:ahLst/>
+            <a:cxnLst>
+              <a:cxn ang="0">
+                <a:pos x="connsiteX0" y="connsiteY0"/>
+              </a:cxn>
+              <a:cxn ang="0">
+                <a:pos x="connsiteX1" y="connsiteY1"/>
+              </a:cxn>
+              <a:cxn ang="0">
+                <a:pos x="connsiteX2" y="connsiteY2"/>
+              </a:cxn>
+              <a:cxn ang="0">
+                <a:pos x="connsiteX3" y="connsiteY3"/>
+              </a:cxn>
+              <a:cxn ang="0">
+                <a:pos x="connsiteX4" y="connsiteY4"/>
+              </a:cxn>
+              <a:cxn ang="0">
+                <a:pos x="connsiteX5" y="connsiteY5"/>
+              </a:cxn>
+              <a:cxn ang="0">
+                <a:pos x="connsiteX6" y="connsiteY6"/>
+              </a:cxn>
+              <a:cxn ang="0">
+                <a:pos x="connsiteX7" y="connsiteY7"/>
+              </a:cxn>
+              <a:cxn ang="0">
+                <a:pos x="connsiteX8" y="connsiteY8"/>
+              </a:cxn>
+              <a:cxn ang="0">
+                <a:pos x="connsiteX9" y="connsiteY9"/>
+              </a:cxn>
+              <a:cxn ang="0">
+                <a:pos x="connsiteX10" y="connsiteY10"/>
+              </a:cxn>
+            </a:cxnLst>
+            <a:rect l="l" t="t" r="r" b="b"/>
+            <a:pathLst>
+              <a:path w="907005" h="605750" fill="none" extrusionOk="0">
+                <a:moveTo>
+                  <a:pt x="0" y="100960"/>
+                </a:moveTo>
+                <a:cubicBezTo>
+                  <a:pt x="2300" y="43928"/>
+                  <a:pt x="43282" y="7210"/>
+                  <a:pt x="100960" y="0"/>
+                </a:cubicBezTo>
+                <a:cubicBezTo>
+                  <a:pt x="195414" y="-17401"/>
+                  <a:pt x="286938" y="9239"/>
+                  <a:pt x="460553" y="0"/>
+                </a:cubicBezTo>
+                <a:cubicBezTo>
+                  <a:pt x="634168" y="-9239"/>
+                  <a:pt x="715342" y="12469"/>
+                  <a:pt x="806045" y="0"/>
+                </a:cubicBezTo>
+                <a:cubicBezTo>
+                  <a:pt x="854426" y="-7310"/>
+                  <a:pt x="917275" y="45962"/>
+                  <a:pt x="907005" y="100960"/>
+                </a:cubicBezTo>
+                <a:cubicBezTo>
+                  <a:pt x="895040" y="199524"/>
+                  <a:pt x="893712" y="305231"/>
+                  <a:pt x="907005" y="504790"/>
+                </a:cubicBezTo>
+                <a:cubicBezTo>
+                  <a:pt x="909419" y="559009"/>
+                  <a:pt x="852781" y="601360"/>
+                  <a:pt x="806045" y="605750"/>
+                </a:cubicBezTo>
+                <a:cubicBezTo>
+                  <a:pt x="712193" y="594692"/>
+                  <a:pt x="625461" y="615345"/>
+                  <a:pt x="474655" y="605750"/>
+                </a:cubicBezTo>
+                <a:cubicBezTo>
+                  <a:pt x="323849" y="596156"/>
+                  <a:pt x="285023" y="593320"/>
+                  <a:pt x="100960" y="605750"/>
+                </a:cubicBezTo>
+                <a:cubicBezTo>
+                  <a:pt x="52688" y="605438"/>
+                  <a:pt x="704" y="547849"/>
+                  <a:pt x="0" y="504790"/>
+                </a:cubicBezTo>
+                <a:cubicBezTo>
+                  <a:pt x="-9774" y="356471"/>
+                  <a:pt x="-557" y="270029"/>
+                  <a:pt x="0" y="100960"/>
+                </a:cubicBezTo>
+                <a:close/>
+              </a:path>
+              <a:path w="907005" h="605750" stroke="0" extrusionOk="0">
+                <a:moveTo>
+                  <a:pt x="0" y="100960"/>
+                </a:moveTo>
+                <a:cubicBezTo>
+                  <a:pt x="-1854" y="39857"/>
+                  <a:pt x="40579" y="97"/>
+                  <a:pt x="100960" y="0"/>
+                </a:cubicBezTo>
+                <a:cubicBezTo>
+                  <a:pt x="256482" y="14083"/>
+                  <a:pt x="346201" y="2961"/>
+                  <a:pt x="446452" y="0"/>
+                </a:cubicBezTo>
+                <a:cubicBezTo>
+                  <a:pt x="546703" y="-2961"/>
+                  <a:pt x="730202" y="-1237"/>
+                  <a:pt x="806045" y="0"/>
+                </a:cubicBezTo>
+                <a:cubicBezTo>
+                  <a:pt x="851654" y="1209"/>
+                  <a:pt x="909762" y="32915"/>
+                  <a:pt x="907005" y="100960"/>
+                </a:cubicBezTo>
+                <a:cubicBezTo>
+                  <a:pt x="918948" y="191622"/>
+                  <a:pt x="888502" y="376301"/>
+                  <a:pt x="907005" y="504790"/>
+                </a:cubicBezTo>
+                <a:cubicBezTo>
+                  <a:pt x="918300" y="556739"/>
+                  <a:pt x="860106" y="605046"/>
+                  <a:pt x="806045" y="605750"/>
+                </a:cubicBezTo>
+                <a:cubicBezTo>
+                  <a:pt x="686374" y="598677"/>
+                  <a:pt x="569774" y="599981"/>
+                  <a:pt x="474655" y="605750"/>
+                </a:cubicBezTo>
+                <a:cubicBezTo>
+                  <a:pt x="379536" y="611520"/>
+                  <a:pt x="198749" y="594411"/>
+                  <a:pt x="100960" y="605750"/>
+                </a:cubicBezTo>
+                <a:cubicBezTo>
+                  <a:pt x="46988" y="613161"/>
+                  <a:pt x="1638" y="562124"/>
+                  <a:pt x="0" y="504790"/>
+                </a:cubicBezTo>
+                <a:cubicBezTo>
+                  <a:pt x="-7644" y="325626"/>
+                  <a:pt x="-6143" y="259280"/>
+                  <a:pt x="0" y="100960"/>
+                </a:cubicBezTo>
+                <a:close/>
+              </a:path>
+            </a:pathLst>
+          </a:custGeom>
+          <a:solidFill>
+            <a:schemeClr val="accent4">
+              <a:lumMod val="20000"/>
+              <a:lumOff val="80000"/>
+            </a:schemeClr>
+          </a:solidFill>
+          <a:ln>
+            <a:solidFill>
+              <a:schemeClr val="accent4"/>
+            </a:solidFill>
+            <a:extLst>
+              <a:ext uri="{C807C97D-BFC1-408E-A445-0C87EB9F89A2}">
+                <ask:lineSketchStyleProps xmlns:ask="http://schemas.microsoft.com/office/drawing/2018/sketchyshapes" sd="71762084">
+                  <a:prstGeom prst="roundRect">
+                    <a:avLst/>
+                  </a:prstGeom>
+                  <ask:type>
+                    <ask:lineSketchFreehand/>
+                  </ask:type>
+                </ask:lineSketchStyleProps>
+              </a:ext>
+            </a:extLst>
+          </a:ln>
+        </p:spPr>
+        <p:style>
+          <a:lnRef idx="2">
+            <a:schemeClr val="accent1">
+              <a:shade val="50000"/>
+            </a:schemeClr>
+          </a:lnRef>
+          <a:fillRef idx="1">
+            <a:schemeClr val="accent1"/>
+          </a:fillRef>
+          <a:effectRef idx="0">
+            <a:schemeClr val="accent1"/>
+          </a:effectRef>
+          <a:fontRef idx="minor">
+            <a:schemeClr val="lt1"/>
+          </a:fontRef>
+        </p:style>
+        <p:txBody>
+          <a:bodyPr rtlCol="0" anchor="ctr"/>
+          <a:lstStyle/>
+          <a:p>
+            <a:pPr algn="ctr"/>
+            <a:r>
+              <a:rPr lang="en-US" sz="1200" dirty="0">
+                <a:solidFill>
+                  <a:schemeClr val="tx1"/>
+                </a:solidFill>
+              </a:rPr>
+              <a:t>Order</a:t>
+            </a:r>
+            <a:br>
+              <a:rPr lang="en-US" sz="1200" dirty="0">
+                <a:solidFill>
+                  <a:schemeClr val="tx1"/>
+                </a:solidFill>
+              </a:rPr>
+            </a:br>
+            <a:r>
+              <a:rPr lang="en-US" sz="1200" dirty="0">
+                <a:solidFill>
+                  <a:schemeClr val="tx1"/>
+                </a:solidFill>
+              </a:rPr>
+              <a:t>(Assigned)</a:t>
+            </a:r>
+          </a:p>
+        </p:txBody>
+      </p:sp>
+      <p:cxnSp>
+        <p:nvCxnSpPr>
+          <p:cNvPr id="161" name="Straight Arrow Connector 160">
+            <a:extLst>
+              <a:ext uri="{FF2B5EF4-FFF2-40B4-BE49-F238E27FC236}">
+                <a16:creationId xmlns:a16="http://schemas.microsoft.com/office/drawing/2014/main" id="{0F3DC140-E4EA-0742-9546-AA82CA278CD3}"/>
+              </a:ext>
+            </a:extLst>
+          </p:cNvPr>
+          <p:cNvCxnSpPr>
+            <a:endCxn id="160" idx="3"/>
+          </p:cNvCxnSpPr>
+          <p:nvPr/>
+        </p:nvCxnSpPr>
+        <p:spPr>
+          <a:xfrm flipH="1" flipV="1">
+            <a:off x="3041920" y="5476088"/>
+            <a:ext cx="4371297" cy="362"/>
+          </a:xfrm>
+          <a:prstGeom prst="straightConnector1">
+            <a:avLst/>
+          </a:prstGeom>
+          <a:ln>
+            <a:solidFill>
+              <a:schemeClr val="tx1"/>
+            </a:solidFill>
+            <a:prstDash val="sysDot"/>
+            <a:tailEnd type="triangle"/>
+          </a:ln>
+        </p:spPr>
+        <p:style>
+          <a:lnRef idx="1">
+            <a:schemeClr val="accent1"/>
+          </a:lnRef>
+          <a:fillRef idx="0">
+            <a:schemeClr val="accent1"/>
+          </a:fillRef>
+          <a:effectRef idx="0">
+            <a:schemeClr val="accent1"/>
+          </a:effectRef>
+          <a:fontRef idx="minor">
+            <a:schemeClr val="tx1"/>
+          </a:fontRef>
+        </p:style>
+      </p:cxnSp>
+      <p:cxnSp>
+        <p:nvCxnSpPr>
+          <p:cNvPr id="162" name="Straight Arrow Connector 161">
+            <a:extLst>
+              <a:ext uri="{FF2B5EF4-FFF2-40B4-BE49-F238E27FC236}">
+                <a16:creationId xmlns:a16="http://schemas.microsoft.com/office/drawing/2014/main" id="{E0CD4739-F216-5C42-997B-2375FDD483BF}"/>
+              </a:ext>
+            </a:extLst>
+          </p:cNvPr>
+          <p:cNvCxnSpPr>
+            <a:cxnSpLocks/>
+            <a:stCxn id="100" idx="2"/>
+            <a:endCxn id="160" idx="0"/>
+          </p:cNvCxnSpPr>
+          <p:nvPr/>
+        </p:nvCxnSpPr>
+        <p:spPr>
+          <a:xfrm flipH="1">
+            <a:off x="2588418" y="3641069"/>
+            <a:ext cx="2713" cy="1532144"/>
+          </a:xfrm>
+          <a:prstGeom prst="straightConnector1">
+            <a:avLst/>
+          </a:prstGeom>
+          <a:ln>
+            <a:solidFill>
+              <a:schemeClr val="tx1"/>
+            </a:solidFill>
+            <a:prstDash val="sysDot"/>
+            <a:tailEnd type="triangle"/>
+          </a:ln>
+        </p:spPr>
+        <p:style>
+          <a:lnRef idx="1">
+            <a:schemeClr val="accent1"/>
+          </a:lnRef>
+          <a:fillRef idx="0">
+            <a:schemeClr val="accent1"/>
+          </a:fillRef>
+          <a:effectRef idx="0">
+            <a:schemeClr val="accent1"/>
+          </a:effectRef>
+          <a:fontRef idx="minor">
+            <a:schemeClr val="tx1"/>
+          </a:fontRef>
+        </p:style>
+      </p:cxnSp>
+      <p:sp>
+        <p:nvSpPr>
+          <p:cNvPr id="89" name="Rounded Rectangle 88">
+            <a:extLst>
+              <a:ext uri="{FF2B5EF4-FFF2-40B4-BE49-F238E27FC236}">
+                <a16:creationId xmlns:a16="http://schemas.microsoft.com/office/drawing/2014/main" id="{EB9338BE-568F-A255-8EE1-1B1CAA1B504A}"/>
+              </a:ext>
+            </a:extLst>
+          </p:cNvPr>
+          <p:cNvSpPr/>
+          <p:nvPr/>
+        </p:nvSpPr>
+        <p:spPr bwMode="auto">
+          <a:xfrm>
+            <a:off x="5997262" y="1043269"/>
+            <a:ext cx="148586" cy="340835"/>
+          </a:xfrm>
+          <a:prstGeom prst="roundRect">
+            <a:avLst/>
+          </a:prstGeom>
+          <a:solidFill>
+            <a:schemeClr val="bg2"/>
+          </a:solidFill>
+          <a:ln>
+            <a:solidFill>
+              <a:schemeClr val="bg1"/>
+            </a:solidFill>
+            <a:prstDash val="solid"/>
+            <a:headEnd type="none" w="med" len="med"/>
+            <a:tailEnd type="none" w="med" len="med"/>
+          </a:ln>
+          <a:effectLst/>
+        </p:spPr>
+        <p:style>
+          <a:lnRef idx="1">
+            <a:schemeClr val="accent5"/>
+          </a:lnRef>
+          <a:fillRef idx="3">
+            <a:schemeClr val="accent5"/>
+          </a:fillRef>
+          <a:effectRef idx="2">
+            <a:schemeClr val="accent5"/>
+          </a:effectRef>
+          <a:fontRef idx="minor">
+            <a:schemeClr val="lt1"/>
+          </a:fontRef>
+        </p:style>
+        <p:txBody>
+          <a:bodyPr vert="horz" wrap="square" lIns="0" tIns="0" rIns="0" bIns="0" numCol="1" rtlCol="0" anchor="ctr" anchorCtr="0" compatLnSpc="1">
+            <a:prstTxWarp prst="textNoShape">
+              <a:avLst/>
+            </a:prstTxWarp>
+            <a:noAutofit/>
+          </a:bodyPr>
+          <a:lstStyle/>
+          <a:p>
+            <a:pPr algn="ctr" defTabSz="1219170" fontAlgn="base">
+              <a:lnSpc>
+                <a:spcPct val="90000"/>
+              </a:lnSpc>
+              <a:spcBef>
+                <a:spcPct val="0"/>
+              </a:spcBef>
+              <a:spcAft>
+                <a:spcPct val="0"/>
+              </a:spcAft>
+            </a:pPr>
+            <a:r>
+              <a:rPr lang="en-US" sz="1200" dirty="0">
+                <a:solidFill>
+                  <a:schemeClr val="bg1"/>
+                </a:solidFill>
+              </a:rPr>
+              <a:t>3</a:t>
+            </a:r>
+            <a:endParaRPr lang="en-US" sz="667" dirty="0">
+              <a:solidFill>
+                <a:schemeClr val="bg1"/>
+              </a:solidFill>
+            </a:endParaRPr>
+          </a:p>
+        </p:txBody>
+      </p:sp>
+      <p:sp>
+        <p:nvSpPr>
+          <p:cNvPr id="91" name="AutoShape 4">
+            <a:extLst>
+              <a:ext uri="{FF2B5EF4-FFF2-40B4-BE49-F238E27FC236}">
+                <a16:creationId xmlns:a16="http://schemas.microsoft.com/office/drawing/2014/main" id="{788B73B3-0BB7-9177-F98E-D715194D7C29}"/>
+              </a:ext>
+            </a:extLst>
+          </p:cNvPr>
+          <p:cNvSpPr>
+            <a:spLocks noChangeArrowheads="1"/>
+          </p:cNvSpPr>
+          <p:nvPr/>
+        </p:nvSpPr>
+        <p:spPr bwMode="auto">
+          <a:xfrm>
+            <a:off x="2151048" y="2438620"/>
+            <a:ext cx="966311" cy="3592494"/>
+          </a:xfrm>
+          <a:custGeom>
+            <a:avLst/>
+            <a:gdLst>
+              <a:gd name="connsiteX0" fmla="*/ 0 w 966311"/>
+              <a:gd name="connsiteY0" fmla="*/ 68772 h 3592494"/>
+              <a:gd name="connsiteX1" fmla="*/ 68772 w 966311"/>
+              <a:gd name="connsiteY1" fmla="*/ 0 h 3592494"/>
+              <a:gd name="connsiteX2" fmla="*/ 499731 w 966311"/>
+              <a:gd name="connsiteY2" fmla="*/ 0 h 3592494"/>
+              <a:gd name="connsiteX3" fmla="*/ 897539 w 966311"/>
+              <a:gd name="connsiteY3" fmla="*/ 0 h 3592494"/>
+              <a:gd name="connsiteX4" fmla="*/ 966311 w 966311"/>
+              <a:gd name="connsiteY4" fmla="*/ 68772 h 3592494"/>
+              <a:gd name="connsiteX5" fmla="*/ 966311 w 966311"/>
+              <a:gd name="connsiteY5" fmla="*/ 794312 h 3592494"/>
+              <a:gd name="connsiteX6" fmla="*/ 966311 w 966311"/>
+              <a:gd name="connsiteY6" fmla="*/ 1381653 h 3592494"/>
+              <a:gd name="connsiteX7" fmla="*/ 966311 w 966311"/>
+              <a:gd name="connsiteY7" fmla="*/ 2072643 h 3592494"/>
+              <a:gd name="connsiteX8" fmla="*/ 966311 w 966311"/>
+              <a:gd name="connsiteY8" fmla="*/ 2729084 h 3592494"/>
+              <a:gd name="connsiteX9" fmla="*/ 966311 w 966311"/>
+              <a:gd name="connsiteY9" fmla="*/ 3523722 h 3592494"/>
+              <a:gd name="connsiteX10" fmla="*/ 897539 w 966311"/>
+              <a:gd name="connsiteY10" fmla="*/ 3592494 h 3592494"/>
+              <a:gd name="connsiteX11" fmla="*/ 483156 w 966311"/>
+              <a:gd name="connsiteY11" fmla="*/ 3592494 h 3592494"/>
+              <a:gd name="connsiteX12" fmla="*/ 68772 w 966311"/>
+              <a:gd name="connsiteY12" fmla="*/ 3592494 h 3592494"/>
+              <a:gd name="connsiteX13" fmla="*/ 0 w 966311"/>
+              <a:gd name="connsiteY13" fmla="*/ 3523722 h 3592494"/>
+              <a:gd name="connsiteX14" fmla="*/ 0 w 966311"/>
+              <a:gd name="connsiteY14" fmla="*/ 2798183 h 3592494"/>
+              <a:gd name="connsiteX15" fmla="*/ 0 w 966311"/>
+              <a:gd name="connsiteY15" fmla="*/ 2176292 h 3592494"/>
+              <a:gd name="connsiteX16" fmla="*/ 0 w 966311"/>
+              <a:gd name="connsiteY16" fmla="*/ 1519851 h 3592494"/>
+              <a:gd name="connsiteX17" fmla="*/ 0 w 966311"/>
+              <a:gd name="connsiteY17" fmla="*/ 828861 h 3592494"/>
+              <a:gd name="connsiteX18" fmla="*/ 0 w 966311"/>
+              <a:gd name="connsiteY18" fmla="*/ 68772 h 3592494"/>
+            </a:gdLst>
+            <a:ahLst/>
+            <a:cxnLst>
+              <a:cxn ang="0">
+                <a:pos x="connsiteX0" y="connsiteY0"/>
+              </a:cxn>
+              <a:cxn ang="0">
+                <a:pos x="connsiteX1" y="connsiteY1"/>
+              </a:cxn>
+              <a:cxn ang="0">
+                <a:pos x="connsiteX2" y="connsiteY2"/>
+              </a:cxn>
+              <a:cxn ang="0">
+                <a:pos x="connsiteX3" y="connsiteY3"/>
+              </a:cxn>
+              <a:cxn ang="0">
+                <a:pos x="connsiteX4" y="connsiteY4"/>
+              </a:cxn>
+              <a:cxn ang="0">
+                <a:pos x="connsiteX5" y="connsiteY5"/>
+              </a:cxn>
+              <a:cxn ang="0">
+                <a:pos x="connsiteX6" y="connsiteY6"/>
+              </a:cxn>
+              <a:cxn ang="0">
+                <a:pos x="connsiteX7" y="connsiteY7"/>
+              </a:cxn>
+              <a:cxn ang="0">
+                <a:pos x="connsiteX8" y="connsiteY8"/>
+              </a:cxn>
+              <a:cxn ang="0">
+                <a:pos x="connsiteX9" y="connsiteY9"/>
+              </a:cxn>
+              <a:cxn ang="0">
+                <a:pos x="connsiteX10" y="connsiteY10"/>
+              </a:cxn>
+              <a:cxn ang="0">
+                <a:pos x="connsiteX11" y="connsiteY11"/>
+              </a:cxn>
+              <a:cxn ang="0">
+                <a:pos x="connsiteX12" y="connsiteY12"/>
+              </a:cxn>
+              <a:cxn ang="0">
+                <a:pos x="connsiteX13" y="connsiteY13"/>
+              </a:cxn>
+              <a:cxn ang="0">
+                <a:pos x="connsiteX14" y="connsiteY14"/>
+              </a:cxn>
+              <a:cxn ang="0">
+                <a:pos x="connsiteX15" y="connsiteY15"/>
+              </a:cxn>
+              <a:cxn ang="0">
+                <a:pos x="connsiteX16" y="connsiteY16"/>
+              </a:cxn>
+              <a:cxn ang="0">
+                <a:pos x="connsiteX17" y="connsiteY17"/>
+              </a:cxn>
+              <a:cxn ang="0">
+                <a:pos x="connsiteX18" y="connsiteY18"/>
+              </a:cxn>
+            </a:cxnLst>
+            <a:rect l="l" t="t" r="r" b="b"/>
+            <a:pathLst>
+              <a:path w="966311" h="3592494" extrusionOk="0">
+                <a:moveTo>
+                  <a:pt x="0" y="68772"/>
+                </a:moveTo>
+                <a:cubicBezTo>
+                  <a:pt x="-4206" y="28365"/>
+                  <a:pt x="32662" y="-4322"/>
+                  <a:pt x="68772" y="0"/>
+                </a:cubicBezTo>
+                <a:cubicBezTo>
+                  <a:pt x="269300" y="-19492"/>
+                  <a:pt x="379211" y="-6565"/>
+                  <a:pt x="499731" y="0"/>
+                </a:cubicBezTo>
+                <a:cubicBezTo>
+                  <a:pt x="620251" y="6565"/>
+                  <a:pt x="768606" y="-1705"/>
+                  <a:pt x="897539" y="0"/>
+                </a:cubicBezTo>
+                <a:cubicBezTo>
+                  <a:pt x="927727" y="-3150"/>
+                  <a:pt x="969261" y="31103"/>
+                  <a:pt x="966311" y="68772"/>
+                </a:cubicBezTo>
+                <a:cubicBezTo>
+                  <a:pt x="985630" y="264967"/>
+                  <a:pt x="986207" y="446834"/>
+                  <a:pt x="966311" y="794312"/>
+                </a:cubicBezTo>
+                <a:cubicBezTo>
+                  <a:pt x="946415" y="1141790"/>
+                  <a:pt x="963979" y="1243984"/>
+                  <a:pt x="966311" y="1381653"/>
+                </a:cubicBezTo>
+                <a:cubicBezTo>
+                  <a:pt x="968643" y="1519322"/>
+                  <a:pt x="989048" y="1898798"/>
+                  <a:pt x="966311" y="2072643"/>
+                </a:cubicBezTo>
+                <a:cubicBezTo>
+                  <a:pt x="943575" y="2246488"/>
+                  <a:pt x="979455" y="2520081"/>
+                  <a:pt x="966311" y="2729084"/>
+                </a:cubicBezTo>
+                <a:cubicBezTo>
+                  <a:pt x="953167" y="2938087"/>
+                  <a:pt x="928716" y="3152698"/>
+                  <a:pt x="966311" y="3523722"/>
+                </a:cubicBezTo>
+                <a:cubicBezTo>
+                  <a:pt x="974240" y="3562165"/>
+                  <a:pt x="937197" y="3598694"/>
+                  <a:pt x="897539" y="3592494"/>
+                </a:cubicBezTo>
+                <a:cubicBezTo>
+                  <a:pt x="746166" y="3585512"/>
+                  <a:pt x="594729" y="3593043"/>
+                  <a:pt x="483156" y="3592494"/>
+                </a:cubicBezTo>
+                <a:cubicBezTo>
+                  <a:pt x="371583" y="3591945"/>
+                  <a:pt x="186253" y="3572154"/>
+                  <a:pt x="68772" y="3592494"/>
+                </a:cubicBezTo>
+                <a:cubicBezTo>
+                  <a:pt x="32275" y="3590682"/>
+                  <a:pt x="315" y="3560409"/>
+                  <a:pt x="0" y="3523722"/>
+                </a:cubicBezTo>
+                <a:cubicBezTo>
+                  <a:pt x="-26370" y="3248663"/>
+                  <a:pt x="18592" y="3065963"/>
+                  <a:pt x="0" y="2798183"/>
+                </a:cubicBezTo>
+                <a:cubicBezTo>
+                  <a:pt x="-18592" y="2530403"/>
+                  <a:pt x="5967" y="2422453"/>
+                  <a:pt x="0" y="2176292"/>
+                </a:cubicBezTo>
+                <a:cubicBezTo>
+                  <a:pt x="-5967" y="1930131"/>
+                  <a:pt x="-31850" y="1674974"/>
+                  <a:pt x="0" y="1519851"/>
+                </a:cubicBezTo>
+                <a:cubicBezTo>
+                  <a:pt x="31850" y="1364728"/>
+                  <a:pt x="-9882" y="1029052"/>
+                  <a:pt x="0" y="828861"/>
+                </a:cubicBezTo>
+                <a:cubicBezTo>
+                  <a:pt x="9882" y="628670"/>
+                  <a:pt x="-11277" y="392039"/>
+                  <a:pt x="0" y="68772"/>
+                </a:cubicBezTo>
+                <a:close/>
+              </a:path>
+            </a:pathLst>
+          </a:custGeom>
+          <a:noFill/>
+          <a:ln w="12700">
+            <a:solidFill>
+              <a:schemeClr val="tx1"/>
+            </a:solidFill>
+            <a:prstDash val="dash"/>
+            <a:round/>
+            <a:headEnd/>
+            <a:tailEnd/>
+            <a:extLst>
+              <a:ext uri="{C807C97D-BFC1-408E-A445-0C87EB9F89A2}">
+                <ask:lineSketchStyleProps xmlns:ask="http://schemas.microsoft.com/office/drawing/2018/sketchyshapes" sd="2805954614">
+                  <a:prstGeom prst="roundRect">
+                    <a:avLst>
+                      <a:gd name="adj" fmla="val 7117"/>
+                    </a:avLst>
+                  </a:prstGeom>
+                  <ask:type>
+                    <ask:lineSketchFreehand/>
+                  </ask:type>
+                </ask:lineSketchStyleProps>
+              </a:ext>
+            </a:extLst>
+          </a:ln>
+        </p:spPr>
+        <p:txBody>
+          <a:bodyPr lIns="0" tIns="0" rIns="0" bIns="0" anchor="b" anchorCtr="1"/>
+          <a:lstStyle/>
+          <a:p>
+            <a:pPr algn="ctr" defTabSz="1219170" eaLnBrk="1" fontAlgn="auto" hangingPunct="1">
+              <a:spcBef>
+                <a:spcPts val="0"/>
+              </a:spcBef>
+              <a:spcAft>
+                <a:spcPts val="0"/>
+              </a:spcAft>
+              <a:defRPr/>
+            </a:pPr>
+            <a:endParaRPr lang="en-US" sz="1333" kern="0" dirty="0">
+              <a:solidFill>
+                <a:srgbClr val="6D7777"/>
+              </a:solidFill>
+            </a:endParaRPr>
+          </a:p>
+        </p:txBody>
+      </p:sp>
+      <p:cxnSp>
+        <p:nvCxnSpPr>
+          <p:cNvPr id="94" name="Straight Arrow Connector 93">
+            <a:extLst>
+              <a:ext uri="{FF2B5EF4-FFF2-40B4-BE49-F238E27FC236}">
+                <a16:creationId xmlns:a16="http://schemas.microsoft.com/office/drawing/2014/main" id="{4D4C05C4-3E70-9F14-E81A-A06BDA33066F}"/>
+              </a:ext>
+            </a:extLst>
+          </p:cNvPr>
+          <p:cNvCxnSpPr>
+            <a:cxnSpLocks/>
+          </p:cNvCxnSpPr>
+          <p:nvPr/>
+        </p:nvCxnSpPr>
+        <p:spPr>
+          <a:xfrm flipH="1">
+            <a:off x="4129184" y="3940724"/>
+            <a:ext cx="3301696" cy="0"/>
+          </a:xfrm>
+          <a:prstGeom prst="straightConnector1">
+            <a:avLst/>
+          </a:prstGeom>
+          <a:ln>
+            <a:headEnd type="triangle"/>
+            <a:tailEnd type="none"/>
+          </a:ln>
+        </p:spPr>
+        <p:style>
+          <a:lnRef idx="1">
+            <a:schemeClr val="accent1"/>
+          </a:lnRef>
+          <a:fillRef idx="0">
+            <a:schemeClr val="accent1"/>
+          </a:fillRef>
+          <a:effectRef idx="0">
+            <a:schemeClr val="accent1"/>
+          </a:effectRef>
+          <a:fontRef idx="minor">
+            <a:schemeClr val="tx1"/>
+          </a:fontRef>
+        </p:style>
+      </p:cxnSp>
+    </p:spTree>
+    <p:extLst>
+      <p:ext uri="{BB962C8B-B14F-4D97-AF65-F5344CB8AC3E}">
+        <p14:creationId xmlns:p14="http://schemas.microsoft.com/office/powerpoint/2010/main" val="1497985158"/>
+      </p:ext>
+    </p:extLst>
+  </p:cSld>
+  <p:clrMapOvr>
+    <a:masterClrMapping/>
+  </p:clrMapOvr>
+</p:sld>
+</file>
+
 <file path=ppt/theme/theme1.xml><?xml version="1.0" encoding="utf-8"?>
 <a:theme xmlns:a="http://schemas.openxmlformats.org/drawingml/2006/main" name="Office Theme">
   <a:themeElements>

--- a/docs/SAGA_implementation.pptx
+++ b/docs/SAGA_implementation.pptx
@@ -10521,6 +10521,310 @@
       </p:grpSpPr>
       <p:sp>
         <p:nvSpPr>
+          <p:cNvPr id="87" name="Rounded Rectangle 86">
+            <a:extLst>
+              <a:ext uri="{FF2B5EF4-FFF2-40B4-BE49-F238E27FC236}">
+                <a16:creationId xmlns:a16="http://schemas.microsoft.com/office/drawing/2014/main" id="{8721E105-8C5C-27B7-DDF1-709BAE6ED955}"/>
+              </a:ext>
+            </a:extLst>
+          </p:cNvPr>
+          <p:cNvSpPr/>
+          <p:nvPr/>
+        </p:nvSpPr>
+        <p:spPr>
+          <a:xfrm>
+            <a:off x="9619281" y="4696242"/>
+            <a:ext cx="2204269" cy="1628131"/>
+          </a:xfrm>
+          <a:custGeom>
+            <a:avLst/>
+            <a:gdLst>
+              <a:gd name="connsiteX0" fmla="*/ 0 w 2204269"/>
+              <a:gd name="connsiteY0" fmla="*/ 271361 h 1628131"/>
+              <a:gd name="connsiteX1" fmla="*/ 271361 w 2204269"/>
+              <a:gd name="connsiteY1" fmla="*/ 0 h 1628131"/>
+              <a:gd name="connsiteX2" fmla="*/ 841825 w 2204269"/>
+              <a:gd name="connsiteY2" fmla="*/ 0 h 1628131"/>
+              <a:gd name="connsiteX3" fmla="*/ 1362444 w 2204269"/>
+              <a:gd name="connsiteY3" fmla="*/ 0 h 1628131"/>
+              <a:gd name="connsiteX4" fmla="*/ 1932908 w 2204269"/>
+              <a:gd name="connsiteY4" fmla="*/ 0 h 1628131"/>
+              <a:gd name="connsiteX5" fmla="*/ 2204269 w 2204269"/>
+              <a:gd name="connsiteY5" fmla="*/ 271361 h 1628131"/>
+              <a:gd name="connsiteX6" fmla="*/ 2204269 w 2204269"/>
+              <a:gd name="connsiteY6" fmla="*/ 792357 h 1628131"/>
+              <a:gd name="connsiteX7" fmla="*/ 2204269 w 2204269"/>
+              <a:gd name="connsiteY7" fmla="*/ 1356770 h 1628131"/>
+              <a:gd name="connsiteX8" fmla="*/ 1932908 w 2204269"/>
+              <a:gd name="connsiteY8" fmla="*/ 1628131 h 1628131"/>
+              <a:gd name="connsiteX9" fmla="*/ 1345828 w 2204269"/>
+              <a:gd name="connsiteY9" fmla="*/ 1628131 h 1628131"/>
+              <a:gd name="connsiteX10" fmla="*/ 775364 w 2204269"/>
+              <a:gd name="connsiteY10" fmla="*/ 1628131 h 1628131"/>
+              <a:gd name="connsiteX11" fmla="*/ 271361 w 2204269"/>
+              <a:gd name="connsiteY11" fmla="*/ 1628131 h 1628131"/>
+              <a:gd name="connsiteX12" fmla="*/ 0 w 2204269"/>
+              <a:gd name="connsiteY12" fmla="*/ 1356770 h 1628131"/>
+              <a:gd name="connsiteX13" fmla="*/ 0 w 2204269"/>
+              <a:gd name="connsiteY13" fmla="*/ 814066 h 1628131"/>
+              <a:gd name="connsiteX14" fmla="*/ 0 w 2204269"/>
+              <a:gd name="connsiteY14" fmla="*/ 271361 h 1628131"/>
+            </a:gdLst>
+            <a:ahLst/>
+            <a:cxnLst>
+              <a:cxn ang="0">
+                <a:pos x="connsiteX0" y="connsiteY0"/>
+              </a:cxn>
+              <a:cxn ang="0">
+                <a:pos x="connsiteX1" y="connsiteY1"/>
+              </a:cxn>
+              <a:cxn ang="0">
+                <a:pos x="connsiteX2" y="connsiteY2"/>
+              </a:cxn>
+              <a:cxn ang="0">
+                <a:pos x="connsiteX3" y="connsiteY3"/>
+              </a:cxn>
+              <a:cxn ang="0">
+                <a:pos x="connsiteX4" y="connsiteY4"/>
+              </a:cxn>
+              <a:cxn ang="0">
+                <a:pos x="connsiteX5" y="connsiteY5"/>
+              </a:cxn>
+              <a:cxn ang="0">
+                <a:pos x="connsiteX6" y="connsiteY6"/>
+              </a:cxn>
+              <a:cxn ang="0">
+                <a:pos x="connsiteX7" y="connsiteY7"/>
+              </a:cxn>
+              <a:cxn ang="0">
+                <a:pos x="connsiteX8" y="connsiteY8"/>
+              </a:cxn>
+              <a:cxn ang="0">
+                <a:pos x="connsiteX9" y="connsiteY9"/>
+              </a:cxn>
+              <a:cxn ang="0">
+                <a:pos x="connsiteX10" y="connsiteY10"/>
+              </a:cxn>
+              <a:cxn ang="0">
+                <a:pos x="connsiteX11" y="connsiteY11"/>
+              </a:cxn>
+              <a:cxn ang="0">
+                <a:pos x="connsiteX12" y="connsiteY12"/>
+              </a:cxn>
+              <a:cxn ang="0">
+                <a:pos x="connsiteX13" y="connsiteY13"/>
+              </a:cxn>
+              <a:cxn ang="0">
+                <a:pos x="connsiteX14" y="connsiteY14"/>
+              </a:cxn>
+            </a:cxnLst>
+            <a:rect l="l" t="t" r="r" b="b"/>
+            <a:pathLst>
+              <a:path w="2204269" h="1628131" fill="none" extrusionOk="0">
+                <a:moveTo>
+                  <a:pt x="0" y="271361"/>
+                </a:moveTo>
+                <a:cubicBezTo>
+                  <a:pt x="-4611" y="112092"/>
+                  <a:pt x="122443" y="-12861"/>
+                  <a:pt x="271361" y="0"/>
+                </a:cubicBezTo>
+                <a:cubicBezTo>
+                  <a:pt x="397688" y="-16383"/>
+                  <a:pt x="656993" y="517"/>
+                  <a:pt x="841825" y="0"/>
+                </a:cubicBezTo>
+                <a:cubicBezTo>
+                  <a:pt x="1026657" y="-517"/>
+                  <a:pt x="1177441" y="12132"/>
+                  <a:pt x="1362444" y="0"/>
+                </a:cubicBezTo>
+                <a:cubicBezTo>
+                  <a:pt x="1547447" y="-12132"/>
+                  <a:pt x="1687527" y="-27016"/>
+                  <a:pt x="1932908" y="0"/>
+                </a:cubicBezTo>
+                <a:cubicBezTo>
+                  <a:pt x="2107131" y="-5153"/>
+                  <a:pt x="2205009" y="128521"/>
+                  <a:pt x="2204269" y="271361"/>
+                </a:cubicBezTo>
+                <a:cubicBezTo>
+                  <a:pt x="2228557" y="519796"/>
+                  <a:pt x="2184920" y="546244"/>
+                  <a:pt x="2204269" y="792357"/>
+                </a:cubicBezTo>
+                <a:cubicBezTo>
+                  <a:pt x="2223618" y="1038470"/>
+                  <a:pt x="2181764" y="1160261"/>
+                  <a:pt x="2204269" y="1356770"/>
+                </a:cubicBezTo>
+                <a:cubicBezTo>
+                  <a:pt x="2207441" y="1496882"/>
+                  <a:pt x="2107381" y="1654734"/>
+                  <a:pt x="1932908" y="1628131"/>
+                </a:cubicBezTo>
+                <a:cubicBezTo>
+                  <a:pt x="1710769" y="1618364"/>
+                  <a:pt x="1557504" y="1639780"/>
+                  <a:pt x="1345828" y="1628131"/>
+                </a:cubicBezTo>
+                <a:cubicBezTo>
+                  <a:pt x="1134152" y="1616482"/>
+                  <a:pt x="993467" y="1631012"/>
+                  <a:pt x="775364" y="1628131"/>
+                </a:cubicBezTo>
+                <a:cubicBezTo>
+                  <a:pt x="557261" y="1625250"/>
+                  <a:pt x="442458" y="1606928"/>
+                  <a:pt x="271361" y="1628131"/>
+                </a:cubicBezTo>
+                <a:cubicBezTo>
+                  <a:pt x="111686" y="1658701"/>
+                  <a:pt x="-5748" y="1488538"/>
+                  <a:pt x="0" y="1356770"/>
+                </a:cubicBezTo>
+                <a:cubicBezTo>
+                  <a:pt x="-16816" y="1221110"/>
+                  <a:pt x="12254" y="1074535"/>
+                  <a:pt x="0" y="814066"/>
+                </a:cubicBezTo>
+                <a:cubicBezTo>
+                  <a:pt x="-12254" y="553597"/>
+                  <a:pt x="6308" y="430667"/>
+                  <a:pt x="0" y="271361"/>
+                </a:cubicBezTo>
+                <a:close/>
+              </a:path>
+              <a:path w="2204269" h="1628131" stroke="0" extrusionOk="0">
+                <a:moveTo>
+                  <a:pt x="0" y="271361"/>
+                </a:moveTo>
+                <a:cubicBezTo>
+                  <a:pt x="-21322" y="108340"/>
+                  <a:pt x="100812" y="7762"/>
+                  <a:pt x="271361" y="0"/>
+                </a:cubicBezTo>
+                <a:cubicBezTo>
+                  <a:pt x="483034" y="15321"/>
+                  <a:pt x="567450" y="3871"/>
+                  <a:pt x="858441" y="0"/>
+                </a:cubicBezTo>
+                <a:cubicBezTo>
+                  <a:pt x="1149432" y="-3871"/>
+                  <a:pt x="1183641" y="26619"/>
+                  <a:pt x="1395674" y="0"/>
+                </a:cubicBezTo>
+                <a:cubicBezTo>
+                  <a:pt x="1607707" y="-26619"/>
+                  <a:pt x="1716805" y="-15169"/>
+                  <a:pt x="1932908" y="0"/>
+                </a:cubicBezTo>
+                <a:cubicBezTo>
+                  <a:pt x="2073291" y="-30553"/>
+                  <a:pt x="2210746" y="97522"/>
+                  <a:pt x="2204269" y="271361"/>
+                </a:cubicBezTo>
+                <a:cubicBezTo>
+                  <a:pt x="2182057" y="425483"/>
+                  <a:pt x="2194462" y="613208"/>
+                  <a:pt x="2204269" y="792357"/>
+                </a:cubicBezTo>
+                <a:cubicBezTo>
+                  <a:pt x="2214076" y="971506"/>
+                  <a:pt x="2229091" y="1101317"/>
+                  <a:pt x="2204269" y="1356770"/>
+                </a:cubicBezTo>
+                <a:cubicBezTo>
+                  <a:pt x="2194543" y="1522729"/>
+                  <a:pt x="2067300" y="1610180"/>
+                  <a:pt x="1932908" y="1628131"/>
+                </a:cubicBezTo>
+                <a:cubicBezTo>
+                  <a:pt x="1694601" y="1651138"/>
+                  <a:pt x="1562900" y="1624912"/>
+                  <a:pt x="1412290" y="1628131"/>
+                </a:cubicBezTo>
+                <a:cubicBezTo>
+                  <a:pt x="1261680" y="1631350"/>
+                  <a:pt x="1054546" y="1616809"/>
+                  <a:pt x="858441" y="1628131"/>
+                </a:cubicBezTo>
+                <a:cubicBezTo>
+                  <a:pt x="662336" y="1639453"/>
+                  <a:pt x="531863" y="1649899"/>
+                  <a:pt x="271361" y="1628131"/>
+                </a:cubicBezTo>
+                <a:cubicBezTo>
+                  <a:pt x="131174" y="1639991"/>
+                  <a:pt x="20114" y="1489028"/>
+                  <a:pt x="0" y="1356770"/>
+                </a:cubicBezTo>
+                <a:cubicBezTo>
+                  <a:pt x="-16598" y="1238352"/>
+                  <a:pt x="-13601" y="980876"/>
+                  <a:pt x="0" y="814066"/>
+                </a:cubicBezTo>
+                <a:cubicBezTo>
+                  <a:pt x="13601" y="647256"/>
+                  <a:pt x="-20388" y="503804"/>
+                  <a:pt x="0" y="271361"/>
+                </a:cubicBezTo>
+                <a:close/>
+              </a:path>
+            </a:pathLst>
+          </a:custGeom>
+          <a:solidFill>
+            <a:srgbClr val="FF0000">
+              <a:alpha val="24000"/>
+            </a:srgbClr>
+          </a:solidFill>
+          <a:ln>
+            <a:solidFill>
+              <a:srgbClr val="C00000"/>
+            </a:solidFill>
+            <a:prstDash val="dash"/>
+            <a:extLst>
+              <a:ext uri="{C807C97D-BFC1-408E-A445-0C87EB9F89A2}">
+                <ask:lineSketchStyleProps xmlns:ask="http://schemas.microsoft.com/office/drawing/2018/sketchyshapes" sd="1219033472">
+                  <a:prstGeom prst="roundRect">
+                    <a:avLst/>
+                  </a:prstGeom>
+                  <ask:type>
+                    <ask:lineSketchFreehand/>
+                  </ask:type>
+                </ask:lineSketchStyleProps>
+              </a:ext>
+            </a:extLst>
+          </a:ln>
+        </p:spPr>
+        <p:style>
+          <a:lnRef idx="2">
+            <a:schemeClr val="accent1">
+              <a:shade val="50000"/>
+            </a:schemeClr>
+          </a:lnRef>
+          <a:fillRef idx="1">
+            <a:schemeClr val="accent1"/>
+          </a:fillRef>
+          <a:effectRef idx="0">
+            <a:schemeClr val="accent1"/>
+          </a:effectRef>
+          <a:fontRef idx="minor">
+            <a:schemeClr val="lt1"/>
+          </a:fontRef>
+        </p:style>
+        <p:txBody>
+          <a:bodyPr rtlCol="0" anchor="ctr"/>
+          <a:lstStyle/>
+          <a:p>
+            <a:pPr algn="ctr"/>
+            <a:endParaRPr lang="en-US"/>
+          </a:p>
+        </p:txBody>
+      </p:sp>
+      <p:sp>
+        <p:nvSpPr>
           <p:cNvPr id="2" name="Title 1">
             <a:extLst>
               <a:ext uri="{FF2B5EF4-FFF2-40B4-BE49-F238E27FC236}">
@@ -17750,310 +18054,6 @@
       </p:sp>
       <p:sp>
         <p:nvSpPr>
-          <p:cNvPr id="87" name="Rounded Rectangle 86">
-            <a:extLst>
-              <a:ext uri="{FF2B5EF4-FFF2-40B4-BE49-F238E27FC236}">
-                <a16:creationId xmlns:a16="http://schemas.microsoft.com/office/drawing/2014/main" id="{8721E105-8C5C-27B7-DDF1-709BAE6ED955}"/>
-              </a:ext>
-            </a:extLst>
-          </p:cNvPr>
-          <p:cNvSpPr/>
-          <p:nvPr/>
-        </p:nvSpPr>
-        <p:spPr>
-          <a:xfrm>
-            <a:off x="9619281" y="4696242"/>
-            <a:ext cx="2204269" cy="1628131"/>
-          </a:xfrm>
-          <a:custGeom>
-            <a:avLst/>
-            <a:gdLst>
-              <a:gd name="connsiteX0" fmla="*/ 0 w 2204269"/>
-              <a:gd name="connsiteY0" fmla="*/ 271361 h 1628131"/>
-              <a:gd name="connsiteX1" fmla="*/ 271361 w 2204269"/>
-              <a:gd name="connsiteY1" fmla="*/ 0 h 1628131"/>
-              <a:gd name="connsiteX2" fmla="*/ 841825 w 2204269"/>
-              <a:gd name="connsiteY2" fmla="*/ 0 h 1628131"/>
-              <a:gd name="connsiteX3" fmla="*/ 1362444 w 2204269"/>
-              <a:gd name="connsiteY3" fmla="*/ 0 h 1628131"/>
-              <a:gd name="connsiteX4" fmla="*/ 1932908 w 2204269"/>
-              <a:gd name="connsiteY4" fmla="*/ 0 h 1628131"/>
-              <a:gd name="connsiteX5" fmla="*/ 2204269 w 2204269"/>
-              <a:gd name="connsiteY5" fmla="*/ 271361 h 1628131"/>
-              <a:gd name="connsiteX6" fmla="*/ 2204269 w 2204269"/>
-              <a:gd name="connsiteY6" fmla="*/ 792357 h 1628131"/>
-              <a:gd name="connsiteX7" fmla="*/ 2204269 w 2204269"/>
-              <a:gd name="connsiteY7" fmla="*/ 1356770 h 1628131"/>
-              <a:gd name="connsiteX8" fmla="*/ 1932908 w 2204269"/>
-              <a:gd name="connsiteY8" fmla="*/ 1628131 h 1628131"/>
-              <a:gd name="connsiteX9" fmla="*/ 1345828 w 2204269"/>
-              <a:gd name="connsiteY9" fmla="*/ 1628131 h 1628131"/>
-              <a:gd name="connsiteX10" fmla="*/ 775364 w 2204269"/>
-              <a:gd name="connsiteY10" fmla="*/ 1628131 h 1628131"/>
-              <a:gd name="connsiteX11" fmla="*/ 271361 w 2204269"/>
-              <a:gd name="connsiteY11" fmla="*/ 1628131 h 1628131"/>
-              <a:gd name="connsiteX12" fmla="*/ 0 w 2204269"/>
-              <a:gd name="connsiteY12" fmla="*/ 1356770 h 1628131"/>
-              <a:gd name="connsiteX13" fmla="*/ 0 w 2204269"/>
-              <a:gd name="connsiteY13" fmla="*/ 814066 h 1628131"/>
-              <a:gd name="connsiteX14" fmla="*/ 0 w 2204269"/>
-              <a:gd name="connsiteY14" fmla="*/ 271361 h 1628131"/>
-            </a:gdLst>
-            <a:ahLst/>
-            <a:cxnLst>
-              <a:cxn ang="0">
-                <a:pos x="connsiteX0" y="connsiteY0"/>
-              </a:cxn>
-              <a:cxn ang="0">
-                <a:pos x="connsiteX1" y="connsiteY1"/>
-              </a:cxn>
-              <a:cxn ang="0">
-                <a:pos x="connsiteX2" y="connsiteY2"/>
-              </a:cxn>
-              <a:cxn ang="0">
-                <a:pos x="connsiteX3" y="connsiteY3"/>
-              </a:cxn>
-              <a:cxn ang="0">
-                <a:pos x="connsiteX4" y="connsiteY4"/>
-              </a:cxn>
-              <a:cxn ang="0">
-                <a:pos x="connsiteX5" y="connsiteY5"/>
-              </a:cxn>
-              <a:cxn ang="0">
-                <a:pos x="connsiteX6" y="connsiteY6"/>
-              </a:cxn>
-              <a:cxn ang="0">
-                <a:pos x="connsiteX7" y="connsiteY7"/>
-              </a:cxn>
-              <a:cxn ang="0">
-                <a:pos x="connsiteX8" y="connsiteY8"/>
-              </a:cxn>
-              <a:cxn ang="0">
-                <a:pos x="connsiteX9" y="connsiteY9"/>
-              </a:cxn>
-              <a:cxn ang="0">
-                <a:pos x="connsiteX10" y="connsiteY10"/>
-              </a:cxn>
-              <a:cxn ang="0">
-                <a:pos x="connsiteX11" y="connsiteY11"/>
-              </a:cxn>
-              <a:cxn ang="0">
-                <a:pos x="connsiteX12" y="connsiteY12"/>
-              </a:cxn>
-              <a:cxn ang="0">
-                <a:pos x="connsiteX13" y="connsiteY13"/>
-              </a:cxn>
-              <a:cxn ang="0">
-                <a:pos x="connsiteX14" y="connsiteY14"/>
-              </a:cxn>
-            </a:cxnLst>
-            <a:rect l="l" t="t" r="r" b="b"/>
-            <a:pathLst>
-              <a:path w="2204269" h="1628131" fill="none" extrusionOk="0">
-                <a:moveTo>
-                  <a:pt x="0" y="271361"/>
-                </a:moveTo>
-                <a:cubicBezTo>
-                  <a:pt x="-4611" y="112092"/>
-                  <a:pt x="122443" y="-12861"/>
-                  <a:pt x="271361" y="0"/>
-                </a:cubicBezTo>
-                <a:cubicBezTo>
-                  <a:pt x="397688" y="-16383"/>
-                  <a:pt x="656993" y="517"/>
-                  <a:pt x="841825" y="0"/>
-                </a:cubicBezTo>
-                <a:cubicBezTo>
-                  <a:pt x="1026657" y="-517"/>
-                  <a:pt x="1177441" y="12132"/>
-                  <a:pt x="1362444" y="0"/>
-                </a:cubicBezTo>
-                <a:cubicBezTo>
-                  <a:pt x="1547447" y="-12132"/>
-                  <a:pt x="1687527" y="-27016"/>
-                  <a:pt x="1932908" y="0"/>
-                </a:cubicBezTo>
-                <a:cubicBezTo>
-                  <a:pt x="2107131" y="-5153"/>
-                  <a:pt x="2205009" y="128521"/>
-                  <a:pt x="2204269" y="271361"/>
-                </a:cubicBezTo>
-                <a:cubicBezTo>
-                  <a:pt x="2228557" y="519796"/>
-                  <a:pt x="2184920" y="546244"/>
-                  <a:pt x="2204269" y="792357"/>
-                </a:cubicBezTo>
-                <a:cubicBezTo>
-                  <a:pt x="2223618" y="1038470"/>
-                  <a:pt x="2181764" y="1160261"/>
-                  <a:pt x="2204269" y="1356770"/>
-                </a:cubicBezTo>
-                <a:cubicBezTo>
-                  <a:pt x="2207441" y="1496882"/>
-                  <a:pt x="2107381" y="1654734"/>
-                  <a:pt x="1932908" y="1628131"/>
-                </a:cubicBezTo>
-                <a:cubicBezTo>
-                  <a:pt x="1710769" y="1618364"/>
-                  <a:pt x="1557504" y="1639780"/>
-                  <a:pt x="1345828" y="1628131"/>
-                </a:cubicBezTo>
-                <a:cubicBezTo>
-                  <a:pt x="1134152" y="1616482"/>
-                  <a:pt x="993467" y="1631012"/>
-                  <a:pt x="775364" y="1628131"/>
-                </a:cubicBezTo>
-                <a:cubicBezTo>
-                  <a:pt x="557261" y="1625250"/>
-                  <a:pt x="442458" y="1606928"/>
-                  <a:pt x="271361" y="1628131"/>
-                </a:cubicBezTo>
-                <a:cubicBezTo>
-                  <a:pt x="111686" y="1658701"/>
-                  <a:pt x="-5748" y="1488538"/>
-                  <a:pt x="0" y="1356770"/>
-                </a:cubicBezTo>
-                <a:cubicBezTo>
-                  <a:pt x="-16816" y="1221110"/>
-                  <a:pt x="12254" y="1074535"/>
-                  <a:pt x="0" y="814066"/>
-                </a:cubicBezTo>
-                <a:cubicBezTo>
-                  <a:pt x="-12254" y="553597"/>
-                  <a:pt x="6308" y="430667"/>
-                  <a:pt x="0" y="271361"/>
-                </a:cubicBezTo>
-                <a:close/>
-              </a:path>
-              <a:path w="2204269" h="1628131" stroke="0" extrusionOk="0">
-                <a:moveTo>
-                  <a:pt x="0" y="271361"/>
-                </a:moveTo>
-                <a:cubicBezTo>
-                  <a:pt x="-21322" y="108340"/>
-                  <a:pt x="100812" y="7762"/>
-                  <a:pt x="271361" y="0"/>
-                </a:cubicBezTo>
-                <a:cubicBezTo>
-                  <a:pt x="483034" y="15321"/>
-                  <a:pt x="567450" y="3871"/>
-                  <a:pt x="858441" y="0"/>
-                </a:cubicBezTo>
-                <a:cubicBezTo>
-                  <a:pt x="1149432" y="-3871"/>
-                  <a:pt x="1183641" y="26619"/>
-                  <a:pt x="1395674" y="0"/>
-                </a:cubicBezTo>
-                <a:cubicBezTo>
-                  <a:pt x="1607707" y="-26619"/>
-                  <a:pt x="1716805" y="-15169"/>
-                  <a:pt x="1932908" y="0"/>
-                </a:cubicBezTo>
-                <a:cubicBezTo>
-                  <a:pt x="2073291" y="-30553"/>
-                  <a:pt x="2210746" y="97522"/>
-                  <a:pt x="2204269" y="271361"/>
-                </a:cubicBezTo>
-                <a:cubicBezTo>
-                  <a:pt x="2182057" y="425483"/>
-                  <a:pt x="2194462" y="613208"/>
-                  <a:pt x="2204269" y="792357"/>
-                </a:cubicBezTo>
-                <a:cubicBezTo>
-                  <a:pt x="2214076" y="971506"/>
-                  <a:pt x="2229091" y="1101317"/>
-                  <a:pt x="2204269" y="1356770"/>
-                </a:cubicBezTo>
-                <a:cubicBezTo>
-                  <a:pt x="2194543" y="1522729"/>
-                  <a:pt x="2067300" y="1610180"/>
-                  <a:pt x="1932908" y="1628131"/>
-                </a:cubicBezTo>
-                <a:cubicBezTo>
-                  <a:pt x="1694601" y="1651138"/>
-                  <a:pt x="1562900" y="1624912"/>
-                  <a:pt x="1412290" y="1628131"/>
-                </a:cubicBezTo>
-                <a:cubicBezTo>
-                  <a:pt x="1261680" y="1631350"/>
-                  <a:pt x="1054546" y="1616809"/>
-                  <a:pt x="858441" y="1628131"/>
-                </a:cubicBezTo>
-                <a:cubicBezTo>
-                  <a:pt x="662336" y="1639453"/>
-                  <a:pt x="531863" y="1649899"/>
-                  <a:pt x="271361" y="1628131"/>
-                </a:cubicBezTo>
-                <a:cubicBezTo>
-                  <a:pt x="131174" y="1639991"/>
-                  <a:pt x="20114" y="1489028"/>
-                  <a:pt x="0" y="1356770"/>
-                </a:cubicBezTo>
-                <a:cubicBezTo>
-                  <a:pt x="-16598" y="1238352"/>
-                  <a:pt x="-13601" y="980876"/>
-                  <a:pt x="0" y="814066"/>
-                </a:cubicBezTo>
-                <a:cubicBezTo>
-                  <a:pt x="13601" y="647256"/>
-                  <a:pt x="-20388" y="503804"/>
-                  <a:pt x="0" y="271361"/>
-                </a:cubicBezTo>
-                <a:close/>
-              </a:path>
-            </a:pathLst>
-          </a:custGeom>
-          <a:solidFill>
-            <a:srgbClr val="FF0000">
-              <a:alpha val="24000"/>
-            </a:srgbClr>
-          </a:solidFill>
-          <a:ln>
-            <a:solidFill>
-              <a:srgbClr val="C00000"/>
-            </a:solidFill>
-            <a:prstDash val="dash"/>
-            <a:extLst>
-              <a:ext uri="{C807C97D-BFC1-408E-A445-0C87EB9F89A2}">
-                <ask:lineSketchStyleProps xmlns:ask="http://schemas.microsoft.com/office/drawing/2018/sketchyshapes" sd="1219033472">
-                  <a:prstGeom prst="roundRect">
-                    <a:avLst/>
-                  </a:prstGeom>
-                  <ask:type>
-                    <ask:lineSketchFreehand/>
-                  </ask:type>
-                </ask:lineSketchStyleProps>
-              </a:ext>
-            </a:extLst>
-          </a:ln>
-        </p:spPr>
-        <p:style>
-          <a:lnRef idx="2">
-            <a:schemeClr val="accent1">
-              <a:shade val="50000"/>
-            </a:schemeClr>
-          </a:lnRef>
-          <a:fillRef idx="1">
-            <a:schemeClr val="accent1"/>
-          </a:fillRef>
-          <a:effectRef idx="0">
-            <a:schemeClr val="accent1"/>
-          </a:effectRef>
-          <a:fontRef idx="minor">
-            <a:schemeClr val="lt1"/>
-          </a:fontRef>
-        </p:style>
-        <p:txBody>
-          <a:bodyPr rtlCol="0" anchor="ctr"/>
-          <a:lstStyle/>
-          <a:p>
-            <a:pPr algn="ctr"/>
-            <a:endParaRPr lang="en-US"/>
-          </a:p>
-        </p:txBody>
-      </p:sp>
-      <p:sp>
-        <p:nvSpPr>
           <p:cNvPr id="88" name="Rounded Rectangle 87">
             <a:extLst>
               <a:ext uri="{FF2B5EF4-FFF2-40B4-BE49-F238E27FC236}">
@@ -18293,6 +18293,55 @@
               <a:rPr lang="en-US" sz="1200" dirty="0"/>
               <a:t>Compensation</a:t>
             </a:r>
+          </a:p>
+        </p:txBody>
+      </p:sp>
+      <p:sp>
+        <p:nvSpPr>
+          <p:cNvPr id="83" name="Lightning Bolt 82">
+            <a:extLst>
+              <a:ext uri="{FF2B5EF4-FFF2-40B4-BE49-F238E27FC236}">
+                <a16:creationId xmlns:a16="http://schemas.microsoft.com/office/drawing/2014/main" id="{3AC0AE3A-A914-F28B-26A5-1ADE243FEBCE}"/>
+              </a:ext>
+            </a:extLst>
+          </p:cNvPr>
+          <p:cNvSpPr/>
+          <p:nvPr/>
+        </p:nvSpPr>
+        <p:spPr>
+          <a:xfrm>
+            <a:off x="7634331" y="4541442"/>
+            <a:ext cx="205852" cy="340136"/>
+          </a:xfrm>
+          <a:prstGeom prst="lightningBolt">
+            <a:avLst/>
+          </a:prstGeom>
+          <a:solidFill>
+            <a:srgbClr val="FF0000"/>
+          </a:solidFill>
+        </p:spPr>
+        <p:style>
+          <a:lnRef idx="2">
+            <a:schemeClr val="accent1">
+              <a:shade val="50000"/>
+            </a:schemeClr>
+          </a:lnRef>
+          <a:fillRef idx="1">
+            <a:schemeClr val="accent1"/>
+          </a:fillRef>
+          <a:effectRef idx="0">
+            <a:schemeClr val="accent1"/>
+          </a:effectRef>
+          <a:fontRef idx="minor">
+            <a:schemeClr val="lt1"/>
+          </a:fontRef>
+        </p:style>
+        <p:txBody>
+          <a:bodyPr rtlCol="0" anchor="ctr"/>
+          <a:lstStyle/>
+          <a:p>
+            <a:pPr algn="ctr"/>
+            <a:endParaRPr lang="en-US"/>
           </a:p>
         </p:txBody>
       </p:sp>
@@ -23799,612 +23848,6 @@
       </p:sp>
       <p:sp>
         <p:nvSpPr>
-          <p:cNvPr id="143" name="Rectangle 142">
-            <a:extLst>
-              <a:ext uri="{FF2B5EF4-FFF2-40B4-BE49-F238E27FC236}">
-                <a16:creationId xmlns:a16="http://schemas.microsoft.com/office/drawing/2014/main" id="{0CFAC514-229C-4940-82D2-28A277992D92}"/>
-              </a:ext>
-            </a:extLst>
-          </p:cNvPr>
-          <p:cNvSpPr/>
-          <p:nvPr/>
-        </p:nvSpPr>
-        <p:spPr>
-          <a:xfrm>
-            <a:off x="8750340" y="4024711"/>
-            <a:ext cx="1149674" cy="369332"/>
-          </a:xfrm>
-          <a:prstGeom prst="rect">
-            <a:avLst/>
-          </a:prstGeom>
-        </p:spPr>
-        <p:txBody>
-          <a:bodyPr wrap="none">
-            <a:spAutoFit/>
-          </a:bodyPr>
-          <a:lstStyle/>
-          <a:p>
-            <a:pPr algn="ctr"/>
-            <a:r>
-              <a:rPr lang="en-US" sz="900" dirty="0">
-                <a:solidFill>
-                  <a:schemeClr val="tx1">
-                    <a:lumMod val="50000"/>
-                  </a:schemeClr>
-                </a:solidFill>
-                <a:latin typeface="Menlo" panose="020B0609030804020204" pitchFamily="49" charset="0"/>
-              </a:rPr>
-              <a:t>VoyageAssigned</a:t>
-            </a:r>
-            <a:br>
-              <a:rPr lang="en-US" sz="900" dirty="0">
-                <a:solidFill>
-                  <a:schemeClr val="tx1">
-                    <a:lumMod val="50000"/>
-                  </a:schemeClr>
-                </a:solidFill>
-                <a:latin typeface="Menlo" panose="020B0609030804020204" pitchFamily="49" charset="0"/>
-              </a:rPr>
-            </a:br>
-            <a:r>
-              <a:rPr lang="en-US" sz="900" b="0" dirty="0">
-                <a:solidFill>
-                  <a:schemeClr val="tx1">
-                    <a:lumMod val="50000"/>
-                  </a:schemeClr>
-                </a:solidFill>
-                <a:effectLst/>
-                <a:latin typeface="Menlo" panose="020B0609030804020204" pitchFamily="49" charset="0"/>
-              </a:rPr>
-              <a:t>event</a:t>
-            </a:r>
-          </a:p>
-        </p:txBody>
-      </p:sp>
-      <p:cxnSp>
-        <p:nvCxnSpPr>
-          <p:cNvPr id="144" name="Straight Arrow Connector 143">
-            <a:extLst>
-              <a:ext uri="{FF2B5EF4-FFF2-40B4-BE49-F238E27FC236}">
-                <a16:creationId xmlns:a16="http://schemas.microsoft.com/office/drawing/2014/main" id="{960D96AE-7311-2644-B146-8ACD4663A212}"/>
-              </a:ext>
-            </a:extLst>
-          </p:cNvPr>
-          <p:cNvCxnSpPr>
-            <a:cxnSpLocks/>
-          </p:cNvCxnSpPr>
-          <p:nvPr/>
-        </p:nvCxnSpPr>
-        <p:spPr>
-          <a:xfrm>
-            <a:off x="5012358" y="4181307"/>
-            <a:ext cx="6265243" cy="28070"/>
-          </a:xfrm>
-          <a:prstGeom prst="straightConnector1">
-            <a:avLst/>
-          </a:prstGeom>
-          <a:ln>
-            <a:headEnd type="triangle"/>
-            <a:tailEnd type="none"/>
-          </a:ln>
-        </p:spPr>
-        <p:style>
-          <a:lnRef idx="1">
-            <a:schemeClr val="accent1"/>
-          </a:lnRef>
-          <a:fillRef idx="0">
-            <a:schemeClr val="accent1"/>
-          </a:fillRef>
-          <a:effectRef idx="0">
-            <a:schemeClr val="accent1"/>
-          </a:effectRef>
-          <a:fontRef idx="minor">
-            <a:schemeClr val="tx1"/>
-          </a:fontRef>
-        </p:style>
-      </p:cxnSp>
-      <p:grpSp>
-        <p:nvGrpSpPr>
-          <p:cNvPr id="145" name="Group 144">
-            <a:extLst>
-              <a:ext uri="{FF2B5EF4-FFF2-40B4-BE49-F238E27FC236}">
-                <a16:creationId xmlns:a16="http://schemas.microsoft.com/office/drawing/2014/main" id="{BC2514C0-30FE-BB40-9943-2A294FB6B766}"/>
-              </a:ext>
-            </a:extLst>
-          </p:cNvPr>
-          <p:cNvGrpSpPr/>
-          <p:nvPr/>
-        </p:nvGrpSpPr>
-        <p:grpSpPr>
-          <a:xfrm>
-            <a:off x="4533073" y="4155733"/>
-            <a:ext cx="433615" cy="288669"/>
-            <a:chOff x="7970108" y="5423680"/>
-            <a:chExt cx="1878227" cy="1100688"/>
-          </a:xfrm>
-        </p:grpSpPr>
-        <p:sp>
-          <p:nvSpPr>
-            <p:cNvPr id="146" name="Process 145">
-              <a:extLst>
-                <a:ext uri="{FF2B5EF4-FFF2-40B4-BE49-F238E27FC236}">
-                  <a16:creationId xmlns:a16="http://schemas.microsoft.com/office/drawing/2014/main" id="{A011B278-86E3-3E44-9F28-5D8546684822}"/>
-                </a:ext>
-              </a:extLst>
-            </p:cNvPr>
-            <p:cNvSpPr/>
-            <p:nvPr/>
-          </p:nvSpPr>
-          <p:spPr>
-            <a:xfrm>
-              <a:off x="7970108" y="5424731"/>
-              <a:ext cx="1878227" cy="1099637"/>
-            </a:xfrm>
-            <a:custGeom>
-              <a:avLst/>
-              <a:gdLst>
-                <a:gd name="connsiteX0" fmla="*/ 0 w 1878227"/>
-                <a:gd name="connsiteY0" fmla="*/ 0 h 1099637"/>
-                <a:gd name="connsiteX1" fmla="*/ 644858 w 1878227"/>
-                <a:gd name="connsiteY1" fmla="*/ 0 h 1099637"/>
-                <a:gd name="connsiteX2" fmla="*/ 1289716 w 1878227"/>
-                <a:gd name="connsiteY2" fmla="*/ 0 h 1099637"/>
-                <a:gd name="connsiteX3" fmla="*/ 1878227 w 1878227"/>
-                <a:gd name="connsiteY3" fmla="*/ 0 h 1099637"/>
-                <a:gd name="connsiteX4" fmla="*/ 1878227 w 1878227"/>
-                <a:gd name="connsiteY4" fmla="*/ 549819 h 1099637"/>
-                <a:gd name="connsiteX5" fmla="*/ 1878227 w 1878227"/>
-                <a:gd name="connsiteY5" fmla="*/ 1099637 h 1099637"/>
-                <a:gd name="connsiteX6" fmla="*/ 1308498 w 1878227"/>
-                <a:gd name="connsiteY6" fmla="*/ 1099637 h 1099637"/>
-                <a:gd name="connsiteX7" fmla="*/ 719987 w 1878227"/>
-                <a:gd name="connsiteY7" fmla="*/ 1099637 h 1099637"/>
-                <a:gd name="connsiteX8" fmla="*/ 0 w 1878227"/>
-                <a:gd name="connsiteY8" fmla="*/ 1099637 h 1099637"/>
-                <a:gd name="connsiteX9" fmla="*/ 0 w 1878227"/>
-                <a:gd name="connsiteY9" fmla="*/ 582808 h 1099637"/>
-                <a:gd name="connsiteX10" fmla="*/ 0 w 1878227"/>
-                <a:gd name="connsiteY10" fmla="*/ 0 h 1099637"/>
-              </a:gdLst>
-              <a:ahLst/>
-              <a:cxnLst>
-                <a:cxn ang="0">
-                  <a:pos x="connsiteX0" y="connsiteY0"/>
-                </a:cxn>
-                <a:cxn ang="0">
-                  <a:pos x="connsiteX1" y="connsiteY1"/>
-                </a:cxn>
-                <a:cxn ang="0">
-                  <a:pos x="connsiteX2" y="connsiteY2"/>
-                </a:cxn>
-                <a:cxn ang="0">
-                  <a:pos x="connsiteX3" y="connsiteY3"/>
-                </a:cxn>
-                <a:cxn ang="0">
-                  <a:pos x="connsiteX4" y="connsiteY4"/>
-                </a:cxn>
-                <a:cxn ang="0">
-                  <a:pos x="connsiteX5" y="connsiteY5"/>
-                </a:cxn>
-                <a:cxn ang="0">
-                  <a:pos x="connsiteX6" y="connsiteY6"/>
-                </a:cxn>
-                <a:cxn ang="0">
-                  <a:pos x="connsiteX7" y="connsiteY7"/>
-                </a:cxn>
-                <a:cxn ang="0">
-                  <a:pos x="connsiteX8" y="connsiteY8"/>
-                </a:cxn>
-                <a:cxn ang="0">
-                  <a:pos x="connsiteX9" y="connsiteY9"/>
-                </a:cxn>
-                <a:cxn ang="0">
-                  <a:pos x="connsiteX10" y="connsiteY10"/>
-                </a:cxn>
-              </a:cxnLst>
-              <a:rect l="l" t="t" r="r" b="b"/>
-              <a:pathLst>
-                <a:path w="1878227" h="1099637" fill="none" extrusionOk="0">
-                  <a:moveTo>
-                    <a:pt x="0" y="0"/>
-                  </a:moveTo>
-                  <a:cubicBezTo>
-                    <a:pt x="207791" y="-3202"/>
-                    <a:pt x="449320" y="20849"/>
-                    <a:pt x="644858" y="0"/>
-                  </a:cubicBezTo>
-                  <a:cubicBezTo>
-                    <a:pt x="840396" y="-20849"/>
-                    <a:pt x="1043228" y="22455"/>
-                    <a:pt x="1289716" y="0"/>
-                  </a:cubicBezTo>
-                  <a:cubicBezTo>
-                    <a:pt x="1536204" y="-22455"/>
-                    <a:pt x="1626757" y="-14245"/>
-                    <a:pt x="1878227" y="0"/>
-                  </a:cubicBezTo>
-                  <a:cubicBezTo>
-                    <a:pt x="1903931" y="194696"/>
-                    <a:pt x="1884269" y="390299"/>
-                    <a:pt x="1878227" y="549819"/>
-                  </a:cubicBezTo>
-                  <a:cubicBezTo>
-                    <a:pt x="1872185" y="709339"/>
-                    <a:pt x="1868856" y="982552"/>
-                    <a:pt x="1878227" y="1099637"/>
-                  </a:cubicBezTo>
-                  <a:cubicBezTo>
-                    <a:pt x="1663617" y="1109173"/>
-                    <a:pt x="1588766" y="1101489"/>
-                    <a:pt x="1308498" y="1099637"/>
-                  </a:cubicBezTo>
-                  <a:cubicBezTo>
-                    <a:pt x="1028230" y="1097785"/>
-                    <a:pt x="967659" y="1114375"/>
-                    <a:pt x="719987" y="1099637"/>
-                  </a:cubicBezTo>
-                  <a:cubicBezTo>
-                    <a:pt x="472315" y="1084899"/>
-                    <a:pt x="250596" y="1112211"/>
-                    <a:pt x="0" y="1099637"/>
-                  </a:cubicBezTo>
-                  <a:cubicBezTo>
-                    <a:pt x="17138" y="875795"/>
-                    <a:pt x="23654" y="690694"/>
-                    <a:pt x="0" y="582808"/>
-                  </a:cubicBezTo>
-                  <a:cubicBezTo>
-                    <a:pt x="-23654" y="474922"/>
-                    <a:pt x="-28674" y="234532"/>
-                    <a:pt x="0" y="0"/>
-                  </a:cubicBezTo>
-                  <a:close/>
-                </a:path>
-                <a:path w="1878227" h="1099637" stroke="0" extrusionOk="0">
-                  <a:moveTo>
-                    <a:pt x="0" y="0"/>
-                  </a:moveTo>
-                  <a:cubicBezTo>
-                    <a:pt x="205619" y="-14069"/>
-                    <a:pt x="353850" y="-22981"/>
-                    <a:pt x="588511" y="0"/>
-                  </a:cubicBezTo>
-                  <a:cubicBezTo>
-                    <a:pt x="823172" y="22981"/>
-                    <a:pt x="903881" y="-16151"/>
-                    <a:pt x="1158240" y="0"/>
-                  </a:cubicBezTo>
-                  <a:cubicBezTo>
-                    <a:pt x="1412599" y="16151"/>
-                    <a:pt x="1675053" y="15805"/>
-                    <a:pt x="1878227" y="0"/>
-                  </a:cubicBezTo>
-                  <a:cubicBezTo>
-                    <a:pt x="1891064" y="132431"/>
-                    <a:pt x="1877567" y="346581"/>
-                    <a:pt x="1878227" y="527826"/>
-                  </a:cubicBezTo>
-                  <a:cubicBezTo>
-                    <a:pt x="1878887" y="709071"/>
-                    <a:pt x="1859920" y="887733"/>
-                    <a:pt x="1878227" y="1099637"/>
-                  </a:cubicBezTo>
-                  <a:cubicBezTo>
-                    <a:pt x="1686863" y="1122792"/>
-                    <a:pt x="1541189" y="1105026"/>
-                    <a:pt x="1233369" y="1099637"/>
-                  </a:cubicBezTo>
-                  <a:cubicBezTo>
-                    <a:pt x="925549" y="1094248"/>
-                    <a:pt x="872526" y="1096231"/>
-                    <a:pt x="607293" y="1099637"/>
-                  </a:cubicBezTo>
-                  <a:cubicBezTo>
-                    <a:pt x="342060" y="1103043"/>
-                    <a:pt x="272071" y="1128535"/>
-                    <a:pt x="0" y="1099637"/>
-                  </a:cubicBezTo>
-                  <a:cubicBezTo>
-                    <a:pt x="2977" y="949703"/>
-                    <a:pt x="-15090" y="660822"/>
-                    <a:pt x="0" y="538822"/>
-                  </a:cubicBezTo>
-                  <a:cubicBezTo>
-                    <a:pt x="15090" y="416822"/>
-                    <a:pt x="-19118" y="258618"/>
-                    <a:pt x="0" y="0"/>
-                  </a:cubicBezTo>
-                  <a:close/>
-                </a:path>
-              </a:pathLst>
-            </a:custGeom>
-            <a:solidFill>
-              <a:schemeClr val="accent1">
-                <a:lumMod val="60000"/>
-                <a:lumOff val="40000"/>
-              </a:schemeClr>
-            </a:solidFill>
-            <a:ln>
-              <a:extLst>
-                <a:ext uri="{C807C97D-BFC1-408E-A445-0C87EB9F89A2}">
-                  <ask:lineSketchStyleProps xmlns:ask="http://schemas.microsoft.com/office/drawing/2018/sketchyshapes" sd="1415987959">
-                    <a:prstGeom prst="flowChartProcess">
-                      <a:avLst/>
-                    </a:prstGeom>
-                    <ask:type>
-                      <ask:lineSketchFreehand/>
-                    </ask:type>
-                  </ask:lineSketchStyleProps>
-                </a:ext>
-              </a:extLst>
-            </a:ln>
-          </p:spPr>
-          <p:style>
-            <a:lnRef idx="2">
-              <a:schemeClr val="accent1">
-                <a:shade val="50000"/>
-              </a:schemeClr>
-            </a:lnRef>
-            <a:fillRef idx="1">
-              <a:schemeClr val="accent1"/>
-            </a:fillRef>
-            <a:effectRef idx="0">
-              <a:schemeClr val="accent1"/>
-            </a:effectRef>
-            <a:fontRef idx="minor">
-              <a:schemeClr val="lt1"/>
-            </a:fontRef>
-          </p:style>
-          <p:txBody>
-            <a:bodyPr rtlCol="0" anchor="ctr"/>
-            <a:lstStyle/>
-            <a:p>
-              <a:pPr algn="ctr"/>
-              <a:endParaRPr lang="en-US" dirty="0"/>
-            </a:p>
-          </p:txBody>
-        </p:sp>
-        <p:sp>
-          <p:nvSpPr>
-            <p:cNvPr id="147" name="Merge 146">
-              <a:extLst>
-                <a:ext uri="{FF2B5EF4-FFF2-40B4-BE49-F238E27FC236}">
-                  <a16:creationId xmlns:a16="http://schemas.microsoft.com/office/drawing/2014/main" id="{0D2E6372-4B5D-524A-A244-1AEC267E8BA5}"/>
-                </a:ext>
-              </a:extLst>
-            </p:cNvPr>
-            <p:cNvSpPr/>
-            <p:nvPr/>
-          </p:nvSpPr>
-          <p:spPr>
-            <a:xfrm>
-              <a:off x="7970108" y="5423680"/>
-              <a:ext cx="1876003" cy="673922"/>
-            </a:xfrm>
-            <a:custGeom>
-              <a:avLst/>
-              <a:gdLst>
-                <a:gd name="connsiteX0" fmla="*/ 0 w 1876003"/>
-                <a:gd name="connsiteY0" fmla="*/ 0 h 673922"/>
-                <a:gd name="connsiteX1" fmla="*/ 625334 w 1876003"/>
-                <a:gd name="connsiteY1" fmla="*/ 0 h 673922"/>
-                <a:gd name="connsiteX2" fmla="*/ 1231909 w 1876003"/>
-                <a:gd name="connsiteY2" fmla="*/ 0 h 673922"/>
-                <a:gd name="connsiteX3" fmla="*/ 1876003 w 1876003"/>
-                <a:gd name="connsiteY3" fmla="*/ 0 h 673922"/>
-                <a:gd name="connsiteX4" fmla="*/ 1397622 w 1876003"/>
-                <a:gd name="connsiteY4" fmla="*/ 343700 h 673922"/>
-                <a:gd name="connsiteX5" fmla="*/ 938001 w 1876003"/>
-                <a:gd name="connsiteY5" fmla="*/ 673922 h 673922"/>
-                <a:gd name="connsiteX6" fmla="*/ 459620 w 1876003"/>
-                <a:gd name="connsiteY6" fmla="*/ 330222 h 673922"/>
-                <a:gd name="connsiteX7" fmla="*/ 0 w 1876003"/>
-                <a:gd name="connsiteY7" fmla="*/ 0 h 673922"/>
-              </a:gdLst>
-              <a:ahLst/>
-              <a:cxnLst>
-                <a:cxn ang="0">
-                  <a:pos x="connsiteX0" y="connsiteY0"/>
-                </a:cxn>
-                <a:cxn ang="0">
-                  <a:pos x="connsiteX1" y="connsiteY1"/>
-                </a:cxn>
-                <a:cxn ang="0">
-                  <a:pos x="connsiteX2" y="connsiteY2"/>
-                </a:cxn>
-                <a:cxn ang="0">
-                  <a:pos x="connsiteX3" y="connsiteY3"/>
-                </a:cxn>
-                <a:cxn ang="0">
-                  <a:pos x="connsiteX4" y="connsiteY4"/>
-                </a:cxn>
-                <a:cxn ang="0">
-                  <a:pos x="connsiteX5" y="connsiteY5"/>
-                </a:cxn>
-                <a:cxn ang="0">
-                  <a:pos x="connsiteX6" y="connsiteY6"/>
-                </a:cxn>
-                <a:cxn ang="0">
-                  <a:pos x="connsiteX7" y="connsiteY7"/>
-                </a:cxn>
-              </a:cxnLst>
-              <a:rect l="l" t="t" r="r" b="b"/>
-              <a:pathLst>
-                <a:path w="1876003" h="673922" fill="none" extrusionOk="0">
-                  <a:moveTo>
-                    <a:pt x="0" y="0"/>
-                  </a:moveTo>
-                  <a:cubicBezTo>
-                    <a:pt x="126266" y="-11500"/>
-                    <a:pt x="433065" y="-28000"/>
-                    <a:pt x="625334" y="0"/>
-                  </a:cubicBezTo>
-                  <a:cubicBezTo>
-                    <a:pt x="817603" y="28000"/>
-                    <a:pt x="970046" y="196"/>
-                    <a:pt x="1231909" y="0"/>
-                  </a:cubicBezTo>
-                  <a:cubicBezTo>
-                    <a:pt x="1493772" y="-196"/>
-                    <a:pt x="1657693" y="19307"/>
-                    <a:pt x="1876003" y="0"/>
-                  </a:cubicBezTo>
-                  <a:cubicBezTo>
-                    <a:pt x="1689508" y="123057"/>
-                    <a:pt x="1633947" y="197971"/>
-                    <a:pt x="1397622" y="343700"/>
-                  </a:cubicBezTo>
-                  <a:cubicBezTo>
-                    <a:pt x="1161297" y="489429"/>
-                    <a:pt x="1080124" y="598492"/>
-                    <a:pt x="938001" y="673922"/>
-                  </a:cubicBezTo>
-                  <a:cubicBezTo>
-                    <a:pt x="767009" y="530179"/>
-                    <a:pt x="647179" y="458018"/>
-                    <a:pt x="459620" y="330222"/>
-                  </a:cubicBezTo>
-                  <a:cubicBezTo>
-                    <a:pt x="272061" y="202426"/>
-                    <a:pt x="160226" y="113183"/>
-                    <a:pt x="0" y="0"/>
-                  </a:cubicBezTo>
-                  <a:close/>
-                </a:path>
-                <a:path w="1876003" h="673922" stroke="0" extrusionOk="0">
-                  <a:moveTo>
-                    <a:pt x="0" y="0"/>
-                  </a:moveTo>
-                  <a:cubicBezTo>
-                    <a:pt x="275686" y="8919"/>
-                    <a:pt x="452956" y="15438"/>
-                    <a:pt x="625334" y="0"/>
-                  </a:cubicBezTo>
-                  <a:cubicBezTo>
-                    <a:pt x="797712" y="-15438"/>
-                    <a:pt x="996315" y="1378"/>
-                    <a:pt x="1213149" y="0"/>
-                  </a:cubicBezTo>
-                  <a:cubicBezTo>
-                    <a:pt x="1429984" y="-1378"/>
-                    <a:pt x="1656602" y="611"/>
-                    <a:pt x="1876003" y="0"/>
-                  </a:cubicBezTo>
-                  <a:cubicBezTo>
-                    <a:pt x="1687030" y="133105"/>
-                    <a:pt x="1605978" y="176203"/>
-                    <a:pt x="1425762" y="323483"/>
-                  </a:cubicBezTo>
-                  <a:cubicBezTo>
-                    <a:pt x="1245546" y="470762"/>
-                    <a:pt x="1040751" y="595710"/>
-                    <a:pt x="938001" y="673922"/>
-                  </a:cubicBezTo>
-                  <a:cubicBezTo>
-                    <a:pt x="723628" y="517228"/>
-                    <a:pt x="669825" y="477784"/>
-                    <a:pt x="478381" y="343700"/>
-                  </a:cubicBezTo>
-                  <a:cubicBezTo>
-                    <a:pt x="286936" y="209616"/>
-                    <a:pt x="151426" y="87416"/>
-                    <a:pt x="0" y="0"/>
-                  </a:cubicBezTo>
-                  <a:close/>
-                </a:path>
-              </a:pathLst>
-            </a:custGeom>
-            <a:solidFill>
-              <a:schemeClr val="accent1">
-                <a:lumMod val="40000"/>
-                <a:lumOff val="60000"/>
-              </a:schemeClr>
-            </a:solidFill>
-            <a:ln>
-              <a:extLst>
-                <a:ext uri="{C807C97D-BFC1-408E-A445-0C87EB9F89A2}">
-                  <ask:lineSketchStyleProps xmlns:ask="http://schemas.microsoft.com/office/drawing/2018/sketchyshapes" sd="3968420687">
-                    <a:prstGeom prst="flowChartMerge">
-                      <a:avLst/>
-                    </a:prstGeom>
-                    <ask:type>
-                      <ask:lineSketchFreehand/>
-                    </ask:type>
-                  </ask:lineSketchStyleProps>
-                </a:ext>
-              </a:extLst>
-            </a:ln>
-          </p:spPr>
-          <p:style>
-            <a:lnRef idx="2">
-              <a:schemeClr val="accent1">
-                <a:shade val="50000"/>
-              </a:schemeClr>
-            </a:lnRef>
-            <a:fillRef idx="1">
-              <a:schemeClr val="accent1"/>
-            </a:fillRef>
-            <a:effectRef idx="0">
-              <a:schemeClr val="accent1"/>
-            </a:effectRef>
-            <a:fontRef idx="minor">
-              <a:schemeClr val="lt1"/>
-            </a:fontRef>
-          </p:style>
-          <p:txBody>
-            <a:bodyPr rtlCol="0" anchor="ctr"/>
-            <a:lstStyle/>
-            <a:p>
-              <a:pPr algn="ctr"/>
-              <a:endParaRPr lang="en-US" dirty="0"/>
-            </a:p>
-          </p:txBody>
-        </p:sp>
-      </p:grpSp>
-      <p:cxnSp>
-        <p:nvCxnSpPr>
-          <p:cNvPr id="154" name="Straight Arrow Connector 153">
-            <a:extLst>
-              <a:ext uri="{FF2B5EF4-FFF2-40B4-BE49-F238E27FC236}">
-                <a16:creationId xmlns:a16="http://schemas.microsoft.com/office/drawing/2014/main" id="{E0423B37-4733-1448-8316-682F95672219}"/>
-              </a:ext>
-            </a:extLst>
-          </p:cNvPr>
-          <p:cNvCxnSpPr>
-            <a:cxnSpLocks/>
-          </p:cNvCxnSpPr>
-          <p:nvPr/>
-        </p:nvCxnSpPr>
-        <p:spPr>
-          <a:xfrm flipH="1">
-            <a:off x="5012358" y="4444402"/>
-            <a:ext cx="2400859" cy="0"/>
-          </a:xfrm>
-          <a:prstGeom prst="straightConnector1">
-            <a:avLst/>
-          </a:prstGeom>
-          <a:ln>
-            <a:headEnd type="triangle"/>
-            <a:tailEnd type="none"/>
-          </a:ln>
-        </p:spPr>
-        <p:style>
-          <a:lnRef idx="1">
-            <a:schemeClr val="accent1"/>
-          </a:lnRef>
-          <a:fillRef idx="0">
-            <a:schemeClr val="accent1"/>
-          </a:fillRef>
-          <a:effectRef idx="0">
-            <a:schemeClr val="accent1"/>
-          </a:effectRef>
-          <a:fontRef idx="minor">
-            <a:schemeClr val="tx1"/>
-          </a:fontRef>
-        </p:style>
-      </p:cxnSp>
-      <p:sp>
-        <p:nvSpPr>
           <p:cNvPr id="158" name="Rectangle 157">
             <a:extLst>
               <a:ext uri="{FF2B5EF4-FFF2-40B4-BE49-F238E27FC236}">
@@ -24489,34 +23932,38 @@
         </p:nvSpPr>
         <p:spPr>
           <a:xfrm>
-            <a:off x="7438203" y="4402559"/>
-            <a:ext cx="151048" cy="1082442"/>
+            <a:off x="7438203" y="3896670"/>
+            <a:ext cx="127961" cy="1588331"/>
           </a:xfrm>
           <a:custGeom>
             <a:avLst/>
             <a:gdLst>
-              <a:gd name="connsiteX0" fmla="*/ 0 w 151048"/>
-              <a:gd name="connsiteY0" fmla="*/ 25175 h 1082442"/>
-              <a:gd name="connsiteX1" fmla="*/ 25175 w 151048"/>
-              <a:gd name="connsiteY1" fmla="*/ 0 h 1082442"/>
-              <a:gd name="connsiteX2" fmla="*/ 125873 w 151048"/>
-              <a:gd name="connsiteY2" fmla="*/ 0 h 1082442"/>
-              <a:gd name="connsiteX3" fmla="*/ 151048 w 151048"/>
-              <a:gd name="connsiteY3" fmla="*/ 25175 h 1082442"/>
-              <a:gd name="connsiteX4" fmla="*/ 151048 w 151048"/>
-              <a:gd name="connsiteY4" fmla="*/ 510258 h 1082442"/>
-              <a:gd name="connsiteX5" fmla="*/ 151048 w 151048"/>
-              <a:gd name="connsiteY5" fmla="*/ 1057267 h 1082442"/>
-              <a:gd name="connsiteX6" fmla="*/ 125873 w 151048"/>
-              <a:gd name="connsiteY6" fmla="*/ 1082442 h 1082442"/>
-              <a:gd name="connsiteX7" fmla="*/ 25175 w 151048"/>
-              <a:gd name="connsiteY7" fmla="*/ 1082442 h 1082442"/>
-              <a:gd name="connsiteX8" fmla="*/ 0 w 151048"/>
-              <a:gd name="connsiteY8" fmla="*/ 1057267 h 1082442"/>
-              <a:gd name="connsiteX9" fmla="*/ 0 w 151048"/>
-              <a:gd name="connsiteY9" fmla="*/ 520579 h 1082442"/>
-              <a:gd name="connsiteX10" fmla="*/ 0 w 151048"/>
-              <a:gd name="connsiteY10" fmla="*/ 25175 h 1082442"/>
+              <a:gd name="connsiteX0" fmla="*/ 0 w 127961"/>
+              <a:gd name="connsiteY0" fmla="*/ 21327 h 1588331"/>
+              <a:gd name="connsiteX1" fmla="*/ 21327 w 127961"/>
+              <a:gd name="connsiteY1" fmla="*/ 0 h 1588331"/>
+              <a:gd name="connsiteX2" fmla="*/ 106634 w 127961"/>
+              <a:gd name="connsiteY2" fmla="*/ 0 h 1588331"/>
+              <a:gd name="connsiteX3" fmla="*/ 127961 w 127961"/>
+              <a:gd name="connsiteY3" fmla="*/ 21327 h 1588331"/>
+              <a:gd name="connsiteX4" fmla="*/ 127961 w 127961"/>
+              <a:gd name="connsiteY4" fmla="*/ 521096 h 1588331"/>
+              <a:gd name="connsiteX5" fmla="*/ 127961 w 127961"/>
+              <a:gd name="connsiteY5" fmla="*/ 1005408 h 1588331"/>
+              <a:gd name="connsiteX6" fmla="*/ 127961 w 127961"/>
+              <a:gd name="connsiteY6" fmla="*/ 1567004 h 1588331"/>
+              <a:gd name="connsiteX7" fmla="*/ 106634 w 127961"/>
+              <a:gd name="connsiteY7" fmla="*/ 1588331 h 1588331"/>
+              <a:gd name="connsiteX8" fmla="*/ 21327 w 127961"/>
+              <a:gd name="connsiteY8" fmla="*/ 1588331 h 1588331"/>
+              <a:gd name="connsiteX9" fmla="*/ 0 w 127961"/>
+              <a:gd name="connsiteY9" fmla="*/ 1567004 h 1588331"/>
+              <a:gd name="connsiteX10" fmla="*/ 0 w 127961"/>
+              <a:gd name="connsiteY10" fmla="*/ 1098149 h 1588331"/>
+              <a:gd name="connsiteX11" fmla="*/ 0 w 127961"/>
+              <a:gd name="connsiteY11" fmla="*/ 629293 h 1588331"/>
+              <a:gd name="connsiteX12" fmla="*/ 0 w 127961"/>
+              <a:gd name="connsiteY12" fmla="*/ 21327 h 1588331"/>
             </a:gdLst>
             <a:ahLst/>
             <a:cxnLst>
@@ -24553,118 +24000,144 @@
               <a:cxn ang="0">
                 <a:pos x="connsiteX10" y="connsiteY10"/>
               </a:cxn>
+              <a:cxn ang="0">
+                <a:pos x="connsiteX11" y="connsiteY11"/>
+              </a:cxn>
+              <a:cxn ang="0">
+                <a:pos x="connsiteX12" y="connsiteY12"/>
+              </a:cxn>
             </a:cxnLst>
             <a:rect l="l" t="t" r="r" b="b"/>
             <a:pathLst>
-              <a:path w="151048" h="1082442" fill="none" extrusionOk="0">
+              <a:path w="127961" h="1588331" fill="none" extrusionOk="0">
                 <a:moveTo>
-                  <a:pt x="0" y="25175"/>
+                  <a:pt x="0" y="21327"/>
                 </a:moveTo>
                 <a:cubicBezTo>
-                  <a:pt x="349" y="11424"/>
-                  <a:pt x="9822" y="59"/>
-                  <a:pt x="25175" y="0"/>
-                </a:cubicBezTo>
-                <a:cubicBezTo>
-                  <a:pt x="72776" y="-264"/>
-                  <a:pt x="90078" y="-1472"/>
-                  <a:pt x="125873" y="0"/>
-                </a:cubicBezTo>
-                <a:cubicBezTo>
-                  <a:pt x="138286" y="-168"/>
-                  <a:pt x="150034" y="10737"/>
-                  <a:pt x="151048" y="25175"/>
-                </a:cubicBezTo>
-                <a:cubicBezTo>
-                  <a:pt x="152565" y="257798"/>
-                  <a:pt x="159904" y="292916"/>
-                  <a:pt x="151048" y="510258"/>
-                </a:cubicBezTo>
-                <a:cubicBezTo>
-                  <a:pt x="142192" y="727600"/>
-                  <a:pt x="170694" y="809403"/>
-                  <a:pt x="151048" y="1057267"/>
-                </a:cubicBezTo>
-                <a:cubicBezTo>
-                  <a:pt x="152044" y="1071913"/>
-                  <a:pt x="136619" y="1082082"/>
-                  <a:pt x="125873" y="1082442"/>
-                </a:cubicBezTo>
-                <a:cubicBezTo>
-                  <a:pt x="79197" y="1084553"/>
-                  <a:pt x="51080" y="1081669"/>
-                  <a:pt x="25175" y="1082442"/>
-                </a:cubicBezTo>
-                <a:cubicBezTo>
-                  <a:pt x="10187" y="1084632"/>
-                  <a:pt x="-1284" y="1074123"/>
-                  <a:pt x="0" y="1057267"/>
-                </a:cubicBezTo>
-                <a:cubicBezTo>
-                  <a:pt x="15492" y="860332"/>
-                  <a:pt x="14566" y="650873"/>
-                  <a:pt x="0" y="520579"/>
-                </a:cubicBezTo>
-                <a:cubicBezTo>
-                  <a:pt x="-14566" y="390285"/>
-                  <a:pt x="8526" y="149652"/>
-                  <a:pt x="0" y="25175"/>
+                  <a:pt x="-1330" y="11696"/>
+                  <a:pt x="10850" y="96"/>
+                  <a:pt x="21327" y="0"/>
+                </a:cubicBezTo>
+                <a:cubicBezTo>
+                  <a:pt x="60754" y="-1965"/>
+                  <a:pt x="70034" y="3796"/>
+                  <a:pt x="106634" y="0"/>
+                </a:cubicBezTo>
+                <a:cubicBezTo>
+                  <a:pt x="118841" y="-1212"/>
+                  <a:pt x="127584" y="10114"/>
+                  <a:pt x="127961" y="21327"/>
+                </a:cubicBezTo>
+                <a:cubicBezTo>
+                  <a:pt x="147531" y="246002"/>
+                  <a:pt x="121030" y="300155"/>
+                  <a:pt x="127961" y="521096"/>
+                </a:cubicBezTo>
+                <a:cubicBezTo>
+                  <a:pt x="134892" y="742037"/>
+                  <a:pt x="149777" y="794387"/>
+                  <a:pt x="127961" y="1005408"/>
+                </a:cubicBezTo>
+                <a:cubicBezTo>
+                  <a:pt x="106145" y="1216429"/>
+                  <a:pt x="108839" y="1417241"/>
+                  <a:pt x="127961" y="1567004"/>
+                </a:cubicBezTo>
+                <a:cubicBezTo>
+                  <a:pt x="127399" y="1579918"/>
+                  <a:pt x="117851" y="1589622"/>
+                  <a:pt x="106634" y="1588331"/>
+                </a:cubicBezTo>
+                <a:cubicBezTo>
+                  <a:pt x="76480" y="1586718"/>
+                  <a:pt x="42860" y="1588177"/>
+                  <a:pt x="21327" y="1588331"/>
+                </a:cubicBezTo>
+                <a:cubicBezTo>
+                  <a:pt x="9352" y="1588151"/>
+                  <a:pt x="1809" y="1578898"/>
+                  <a:pt x="0" y="1567004"/>
+                </a:cubicBezTo>
+                <a:cubicBezTo>
+                  <a:pt x="11985" y="1457136"/>
+                  <a:pt x="-17346" y="1198083"/>
+                  <a:pt x="0" y="1098149"/>
+                </a:cubicBezTo>
+                <a:cubicBezTo>
+                  <a:pt x="17346" y="998216"/>
+                  <a:pt x="-21896" y="790724"/>
+                  <a:pt x="0" y="629293"/>
+                </a:cubicBezTo>
+                <a:cubicBezTo>
+                  <a:pt x="21896" y="467862"/>
+                  <a:pt x="24050" y="248424"/>
+                  <a:pt x="0" y="21327"/>
                 </a:cubicBezTo>
                 <a:close/>
               </a:path>
-              <a:path w="151048" h="1082442" stroke="0" extrusionOk="0">
+              <a:path w="127961" h="1588331" stroke="0" extrusionOk="0">
                 <a:moveTo>
-                  <a:pt x="0" y="25175"/>
+                  <a:pt x="0" y="21327"/>
                 </a:moveTo>
                 <a:cubicBezTo>
-                  <a:pt x="-2784" y="11110"/>
-                  <a:pt x="12472" y="-103"/>
-                  <a:pt x="25175" y="0"/>
-                </a:cubicBezTo>
-                <a:cubicBezTo>
-                  <a:pt x="72596" y="-999"/>
-                  <a:pt x="95128" y="2650"/>
-                  <a:pt x="125873" y="0"/>
-                </a:cubicBezTo>
-                <a:cubicBezTo>
-                  <a:pt x="140240" y="462"/>
-                  <a:pt x="148670" y="12671"/>
-                  <a:pt x="151048" y="25175"/>
-                </a:cubicBezTo>
-                <a:cubicBezTo>
-                  <a:pt x="174466" y="162050"/>
-                  <a:pt x="130783" y="347477"/>
-                  <a:pt x="151048" y="561863"/>
-                </a:cubicBezTo>
-                <a:cubicBezTo>
-                  <a:pt x="171313" y="776249"/>
-                  <a:pt x="134692" y="945381"/>
-                  <a:pt x="151048" y="1057267"/>
-                </a:cubicBezTo>
-                <a:cubicBezTo>
-                  <a:pt x="149872" y="1072135"/>
-                  <a:pt x="139921" y="1081064"/>
-                  <a:pt x="125873" y="1082442"/>
-                </a:cubicBezTo>
-                <a:cubicBezTo>
-                  <a:pt x="94608" y="1080030"/>
-                  <a:pt x="46538" y="1085444"/>
-                  <a:pt x="25175" y="1082442"/>
-                </a:cubicBezTo>
-                <a:cubicBezTo>
-                  <a:pt x="11510" y="1081534"/>
-                  <a:pt x="-1318" y="1071332"/>
-                  <a:pt x="0" y="1057267"/>
-                </a:cubicBezTo>
-                <a:cubicBezTo>
-                  <a:pt x="-12323" y="878331"/>
-                  <a:pt x="8811" y="758152"/>
-                  <a:pt x="0" y="572184"/>
-                </a:cubicBezTo>
-                <a:cubicBezTo>
-                  <a:pt x="-8811" y="386216"/>
-                  <a:pt x="-5355" y="242367"/>
-                  <a:pt x="0" y="25175"/>
+                  <a:pt x="-1831" y="9442"/>
+                  <a:pt x="9926" y="-32"/>
+                  <a:pt x="21327" y="0"/>
+                </a:cubicBezTo>
+                <a:cubicBezTo>
+                  <a:pt x="50939" y="365"/>
+                  <a:pt x="86010" y="804"/>
+                  <a:pt x="106634" y="0"/>
+                </a:cubicBezTo>
+                <a:cubicBezTo>
+                  <a:pt x="119857" y="1442"/>
+                  <a:pt x="127012" y="10107"/>
+                  <a:pt x="127961" y="21327"/>
+                </a:cubicBezTo>
+                <a:cubicBezTo>
+                  <a:pt x="154174" y="156893"/>
+                  <a:pt x="121331" y="296560"/>
+                  <a:pt x="127961" y="567466"/>
+                </a:cubicBezTo>
+                <a:cubicBezTo>
+                  <a:pt x="134591" y="838372"/>
+                  <a:pt x="129511" y="866548"/>
+                  <a:pt x="127961" y="1036322"/>
+                </a:cubicBezTo>
+                <a:cubicBezTo>
+                  <a:pt x="126411" y="1206096"/>
+                  <a:pt x="138469" y="1310785"/>
+                  <a:pt x="127961" y="1567004"/>
+                </a:cubicBezTo>
+                <a:cubicBezTo>
+                  <a:pt x="130063" y="1580260"/>
+                  <a:pt x="117769" y="1587548"/>
+                  <a:pt x="106634" y="1588331"/>
+                </a:cubicBezTo>
+                <a:cubicBezTo>
+                  <a:pt x="72590" y="1591072"/>
+                  <a:pt x="40305" y="1587497"/>
+                  <a:pt x="21327" y="1588331"/>
+                </a:cubicBezTo>
+                <a:cubicBezTo>
+                  <a:pt x="8798" y="1587980"/>
+                  <a:pt x="984" y="1576406"/>
+                  <a:pt x="0" y="1567004"/>
+                </a:cubicBezTo>
+                <a:cubicBezTo>
+                  <a:pt x="5894" y="1339464"/>
+                  <a:pt x="-22105" y="1236707"/>
+                  <a:pt x="0" y="1020865"/>
+                </a:cubicBezTo>
+                <a:cubicBezTo>
+                  <a:pt x="22105" y="805023"/>
+                  <a:pt x="24068" y="747155"/>
+                  <a:pt x="0" y="536553"/>
+                </a:cubicBezTo>
+                <a:cubicBezTo>
+                  <a:pt x="-24068" y="325951"/>
+                  <a:pt x="-23404" y="159320"/>
+                  <a:pt x="0" y="21327"/>
                 </a:cubicBezTo>
                 <a:close/>
               </a:path>
@@ -25466,6 +24939,1262 @@
           </a:fontRef>
         </p:style>
       </p:cxnSp>
+      <p:sp>
+        <p:nvSpPr>
+          <p:cNvPr id="70" name="Rectangle 69">
+            <a:extLst>
+              <a:ext uri="{FF2B5EF4-FFF2-40B4-BE49-F238E27FC236}">
+                <a16:creationId xmlns:a16="http://schemas.microsoft.com/office/drawing/2014/main" id="{02C1C18A-E166-7C3C-BBA0-1FC2247F95D2}"/>
+              </a:ext>
+            </a:extLst>
+          </p:cNvPr>
+          <p:cNvSpPr/>
+          <p:nvPr/>
+        </p:nvSpPr>
+        <p:spPr>
+          <a:xfrm>
+            <a:off x="4507582" y="4747277"/>
+            <a:ext cx="1080745" cy="369332"/>
+          </a:xfrm>
+          <a:prstGeom prst="rect">
+            <a:avLst/>
+          </a:prstGeom>
+        </p:spPr>
+        <p:txBody>
+          <a:bodyPr wrap="none">
+            <a:spAutoFit/>
+          </a:bodyPr>
+          <a:lstStyle/>
+          <a:p>
+            <a:pPr algn="ctr"/>
+            <a:r>
+              <a:rPr lang="en-US" sz="900" b="0" dirty="0">
+                <a:solidFill>
+                  <a:schemeClr val="tx1">
+                    <a:lumMod val="50000"/>
+                  </a:schemeClr>
+                </a:solidFill>
+                <a:effectLst/>
+                <a:latin typeface="Menlo" panose="020B0609030804020204" pitchFamily="49" charset="0"/>
+              </a:rPr>
+              <a:t>OrderRejected</a:t>
+            </a:r>
+            <a:br>
+              <a:rPr lang="en-US" sz="900" b="0" dirty="0">
+                <a:solidFill>
+                  <a:schemeClr val="tx1">
+                    <a:lumMod val="50000"/>
+                  </a:schemeClr>
+                </a:solidFill>
+                <a:effectLst/>
+                <a:latin typeface="Menlo" panose="020B0609030804020204" pitchFamily="49" charset="0"/>
+              </a:rPr>
+            </a:br>
+            <a:r>
+              <a:rPr lang="en-US" sz="900" b="0" dirty="0">
+                <a:solidFill>
+                  <a:schemeClr val="tx1">
+                    <a:lumMod val="50000"/>
+                  </a:schemeClr>
+                </a:solidFill>
+                <a:effectLst/>
+                <a:latin typeface="Menlo" panose="020B0609030804020204" pitchFamily="49" charset="0"/>
+              </a:rPr>
+              <a:t>event</a:t>
+            </a:r>
+          </a:p>
+        </p:txBody>
+      </p:sp>
+      <p:sp>
+        <p:nvSpPr>
+          <p:cNvPr id="76" name="Process 75">
+            <a:extLst>
+              <a:ext uri="{FF2B5EF4-FFF2-40B4-BE49-F238E27FC236}">
+                <a16:creationId xmlns:a16="http://schemas.microsoft.com/office/drawing/2014/main" id="{1EAD12B4-8ED9-0DA1-2349-9BB4DEC40E39}"/>
+              </a:ext>
+            </a:extLst>
+          </p:cNvPr>
+          <p:cNvSpPr/>
+          <p:nvPr/>
+        </p:nvSpPr>
+        <p:spPr>
+          <a:xfrm>
+            <a:off x="5580348" y="4840371"/>
+            <a:ext cx="433615" cy="288393"/>
+          </a:xfrm>
+          <a:prstGeom prst="flowChartProcess">
+            <a:avLst/>
+          </a:prstGeom>
+          <a:solidFill>
+            <a:srgbClr val="C00000"/>
+          </a:solidFill>
+          <a:ln>
+            <a:solidFill>
+              <a:srgbClr val="C00000"/>
+            </a:solidFill>
+          </a:ln>
+        </p:spPr>
+        <p:style>
+          <a:lnRef idx="2">
+            <a:schemeClr val="accent1">
+              <a:shade val="50000"/>
+            </a:schemeClr>
+          </a:lnRef>
+          <a:fillRef idx="1">
+            <a:schemeClr val="accent1"/>
+          </a:fillRef>
+          <a:effectRef idx="0">
+            <a:schemeClr val="accent1"/>
+          </a:effectRef>
+          <a:fontRef idx="minor">
+            <a:schemeClr val="lt1"/>
+          </a:fontRef>
+        </p:style>
+        <p:txBody>
+          <a:bodyPr rtlCol="0" anchor="ctr"/>
+          <a:lstStyle/>
+          <a:p>
+            <a:pPr algn="ctr"/>
+            <a:endParaRPr lang="en-US" dirty="0"/>
+          </a:p>
+        </p:txBody>
+      </p:sp>
+      <p:sp>
+        <p:nvSpPr>
+          <p:cNvPr id="79" name="Merge 78">
+            <a:extLst>
+              <a:ext uri="{FF2B5EF4-FFF2-40B4-BE49-F238E27FC236}">
+                <a16:creationId xmlns:a16="http://schemas.microsoft.com/office/drawing/2014/main" id="{E949D54E-552C-49EA-F3D1-7AB6D681B889}"/>
+              </a:ext>
+            </a:extLst>
+          </p:cNvPr>
+          <p:cNvSpPr/>
+          <p:nvPr/>
+        </p:nvSpPr>
+        <p:spPr>
+          <a:xfrm>
+            <a:off x="5570939" y="4828054"/>
+            <a:ext cx="433102" cy="176744"/>
+          </a:xfrm>
+          <a:custGeom>
+            <a:avLst/>
+            <a:gdLst>
+              <a:gd name="connsiteX0" fmla="*/ 0 w 433102"/>
+              <a:gd name="connsiteY0" fmla="*/ 0 h 176744"/>
+              <a:gd name="connsiteX1" fmla="*/ 433102 w 433102"/>
+              <a:gd name="connsiteY1" fmla="*/ 0 h 176744"/>
+              <a:gd name="connsiteX2" fmla="*/ 216551 w 433102"/>
+              <a:gd name="connsiteY2" fmla="*/ 176744 h 176744"/>
+              <a:gd name="connsiteX3" fmla="*/ 0 w 433102"/>
+              <a:gd name="connsiteY3" fmla="*/ 0 h 176744"/>
+            </a:gdLst>
+            <a:ahLst/>
+            <a:cxnLst>
+              <a:cxn ang="0">
+                <a:pos x="connsiteX0" y="connsiteY0"/>
+              </a:cxn>
+              <a:cxn ang="0">
+                <a:pos x="connsiteX1" y="connsiteY1"/>
+              </a:cxn>
+              <a:cxn ang="0">
+                <a:pos x="connsiteX2" y="connsiteY2"/>
+              </a:cxn>
+              <a:cxn ang="0">
+                <a:pos x="connsiteX3" y="connsiteY3"/>
+              </a:cxn>
+            </a:cxnLst>
+            <a:rect l="l" t="t" r="r" b="b"/>
+            <a:pathLst>
+              <a:path w="433102" h="176744" fill="none" extrusionOk="0">
+                <a:moveTo>
+                  <a:pt x="0" y="0"/>
+                </a:moveTo>
+                <a:cubicBezTo>
+                  <a:pt x="143857" y="21589"/>
+                  <a:pt x="270855" y="-8077"/>
+                  <a:pt x="433102" y="0"/>
+                </a:cubicBezTo>
+                <a:cubicBezTo>
+                  <a:pt x="393451" y="46962"/>
+                  <a:pt x="313025" y="95727"/>
+                  <a:pt x="216551" y="176744"/>
+                </a:cubicBezTo>
+                <a:cubicBezTo>
+                  <a:pt x="120181" y="91670"/>
+                  <a:pt x="84212" y="57565"/>
+                  <a:pt x="0" y="0"/>
+                </a:cubicBezTo>
+                <a:close/>
+              </a:path>
+              <a:path w="433102" h="176744" stroke="0" extrusionOk="0">
+                <a:moveTo>
+                  <a:pt x="0" y="0"/>
+                </a:moveTo>
+                <a:cubicBezTo>
+                  <a:pt x="131471" y="-16934"/>
+                  <a:pt x="262648" y="-5967"/>
+                  <a:pt x="433102" y="0"/>
+                </a:cubicBezTo>
+                <a:cubicBezTo>
+                  <a:pt x="386412" y="36265"/>
+                  <a:pt x="314403" y="100464"/>
+                  <a:pt x="216551" y="176744"/>
+                </a:cubicBezTo>
+                <a:cubicBezTo>
+                  <a:pt x="177501" y="129226"/>
+                  <a:pt x="89856" y="75681"/>
+                  <a:pt x="0" y="0"/>
+                </a:cubicBezTo>
+                <a:close/>
+              </a:path>
+            </a:pathLst>
+          </a:custGeom>
+          <a:solidFill>
+            <a:srgbClr val="FF0000"/>
+          </a:solidFill>
+          <a:ln>
+            <a:solidFill>
+              <a:srgbClr val="C00000"/>
+            </a:solidFill>
+            <a:extLst>
+              <a:ext uri="{C807C97D-BFC1-408E-A445-0C87EB9F89A2}">
+                <ask:lineSketchStyleProps xmlns:ask="http://schemas.microsoft.com/office/drawing/2018/sketchyshapes" sd="4271516699">
+                  <a:prstGeom prst="flowChartMerge">
+                    <a:avLst/>
+                  </a:prstGeom>
+                  <ask:type>
+                    <ask:lineSketchFreehand/>
+                  </ask:type>
+                </ask:lineSketchStyleProps>
+              </a:ext>
+            </a:extLst>
+          </a:ln>
+        </p:spPr>
+        <p:style>
+          <a:lnRef idx="2">
+            <a:schemeClr val="accent1">
+              <a:shade val="50000"/>
+            </a:schemeClr>
+          </a:lnRef>
+          <a:fillRef idx="1">
+            <a:schemeClr val="accent1"/>
+          </a:fillRef>
+          <a:effectRef idx="0">
+            <a:schemeClr val="accent1"/>
+          </a:effectRef>
+          <a:fontRef idx="minor">
+            <a:schemeClr val="lt1"/>
+          </a:fontRef>
+        </p:style>
+        <p:txBody>
+          <a:bodyPr rtlCol="0" anchor="ctr"/>
+          <a:lstStyle/>
+          <a:p>
+            <a:pPr algn="ctr"/>
+            <a:endParaRPr lang="en-US" dirty="0"/>
+          </a:p>
+        </p:txBody>
+      </p:sp>
+      <p:sp>
+        <p:nvSpPr>
+          <p:cNvPr id="80" name="Rounded Rectangle 79">
+            <a:extLst>
+              <a:ext uri="{FF2B5EF4-FFF2-40B4-BE49-F238E27FC236}">
+                <a16:creationId xmlns:a16="http://schemas.microsoft.com/office/drawing/2014/main" id="{05218773-9157-192C-7DDA-1161C5705229}"/>
+              </a:ext>
+            </a:extLst>
+          </p:cNvPr>
+          <p:cNvSpPr/>
+          <p:nvPr/>
+        </p:nvSpPr>
+        <p:spPr>
+          <a:xfrm>
+            <a:off x="9619281" y="4696242"/>
+            <a:ext cx="2204269" cy="1628131"/>
+          </a:xfrm>
+          <a:custGeom>
+            <a:avLst/>
+            <a:gdLst>
+              <a:gd name="connsiteX0" fmla="*/ 0 w 2204269"/>
+              <a:gd name="connsiteY0" fmla="*/ 271361 h 1628131"/>
+              <a:gd name="connsiteX1" fmla="*/ 271361 w 2204269"/>
+              <a:gd name="connsiteY1" fmla="*/ 0 h 1628131"/>
+              <a:gd name="connsiteX2" fmla="*/ 841825 w 2204269"/>
+              <a:gd name="connsiteY2" fmla="*/ 0 h 1628131"/>
+              <a:gd name="connsiteX3" fmla="*/ 1362444 w 2204269"/>
+              <a:gd name="connsiteY3" fmla="*/ 0 h 1628131"/>
+              <a:gd name="connsiteX4" fmla="*/ 1932908 w 2204269"/>
+              <a:gd name="connsiteY4" fmla="*/ 0 h 1628131"/>
+              <a:gd name="connsiteX5" fmla="*/ 2204269 w 2204269"/>
+              <a:gd name="connsiteY5" fmla="*/ 271361 h 1628131"/>
+              <a:gd name="connsiteX6" fmla="*/ 2204269 w 2204269"/>
+              <a:gd name="connsiteY6" fmla="*/ 792357 h 1628131"/>
+              <a:gd name="connsiteX7" fmla="*/ 2204269 w 2204269"/>
+              <a:gd name="connsiteY7" fmla="*/ 1356770 h 1628131"/>
+              <a:gd name="connsiteX8" fmla="*/ 1932908 w 2204269"/>
+              <a:gd name="connsiteY8" fmla="*/ 1628131 h 1628131"/>
+              <a:gd name="connsiteX9" fmla="*/ 1345828 w 2204269"/>
+              <a:gd name="connsiteY9" fmla="*/ 1628131 h 1628131"/>
+              <a:gd name="connsiteX10" fmla="*/ 775364 w 2204269"/>
+              <a:gd name="connsiteY10" fmla="*/ 1628131 h 1628131"/>
+              <a:gd name="connsiteX11" fmla="*/ 271361 w 2204269"/>
+              <a:gd name="connsiteY11" fmla="*/ 1628131 h 1628131"/>
+              <a:gd name="connsiteX12" fmla="*/ 0 w 2204269"/>
+              <a:gd name="connsiteY12" fmla="*/ 1356770 h 1628131"/>
+              <a:gd name="connsiteX13" fmla="*/ 0 w 2204269"/>
+              <a:gd name="connsiteY13" fmla="*/ 814066 h 1628131"/>
+              <a:gd name="connsiteX14" fmla="*/ 0 w 2204269"/>
+              <a:gd name="connsiteY14" fmla="*/ 271361 h 1628131"/>
+            </a:gdLst>
+            <a:ahLst/>
+            <a:cxnLst>
+              <a:cxn ang="0">
+                <a:pos x="connsiteX0" y="connsiteY0"/>
+              </a:cxn>
+              <a:cxn ang="0">
+                <a:pos x="connsiteX1" y="connsiteY1"/>
+              </a:cxn>
+              <a:cxn ang="0">
+                <a:pos x="connsiteX2" y="connsiteY2"/>
+              </a:cxn>
+              <a:cxn ang="0">
+                <a:pos x="connsiteX3" y="connsiteY3"/>
+              </a:cxn>
+              <a:cxn ang="0">
+                <a:pos x="connsiteX4" y="connsiteY4"/>
+              </a:cxn>
+              <a:cxn ang="0">
+                <a:pos x="connsiteX5" y="connsiteY5"/>
+              </a:cxn>
+              <a:cxn ang="0">
+                <a:pos x="connsiteX6" y="connsiteY6"/>
+              </a:cxn>
+              <a:cxn ang="0">
+                <a:pos x="connsiteX7" y="connsiteY7"/>
+              </a:cxn>
+              <a:cxn ang="0">
+                <a:pos x="connsiteX8" y="connsiteY8"/>
+              </a:cxn>
+              <a:cxn ang="0">
+                <a:pos x="connsiteX9" y="connsiteY9"/>
+              </a:cxn>
+              <a:cxn ang="0">
+                <a:pos x="connsiteX10" y="connsiteY10"/>
+              </a:cxn>
+              <a:cxn ang="0">
+                <a:pos x="connsiteX11" y="connsiteY11"/>
+              </a:cxn>
+              <a:cxn ang="0">
+                <a:pos x="connsiteX12" y="connsiteY12"/>
+              </a:cxn>
+              <a:cxn ang="0">
+                <a:pos x="connsiteX13" y="connsiteY13"/>
+              </a:cxn>
+              <a:cxn ang="0">
+                <a:pos x="connsiteX14" y="connsiteY14"/>
+              </a:cxn>
+            </a:cxnLst>
+            <a:rect l="l" t="t" r="r" b="b"/>
+            <a:pathLst>
+              <a:path w="2204269" h="1628131" fill="none" extrusionOk="0">
+                <a:moveTo>
+                  <a:pt x="0" y="271361"/>
+                </a:moveTo>
+                <a:cubicBezTo>
+                  <a:pt x="-4611" y="112092"/>
+                  <a:pt x="122443" y="-12861"/>
+                  <a:pt x="271361" y="0"/>
+                </a:cubicBezTo>
+                <a:cubicBezTo>
+                  <a:pt x="397688" y="-16383"/>
+                  <a:pt x="656993" y="517"/>
+                  <a:pt x="841825" y="0"/>
+                </a:cubicBezTo>
+                <a:cubicBezTo>
+                  <a:pt x="1026657" y="-517"/>
+                  <a:pt x="1177441" y="12132"/>
+                  <a:pt x="1362444" y="0"/>
+                </a:cubicBezTo>
+                <a:cubicBezTo>
+                  <a:pt x="1547447" y="-12132"/>
+                  <a:pt x="1687527" y="-27016"/>
+                  <a:pt x="1932908" y="0"/>
+                </a:cubicBezTo>
+                <a:cubicBezTo>
+                  <a:pt x="2107131" y="-5153"/>
+                  <a:pt x="2205009" y="128521"/>
+                  <a:pt x="2204269" y="271361"/>
+                </a:cubicBezTo>
+                <a:cubicBezTo>
+                  <a:pt x="2228557" y="519796"/>
+                  <a:pt x="2184920" y="546244"/>
+                  <a:pt x="2204269" y="792357"/>
+                </a:cubicBezTo>
+                <a:cubicBezTo>
+                  <a:pt x="2223618" y="1038470"/>
+                  <a:pt x="2181764" y="1160261"/>
+                  <a:pt x="2204269" y="1356770"/>
+                </a:cubicBezTo>
+                <a:cubicBezTo>
+                  <a:pt x="2207441" y="1496882"/>
+                  <a:pt x="2107381" y="1654734"/>
+                  <a:pt x="1932908" y="1628131"/>
+                </a:cubicBezTo>
+                <a:cubicBezTo>
+                  <a:pt x="1710769" y="1618364"/>
+                  <a:pt x="1557504" y="1639780"/>
+                  <a:pt x="1345828" y="1628131"/>
+                </a:cubicBezTo>
+                <a:cubicBezTo>
+                  <a:pt x="1134152" y="1616482"/>
+                  <a:pt x="993467" y="1631012"/>
+                  <a:pt x="775364" y="1628131"/>
+                </a:cubicBezTo>
+                <a:cubicBezTo>
+                  <a:pt x="557261" y="1625250"/>
+                  <a:pt x="442458" y="1606928"/>
+                  <a:pt x="271361" y="1628131"/>
+                </a:cubicBezTo>
+                <a:cubicBezTo>
+                  <a:pt x="111686" y="1658701"/>
+                  <a:pt x="-5748" y="1488538"/>
+                  <a:pt x="0" y="1356770"/>
+                </a:cubicBezTo>
+                <a:cubicBezTo>
+                  <a:pt x="-16816" y="1221110"/>
+                  <a:pt x="12254" y="1074535"/>
+                  <a:pt x="0" y="814066"/>
+                </a:cubicBezTo>
+                <a:cubicBezTo>
+                  <a:pt x="-12254" y="553597"/>
+                  <a:pt x="6308" y="430667"/>
+                  <a:pt x="0" y="271361"/>
+                </a:cubicBezTo>
+                <a:close/>
+              </a:path>
+              <a:path w="2204269" h="1628131" stroke="0" extrusionOk="0">
+                <a:moveTo>
+                  <a:pt x="0" y="271361"/>
+                </a:moveTo>
+                <a:cubicBezTo>
+                  <a:pt x="-21322" y="108340"/>
+                  <a:pt x="100812" y="7762"/>
+                  <a:pt x="271361" y="0"/>
+                </a:cubicBezTo>
+                <a:cubicBezTo>
+                  <a:pt x="483034" y="15321"/>
+                  <a:pt x="567450" y="3871"/>
+                  <a:pt x="858441" y="0"/>
+                </a:cubicBezTo>
+                <a:cubicBezTo>
+                  <a:pt x="1149432" y="-3871"/>
+                  <a:pt x="1183641" y="26619"/>
+                  <a:pt x="1395674" y="0"/>
+                </a:cubicBezTo>
+                <a:cubicBezTo>
+                  <a:pt x="1607707" y="-26619"/>
+                  <a:pt x="1716805" y="-15169"/>
+                  <a:pt x="1932908" y="0"/>
+                </a:cubicBezTo>
+                <a:cubicBezTo>
+                  <a:pt x="2073291" y="-30553"/>
+                  <a:pt x="2210746" y="97522"/>
+                  <a:pt x="2204269" y="271361"/>
+                </a:cubicBezTo>
+                <a:cubicBezTo>
+                  <a:pt x="2182057" y="425483"/>
+                  <a:pt x="2194462" y="613208"/>
+                  <a:pt x="2204269" y="792357"/>
+                </a:cubicBezTo>
+                <a:cubicBezTo>
+                  <a:pt x="2214076" y="971506"/>
+                  <a:pt x="2229091" y="1101317"/>
+                  <a:pt x="2204269" y="1356770"/>
+                </a:cubicBezTo>
+                <a:cubicBezTo>
+                  <a:pt x="2194543" y="1522729"/>
+                  <a:pt x="2067300" y="1610180"/>
+                  <a:pt x="1932908" y="1628131"/>
+                </a:cubicBezTo>
+                <a:cubicBezTo>
+                  <a:pt x="1694601" y="1651138"/>
+                  <a:pt x="1562900" y="1624912"/>
+                  <a:pt x="1412290" y="1628131"/>
+                </a:cubicBezTo>
+                <a:cubicBezTo>
+                  <a:pt x="1261680" y="1631350"/>
+                  <a:pt x="1054546" y="1616809"/>
+                  <a:pt x="858441" y="1628131"/>
+                </a:cubicBezTo>
+                <a:cubicBezTo>
+                  <a:pt x="662336" y="1639453"/>
+                  <a:pt x="531863" y="1649899"/>
+                  <a:pt x="271361" y="1628131"/>
+                </a:cubicBezTo>
+                <a:cubicBezTo>
+                  <a:pt x="131174" y="1639991"/>
+                  <a:pt x="20114" y="1489028"/>
+                  <a:pt x="0" y="1356770"/>
+                </a:cubicBezTo>
+                <a:cubicBezTo>
+                  <a:pt x="-16598" y="1238352"/>
+                  <a:pt x="-13601" y="980876"/>
+                  <a:pt x="0" y="814066"/>
+                </a:cubicBezTo>
+                <a:cubicBezTo>
+                  <a:pt x="13601" y="647256"/>
+                  <a:pt x="-20388" y="503804"/>
+                  <a:pt x="0" y="271361"/>
+                </a:cubicBezTo>
+                <a:close/>
+              </a:path>
+            </a:pathLst>
+          </a:custGeom>
+          <a:solidFill>
+            <a:srgbClr val="FF0000">
+              <a:alpha val="24000"/>
+            </a:srgbClr>
+          </a:solidFill>
+          <a:ln>
+            <a:solidFill>
+              <a:srgbClr val="C00000"/>
+            </a:solidFill>
+            <a:prstDash val="dash"/>
+            <a:extLst>
+              <a:ext uri="{C807C97D-BFC1-408E-A445-0C87EB9F89A2}">
+                <ask:lineSketchStyleProps xmlns:ask="http://schemas.microsoft.com/office/drawing/2018/sketchyshapes" sd="1219033472">
+                  <a:prstGeom prst="roundRect">
+                    <a:avLst/>
+                  </a:prstGeom>
+                  <ask:type>
+                    <ask:lineSketchFreehand/>
+                  </ask:type>
+                </ask:lineSketchStyleProps>
+              </a:ext>
+            </a:extLst>
+          </a:ln>
+        </p:spPr>
+        <p:style>
+          <a:lnRef idx="2">
+            <a:schemeClr val="accent1">
+              <a:shade val="50000"/>
+            </a:schemeClr>
+          </a:lnRef>
+          <a:fillRef idx="1">
+            <a:schemeClr val="accent1"/>
+          </a:fillRef>
+          <a:effectRef idx="0">
+            <a:schemeClr val="accent1"/>
+          </a:effectRef>
+          <a:fontRef idx="minor">
+            <a:schemeClr val="lt1"/>
+          </a:fontRef>
+        </p:style>
+        <p:txBody>
+          <a:bodyPr rtlCol="0" anchor="ctr"/>
+          <a:lstStyle/>
+          <a:p>
+            <a:pPr algn="ctr"/>
+            <a:endParaRPr lang="en-US"/>
+          </a:p>
+        </p:txBody>
+      </p:sp>
+      <p:sp>
+        <p:nvSpPr>
+          <p:cNvPr id="81" name="Rounded Rectangle 80">
+            <a:extLst>
+              <a:ext uri="{FF2B5EF4-FFF2-40B4-BE49-F238E27FC236}">
+                <a16:creationId xmlns:a16="http://schemas.microsoft.com/office/drawing/2014/main" id="{788F4FB4-6A92-BD1E-582F-2452D2E6D780}"/>
+              </a:ext>
+            </a:extLst>
+          </p:cNvPr>
+          <p:cNvSpPr/>
+          <p:nvPr/>
+        </p:nvSpPr>
+        <p:spPr>
+          <a:xfrm>
+            <a:off x="9938041" y="6117093"/>
+            <a:ext cx="1222732" cy="214130"/>
+          </a:xfrm>
+          <a:custGeom>
+            <a:avLst/>
+            <a:gdLst>
+              <a:gd name="connsiteX0" fmla="*/ 0 w 1222732"/>
+              <a:gd name="connsiteY0" fmla="*/ 35689 h 214130"/>
+              <a:gd name="connsiteX1" fmla="*/ 35689 w 1222732"/>
+              <a:gd name="connsiteY1" fmla="*/ 0 h 214130"/>
+              <a:gd name="connsiteX2" fmla="*/ 576825 w 1222732"/>
+              <a:gd name="connsiteY2" fmla="*/ 0 h 214130"/>
+              <a:gd name="connsiteX3" fmla="*/ 1187043 w 1222732"/>
+              <a:gd name="connsiteY3" fmla="*/ 0 h 214130"/>
+              <a:gd name="connsiteX4" fmla="*/ 1222732 w 1222732"/>
+              <a:gd name="connsiteY4" fmla="*/ 35689 h 214130"/>
+              <a:gd name="connsiteX5" fmla="*/ 1222732 w 1222732"/>
+              <a:gd name="connsiteY5" fmla="*/ 178441 h 214130"/>
+              <a:gd name="connsiteX6" fmla="*/ 1187043 w 1222732"/>
+              <a:gd name="connsiteY6" fmla="*/ 214130 h 214130"/>
+              <a:gd name="connsiteX7" fmla="*/ 611366 w 1222732"/>
+              <a:gd name="connsiteY7" fmla="*/ 214130 h 214130"/>
+              <a:gd name="connsiteX8" fmla="*/ 35689 w 1222732"/>
+              <a:gd name="connsiteY8" fmla="*/ 214130 h 214130"/>
+              <a:gd name="connsiteX9" fmla="*/ 0 w 1222732"/>
+              <a:gd name="connsiteY9" fmla="*/ 178441 h 214130"/>
+              <a:gd name="connsiteX10" fmla="*/ 0 w 1222732"/>
+              <a:gd name="connsiteY10" fmla="*/ 35689 h 214130"/>
+            </a:gdLst>
+            <a:ahLst/>
+            <a:cxnLst>
+              <a:cxn ang="0">
+                <a:pos x="connsiteX0" y="connsiteY0"/>
+              </a:cxn>
+              <a:cxn ang="0">
+                <a:pos x="connsiteX1" y="connsiteY1"/>
+              </a:cxn>
+              <a:cxn ang="0">
+                <a:pos x="connsiteX2" y="connsiteY2"/>
+              </a:cxn>
+              <a:cxn ang="0">
+                <a:pos x="connsiteX3" y="connsiteY3"/>
+              </a:cxn>
+              <a:cxn ang="0">
+                <a:pos x="connsiteX4" y="connsiteY4"/>
+              </a:cxn>
+              <a:cxn ang="0">
+                <a:pos x="connsiteX5" y="connsiteY5"/>
+              </a:cxn>
+              <a:cxn ang="0">
+                <a:pos x="connsiteX6" y="connsiteY6"/>
+              </a:cxn>
+              <a:cxn ang="0">
+                <a:pos x="connsiteX7" y="connsiteY7"/>
+              </a:cxn>
+              <a:cxn ang="0">
+                <a:pos x="connsiteX8" y="connsiteY8"/>
+              </a:cxn>
+              <a:cxn ang="0">
+                <a:pos x="connsiteX9" y="connsiteY9"/>
+              </a:cxn>
+              <a:cxn ang="0">
+                <a:pos x="connsiteX10" y="connsiteY10"/>
+              </a:cxn>
+            </a:cxnLst>
+            <a:rect l="l" t="t" r="r" b="b"/>
+            <a:pathLst>
+              <a:path w="1222732" h="214130" fill="none" extrusionOk="0">
+                <a:moveTo>
+                  <a:pt x="0" y="35689"/>
+                </a:moveTo>
+                <a:cubicBezTo>
+                  <a:pt x="1789" y="19358"/>
+                  <a:pt x="19522" y="2265"/>
+                  <a:pt x="35689" y="0"/>
+                </a:cubicBezTo>
+                <a:cubicBezTo>
+                  <a:pt x="207665" y="12056"/>
+                  <a:pt x="359046" y="20639"/>
+                  <a:pt x="576825" y="0"/>
+                </a:cubicBezTo>
+                <a:cubicBezTo>
+                  <a:pt x="794604" y="-20639"/>
+                  <a:pt x="895419" y="-10126"/>
+                  <a:pt x="1187043" y="0"/>
+                </a:cubicBezTo>
+                <a:cubicBezTo>
+                  <a:pt x="1206024" y="-472"/>
+                  <a:pt x="1226986" y="13695"/>
+                  <a:pt x="1222732" y="35689"/>
+                </a:cubicBezTo>
+                <a:cubicBezTo>
+                  <a:pt x="1228117" y="88003"/>
+                  <a:pt x="1220442" y="120455"/>
+                  <a:pt x="1222732" y="178441"/>
+                </a:cubicBezTo>
+                <a:cubicBezTo>
+                  <a:pt x="1221189" y="199132"/>
+                  <a:pt x="1202461" y="213356"/>
+                  <a:pt x="1187043" y="214130"/>
+                </a:cubicBezTo>
+                <a:cubicBezTo>
+                  <a:pt x="1033527" y="221413"/>
+                  <a:pt x="882573" y="240489"/>
+                  <a:pt x="611366" y="214130"/>
+                </a:cubicBezTo>
+                <a:cubicBezTo>
+                  <a:pt x="340159" y="187771"/>
+                  <a:pt x="213125" y="230702"/>
+                  <a:pt x="35689" y="214130"/>
+                </a:cubicBezTo>
+                <a:cubicBezTo>
+                  <a:pt x="17116" y="212866"/>
+                  <a:pt x="2363" y="197667"/>
+                  <a:pt x="0" y="178441"/>
+                </a:cubicBezTo>
+                <a:cubicBezTo>
+                  <a:pt x="-2149" y="138699"/>
+                  <a:pt x="3466" y="80861"/>
+                  <a:pt x="0" y="35689"/>
+                </a:cubicBezTo>
+                <a:close/>
+              </a:path>
+              <a:path w="1222732" h="214130" stroke="0" extrusionOk="0">
+                <a:moveTo>
+                  <a:pt x="0" y="35689"/>
+                </a:moveTo>
+                <a:cubicBezTo>
+                  <a:pt x="4031" y="18081"/>
+                  <a:pt x="16809" y="187"/>
+                  <a:pt x="35689" y="0"/>
+                </a:cubicBezTo>
+                <a:cubicBezTo>
+                  <a:pt x="198578" y="15190"/>
+                  <a:pt x="337216" y="2062"/>
+                  <a:pt x="599852" y="0"/>
+                </a:cubicBezTo>
+                <a:cubicBezTo>
+                  <a:pt x="862488" y="-2062"/>
+                  <a:pt x="1048658" y="-21604"/>
+                  <a:pt x="1187043" y="0"/>
+                </a:cubicBezTo>
+                <a:cubicBezTo>
+                  <a:pt x="1210931" y="2143"/>
+                  <a:pt x="1223634" y="20643"/>
+                  <a:pt x="1222732" y="35689"/>
+                </a:cubicBezTo>
+                <a:cubicBezTo>
+                  <a:pt x="1221549" y="77125"/>
+                  <a:pt x="1224346" y="107967"/>
+                  <a:pt x="1222732" y="178441"/>
+                </a:cubicBezTo>
+                <a:cubicBezTo>
+                  <a:pt x="1220868" y="196203"/>
+                  <a:pt x="1206399" y="211151"/>
+                  <a:pt x="1187043" y="214130"/>
+                </a:cubicBezTo>
+                <a:cubicBezTo>
+                  <a:pt x="1045563" y="236673"/>
+                  <a:pt x="788344" y="190322"/>
+                  <a:pt x="611366" y="214130"/>
+                </a:cubicBezTo>
+                <a:cubicBezTo>
+                  <a:pt x="434388" y="237938"/>
+                  <a:pt x="218929" y="226265"/>
+                  <a:pt x="35689" y="214130"/>
+                </a:cubicBezTo>
+                <a:cubicBezTo>
+                  <a:pt x="15629" y="213573"/>
+                  <a:pt x="-1809" y="195700"/>
+                  <a:pt x="0" y="178441"/>
+                </a:cubicBezTo>
+                <a:cubicBezTo>
+                  <a:pt x="-6546" y="120998"/>
+                  <a:pt x="-3867" y="93932"/>
+                  <a:pt x="0" y="35689"/>
+                </a:cubicBezTo>
+                <a:close/>
+              </a:path>
+            </a:pathLst>
+          </a:custGeom>
+          <a:solidFill>
+            <a:srgbClr val="C00000"/>
+          </a:solidFill>
+          <a:ln>
+            <a:solidFill>
+              <a:srgbClr val="C00000"/>
+            </a:solidFill>
+            <a:extLst>
+              <a:ext uri="{C807C97D-BFC1-408E-A445-0C87EB9F89A2}">
+                <ask:lineSketchStyleProps xmlns:ask="http://schemas.microsoft.com/office/drawing/2018/sketchyshapes" sd="616822352">
+                  <a:prstGeom prst="roundRect">
+                    <a:avLst/>
+                  </a:prstGeom>
+                  <ask:type>
+                    <ask:lineSketchFreehand/>
+                  </ask:type>
+                </ask:lineSketchStyleProps>
+              </a:ext>
+            </a:extLst>
+          </a:ln>
+        </p:spPr>
+        <p:style>
+          <a:lnRef idx="2">
+            <a:schemeClr val="accent1">
+              <a:shade val="50000"/>
+            </a:schemeClr>
+          </a:lnRef>
+          <a:fillRef idx="1">
+            <a:schemeClr val="accent1"/>
+          </a:fillRef>
+          <a:effectRef idx="0">
+            <a:schemeClr val="accent1"/>
+          </a:effectRef>
+          <a:fontRef idx="minor">
+            <a:schemeClr val="lt1"/>
+          </a:fontRef>
+        </p:style>
+        <p:txBody>
+          <a:bodyPr rtlCol="0" anchor="ctr"/>
+          <a:lstStyle/>
+          <a:p>
+            <a:pPr algn="ctr"/>
+            <a:r>
+              <a:rPr lang="en-US" sz="1200" dirty="0"/>
+              <a:t>Compensation</a:t>
+            </a:r>
+          </a:p>
+        </p:txBody>
+      </p:sp>
+      <p:cxnSp>
+        <p:nvCxnSpPr>
+          <p:cNvPr id="82" name="Straight Arrow Connector 81">
+            <a:extLst>
+              <a:ext uri="{FF2B5EF4-FFF2-40B4-BE49-F238E27FC236}">
+                <a16:creationId xmlns:a16="http://schemas.microsoft.com/office/drawing/2014/main" id="{446F21CF-725E-15B0-9ECF-5A323C6426AF}"/>
+              </a:ext>
+            </a:extLst>
+          </p:cNvPr>
+          <p:cNvCxnSpPr>
+            <a:cxnSpLocks/>
+          </p:cNvCxnSpPr>
+          <p:nvPr/>
+        </p:nvCxnSpPr>
+        <p:spPr>
+          <a:xfrm>
+            <a:off x="6013963" y="4895850"/>
+            <a:ext cx="1399254" cy="0"/>
+          </a:xfrm>
+          <a:prstGeom prst="straightConnector1">
+            <a:avLst/>
+          </a:prstGeom>
+          <a:ln>
+            <a:headEnd type="triangle"/>
+            <a:tailEnd type="none"/>
+          </a:ln>
+        </p:spPr>
+        <p:style>
+          <a:lnRef idx="1">
+            <a:schemeClr val="accent1"/>
+          </a:lnRef>
+          <a:fillRef idx="0">
+            <a:schemeClr val="accent1"/>
+          </a:fillRef>
+          <a:effectRef idx="0">
+            <a:schemeClr val="accent1"/>
+          </a:effectRef>
+          <a:fontRef idx="minor">
+            <a:schemeClr val="tx1"/>
+          </a:fontRef>
+        </p:style>
+      </p:cxnSp>
+      <p:cxnSp>
+        <p:nvCxnSpPr>
+          <p:cNvPr id="83" name="Straight Arrow Connector 82">
+            <a:extLst>
+              <a:ext uri="{FF2B5EF4-FFF2-40B4-BE49-F238E27FC236}">
+                <a16:creationId xmlns:a16="http://schemas.microsoft.com/office/drawing/2014/main" id="{274D20B0-CDCA-B15A-FC94-7EB28A96BFDE}"/>
+              </a:ext>
+            </a:extLst>
+          </p:cNvPr>
+          <p:cNvCxnSpPr>
+            <a:cxnSpLocks/>
+          </p:cNvCxnSpPr>
+          <p:nvPr/>
+        </p:nvCxnSpPr>
+        <p:spPr>
+          <a:xfrm flipH="1" flipV="1">
+            <a:off x="6013963" y="5014385"/>
+            <a:ext cx="5233369" cy="56560"/>
+          </a:xfrm>
+          <a:prstGeom prst="straightConnector1">
+            <a:avLst/>
+          </a:prstGeom>
+          <a:ln>
+            <a:headEnd type="triangle"/>
+            <a:tailEnd type="none"/>
+          </a:ln>
+        </p:spPr>
+        <p:style>
+          <a:lnRef idx="1">
+            <a:schemeClr val="accent1"/>
+          </a:lnRef>
+          <a:fillRef idx="0">
+            <a:schemeClr val="accent1"/>
+          </a:fillRef>
+          <a:effectRef idx="0">
+            <a:schemeClr val="accent1"/>
+          </a:effectRef>
+          <a:fontRef idx="minor">
+            <a:schemeClr val="tx1"/>
+          </a:fontRef>
+        </p:style>
+      </p:cxnSp>
+      <p:cxnSp>
+        <p:nvCxnSpPr>
+          <p:cNvPr id="84" name="Straight Arrow Connector 83">
+            <a:extLst>
+              <a:ext uri="{FF2B5EF4-FFF2-40B4-BE49-F238E27FC236}">
+                <a16:creationId xmlns:a16="http://schemas.microsoft.com/office/drawing/2014/main" id="{66727061-8AA3-941C-E0C9-AA86BD4CFF0C}"/>
+              </a:ext>
+            </a:extLst>
+          </p:cNvPr>
+          <p:cNvCxnSpPr>
+            <a:cxnSpLocks/>
+          </p:cNvCxnSpPr>
+          <p:nvPr/>
+        </p:nvCxnSpPr>
+        <p:spPr>
+          <a:xfrm flipH="1">
+            <a:off x="6047095" y="5121943"/>
+            <a:ext cx="3983736" cy="5086"/>
+          </a:xfrm>
+          <a:prstGeom prst="straightConnector1">
+            <a:avLst/>
+          </a:prstGeom>
+          <a:ln>
+            <a:headEnd type="triangle"/>
+            <a:tailEnd type="none"/>
+          </a:ln>
+        </p:spPr>
+        <p:style>
+          <a:lnRef idx="1">
+            <a:schemeClr val="accent1"/>
+          </a:lnRef>
+          <a:fillRef idx="0">
+            <a:schemeClr val="accent1"/>
+          </a:fillRef>
+          <a:effectRef idx="0">
+            <a:schemeClr val="accent1"/>
+          </a:effectRef>
+          <a:fontRef idx="minor">
+            <a:schemeClr val="tx1"/>
+          </a:fontRef>
+        </p:style>
+      </p:cxnSp>
+      <p:sp>
+        <p:nvSpPr>
+          <p:cNvPr id="85" name="Rounded Rectangle 84">
+            <a:extLst>
+              <a:ext uri="{FF2B5EF4-FFF2-40B4-BE49-F238E27FC236}">
+                <a16:creationId xmlns:a16="http://schemas.microsoft.com/office/drawing/2014/main" id="{A9CF5260-EA5D-E411-628D-6AC5A68B28CF}"/>
+              </a:ext>
+            </a:extLst>
+          </p:cNvPr>
+          <p:cNvSpPr/>
+          <p:nvPr/>
+        </p:nvSpPr>
+        <p:spPr>
+          <a:xfrm>
+            <a:off x="9944271" y="5142488"/>
+            <a:ext cx="173120" cy="418291"/>
+          </a:xfrm>
+          <a:custGeom>
+            <a:avLst/>
+            <a:gdLst>
+              <a:gd name="connsiteX0" fmla="*/ 0 w 173120"/>
+              <a:gd name="connsiteY0" fmla="*/ 28854 h 418291"/>
+              <a:gd name="connsiteX1" fmla="*/ 28854 w 173120"/>
+              <a:gd name="connsiteY1" fmla="*/ 0 h 418291"/>
+              <a:gd name="connsiteX2" fmla="*/ 144266 w 173120"/>
+              <a:gd name="connsiteY2" fmla="*/ 0 h 418291"/>
+              <a:gd name="connsiteX3" fmla="*/ 173120 w 173120"/>
+              <a:gd name="connsiteY3" fmla="*/ 28854 h 418291"/>
+              <a:gd name="connsiteX4" fmla="*/ 173120 w 173120"/>
+              <a:gd name="connsiteY4" fmla="*/ 389437 h 418291"/>
+              <a:gd name="connsiteX5" fmla="*/ 144266 w 173120"/>
+              <a:gd name="connsiteY5" fmla="*/ 418291 h 418291"/>
+              <a:gd name="connsiteX6" fmla="*/ 28854 w 173120"/>
+              <a:gd name="connsiteY6" fmla="*/ 418291 h 418291"/>
+              <a:gd name="connsiteX7" fmla="*/ 0 w 173120"/>
+              <a:gd name="connsiteY7" fmla="*/ 389437 h 418291"/>
+              <a:gd name="connsiteX8" fmla="*/ 0 w 173120"/>
+              <a:gd name="connsiteY8" fmla="*/ 28854 h 418291"/>
+            </a:gdLst>
+            <a:ahLst/>
+            <a:cxnLst>
+              <a:cxn ang="0">
+                <a:pos x="connsiteX0" y="connsiteY0"/>
+              </a:cxn>
+              <a:cxn ang="0">
+                <a:pos x="connsiteX1" y="connsiteY1"/>
+              </a:cxn>
+              <a:cxn ang="0">
+                <a:pos x="connsiteX2" y="connsiteY2"/>
+              </a:cxn>
+              <a:cxn ang="0">
+                <a:pos x="connsiteX3" y="connsiteY3"/>
+              </a:cxn>
+              <a:cxn ang="0">
+                <a:pos x="connsiteX4" y="connsiteY4"/>
+              </a:cxn>
+              <a:cxn ang="0">
+                <a:pos x="connsiteX5" y="connsiteY5"/>
+              </a:cxn>
+              <a:cxn ang="0">
+                <a:pos x="connsiteX6" y="connsiteY6"/>
+              </a:cxn>
+              <a:cxn ang="0">
+                <a:pos x="connsiteX7" y="connsiteY7"/>
+              </a:cxn>
+              <a:cxn ang="0">
+                <a:pos x="connsiteX8" y="connsiteY8"/>
+              </a:cxn>
+            </a:cxnLst>
+            <a:rect l="l" t="t" r="r" b="b"/>
+            <a:pathLst>
+              <a:path w="173120" h="418291" fill="none" extrusionOk="0">
+                <a:moveTo>
+                  <a:pt x="0" y="28854"/>
+                </a:moveTo>
+                <a:cubicBezTo>
+                  <a:pt x="-3224" y="14113"/>
+                  <a:pt x="13158" y="859"/>
+                  <a:pt x="28854" y="0"/>
+                </a:cubicBezTo>
+                <a:cubicBezTo>
+                  <a:pt x="79187" y="-1050"/>
+                  <a:pt x="87403" y="2048"/>
+                  <a:pt x="144266" y="0"/>
+                </a:cubicBezTo>
+                <a:cubicBezTo>
+                  <a:pt x="160130" y="1278"/>
+                  <a:pt x="175658" y="11893"/>
+                  <a:pt x="173120" y="28854"/>
+                </a:cubicBezTo>
+                <a:cubicBezTo>
+                  <a:pt x="179097" y="147014"/>
+                  <a:pt x="185536" y="294711"/>
+                  <a:pt x="173120" y="389437"/>
+                </a:cubicBezTo>
+                <a:cubicBezTo>
+                  <a:pt x="173007" y="405018"/>
+                  <a:pt x="159287" y="416956"/>
+                  <a:pt x="144266" y="418291"/>
+                </a:cubicBezTo>
+                <a:cubicBezTo>
+                  <a:pt x="108839" y="417290"/>
+                  <a:pt x="83257" y="416808"/>
+                  <a:pt x="28854" y="418291"/>
+                </a:cubicBezTo>
+                <a:cubicBezTo>
+                  <a:pt x="14457" y="419728"/>
+                  <a:pt x="-1213" y="406978"/>
+                  <a:pt x="0" y="389437"/>
+                </a:cubicBezTo>
+                <a:cubicBezTo>
+                  <a:pt x="14280" y="283534"/>
+                  <a:pt x="1832" y="178350"/>
+                  <a:pt x="0" y="28854"/>
+                </a:cubicBezTo>
+                <a:close/>
+              </a:path>
+              <a:path w="173120" h="418291" stroke="0" extrusionOk="0">
+                <a:moveTo>
+                  <a:pt x="0" y="28854"/>
+                </a:moveTo>
+                <a:cubicBezTo>
+                  <a:pt x="547" y="13009"/>
+                  <a:pt x="12402" y="-974"/>
+                  <a:pt x="28854" y="0"/>
+                </a:cubicBezTo>
+                <a:cubicBezTo>
+                  <a:pt x="64261" y="2852"/>
+                  <a:pt x="104951" y="3738"/>
+                  <a:pt x="144266" y="0"/>
+                </a:cubicBezTo>
+                <a:cubicBezTo>
+                  <a:pt x="159696" y="2613"/>
+                  <a:pt x="172239" y="12369"/>
+                  <a:pt x="173120" y="28854"/>
+                </a:cubicBezTo>
+                <a:cubicBezTo>
+                  <a:pt x="175306" y="180455"/>
+                  <a:pt x="165120" y="262423"/>
+                  <a:pt x="173120" y="389437"/>
+                </a:cubicBezTo>
+                <a:cubicBezTo>
+                  <a:pt x="170890" y="404773"/>
+                  <a:pt x="159889" y="418064"/>
+                  <a:pt x="144266" y="418291"/>
+                </a:cubicBezTo>
+                <a:cubicBezTo>
+                  <a:pt x="90590" y="418147"/>
+                  <a:pt x="62701" y="414716"/>
+                  <a:pt x="28854" y="418291"/>
+                </a:cubicBezTo>
+                <a:cubicBezTo>
+                  <a:pt x="16031" y="417326"/>
+                  <a:pt x="556" y="402418"/>
+                  <a:pt x="0" y="389437"/>
+                </a:cubicBezTo>
+                <a:cubicBezTo>
+                  <a:pt x="-4754" y="216893"/>
+                  <a:pt x="7711" y="203522"/>
+                  <a:pt x="0" y="28854"/>
+                </a:cubicBezTo>
+                <a:close/>
+              </a:path>
+            </a:pathLst>
+          </a:custGeom>
+          <a:solidFill>
+            <a:schemeClr val="accent2">
+              <a:lumMod val="60000"/>
+              <a:lumOff val="40000"/>
+            </a:schemeClr>
+          </a:solidFill>
+          <a:ln>
+            <a:noFill/>
+            <a:extLst>
+              <a:ext uri="{C807C97D-BFC1-408E-A445-0C87EB9F89A2}">
+                <ask:lineSketchStyleProps xmlns:ask="http://schemas.microsoft.com/office/drawing/2018/sketchyshapes" sd="1805087987">
+                  <a:prstGeom prst="roundRect">
+                    <a:avLst/>
+                  </a:prstGeom>
+                  <ask:type>
+                    <ask:lineSketchFreehand/>
+                  </ask:type>
+                </ask:lineSketchStyleProps>
+              </a:ext>
+            </a:extLst>
+          </a:ln>
+        </p:spPr>
+        <p:style>
+          <a:lnRef idx="2">
+            <a:schemeClr val="accent1">
+              <a:shade val="50000"/>
+            </a:schemeClr>
+          </a:lnRef>
+          <a:fillRef idx="1">
+            <a:schemeClr val="accent1"/>
+          </a:fillRef>
+          <a:effectRef idx="0">
+            <a:schemeClr val="accent1"/>
+          </a:effectRef>
+          <a:fontRef idx="minor">
+            <a:schemeClr val="lt1"/>
+          </a:fontRef>
+        </p:style>
+        <p:txBody>
+          <a:bodyPr rtlCol="0" anchor="ctr"/>
+          <a:lstStyle/>
+          <a:p>
+            <a:pPr algn="ctr"/>
+            <a:endParaRPr lang="en-US" dirty="0"/>
+          </a:p>
+        </p:txBody>
+      </p:sp>
+      <p:sp>
+        <p:nvSpPr>
+          <p:cNvPr id="86" name="Rectangle 85">
+            <a:extLst>
+              <a:ext uri="{FF2B5EF4-FFF2-40B4-BE49-F238E27FC236}">
+                <a16:creationId xmlns:a16="http://schemas.microsoft.com/office/drawing/2014/main" id="{F54B7ACC-6BAA-379B-6ADC-369E19439689}"/>
+              </a:ext>
+            </a:extLst>
+          </p:cNvPr>
+          <p:cNvSpPr/>
+          <p:nvPr/>
+        </p:nvSpPr>
+        <p:spPr>
+          <a:xfrm>
+            <a:off x="10030864" y="5627259"/>
+            <a:ext cx="942886" cy="369332"/>
+          </a:xfrm>
+          <a:prstGeom prst="rect">
+            <a:avLst/>
+          </a:prstGeom>
+        </p:spPr>
+        <p:txBody>
+          <a:bodyPr wrap="none">
+            <a:spAutoFit/>
+          </a:bodyPr>
+          <a:lstStyle/>
+          <a:p>
+            <a:pPr algn="ctr"/>
+            <a:r>
+              <a:rPr lang="en-US" sz="900" dirty="0">
+                <a:solidFill>
+                  <a:schemeClr val="tx1">
+                    <a:lumMod val="50000"/>
+                  </a:schemeClr>
+                </a:solidFill>
+                <a:latin typeface="Menlo" panose="020B0609030804020204" pitchFamily="49" charset="0"/>
+              </a:rPr>
+              <a:t>Compensate </a:t>
+            </a:r>
+          </a:p>
+          <a:p>
+            <a:pPr algn="ctr"/>
+            <a:r>
+              <a:rPr lang="en-US" sz="900" dirty="0">
+                <a:solidFill>
+                  <a:schemeClr val="tx1">
+                    <a:lumMod val="50000"/>
+                  </a:schemeClr>
+                </a:solidFill>
+                <a:latin typeface="Menlo" panose="020B0609030804020204" pitchFamily="49" charset="0"/>
+              </a:rPr>
+              <a:t>Reefer</a:t>
+            </a:r>
+            <a:endParaRPr lang="en-US" sz="900" b="0" dirty="0">
+              <a:solidFill>
+                <a:schemeClr val="tx1">
+                  <a:lumMod val="50000"/>
+                </a:schemeClr>
+              </a:solidFill>
+              <a:effectLst/>
+              <a:latin typeface="Menlo" panose="020B0609030804020204" pitchFamily="49" charset="0"/>
+            </a:endParaRPr>
+          </a:p>
+        </p:txBody>
+      </p:sp>
+      <p:sp>
+        <p:nvSpPr>
+          <p:cNvPr id="12" name="Lightning Bolt 11">
+            <a:extLst>
+              <a:ext uri="{FF2B5EF4-FFF2-40B4-BE49-F238E27FC236}">
+                <a16:creationId xmlns:a16="http://schemas.microsoft.com/office/drawing/2014/main" id="{A5F0BA77-2C9E-BD0F-6E95-4C059C79D2B6}"/>
+              </a:ext>
+            </a:extLst>
+          </p:cNvPr>
+          <p:cNvSpPr/>
+          <p:nvPr/>
+        </p:nvSpPr>
+        <p:spPr>
+          <a:xfrm>
+            <a:off x="7633895" y="4407141"/>
+            <a:ext cx="205852" cy="340136"/>
+          </a:xfrm>
+          <a:prstGeom prst="lightningBolt">
+            <a:avLst/>
+          </a:prstGeom>
+          <a:solidFill>
+            <a:srgbClr val="FF0000"/>
+          </a:solidFill>
+        </p:spPr>
+        <p:style>
+          <a:lnRef idx="2">
+            <a:schemeClr val="accent1">
+              <a:shade val="50000"/>
+            </a:schemeClr>
+          </a:lnRef>
+          <a:fillRef idx="1">
+            <a:schemeClr val="accent1"/>
+          </a:fillRef>
+          <a:effectRef idx="0">
+            <a:schemeClr val="accent1"/>
+          </a:effectRef>
+          <a:fontRef idx="minor">
+            <a:schemeClr val="lt1"/>
+          </a:fontRef>
+        </p:style>
+        <p:txBody>
+          <a:bodyPr rtlCol="0" anchor="ctr"/>
+          <a:lstStyle/>
+          <a:p>
+            <a:pPr algn="ctr"/>
+            <a:endParaRPr lang="en-US"/>
+          </a:p>
+        </p:txBody>
+      </p:sp>
     </p:spTree>
     <p:extLst>
       <p:ext uri="{BB962C8B-B14F-4D97-AF65-F5344CB8AC3E}">

--- a/docs/SAGA_implementation.pptx
+++ b/docs/SAGA_implementation.pptx
@@ -263,7 +263,7 @@
           <a:p>
             <a:fld id="{198DD1AB-C11E-1747-BCCA-3C8476DF21EF}" type="datetimeFigureOut">
               <a:rPr lang="en-US" smtClean="0"/>
-              <a:t>5/16/22</a:t>
+              <a:t>5/17/22</a:t>
             </a:fld>
             <a:endParaRPr lang="en-US" dirty="0"/>
           </a:p>
@@ -463,7 +463,7 @@
           <a:p>
             <a:fld id="{198DD1AB-C11E-1747-BCCA-3C8476DF21EF}" type="datetimeFigureOut">
               <a:rPr lang="en-US" smtClean="0"/>
-              <a:t>5/16/22</a:t>
+              <a:t>5/17/22</a:t>
             </a:fld>
             <a:endParaRPr lang="en-US" dirty="0"/>
           </a:p>
@@ -673,7 +673,7 @@
           <a:p>
             <a:fld id="{198DD1AB-C11E-1747-BCCA-3C8476DF21EF}" type="datetimeFigureOut">
               <a:rPr lang="en-US" smtClean="0"/>
-              <a:t>5/16/22</a:t>
+              <a:t>5/17/22</a:t>
             </a:fld>
             <a:endParaRPr lang="en-US" dirty="0"/>
           </a:p>
@@ -873,7 +873,7 @@
           <a:p>
             <a:fld id="{198DD1AB-C11E-1747-BCCA-3C8476DF21EF}" type="datetimeFigureOut">
               <a:rPr lang="en-US" smtClean="0"/>
-              <a:t>5/16/22</a:t>
+              <a:t>5/17/22</a:t>
             </a:fld>
             <a:endParaRPr lang="en-US" dirty="0"/>
           </a:p>
@@ -1149,7 +1149,7 @@
           <a:p>
             <a:fld id="{198DD1AB-C11E-1747-BCCA-3C8476DF21EF}" type="datetimeFigureOut">
               <a:rPr lang="en-US" smtClean="0"/>
-              <a:t>5/16/22</a:t>
+              <a:t>5/17/22</a:t>
             </a:fld>
             <a:endParaRPr lang="en-US" dirty="0"/>
           </a:p>
@@ -1417,7 +1417,7 @@
           <a:p>
             <a:fld id="{198DD1AB-C11E-1747-BCCA-3C8476DF21EF}" type="datetimeFigureOut">
               <a:rPr lang="en-US" smtClean="0"/>
-              <a:t>5/16/22</a:t>
+              <a:t>5/17/22</a:t>
             </a:fld>
             <a:endParaRPr lang="en-US" dirty="0"/>
           </a:p>
@@ -1832,7 +1832,7 @@
           <a:p>
             <a:fld id="{198DD1AB-C11E-1747-BCCA-3C8476DF21EF}" type="datetimeFigureOut">
               <a:rPr lang="en-US" smtClean="0"/>
-              <a:t>5/16/22</a:t>
+              <a:t>5/17/22</a:t>
             </a:fld>
             <a:endParaRPr lang="en-US" dirty="0"/>
           </a:p>
@@ -1974,7 +1974,7 @@
           <a:p>
             <a:fld id="{198DD1AB-C11E-1747-BCCA-3C8476DF21EF}" type="datetimeFigureOut">
               <a:rPr lang="en-US" smtClean="0"/>
-              <a:t>5/16/22</a:t>
+              <a:t>5/17/22</a:t>
             </a:fld>
             <a:endParaRPr lang="en-US" dirty="0"/>
           </a:p>
@@ -2087,7 +2087,7 @@
           <a:p>
             <a:fld id="{198DD1AB-C11E-1747-BCCA-3C8476DF21EF}" type="datetimeFigureOut">
               <a:rPr lang="en-US" smtClean="0"/>
-              <a:t>5/16/22</a:t>
+              <a:t>5/17/22</a:t>
             </a:fld>
             <a:endParaRPr lang="en-US" dirty="0"/>
           </a:p>
@@ -2400,7 +2400,7 @@
           <a:p>
             <a:fld id="{198DD1AB-C11E-1747-BCCA-3C8476DF21EF}" type="datetimeFigureOut">
               <a:rPr lang="en-US" smtClean="0"/>
-              <a:t>5/16/22</a:t>
+              <a:t>5/17/22</a:t>
             </a:fld>
             <a:endParaRPr lang="en-US" dirty="0"/>
           </a:p>
@@ -2689,7 +2689,7 @@
           <a:p>
             <a:fld id="{198DD1AB-C11E-1747-BCCA-3C8476DF21EF}" type="datetimeFigureOut">
               <a:rPr lang="en-US" smtClean="0"/>
-              <a:t>5/16/22</a:t>
+              <a:t>5/17/22</a:t>
             </a:fld>
             <a:endParaRPr lang="en-US" dirty="0"/>
           </a:p>
@@ -2932,7 +2932,7 @@
           <a:p>
             <a:fld id="{198DD1AB-C11E-1747-BCCA-3C8476DF21EF}" type="datetimeFigureOut">
               <a:rPr lang="en-US" smtClean="0"/>
-              <a:t>5/16/22</a:t>
+              <a:t>5/17/22</a:t>
             </a:fld>
             <a:endParaRPr lang="en-US" dirty="0"/>
           </a:p>
@@ -16349,8 +16349,8 @@
         </p:nvSpPr>
         <p:spPr>
           <a:xfrm>
-            <a:off x="7633895" y="5278074"/>
-            <a:ext cx="598241" cy="369332"/>
+            <a:off x="7394320" y="5476088"/>
+            <a:ext cx="1080745" cy="230832"/>
           </a:xfrm>
           <a:prstGeom prst="rect">
             <a:avLst/>
@@ -16372,28 +16372,7 @@
                 </a:solidFill>
                 <a:latin typeface="Menlo" panose="020B0609030804020204" pitchFamily="49" charset="0"/>
               </a:rPr>
-              <a:t>Assign</a:t>
-            </a:r>
-            <a:br>
-              <a:rPr lang="en-US" sz="900" dirty="0">
-                <a:solidFill>
-                  <a:schemeClr val="tx1">
-                    <a:lumMod val="50000"/>
-                  </a:schemeClr>
-                </a:solidFill>
-                <a:latin typeface="Menlo" panose="020B0609030804020204" pitchFamily="49" charset="0"/>
-              </a:rPr>
-            </a:br>
-            <a:r>
-              <a:rPr lang="en-US" sz="900" dirty="0">
-                <a:solidFill>
-                  <a:schemeClr val="tx1">
-                    <a:lumMod val="50000"/>
-                  </a:schemeClr>
-                </a:solidFill>
-                <a:latin typeface="Menlo" panose="020B0609030804020204" pitchFamily="49" charset="0"/>
-              </a:rPr>
-              <a:t>Order</a:t>
+              <a:t>Order On Hold</a:t>
             </a:r>
             <a:endParaRPr lang="en-US" sz="900" b="0" dirty="0">
               <a:solidFill>
@@ -17400,12 +17379,17 @@
         </p:nvSpPr>
         <p:spPr>
           <a:xfrm>
-            <a:off x="4507582" y="4747277"/>
-            <a:ext cx="1080745" cy="369332"/>
+            <a:off x="4473121" y="4747277"/>
+            <a:ext cx="1149674" cy="369332"/>
           </a:xfrm>
           <a:prstGeom prst="rect">
             <a:avLst/>
           </a:prstGeom>
+          <a:solidFill>
+            <a:schemeClr val="bg1">
+              <a:lumMod val="85000"/>
+            </a:schemeClr>
+          </a:solidFill>
         </p:spPr>
         <p:txBody>
           <a:bodyPr wrap="none">
@@ -17424,7 +17408,7 @@
                 <a:effectLst/>
                 <a:latin typeface="Menlo" panose="020B0609030804020204" pitchFamily="49" charset="0"/>
               </a:rPr>
-              <a:t>OrderRejected</a:t>
+              <a:t>Order Updated</a:t>
             </a:r>
             <a:br>
               <a:rPr lang="en-US" sz="900" b="0" dirty="0">
@@ -17447,8 +17431,29 @@
                 <a:effectLst/>
                 <a:latin typeface="Menlo" panose="020B0609030804020204" pitchFamily="49" charset="0"/>
               </a:rPr>
-              <a:t>event</a:t>
+              <a:t>event - </a:t>
             </a:r>
+            <a:r>
+              <a:rPr lang="en-US" sz="900" b="0" dirty="0" err="1">
+                <a:solidFill>
+                  <a:schemeClr val="tx1">
+                    <a:lumMod val="50000"/>
+                  </a:schemeClr>
+                </a:solidFill>
+                <a:effectLst/>
+                <a:latin typeface="Menlo" panose="020B0609030804020204" pitchFamily="49" charset="0"/>
+              </a:rPr>
+              <a:t>OnHold</a:t>
+            </a:r>
+            <a:endParaRPr lang="en-US" sz="900" b="0" dirty="0">
+              <a:solidFill>
+                <a:schemeClr val="tx1">
+                  <a:lumMod val="50000"/>
+                </a:schemeClr>
+              </a:solidFill>
+              <a:effectLst/>
+              <a:latin typeface="Menlo" panose="020B0609030804020204" pitchFamily="49" charset="0"/>
+            </a:endParaRPr>
           </a:p>
         </p:txBody>
       </p:sp>
@@ -23848,78 +23853,6 @@
       </p:sp>
       <p:sp>
         <p:nvSpPr>
-          <p:cNvPr id="158" name="Rectangle 157">
-            <a:extLst>
-              <a:ext uri="{FF2B5EF4-FFF2-40B4-BE49-F238E27FC236}">
-                <a16:creationId xmlns:a16="http://schemas.microsoft.com/office/drawing/2014/main" id="{33651F68-5472-2349-A3ED-30EB29F42B46}"/>
-              </a:ext>
-            </a:extLst>
-          </p:cNvPr>
-          <p:cNvSpPr/>
-          <p:nvPr/>
-        </p:nvSpPr>
-        <p:spPr>
-          <a:xfrm>
-            <a:off x="7633895" y="5278074"/>
-            <a:ext cx="598241" cy="369332"/>
-          </a:xfrm>
-          <a:prstGeom prst="rect">
-            <a:avLst/>
-          </a:prstGeom>
-        </p:spPr>
-        <p:txBody>
-          <a:bodyPr wrap="none">
-            <a:spAutoFit/>
-          </a:bodyPr>
-          <a:lstStyle/>
-          <a:p>
-            <a:pPr algn="ctr"/>
-            <a:r>
-              <a:rPr lang="en-US" sz="900" dirty="0">
-                <a:solidFill>
-                  <a:schemeClr val="tx1">
-                    <a:lumMod val="50000"/>
-                  </a:schemeClr>
-                </a:solidFill>
-                <a:latin typeface="Menlo" panose="020B0609030804020204" pitchFamily="49" charset="0"/>
-              </a:rPr>
-              <a:t>Assign</a:t>
-            </a:r>
-            <a:br>
-              <a:rPr lang="en-US" sz="900" dirty="0">
-                <a:solidFill>
-                  <a:schemeClr val="tx1">
-                    <a:lumMod val="50000"/>
-                  </a:schemeClr>
-                </a:solidFill>
-                <a:latin typeface="Menlo" panose="020B0609030804020204" pitchFamily="49" charset="0"/>
-              </a:rPr>
-            </a:br>
-            <a:r>
-              <a:rPr lang="en-US" sz="900" dirty="0">
-                <a:solidFill>
-                  <a:schemeClr val="tx1">
-                    <a:lumMod val="50000"/>
-                  </a:schemeClr>
-                </a:solidFill>
-                <a:latin typeface="Menlo" panose="020B0609030804020204" pitchFamily="49" charset="0"/>
-              </a:rPr>
-              <a:t>Order</a:t>
-            </a:r>
-            <a:endParaRPr lang="en-US" sz="900" b="0" dirty="0">
-              <a:solidFill>
-                <a:schemeClr val="tx1">
-                  <a:lumMod val="50000"/>
-                </a:schemeClr>
-              </a:solidFill>
-              <a:effectLst/>
-              <a:latin typeface="Menlo" panose="020B0609030804020204" pitchFamily="49" charset="0"/>
-            </a:endParaRPr>
-          </a:p>
-        </p:txBody>
-      </p:sp>
-      <p:sp>
-        <p:nvSpPr>
           <p:cNvPr id="159" name="Rounded Rectangle 158">
             <a:extLst>
               <a:ext uri="{FF2B5EF4-FFF2-40B4-BE49-F238E27FC236}">
@@ -24450,7 +24383,23 @@
                   <a:schemeClr val="tx1"/>
                 </a:solidFill>
               </a:rPr>
-              <a:t>(Assigned)</a:t>
+              <a:t>(</a:t>
+            </a:r>
+            <a:r>
+              <a:rPr lang="en-US" sz="1200" dirty="0" err="1">
+                <a:solidFill>
+                  <a:schemeClr val="tx1"/>
+                </a:solidFill>
+              </a:rPr>
+              <a:t>OnHold</a:t>
+            </a:r>
+            <a:r>
+              <a:rPr lang="en-US" sz="1200" dirty="0">
+                <a:solidFill>
+                  <a:schemeClr val="tx1"/>
+                </a:solidFill>
+              </a:rPr>
+              <a:t>)</a:t>
             </a:r>
           </a:p>
         </p:txBody>
@@ -24941,72 +24890,6 @@
       </p:cxnSp>
       <p:sp>
         <p:nvSpPr>
-          <p:cNvPr id="70" name="Rectangle 69">
-            <a:extLst>
-              <a:ext uri="{FF2B5EF4-FFF2-40B4-BE49-F238E27FC236}">
-                <a16:creationId xmlns:a16="http://schemas.microsoft.com/office/drawing/2014/main" id="{02C1C18A-E166-7C3C-BBA0-1FC2247F95D2}"/>
-              </a:ext>
-            </a:extLst>
-          </p:cNvPr>
-          <p:cNvSpPr/>
-          <p:nvPr/>
-        </p:nvSpPr>
-        <p:spPr>
-          <a:xfrm>
-            <a:off x="4507582" y="4747277"/>
-            <a:ext cx="1080745" cy="369332"/>
-          </a:xfrm>
-          <a:prstGeom prst="rect">
-            <a:avLst/>
-          </a:prstGeom>
-        </p:spPr>
-        <p:txBody>
-          <a:bodyPr wrap="none">
-            <a:spAutoFit/>
-          </a:bodyPr>
-          <a:lstStyle/>
-          <a:p>
-            <a:pPr algn="ctr"/>
-            <a:r>
-              <a:rPr lang="en-US" sz="900" b="0" dirty="0">
-                <a:solidFill>
-                  <a:schemeClr val="tx1">
-                    <a:lumMod val="50000"/>
-                  </a:schemeClr>
-                </a:solidFill>
-                <a:effectLst/>
-                <a:latin typeface="Menlo" panose="020B0609030804020204" pitchFamily="49" charset="0"/>
-              </a:rPr>
-              <a:t>OrderRejected</a:t>
-            </a:r>
-            <a:br>
-              <a:rPr lang="en-US" sz="900" b="0" dirty="0">
-                <a:solidFill>
-                  <a:schemeClr val="tx1">
-                    <a:lumMod val="50000"/>
-                  </a:schemeClr>
-                </a:solidFill>
-                <a:effectLst/>
-                <a:latin typeface="Menlo" panose="020B0609030804020204" pitchFamily="49" charset="0"/>
-              </a:rPr>
-            </a:br>
-            <a:r>
-              <a:rPr lang="en-US" sz="900" b="0" dirty="0">
-                <a:solidFill>
-                  <a:schemeClr val="tx1">
-                    <a:lumMod val="50000"/>
-                  </a:schemeClr>
-                </a:solidFill>
-                <a:effectLst/>
-                <a:latin typeface="Menlo" panose="020B0609030804020204" pitchFamily="49" charset="0"/>
-              </a:rPr>
-              <a:t>event</a:t>
-            </a:r>
-          </a:p>
-        </p:txBody>
-      </p:sp>
-      <p:sp>
-        <p:nvSpPr>
           <p:cNvPr id="76" name="Process 75">
             <a:extLst>
               <a:ext uri="{FF2B5EF4-FFF2-40B4-BE49-F238E27FC236}">
@@ -26192,6 +26075,149 @@
           <a:p>
             <a:pPr algn="ctr"/>
             <a:endParaRPr lang="en-US"/>
+          </a:p>
+        </p:txBody>
+      </p:sp>
+      <p:sp>
+        <p:nvSpPr>
+          <p:cNvPr id="87" name="Rectangle 86">
+            <a:extLst>
+              <a:ext uri="{FF2B5EF4-FFF2-40B4-BE49-F238E27FC236}">
+                <a16:creationId xmlns:a16="http://schemas.microsoft.com/office/drawing/2014/main" id="{8533FD84-0AE4-F1A8-7424-7704580932BB}"/>
+              </a:ext>
+            </a:extLst>
+          </p:cNvPr>
+          <p:cNvSpPr/>
+          <p:nvPr/>
+        </p:nvSpPr>
+        <p:spPr>
+          <a:xfrm>
+            <a:off x="7394320" y="5476088"/>
+            <a:ext cx="1080745" cy="230832"/>
+          </a:xfrm>
+          <a:prstGeom prst="rect">
+            <a:avLst/>
+          </a:prstGeom>
+        </p:spPr>
+        <p:txBody>
+          <a:bodyPr wrap="none">
+            <a:spAutoFit/>
+          </a:bodyPr>
+          <a:lstStyle/>
+          <a:p>
+            <a:pPr algn="ctr"/>
+            <a:r>
+              <a:rPr lang="en-US" sz="900" dirty="0">
+                <a:solidFill>
+                  <a:schemeClr val="tx1">
+                    <a:lumMod val="50000"/>
+                  </a:schemeClr>
+                </a:solidFill>
+                <a:latin typeface="Menlo" panose="020B0609030804020204" pitchFamily="49" charset="0"/>
+              </a:rPr>
+              <a:t>Order On Hold</a:t>
+            </a:r>
+            <a:endParaRPr lang="en-US" sz="900" b="0" dirty="0">
+              <a:solidFill>
+                <a:schemeClr val="tx1">
+                  <a:lumMod val="50000"/>
+                </a:schemeClr>
+              </a:solidFill>
+              <a:effectLst/>
+              <a:latin typeface="Menlo" panose="020B0609030804020204" pitchFamily="49" charset="0"/>
+            </a:endParaRPr>
+          </a:p>
+        </p:txBody>
+      </p:sp>
+      <p:sp>
+        <p:nvSpPr>
+          <p:cNvPr id="88" name="Rectangle 87">
+            <a:extLst>
+              <a:ext uri="{FF2B5EF4-FFF2-40B4-BE49-F238E27FC236}">
+                <a16:creationId xmlns:a16="http://schemas.microsoft.com/office/drawing/2014/main" id="{6D61270D-50CB-6CF4-3227-36D4600040DC}"/>
+              </a:ext>
+            </a:extLst>
+          </p:cNvPr>
+          <p:cNvSpPr/>
+          <p:nvPr/>
+        </p:nvSpPr>
+        <p:spPr>
+          <a:xfrm>
+            <a:off x="4473121" y="4747277"/>
+            <a:ext cx="1149674" cy="369332"/>
+          </a:xfrm>
+          <a:prstGeom prst="rect">
+            <a:avLst/>
+          </a:prstGeom>
+          <a:solidFill>
+            <a:schemeClr val="bg1">
+              <a:lumMod val="85000"/>
+            </a:schemeClr>
+          </a:solidFill>
+        </p:spPr>
+        <p:txBody>
+          <a:bodyPr wrap="none">
+            <a:spAutoFit/>
+          </a:bodyPr>
+          <a:lstStyle/>
+          <a:p>
+            <a:pPr algn="ctr"/>
+            <a:r>
+              <a:rPr lang="en-US" sz="900" b="0" dirty="0">
+                <a:solidFill>
+                  <a:schemeClr val="tx1">
+                    <a:lumMod val="50000"/>
+                  </a:schemeClr>
+                </a:solidFill>
+                <a:effectLst/>
+                <a:latin typeface="Menlo" panose="020B0609030804020204" pitchFamily="49" charset="0"/>
+              </a:rPr>
+              <a:t>Order Updated</a:t>
+            </a:r>
+            <a:br>
+              <a:rPr lang="en-US" sz="900" b="0" dirty="0">
+                <a:solidFill>
+                  <a:schemeClr val="tx1">
+                    <a:lumMod val="50000"/>
+                  </a:schemeClr>
+                </a:solidFill>
+                <a:effectLst/>
+                <a:latin typeface="Menlo" panose="020B0609030804020204" pitchFamily="49" charset="0"/>
+              </a:rPr>
+            </a:br>
+            <a:r>
+              <a:rPr lang="en-US" sz="900" b="0" dirty="0">
+                <a:solidFill>
+                  <a:schemeClr val="tx1">
+                    <a:lumMod val="50000"/>
+                  </a:schemeClr>
+                </a:solidFill>
+                <a:effectLst/>
+                <a:latin typeface="Menlo" panose="020B0609030804020204" pitchFamily="49" charset="0"/>
+              </a:rPr>
+              <a:t>event - </a:t>
+            </a:r>
+            <a:r>
+              <a:rPr lang="en-US" sz="900" b="0" dirty="0" err="1">
+                <a:solidFill>
+                  <a:schemeClr val="tx1">
+                    <a:lumMod val="50000"/>
+                  </a:schemeClr>
+                </a:solidFill>
+                <a:effectLst/>
+                <a:latin typeface="Menlo" panose="020B0609030804020204" pitchFamily="49" charset="0"/>
+              </a:rPr>
+              <a:t>OnHold</a:t>
+            </a:r>
+            <a:endParaRPr lang="en-US" sz="900" b="0" dirty="0">
+              <a:solidFill>
+                <a:schemeClr val="tx1">
+                  <a:lumMod val="50000"/>
+                </a:schemeClr>
+              </a:solidFill>
+              <a:effectLst/>
+              <a:latin typeface="Menlo" panose="020B0609030804020204" pitchFamily="49" charset="0"/>
+            </a:endParaRPr>
           </a:p>
         </p:txBody>
       </p:sp>
